--- a/Intranet/Transparencia/Guia.pptx
+++ b/Intranet/Transparencia/Guia.pptx
@@ -17,22 +17,23 @@
     <p:sldId id="284" r:id="rId11"/>
     <p:sldId id="282" r:id="rId12"/>
     <p:sldId id="269" r:id="rId13"/>
-    <p:sldId id="256" r:id="rId14"/>
-    <p:sldId id="257" r:id="rId15"/>
-    <p:sldId id="258" r:id="rId16"/>
-    <p:sldId id="259" r:id="rId17"/>
-    <p:sldId id="264" r:id="rId18"/>
-    <p:sldId id="263" r:id="rId19"/>
-    <p:sldId id="262" r:id="rId20"/>
-    <p:sldId id="261" r:id="rId21"/>
-    <p:sldId id="265" r:id="rId22"/>
-    <p:sldId id="266" r:id="rId23"/>
-    <p:sldId id="267" r:id="rId24"/>
-    <p:sldId id="268" r:id="rId25"/>
-    <p:sldId id="270" r:id="rId26"/>
-    <p:sldId id="271" r:id="rId27"/>
-    <p:sldId id="272" r:id="rId28"/>
-    <p:sldId id="273" r:id="rId29"/>
+    <p:sldId id="285" r:id="rId14"/>
+    <p:sldId id="256" r:id="rId15"/>
+    <p:sldId id="257" r:id="rId16"/>
+    <p:sldId id="258" r:id="rId17"/>
+    <p:sldId id="259" r:id="rId18"/>
+    <p:sldId id="264" r:id="rId19"/>
+    <p:sldId id="263" r:id="rId20"/>
+    <p:sldId id="262" r:id="rId21"/>
+    <p:sldId id="261" r:id="rId22"/>
+    <p:sldId id="265" r:id="rId23"/>
+    <p:sldId id="266" r:id="rId24"/>
+    <p:sldId id="267" r:id="rId25"/>
+    <p:sldId id="268" r:id="rId26"/>
+    <p:sldId id="270" r:id="rId27"/>
+    <p:sldId id="271" r:id="rId28"/>
+    <p:sldId id="272" r:id="rId29"/>
+    <p:sldId id="273" r:id="rId30"/>
   </p:sldIdLst>
   <p:sldSz cx="9144000" cy="6858000" type="screen4x3"/>
   <p:notesSz cx="6858000" cy="9144000"/>
@@ -173,7 +174,7 @@
           <a:p>
             <a:fld id="{66B24769-D50D-4D57-8B32-C4B410169CFA}" type="datetimeFigureOut">
               <a:rPr lang="es-ES" smtClean="0"/>
-              <a:t>01/07/2024</a:t>
+              <a:t>02/07/2024</a:t>
             </a:fld>
             <a:endParaRPr lang="es-ES"/>
           </a:p>
@@ -343,7 +344,7 @@
           <a:p>
             <a:fld id="{66B24769-D50D-4D57-8B32-C4B410169CFA}" type="datetimeFigureOut">
               <a:rPr lang="es-ES" smtClean="0"/>
-              <a:t>01/07/2024</a:t>
+              <a:t>02/07/2024</a:t>
             </a:fld>
             <a:endParaRPr lang="es-ES"/>
           </a:p>
@@ -523,7 +524,7 @@
           <a:p>
             <a:fld id="{66B24769-D50D-4D57-8B32-C4B410169CFA}" type="datetimeFigureOut">
               <a:rPr lang="es-ES" smtClean="0"/>
-              <a:t>01/07/2024</a:t>
+              <a:t>02/07/2024</a:t>
             </a:fld>
             <a:endParaRPr lang="es-ES"/>
           </a:p>
@@ -715,7 +716,7 @@
           <a:p>
             <a:fld id="{66B24769-D50D-4D57-8B32-C4B410169CFA}" type="datetimeFigureOut">
               <a:rPr lang="es-ES" smtClean="0"/>
-              <a:t>01/07/2024</a:t>
+              <a:t>02/07/2024</a:t>
             </a:fld>
             <a:endParaRPr lang="es-ES"/>
           </a:p>
@@ -885,7 +886,7 @@
           <a:p>
             <a:fld id="{66B24769-D50D-4D57-8B32-C4B410169CFA}" type="datetimeFigureOut">
               <a:rPr lang="es-ES" smtClean="0"/>
-              <a:t>01/07/2024</a:t>
+              <a:t>02/07/2024</a:t>
             </a:fld>
             <a:endParaRPr lang="es-ES"/>
           </a:p>
@@ -1129,7 +1130,7 @@
           <a:p>
             <a:fld id="{66B24769-D50D-4D57-8B32-C4B410169CFA}" type="datetimeFigureOut">
               <a:rPr lang="es-ES" smtClean="0"/>
-              <a:t>01/07/2024</a:t>
+              <a:t>02/07/2024</a:t>
             </a:fld>
             <a:endParaRPr lang="es-ES"/>
           </a:p>
@@ -1361,7 +1362,7 @@
           <a:p>
             <a:fld id="{66B24769-D50D-4D57-8B32-C4B410169CFA}" type="datetimeFigureOut">
               <a:rPr lang="es-ES" smtClean="0"/>
-              <a:t>01/07/2024</a:t>
+              <a:t>02/07/2024</a:t>
             </a:fld>
             <a:endParaRPr lang="es-ES"/>
           </a:p>
@@ -1728,7 +1729,7 @@
           <a:p>
             <a:fld id="{66B24769-D50D-4D57-8B32-C4B410169CFA}" type="datetimeFigureOut">
               <a:rPr lang="es-ES" smtClean="0"/>
-              <a:t>01/07/2024</a:t>
+              <a:t>02/07/2024</a:t>
             </a:fld>
             <a:endParaRPr lang="es-ES"/>
           </a:p>
@@ -1846,7 +1847,7 @@
           <a:p>
             <a:fld id="{66B24769-D50D-4D57-8B32-C4B410169CFA}" type="datetimeFigureOut">
               <a:rPr lang="es-ES" smtClean="0"/>
-              <a:t>01/07/2024</a:t>
+              <a:t>02/07/2024</a:t>
             </a:fld>
             <a:endParaRPr lang="es-ES"/>
           </a:p>
@@ -2123,7 +2124,7 @@
           <a:p>
             <a:fld id="{66B24769-D50D-4D57-8B32-C4B410169CFA}" type="datetimeFigureOut">
               <a:rPr lang="es-ES" smtClean="0"/>
-              <a:t>01/07/2024</a:t>
+              <a:t>02/07/2024</a:t>
             </a:fld>
             <a:endParaRPr lang="es-ES"/>
           </a:p>
@@ -2380,7 +2381,7 @@
           <a:p>
             <a:fld id="{66B24769-D50D-4D57-8B32-C4B410169CFA}" type="datetimeFigureOut">
               <a:rPr lang="es-ES" smtClean="0"/>
-              <a:t>01/07/2024</a:t>
+              <a:t>02/07/2024</a:t>
             </a:fld>
             <a:endParaRPr lang="es-ES"/>
           </a:p>
@@ -2593,7 +2594,7 @@
           <a:p>
             <a:fld id="{66B24769-D50D-4D57-8B32-C4B410169CFA}" type="datetimeFigureOut">
               <a:rPr lang="es-ES" smtClean="0"/>
-              <a:t>01/07/2024</a:t>
+              <a:t>02/07/2024</a:t>
             </a:fld>
             <a:endParaRPr lang="es-ES"/>
           </a:p>
@@ -3071,7 +3072,7 @@
           <p:cNvPr id="4" name="Elipse 3">
             <a:extLst>
               <a:ext uri="{FF2B5EF4-FFF2-40B4-BE49-F238E27FC236}">
-                <a16:creationId xmlns:a16="http://schemas.microsoft.com/office/drawing/2014/main" id="{9F639B33-784D-A526-727C-7C5BAB9D4200}"/>
+                <a16:creationId xmlns:a16="http://schemas.microsoft.com/office/drawing/2014/main" xmlns="" id="{9F639B33-784D-A526-727C-7C5BAB9D4200}"/>
               </a:ext>
             </a:extLst>
           </p:cNvPr>
@@ -3121,7 +3122,7 @@
           <p:cNvPr id="5" name="CuadroTexto 4">
             <a:extLst>
               <a:ext uri="{FF2B5EF4-FFF2-40B4-BE49-F238E27FC236}">
-                <a16:creationId xmlns:a16="http://schemas.microsoft.com/office/drawing/2014/main" id="{B04F93B4-AD0F-5F49-972B-DE35977A28C4}"/>
+                <a16:creationId xmlns:a16="http://schemas.microsoft.com/office/drawing/2014/main" xmlns="" id="{B04F93B4-AD0F-5F49-972B-DE35977A28C4}"/>
               </a:ext>
             </a:extLst>
           </p:cNvPr>
@@ -3157,7 +3158,7 @@
           <p:cNvPr id="6" name="Elipse 5">
             <a:extLst>
               <a:ext uri="{FF2B5EF4-FFF2-40B4-BE49-F238E27FC236}">
-                <a16:creationId xmlns:a16="http://schemas.microsoft.com/office/drawing/2014/main" id="{DB20560C-9648-ECB2-DA88-369A865E1A55}"/>
+                <a16:creationId xmlns:a16="http://schemas.microsoft.com/office/drawing/2014/main" xmlns="" id="{DB20560C-9648-ECB2-DA88-369A865E1A55}"/>
               </a:ext>
             </a:extLst>
           </p:cNvPr>
@@ -3210,7 +3211,7 @@
           <p:cNvPr id="7" name="Conector recto 6">
             <a:extLst>
               <a:ext uri="{FF2B5EF4-FFF2-40B4-BE49-F238E27FC236}">
-                <a16:creationId xmlns:a16="http://schemas.microsoft.com/office/drawing/2014/main" id="{544D2426-FC08-0989-420B-0C7304949EE5}"/>
+                <a16:creationId xmlns:a16="http://schemas.microsoft.com/office/drawing/2014/main" xmlns="" id="{544D2426-FC08-0989-420B-0C7304949EE5}"/>
               </a:ext>
             </a:extLst>
           </p:cNvPr>
@@ -3255,7 +3256,7 @@
           <p:cNvPr id="8" name="Conector recto 7">
             <a:extLst>
               <a:ext uri="{FF2B5EF4-FFF2-40B4-BE49-F238E27FC236}">
-                <a16:creationId xmlns:a16="http://schemas.microsoft.com/office/drawing/2014/main" id="{4A2225B4-CAFB-4F29-E5DF-21DFA870936F}"/>
+                <a16:creationId xmlns:a16="http://schemas.microsoft.com/office/drawing/2014/main" xmlns="" id="{4A2225B4-CAFB-4F29-E5DF-21DFA870936F}"/>
               </a:ext>
             </a:extLst>
           </p:cNvPr>
@@ -3300,7 +3301,7 @@
           <p:cNvPr id="9" name="Conector recto 8">
             <a:extLst>
               <a:ext uri="{FF2B5EF4-FFF2-40B4-BE49-F238E27FC236}">
-                <a16:creationId xmlns:a16="http://schemas.microsoft.com/office/drawing/2014/main" id="{2B4D89B6-FA8E-C6C4-4AA7-62FCB8DCD732}"/>
+                <a16:creationId xmlns:a16="http://schemas.microsoft.com/office/drawing/2014/main" xmlns="" id="{2B4D89B6-FA8E-C6C4-4AA7-62FCB8DCD732}"/>
               </a:ext>
             </a:extLst>
           </p:cNvPr>
@@ -3345,7 +3346,7 @@
           <p:cNvPr id="10" name="Rectángulo 9">
             <a:extLst>
               <a:ext uri="{FF2B5EF4-FFF2-40B4-BE49-F238E27FC236}">
-                <a16:creationId xmlns:a16="http://schemas.microsoft.com/office/drawing/2014/main" id="{23730E1B-71DA-3FD7-F4B5-A76FC50F5200}"/>
+                <a16:creationId xmlns:a16="http://schemas.microsoft.com/office/drawing/2014/main" xmlns="" id="{23730E1B-71DA-3FD7-F4B5-A76FC50F5200}"/>
               </a:ext>
             </a:extLst>
           </p:cNvPr>
@@ -3394,7 +3395,7 @@
           <p:cNvPr id="11" name="Rectángulo 10">
             <a:extLst>
               <a:ext uri="{FF2B5EF4-FFF2-40B4-BE49-F238E27FC236}">
-                <a16:creationId xmlns:a16="http://schemas.microsoft.com/office/drawing/2014/main" id="{12521A4E-2E1C-5AF3-275C-1909C9090AF7}"/>
+                <a16:creationId xmlns:a16="http://schemas.microsoft.com/office/drawing/2014/main" xmlns="" id="{12521A4E-2E1C-5AF3-275C-1909C9090AF7}"/>
               </a:ext>
             </a:extLst>
           </p:cNvPr>
@@ -3443,7 +3444,7 @@
           <p:cNvPr id="12" name="Conector recto 11">
             <a:extLst>
               <a:ext uri="{FF2B5EF4-FFF2-40B4-BE49-F238E27FC236}">
-                <a16:creationId xmlns:a16="http://schemas.microsoft.com/office/drawing/2014/main" id="{371A8453-0613-C9F5-7A30-FA51F2278547}"/>
+                <a16:creationId xmlns:a16="http://schemas.microsoft.com/office/drawing/2014/main" xmlns="" id="{371A8453-0613-C9F5-7A30-FA51F2278547}"/>
               </a:ext>
             </a:extLst>
           </p:cNvPr>
@@ -3490,7 +3491,7 @@
           <p:cNvPr id="13" name="Conector recto 12">
             <a:extLst>
               <a:ext uri="{FF2B5EF4-FFF2-40B4-BE49-F238E27FC236}">
-                <a16:creationId xmlns:a16="http://schemas.microsoft.com/office/drawing/2014/main" id="{86BC2CB3-24DF-2A66-7917-E35397DFFE42}"/>
+                <a16:creationId xmlns:a16="http://schemas.microsoft.com/office/drawing/2014/main" xmlns="" id="{86BC2CB3-24DF-2A66-7917-E35397DFFE42}"/>
               </a:ext>
             </a:extLst>
           </p:cNvPr>
@@ -3530,7 +3531,7 @@
           <p:cNvPr id="14" name="Conector recto 13">
             <a:extLst>
               <a:ext uri="{FF2B5EF4-FFF2-40B4-BE49-F238E27FC236}">
-                <a16:creationId xmlns:a16="http://schemas.microsoft.com/office/drawing/2014/main" id="{86FFAA04-B734-51B2-FB76-22F6570BF194}"/>
+                <a16:creationId xmlns:a16="http://schemas.microsoft.com/office/drawing/2014/main" xmlns="" id="{86FFAA04-B734-51B2-FB76-22F6570BF194}"/>
               </a:ext>
             </a:extLst>
           </p:cNvPr>
@@ -3576,7 +3577,7 @@
           <p:cNvPr id="15" name="Conector recto 14">
             <a:extLst>
               <a:ext uri="{FF2B5EF4-FFF2-40B4-BE49-F238E27FC236}">
-                <a16:creationId xmlns:a16="http://schemas.microsoft.com/office/drawing/2014/main" id="{0A435E63-F302-0044-CA88-60E5D9D9C367}"/>
+                <a16:creationId xmlns:a16="http://schemas.microsoft.com/office/drawing/2014/main" xmlns="" id="{0A435E63-F302-0044-CA88-60E5D9D9C367}"/>
               </a:ext>
             </a:extLst>
           </p:cNvPr>
@@ -3621,7 +3622,7 @@
           <p:cNvPr id="16" name="Rectángulo 15">
             <a:extLst>
               <a:ext uri="{FF2B5EF4-FFF2-40B4-BE49-F238E27FC236}">
-                <a16:creationId xmlns:a16="http://schemas.microsoft.com/office/drawing/2014/main" id="{9C78A9A4-BBD0-ED3F-E4E8-71C7587DB659}"/>
+                <a16:creationId xmlns:a16="http://schemas.microsoft.com/office/drawing/2014/main" xmlns="" id="{9C78A9A4-BBD0-ED3F-E4E8-71C7587DB659}"/>
               </a:ext>
             </a:extLst>
           </p:cNvPr>
@@ -3668,7 +3669,7 @@
           <p:cNvPr id="17" name="Rectángulo 16">
             <a:extLst>
               <a:ext uri="{FF2B5EF4-FFF2-40B4-BE49-F238E27FC236}">
-                <a16:creationId xmlns:a16="http://schemas.microsoft.com/office/drawing/2014/main" id="{A7BD8948-1AD5-AE01-BB8C-42F2114FB226}"/>
+                <a16:creationId xmlns:a16="http://schemas.microsoft.com/office/drawing/2014/main" xmlns="" id="{A7BD8948-1AD5-AE01-BB8C-42F2114FB226}"/>
               </a:ext>
             </a:extLst>
           </p:cNvPr>
@@ -3717,7 +3718,7 @@
           <p:cNvPr id="18" name="CuadroTexto 17">
             <a:extLst>
               <a:ext uri="{FF2B5EF4-FFF2-40B4-BE49-F238E27FC236}">
-                <a16:creationId xmlns:a16="http://schemas.microsoft.com/office/drawing/2014/main" id="{CFED91E4-CEA5-E440-E545-77D45660DDB3}"/>
+                <a16:creationId xmlns:a16="http://schemas.microsoft.com/office/drawing/2014/main" xmlns="" id="{CFED91E4-CEA5-E440-E545-77D45660DDB3}"/>
               </a:ext>
             </a:extLst>
           </p:cNvPr>
@@ -3759,7 +3760,7 @@
           <p:cNvPr id="19" name="Rectángulo 18">
             <a:extLst>
               <a:ext uri="{FF2B5EF4-FFF2-40B4-BE49-F238E27FC236}">
-                <a16:creationId xmlns:a16="http://schemas.microsoft.com/office/drawing/2014/main" id="{A5FCFB2F-DD44-4113-AFB1-D8DE5E671509}"/>
+                <a16:creationId xmlns:a16="http://schemas.microsoft.com/office/drawing/2014/main" xmlns="" id="{A5FCFB2F-DD44-4113-AFB1-D8DE5E671509}"/>
               </a:ext>
             </a:extLst>
           </p:cNvPr>
@@ -3809,7 +3810,7 @@
           <p:cNvPr id="20" name="Rectángulo 19">
             <a:extLst>
               <a:ext uri="{FF2B5EF4-FFF2-40B4-BE49-F238E27FC236}">
-                <a16:creationId xmlns:a16="http://schemas.microsoft.com/office/drawing/2014/main" id="{26CC8B8B-9413-304D-7EA5-965079F9E05E}"/>
+                <a16:creationId xmlns:a16="http://schemas.microsoft.com/office/drawing/2014/main" xmlns="" id="{26CC8B8B-9413-304D-7EA5-965079F9E05E}"/>
               </a:ext>
             </a:extLst>
           </p:cNvPr>
@@ -3859,7 +3860,7 @@
           <p:cNvPr id="21" name="Rectángulo 20">
             <a:extLst>
               <a:ext uri="{FF2B5EF4-FFF2-40B4-BE49-F238E27FC236}">
-                <a16:creationId xmlns:a16="http://schemas.microsoft.com/office/drawing/2014/main" id="{0ECE2362-EEBA-EB2E-A0FD-5023D759F7BD}"/>
+                <a16:creationId xmlns:a16="http://schemas.microsoft.com/office/drawing/2014/main" xmlns="" id="{0ECE2362-EEBA-EB2E-A0FD-5023D759F7BD}"/>
               </a:ext>
             </a:extLst>
           </p:cNvPr>
@@ -3909,7 +3910,7 @@
           <p:cNvPr id="22" name="Conector recto 21">
             <a:extLst>
               <a:ext uri="{FF2B5EF4-FFF2-40B4-BE49-F238E27FC236}">
-                <a16:creationId xmlns:a16="http://schemas.microsoft.com/office/drawing/2014/main" id="{E50BEFB4-3C5C-27A8-699F-781CE16C6CF1}"/>
+                <a16:creationId xmlns:a16="http://schemas.microsoft.com/office/drawing/2014/main" xmlns="" id="{E50BEFB4-3C5C-27A8-699F-781CE16C6CF1}"/>
               </a:ext>
             </a:extLst>
           </p:cNvPr>
@@ -3947,7 +3948,7 @@
           <p:cNvPr id="23" name="Conector recto 22">
             <a:extLst>
               <a:ext uri="{FF2B5EF4-FFF2-40B4-BE49-F238E27FC236}">
-                <a16:creationId xmlns:a16="http://schemas.microsoft.com/office/drawing/2014/main" id="{E0F60DD2-682F-A00A-12A0-C9E50192D1AD}"/>
+                <a16:creationId xmlns:a16="http://schemas.microsoft.com/office/drawing/2014/main" xmlns="" id="{E0F60DD2-682F-A00A-12A0-C9E50192D1AD}"/>
               </a:ext>
             </a:extLst>
           </p:cNvPr>
@@ -3986,7 +3987,7 @@
           <p:cNvPr id="24" name="Conector recto 23">
             <a:extLst>
               <a:ext uri="{FF2B5EF4-FFF2-40B4-BE49-F238E27FC236}">
-                <a16:creationId xmlns:a16="http://schemas.microsoft.com/office/drawing/2014/main" id="{DA069DBF-751D-CEDD-6FB1-2D82C0F87EEF}"/>
+                <a16:creationId xmlns:a16="http://schemas.microsoft.com/office/drawing/2014/main" xmlns="" id="{DA069DBF-751D-CEDD-6FB1-2D82C0F87EEF}"/>
               </a:ext>
             </a:extLst>
           </p:cNvPr>
@@ -4025,7 +4026,7 @@
           <p:cNvPr id="25" name="Imagen 24">
             <a:extLst>
               <a:ext uri="{FF2B5EF4-FFF2-40B4-BE49-F238E27FC236}">
-                <a16:creationId xmlns:a16="http://schemas.microsoft.com/office/drawing/2014/main" id="{AFCBB22B-0133-7899-0340-019754CC45A1}"/>
+                <a16:creationId xmlns:a16="http://schemas.microsoft.com/office/drawing/2014/main" xmlns="" id="{AFCBB22B-0133-7899-0340-019754CC45A1}"/>
               </a:ext>
             </a:extLst>
           </p:cNvPr>
@@ -4062,7 +4063,7 @@
           <p:cNvPr id="27" name="Conector recto de flecha 26">
             <a:extLst>
               <a:ext uri="{FF2B5EF4-FFF2-40B4-BE49-F238E27FC236}">
-                <a16:creationId xmlns:a16="http://schemas.microsoft.com/office/drawing/2014/main" id="{67E99810-9BAA-CF30-8706-D2EA559D30D5}"/>
+                <a16:creationId xmlns:a16="http://schemas.microsoft.com/office/drawing/2014/main" xmlns="" id="{67E99810-9BAA-CF30-8706-D2EA559D30D5}"/>
               </a:ext>
             </a:extLst>
           </p:cNvPr>
@@ -4109,7 +4110,7 @@
           <p:cNvPr id="28" name="Conector recto de flecha 27">
             <a:extLst>
               <a:ext uri="{FF2B5EF4-FFF2-40B4-BE49-F238E27FC236}">
-                <a16:creationId xmlns:a16="http://schemas.microsoft.com/office/drawing/2014/main" id="{401929AE-38C0-6C8C-91EE-1A16CCE7DD5B}"/>
+                <a16:creationId xmlns:a16="http://schemas.microsoft.com/office/drawing/2014/main" xmlns="" id="{401929AE-38C0-6C8C-91EE-1A16CCE7DD5B}"/>
               </a:ext>
             </a:extLst>
           </p:cNvPr>
@@ -4157,7 +4158,7 @@
           <p:cNvPr id="31" name="Nube 30">
             <a:extLst>
               <a:ext uri="{FF2B5EF4-FFF2-40B4-BE49-F238E27FC236}">
-                <a16:creationId xmlns:a16="http://schemas.microsoft.com/office/drawing/2014/main" id="{59475CBE-9FAB-FB5B-8507-7B88DD97095D}"/>
+                <a16:creationId xmlns:a16="http://schemas.microsoft.com/office/drawing/2014/main" xmlns="" id="{59475CBE-9FAB-FB5B-8507-7B88DD97095D}"/>
               </a:ext>
             </a:extLst>
           </p:cNvPr>
@@ -4203,7 +4204,7 @@
           <p:cNvPr id="32" name="Sol 31">
             <a:extLst>
               <a:ext uri="{FF2B5EF4-FFF2-40B4-BE49-F238E27FC236}">
-                <a16:creationId xmlns:a16="http://schemas.microsoft.com/office/drawing/2014/main" id="{56BB391E-122D-A7DE-F14C-3F23A76CE3DF}"/>
+                <a16:creationId xmlns:a16="http://schemas.microsoft.com/office/drawing/2014/main" xmlns="" id="{56BB391E-122D-A7DE-F14C-3F23A76CE3DF}"/>
               </a:ext>
             </a:extLst>
           </p:cNvPr>
@@ -4279,7 +4280,7 @@
           <p:cNvPr id="4" name="Elipse 3">
             <a:extLst>
               <a:ext uri="{FF2B5EF4-FFF2-40B4-BE49-F238E27FC236}">
-                <a16:creationId xmlns:a16="http://schemas.microsoft.com/office/drawing/2014/main" id="{5428746F-4FB5-10D2-AE94-4A841E8AD8CE}"/>
+                <a16:creationId xmlns:a16="http://schemas.microsoft.com/office/drawing/2014/main" xmlns="" id="{5428746F-4FB5-10D2-AE94-4A841E8AD8CE}"/>
               </a:ext>
             </a:extLst>
           </p:cNvPr>
@@ -4332,7 +4333,7 @@
           <p:cNvPr id="6" name="Conector recto 5">
             <a:extLst>
               <a:ext uri="{FF2B5EF4-FFF2-40B4-BE49-F238E27FC236}">
-                <a16:creationId xmlns:a16="http://schemas.microsoft.com/office/drawing/2014/main" id="{B21B5086-88A0-1E3A-9846-3C0F498760E4}"/>
+                <a16:creationId xmlns:a16="http://schemas.microsoft.com/office/drawing/2014/main" xmlns="" id="{B21B5086-88A0-1E3A-9846-3C0F498760E4}"/>
               </a:ext>
             </a:extLst>
           </p:cNvPr>
@@ -4377,7 +4378,7 @@
           <p:cNvPr id="7" name="Conector recto 6">
             <a:extLst>
               <a:ext uri="{FF2B5EF4-FFF2-40B4-BE49-F238E27FC236}">
-                <a16:creationId xmlns:a16="http://schemas.microsoft.com/office/drawing/2014/main" id="{5CE2B762-F154-DD97-2346-0D2C142DA408}"/>
+                <a16:creationId xmlns:a16="http://schemas.microsoft.com/office/drawing/2014/main" xmlns="" id="{5CE2B762-F154-DD97-2346-0D2C142DA408}"/>
               </a:ext>
             </a:extLst>
           </p:cNvPr>
@@ -4422,7 +4423,7 @@
           <p:cNvPr id="10" name="Conector recto 9">
             <a:extLst>
               <a:ext uri="{FF2B5EF4-FFF2-40B4-BE49-F238E27FC236}">
-                <a16:creationId xmlns:a16="http://schemas.microsoft.com/office/drawing/2014/main" id="{9A26E0C4-8EAC-FB69-ECCF-F87C37D211C4}"/>
+                <a16:creationId xmlns:a16="http://schemas.microsoft.com/office/drawing/2014/main" xmlns="" id="{9A26E0C4-8EAC-FB69-ECCF-F87C37D211C4}"/>
               </a:ext>
             </a:extLst>
           </p:cNvPr>
@@ -4467,7 +4468,7 @@
           <p:cNvPr id="13" name="Rectángulo 12">
             <a:extLst>
               <a:ext uri="{FF2B5EF4-FFF2-40B4-BE49-F238E27FC236}">
-                <a16:creationId xmlns:a16="http://schemas.microsoft.com/office/drawing/2014/main" id="{CB048F46-59FF-B594-75BE-1E808F2CDB31}"/>
+                <a16:creationId xmlns:a16="http://schemas.microsoft.com/office/drawing/2014/main" xmlns="" id="{CB048F46-59FF-B594-75BE-1E808F2CDB31}"/>
               </a:ext>
             </a:extLst>
           </p:cNvPr>
@@ -4516,7 +4517,7 @@
           <p:cNvPr id="14" name="Rectángulo 13">
             <a:extLst>
               <a:ext uri="{FF2B5EF4-FFF2-40B4-BE49-F238E27FC236}">
-                <a16:creationId xmlns:a16="http://schemas.microsoft.com/office/drawing/2014/main" id="{8FE95218-E8DC-314B-0E1E-4C97EDDF5DE4}"/>
+                <a16:creationId xmlns:a16="http://schemas.microsoft.com/office/drawing/2014/main" xmlns="" id="{8FE95218-E8DC-314B-0E1E-4C97EDDF5DE4}"/>
               </a:ext>
             </a:extLst>
           </p:cNvPr>
@@ -4565,7 +4566,7 @@
           <p:cNvPr id="16" name="Conector recto 15">
             <a:extLst>
               <a:ext uri="{FF2B5EF4-FFF2-40B4-BE49-F238E27FC236}">
-                <a16:creationId xmlns:a16="http://schemas.microsoft.com/office/drawing/2014/main" id="{B01269B5-EC19-EBD1-D811-CBD0D796CE34}"/>
+                <a16:creationId xmlns:a16="http://schemas.microsoft.com/office/drawing/2014/main" xmlns="" id="{B01269B5-EC19-EBD1-D811-CBD0D796CE34}"/>
               </a:ext>
             </a:extLst>
           </p:cNvPr>
@@ -4612,7 +4613,7 @@
           <p:cNvPr id="17" name="Conector recto 16">
             <a:extLst>
               <a:ext uri="{FF2B5EF4-FFF2-40B4-BE49-F238E27FC236}">
-                <a16:creationId xmlns:a16="http://schemas.microsoft.com/office/drawing/2014/main" id="{02CD0D20-0EE7-FBD2-93C3-A501B55E192F}"/>
+                <a16:creationId xmlns:a16="http://schemas.microsoft.com/office/drawing/2014/main" xmlns="" id="{02CD0D20-0EE7-FBD2-93C3-A501B55E192F}"/>
               </a:ext>
             </a:extLst>
           </p:cNvPr>
@@ -4658,7 +4659,7 @@
           <p:cNvPr id="19" name="Conector recto 18">
             <a:extLst>
               <a:ext uri="{FF2B5EF4-FFF2-40B4-BE49-F238E27FC236}">
-                <a16:creationId xmlns:a16="http://schemas.microsoft.com/office/drawing/2014/main" id="{49864F9A-311D-A629-67A2-7926A56F1678}"/>
+                <a16:creationId xmlns:a16="http://schemas.microsoft.com/office/drawing/2014/main" xmlns="" id="{49864F9A-311D-A629-67A2-7926A56F1678}"/>
               </a:ext>
             </a:extLst>
           </p:cNvPr>
@@ -4704,7 +4705,7 @@
           <p:cNvPr id="26" name="Conector recto 25">
             <a:extLst>
               <a:ext uri="{FF2B5EF4-FFF2-40B4-BE49-F238E27FC236}">
-                <a16:creationId xmlns:a16="http://schemas.microsoft.com/office/drawing/2014/main" id="{89723E1F-3DDC-6831-50C9-00783E41393C}"/>
+                <a16:creationId xmlns:a16="http://schemas.microsoft.com/office/drawing/2014/main" xmlns="" id="{89723E1F-3DDC-6831-50C9-00783E41393C}"/>
               </a:ext>
             </a:extLst>
           </p:cNvPr>
@@ -4749,7 +4750,7 @@
           <p:cNvPr id="28" name="Rectángulo 27">
             <a:extLst>
               <a:ext uri="{FF2B5EF4-FFF2-40B4-BE49-F238E27FC236}">
-                <a16:creationId xmlns:a16="http://schemas.microsoft.com/office/drawing/2014/main" id="{F5CDF1BC-59B1-456E-46D8-39E6033BBB0E}"/>
+                <a16:creationId xmlns:a16="http://schemas.microsoft.com/office/drawing/2014/main" xmlns="" id="{F5CDF1BC-59B1-456E-46D8-39E6033BBB0E}"/>
               </a:ext>
             </a:extLst>
           </p:cNvPr>
@@ -4796,7 +4797,7 @@
           <p:cNvPr id="29" name="Rectángulo 28">
             <a:extLst>
               <a:ext uri="{FF2B5EF4-FFF2-40B4-BE49-F238E27FC236}">
-                <a16:creationId xmlns:a16="http://schemas.microsoft.com/office/drawing/2014/main" id="{532D8FDD-D695-BDD3-6124-CA4D855B5291}"/>
+                <a16:creationId xmlns:a16="http://schemas.microsoft.com/office/drawing/2014/main" xmlns="" id="{532D8FDD-D695-BDD3-6124-CA4D855B5291}"/>
               </a:ext>
             </a:extLst>
           </p:cNvPr>
@@ -4845,7 +4846,7 @@
           <p:cNvPr id="30" name="Elipse 29">
             <a:extLst>
               <a:ext uri="{FF2B5EF4-FFF2-40B4-BE49-F238E27FC236}">
-                <a16:creationId xmlns:a16="http://schemas.microsoft.com/office/drawing/2014/main" id="{E2F7B318-0651-BF13-5C03-48EDFBA57C9E}"/>
+                <a16:creationId xmlns:a16="http://schemas.microsoft.com/office/drawing/2014/main" xmlns="" id="{E2F7B318-0651-BF13-5C03-48EDFBA57C9E}"/>
               </a:ext>
             </a:extLst>
           </p:cNvPr>
@@ -4898,7 +4899,7 @@
           <p:cNvPr id="31" name="Conector recto 30">
             <a:extLst>
               <a:ext uri="{FF2B5EF4-FFF2-40B4-BE49-F238E27FC236}">
-                <a16:creationId xmlns:a16="http://schemas.microsoft.com/office/drawing/2014/main" id="{BF3B3D0B-614B-6BB3-5215-CD95477AA454}"/>
+                <a16:creationId xmlns:a16="http://schemas.microsoft.com/office/drawing/2014/main" xmlns="" id="{BF3B3D0B-614B-6BB3-5215-CD95477AA454}"/>
               </a:ext>
             </a:extLst>
           </p:cNvPr>
@@ -4943,7 +4944,7 @@
           <p:cNvPr id="32" name="Conector recto 31">
             <a:extLst>
               <a:ext uri="{FF2B5EF4-FFF2-40B4-BE49-F238E27FC236}">
-                <a16:creationId xmlns:a16="http://schemas.microsoft.com/office/drawing/2014/main" id="{395DC028-1A0B-8142-B70C-4A70F1BBCDEB}"/>
+                <a16:creationId xmlns:a16="http://schemas.microsoft.com/office/drawing/2014/main" xmlns="" id="{395DC028-1A0B-8142-B70C-4A70F1BBCDEB}"/>
               </a:ext>
             </a:extLst>
           </p:cNvPr>
@@ -4988,7 +4989,7 @@
           <p:cNvPr id="33" name="Conector recto 32">
             <a:extLst>
               <a:ext uri="{FF2B5EF4-FFF2-40B4-BE49-F238E27FC236}">
-                <a16:creationId xmlns:a16="http://schemas.microsoft.com/office/drawing/2014/main" id="{BD17AF99-E7A4-78BD-2742-634939794B3C}"/>
+                <a16:creationId xmlns:a16="http://schemas.microsoft.com/office/drawing/2014/main" xmlns="" id="{BD17AF99-E7A4-78BD-2742-634939794B3C}"/>
               </a:ext>
             </a:extLst>
           </p:cNvPr>
@@ -5033,7 +5034,7 @@
           <p:cNvPr id="34" name="Rectángulo 33">
             <a:extLst>
               <a:ext uri="{FF2B5EF4-FFF2-40B4-BE49-F238E27FC236}">
-                <a16:creationId xmlns:a16="http://schemas.microsoft.com/office/drawing/2014/main" id="{925AC354-C85A-CE66-415C-C0ED3DC19222}"/>
+                <a16:creationId xmlns:a16="http://schemas.microsoft.com/office/drawing/2014/main" xmlns="" id="{925AC354-C85A-CE66-415C-C0ED3DC19222}"/>
               </a:ext>
             </a:extLst>
           </p:cNvPr>
@@ -5082,7 +5083,7 @@
           <p:cNvPr id="35" name="Rectángulo 34">
             <a:extLst>
               <a:ext uri="{FF2B5EF4-FFF2-40B4-BE49-F238E27FC236}">
-                <a16:creationId xmlns:a16="http://schemas.microsoft.com/office/drawing/2014/main" id="{4016D5A7-603E-2BA1-4651-121BE7D0CB8E}"/>
+                <a16:creationId xmlns:a16="http://schemas.microsoft.com/office/drawing/2014/main" xmlns="" id="{4016D5A7-603E-2BA1-4651-121BE7D0CB8E}"/>
               </a:ext>
             </a:extLst>
           </p:cNvPr>
@@ -5131,7 +5132,7 @@
           <p:cNvPr id="36" name="Conector recto 35">
             <a:extLst>
               <a:ext uri="{FF2B5EF4-FFF2-40B4-BE49-F238E27FC236}">
-                <a16:creationId xmlns:a16="http://schemas.microsoft.com/office/drawing/2014/main" id="{58E20DE2-DA31-2279-3EAD-F293D39DE46F}"/>
+                <a16:creationId xmlns:a16="http://schemas.microsoft.com/office/drawing/2014/main" xmlns="" id="{58E20DE2-DA31-2279-3EAD-F293D39DE46F}"/>
               </a:ext>
             </a:extLst>
           </p:cNvPr>
@@ -5178,7 +5179,7 @@
           <p:cNvPr id="37" name="Conector recto 36">
             <a:extLst>
               <a:ext uri="{FF2B5EF4-FFF2-40B4-BE49-F238E27FC236}">
-                <a16:creationId xmlns:a16="http://schemas.microsoft.com/office/drawing/2014/main" id="{D04FDE05-13C0-D6F1-E03E-D9E6BDD37957}"/>
+                <a16:creationId xmlns:a16="http://schemas.microsoft.com/office/drawing/2014/main" xmlns="" id="{D04FDE05-13C0-D6F1-E03E-D9E6BDD37957}"/>
               </a:ext>
             </a:extLst>
           </p:cNvPr>
@@ -5224,7 +5225,7 @@
           <p:cNvPr id="38" name="Conector recto 37">
             <a:extLst>
               <a:ext uri="{FF2B5EF4-FFF2-40B4-BE49-F238E27FC236}">
-                <a16:creationId xmlns:a16="http://schemas.microsoft.com/office/drawing/2014/main" id="{2FF7E5D9-E20E-D416-B896-8A1A610C4A3A}"/>
+                <a16:creationId xmlns:a16="http://schemas.microsoft.com/office/drawing/2014/main" xmlns="" id="{2FF7E5D9-E20E-D416-B896-8A1A610C4A3A}"/>
               </a:ext>
             </a:extLst>
           </p:cNvPr>
@@ -5270,7 +5271,7 @@
           <p:cNvPr id="39" name="Conector recto 38">
             <a:extLst>
               <a:ext uri="{FF2B5EF4-FFF2-40B4-BE49-F238E27FC236}">
-                <a16:creationId xmlns:a16="http://schemas.microsoft.com/office/drawing/2014/main" id="{AE0179BD-9F03-D2C7-E346-521175D64070}"/>
+                <a16:creationId xmlns:a16="http://schemas.microsoft.com/office/drawing/2014/main" xmlns="" id="{AE0179BD-9F03-D2C7-E346-521175D64070}"/>
               </a:ext>
             </a:extLst>
           </p:cNvPr>
@@ -5315,7 +5316,7 @@
           <p:cNvPr id="40" name="Rectángulo 39">
             <a:extLst>
               <a:ext uri="{FF2B5EF4-FFF2-40B4-BE49-F238E27FC236}">
-                <a16:creationId xmlns:a16="http://schemas.microsoft.com/office/drawing/2014/main" id="{3F92F4A4-1CF1-3777-CD5D-120A8E413CF4}"/>
+                <a16:creationId xmlns:a16="http://schemas.microsoft.com/office/drawing/2014/main" xmlns="" id="{3F92F4A4-1CF1-3777-CD5D-120A8E413CF4}"/>
               </a:ext>
             </a:extLst>
           </p:cNvPr>
@@ -5362,7 +5363,7 @@
           <p:cNvPr id="41" name="Rectángulo 40">
             <a:extLst>
               <a:ext uri="{FF2B5EF4-FFF2-40B4-BE49-F238E27FC236}">
-                <a16:creationId xmlns:a16="http://schemas.microsoft.com/office/drawing/2014/main" id="{EF3224E2-5EAA-9061-3F32-B19EFBAC6351}"/>
+                <a16:creationId xmlns:a16="http://schemas.microsoft.com/office/drawing/2014/main" xmlns="" id="{EF3224E2-5EAA-9061-3F32-B19EFBAC6351}"/>
               </a:ext>
             </a:extLst>
           </p:cNvPr>
@@ -5409,7 +5410,7 @@
           <p:cNvPr id="42" name="CuadroTexto 41">
             <a:extLst>
               <a:ext uri="{FF2B5EF4-FFF2-40B4-BE49-F238E27FC236}">
-                <a16:creationId xmlns:a16="http://schemas.microsoft.com/office/drawing/2014/main" id="{F2D32BA4-AF63-4F7E-D75E-A9C1022C58F6}"/>
+                <a16:creationId xmlns:a16="http://schemas.microsoft.com/office/drawing/2014/main" xmlns="" id="{F2D32BA4-AF63-4F7E-D75E-A9C1022C58F6}"/>
               </a:ext>
             </a:extLst>
           </p:cNvPr>
@@ -5464,7 +5465,7 @@
           <p:cNvPr id="43" name="CuadroTexto 42">
             <a:extLst>
               <a:ext uri="{FF2B5EF4-FFF2-40B4-BE49-F238E27FC236}">
-                <a16:creationId xmlns:a16="http://schemas.microsoft.com/office/drawing/2014/main" id="{31751C79-2DFC-EAD5-1924-261A64E8D2E8}"/>
+                <a16:creationId xmlns:a16="http://schemas.microsoft.com/office/drawing/2014/main" xmlns="" id="{31751C79-2DFC-EAD5-1924-261A64E8D2E8}"/>
               </a:ext>
             </a:extLst>
           </p:cNvPr>
@@ -5511,7 +5512,7 @@
           <p:cNvPr id="44" name="Cerrar llave 43">
             <a:extLst>
               <a:ext uri="{FF2B5EF4-FFF2-40B4-BE49-F238E27FC236}">
-                <a16:creationId xmlns:a16="http://schemas.microsoft.com/office/drawing/2014/main" id="{8AAF30BA-A0D3-88FE-B937-38163FF0D14B}"/>
+                <a16:creationId xmlns:a16="http://schemas.microsoft.com/office/drawing/2014/main" xmlns="" id="{8AAF30BA-A0D3-88FE-B937-38163FF0D14B}"/>
               </a:ext>
             </a:extLst>
           </p:cNvPr>
@@ -5555,7 +5556,7 @@
           <p:cNvPr id="45" name="Cerrar llave 44">
             <a:extLst>
               <a:ext uri="{FF2B5EF4-FFF2-40B4-BE49-F238E27FC236}">
-                <a16:creationId xmlns:a16="http://schemas.microsoft.com/office/drawing/2014/main" id="{D001B8A9-8204-6A88-E705-7F19358A89FA}"/>
+                <a16:creationId xmlns:a16="http://schemas.microsoft.com/office/drawing/2014/main" xmlns="" id="{D001B8A9-8204-6A88-E705-7F19358A89FA}"/>
               </a:ext>
             </a:extLst>
           </p:cNvPr>
@@ -5599,7 +5600,7 @@
           <p:cNvPr id="46" name="CuadroTexto 45">
             <a:extLst>
               <a:ext uri="{FF2B5EF4-FFF2-40B4-BE49-F238E27FC236}">
-                <a16:creationId xmlns:a16="http://schemas.microsoft.com/office/drawing/2014/main" id="{A6961D47-7BC0-7DEF-34FC-EFE46D397295}"/>
+                <a16:creationId xmlns:a16="http://schemas.microsoft.com/office/drawing/2014/main" xmlns="" id="{A6961D47-7BC0-7DEF-34FC-EFE46D397295}"/>
               </a:ext>
             </a:extLst>
           </p:cNvPr>
@@ -5679,7 +5680,7 @@
           <p:cNvPr id="48" name="CuadroTexto 47">
             <a:extLst>
               <a:ext uri="{FF2B5EF4-FFF2-40B4-BE49-F238E27FC236}">
-                <a16:creationId xmlns:a16="http://schemas.microsoft.com/office/drawing/2014/main" id="{B3B59AEC-F7EB-DF62-1413-54CE69625802}"/>
+                <a16:creationId xmlns:a16="http://schemas.microsoft.com/office/drawing/2014/main" xmlns="" id="{B3B59AEC-F7EB-DF62-1413-54CE69625802}"/>
               </a:ext>
             </a:extLst>
           </p:cNvPr>
@@ -5715,7 +5716,7 @@
           <p:cNvPr id="49" name="CuadroTexto 48">
             <a:extLst>
               <a:ext uri="{FF2B5EF4-FFF2-40B4-BE49-F238E27FC236}">
-                <a16:creationId xmlns:a16="http://schemas.microsoft.com/office/drawing/2014/main" id="{CB371355-EF16-65A4-ABE5-58D424E8ADA5}"/>
+                <a16:creationId xmlns:a16="http://schemas.microsoft.com/office/drawing/2014/main" xmlns="" id="{CB371355-EF16-65A4-ABE5-58D424E8ADA5}"/>
               </a:ext>
             </a:extLst>
           </p:cNvPr>
@@ -5751,7 +5752,7 @@
           <p:cNvPr id="51" name="CuadroTexto 50">
             <a:extLst>
               <a:ext uri="{FF2B5EF4-FFF2-40B4-BE49-F238E27FC236}">
-                <a16:creationId xmlns:a16="http://schemas.microsoft.com/office/drawing/2014/main" id="{24AD2404-1BB6-339F-7EC6-5120DEB5381F}"/>
+                <a16:creationId xmlns:a16="http://schemas.microsoft.com/office/drawing/2014/main" xmlns="" id="{24AD2404-1BB6-339F-7EC6-5120DEB5381F}"/>
               </a:ext>
             </a:extLst>
           </p:cNvPr>
@@ -5880,82 +5881,10 @@
           <a:chExt cx="0" cy="0"/>
         </a:xfrm>
       </p:grpSpPr>
-      <p:pic>
-        <p:nvPicPr>
-          <p:cNvPr id="5" name="Imagen 4"/>
-          <p:cNvPicPr>
-            <a:picLocks noChangeAspect="1"/>
-          </p:cNvPicPr>
-          <p:nvPr/>
-        </p:nvPicPr>
-        <p:blipFill>
-          <a:blip r:embed="rId2"/>
-          <a:stretch>
-            <a:fillRect/>
-          </a:stretch>
-        </p:blipFill>
-        <p:spPr>
-          <a:xfrm>
-            <a:off x="444001" y="446314"/>
-            <a:ext cx="4676775" cy="2438400"/>
-          </a:xfrm>
-          <a:prstGeom prst="rect">
-            <a:avLst/>
-          </a:prstGeom>
-        </p:spPr>
-      </p:pic>
-      <p:pic>
-        <p:nvPicPr>
-          <p:cNvPr id="6" name="Imagen 5"/>
-          <p:cNvPicPr>
-            <a:picLocks noChangeAspect="1"/>
-          </p:cNvPicPr>
-          <p:nvPr/>
-        </p:nvPicPr>
-        <p:blipFill>
-          <a:blip r:embed="rId3"/>
-          <a:stretch>
-            <a:fillRect/>
-          </a:stretch>
-        </p:blipFill>
-        <p:spPr>
-          <a:xfrm>
-            <a:off x="2141084" y="2537189"/>
-            <a:ext cx="6429375" cy="2724150"/>
-          </a:xfrm>
-          <a:prstGeom prst="rect">
-            <a:avLst/>
-          </a:prstGeom>
-        </p:spPr>
-      </p:pic>
-      <p:pic>
-        <p:nvPicPr>
-          <p:cNvPr id="7" name="Imagen 6"/>
-          <p:cNvPicPr>
-            <a:picLocks noChangeAspect="1"/>
-          </p:cNvPicPr>
-          <p:nvPr/>
-        </p:nvPicPr>
-        <p:blipFill>
-          <a:blip r:embed="rId4"/>
-          <a:stretch>
-            <a:fillRect/>
-          </a:stretch>
-        </p:blipFill>
-        <p:spPr>
-          <a:xfrm>
-            <a:off x="2587670" y="5086350"/>
-            <a:ext cx="6372225" cy="1771650"/>
-          </a:xfrm>
-          <a:prstGeom prst="rect">
-            <a:avLst/>
-          </a:prstGeom>
-        </p:spPr>
-      </p:pic>
     </p:spTree>
     <p:extLst>
       <p:ext uri="{BB962C8B-B14F-4D97-AF65-F5344CB8AC3E}">
-        <p14:creationId xmlns:p14="http://schemas.microsoft.com/office/powerpoint/2010/main" val="2868978608"/>
+        <p14:creationId xmlns:p14="http://schemas.microsoft.com/office/powerpoint/2010/main" val="2120499991"/>
       </p:ext>
     </p:extLst>
   </p:cSld>
@@ -5998,8 +5927,8 @@
         </p:blipFill>
         <p:spPr>
           <a:xfrm>
-            <a:off x="239621" y="181247"/>
-            <a:ext cx="3857625" cy="3543300"/>
+            <a:off x="444001" y="446314"/>
+            <a:ext cx="4676775" cy="2438400"/>
           </a:xfrm>
           <a:prstGeom prst="rect">
             <a:avLst/>
@@ -6022,121 +5951,42 @@
         </p:blipFill>
         <p:spPr>
           <a:xfrm>
-            <a:off x="3306264" y="3200807"/>
-            <a:ext cx="4438650" cy="2886075"/>
+            <a:off x="2141084" y="2537189"/>
+            <a:ext cx="6429375" cy="2724150"/>
           </a:xfrm>
           <a:prstGeom prst="rect">
             <a:avLst/>
           </a:prstGeom>
         </p:spPr>
       </p:pic>
-      <p:sp>
-        <p:nvSpPr>
-          <p:cNvPr id="8" name="CuadroTexto 7"/>
-          <p:cNvSpPr txBox="1"/>
-          <p:nvPr/>
-        </p:nvSpPr>
-        <p:spPr>
-          <a:xfrm>
-            <a:off x="5125453" y="1191126"/>
-            <a:ext cx="2962542" cy="646331"/>
+      <p:pic>
+        <p:nvPicPr>
+          <p:cNvPr id="7" name="Imagen 6"/>
+          <p:cNvPicPr>
+            <a:picLocks noChangeAspect="1"/>
+          </p:cNvPicPr>
+          <p:nvPr/>
+        </p:nvPicPr>
+        <p:blipFill>
+          <a:blip r:embed="rId4"/>
+          <a:stretch>
+            <a:fillRect/>
+          </a:stretch>
+        </p:blipFill>
+        <p:spPr>
+          <a:xfrm>
+            <a:off x="2587670" y="5086350"/>
+            <a:ext cx="6372225" cy="1771650"/>
           </a:xfrm>
           <a:prstGeom prst="rect">
             <a:avLst/>
           </a:prstGeom>
-          <a:noFill/>
-        </p:spPr>
-        <p:txBody>
-          <a:bodyPr wrap="none" rtlCol="0">
-            <a:spAutoFit/>
-          </a:bodyPr>
-          <a:lstStyle/>
-          <a:p>
-            <a:pPr marL="342900" indent="-342900">
-              <a:buAutoNum type="arabicParenR"/>
-            </a:pPr>
-            <a:r>
-              <a:rPr lang="es-419" dirty="0"/>
-              <a:t>Posicionarse en la carpeta</a:t>
-            </a:r>
-          </a:p>
-          <a:p>
-            <a:r>
-              <a:rPr lang="es-419" dirty="0"/>
-              <a:t>       </a:t>
-            </a:r>
-            <a:r>
-              <a:rPr lang="es-419" b="1" dirty="0">
-                <a:solidFill>
-                  <a:srgbClr val="FF0000"/>
-                </a:solidFill>
-              </a:rPr>
-              <a:t>XAMPP</a:t>
-            </a:r>
-            <a:endParaRPr lang="es-ES" b="1" dirty="0">
-              <a:solidFill>
-                <a:srgbClr val="FF0000"/>
-              </a:solidFill>
-            </a:endParaRPr>
-          </a:p>
-        </p:txBody>
-      </p:sp>
-      <p:sp>
-        <p:nvSpPr>
-          <p:cNvPr id="9" name="CuadroTexto 8"/>
-          <p:cNvSpPr txBox="1"/>
-          <p:nvPr/>
-        </p:nvSpPr>
-        <p:spPr>
-          <a:xfrm>
-            <a:off x="239621" y="4995564"/>
-            <a:ext cx="2909643" cy="646331"/>
-          </a:xfrm>
-          <a:prstGeom prst="rect">
-            <a:avLst/>
-          </a:prstGeom>
-          <a:noFill/>
-        </p:spPr>
-        <p:txBody>
-          <a:bodyPr wrap="none" rtlCol="0">
-            <a:spAutoFit/>
-          </a:bodyPr>
-          <a:lstStyle/>
-          <a:p>
-            <a:r>
-              <a:rPr lang="es-419" dirty="0"/>
-              <a:t>2) Posicionarse en la carpeta </a:t>
-            </a:r>
-          </a:p>
-          <a:p>
-            <a:r>
-              <a:rPr lang="es-419" b="1" dirty="0">
-                <a:solidFill>
-                  <a:srgbClr val="FF0000"/>
-                </a:solidFill>
-              </a:rPr>
-              <a:t>    </a:t>
-            </a:r>
-            <a:r>
-              <a:rPr lang="es-419" b="1" dirty="0" err="1">
-                <a:solidFill>
-                  <a:srgbClr val="FF0000"/>
-                </a:solidFill>
-              </a:rPr>
-              <a:t>htdocs</a:t>
-            </a:r>
-            <a:endParaRPr lang="es-ES" b="1" dirty="0">
-              <a:solidFill>
-                <a:srgbClr val="FF0000"/>
-              </a:solidFill>
-            </a:endParaRPr>
-          </a:p>
-        </p:txBody>
-      </p:sp>
+        </p:spPr>
+      </p:pic>
     </p:spTree>
     <p:extLst>
       <p:ext uri="{BB962C8B-B14F-4D97-AF65-F5344CB8AC3E}">
-        <p14:creationId xmlns:p14="http://schemas.microsoft.com/office/powerpoint/2010/main" val="1373232808"/>
+        <p14:creationId xmlns:p14="http://schemas.microsoft.com/office/powerpoint/2010/main" val="2868978608"/>
       </p:ext>
     </p:extLst>
   </p:cSld>
@@ -6165,7 +6015,7 @@
       </p:grpSpPr>
       <p:pic>
         <p:nvPicPr>
-          <p:cNvPr id="4" name="Imagen 3"/>
+          <p:cNvPr id="5" name="Imagen 4"/>
           <p:cNvPicPr>
             <a:picLocks noChangeAspect="1"/>
           </p:cNvPicPr>
@@ -6179,8 +6029,8 @@
         </p:blipFill>
         <p:spPr>
           <a:xfrm>
-            <a:off x="230912" y="438014"/>
-            <a:ext cx="4162425" cy="2428875"/>
+            <a:off x="239621" y="181247"/>
+            <a:ext cx="3857625" cy="3543300"/>
           </a:xfrm>
           <a:prstGeom prst="rect">
             <a:avLst/>
@@ -6203,8 +6053,8 @@
         </p:blipFill>
         <p:spPr>
           <a:xfrm>
-            <a:off x="3615103" y="2866889"/>
-            <a:ext cx="3943350" cy="3190875"/>
+            <a:off x="3306264" y="3200807"/>
+            <a:ext cx="4438650" cy="2886075"/>
           </a:xfrm>
           <a:prstGeom prst="rect">
             <a:avLst/>
@@ -6213,14 +6063,14 @@
       </p:pic>
       <p:sp>
         <p:nvSpPr>
-          <p:cNvPr id="7" name="CuadroTexto 6"/>
+          <p:cNvPr id="8" name="CuadroTexto 7"/>
           <p:cNvSpPr txBox="1"/>
           <p:nvPr/>
         </p:nvSpPr>
         <p:spPr>
           <a:xfrm>
             <a:off x="5125453" y="1191126"/>
-            <a:ext cx="2856744" cy="646331"/>
+            <a:ext cx="2962542" cy="646331"/>
           </a:xfrm>
           <a:prstGeom prst="rect">
             <a:avLst/>
@@ -6233,9 +6083,12 @@
           </a:bodyPr>
           <a:lstStyle/>
           <a:p>
+            <a:pPr marL="342900" indent="-342900">
+              <a:buAutoNum type="arabicParenR"/>
+            </a:pPr>
             <a:r>
               <a:rPr lang="es-419" dirty="0"/>
-              <a:t>3) Posicionarse en la carpeta</a:t>
+              <a:t>Posicionarse en la carpeta</a:t>
             </a:r>
           </a:p>
           <a:p>
@@ -6249,7 +6102,7 @@
                   <a:srgbClr val="FF0000"/>
                 </a:solidFill>
               </a:rPr>
-              <a:t>Intranet</a:t>
+              <a:t>XAMPP</a:t>
             </a:r>
             <a:endParaRPr lang="es-ES" b="1" dirty="0">
               <a:solidFill>
@@ -6261,14 +6114,14 @@
       </p:sp>
       <p:sp>
         <p:nvSpPr>
-          <p:cNvPr id="8" name="CuadroTexto 7"/>
+          <p:cNvPr id="9" name="CuadroTexto 8"/>
           <p:cNvSpPr txBox="1"/>
           <p:nvPr/>
         </p:nvSpPr>
         <p:spPr>
           <a:xfrm>
-            <a:off x="356937" y="4462326"/>
-            <a:ext cx="2856744" cy="646331"/>
+            <a:off x="239621" y="4995564"/>
+            <a:ext cx="2909643" cy="646331"/>
           </a:xfrm>
           <a:prstGeom prst="rect">
             <a:avLst/>
@@ -6283,21 +6136,25 @@
           <a:p>
             <a:r>
               <a:rPr lang="es-419" dirty="0"/>
-              <a:t>4) Posicionarse en la carpeta</a:t>
-            </a:r>
-          </a:p>
-          <a:p>
-            <a:r>
-              <a:rPr lang="es-419" dirty="0"/>
-              <a:t>       </a:t>
-            </a:r>
+              <a:t>2) Posicionarse en la carpeta </a:t>
+            </a:r>
+          </a:p>
+          <a:p>
             <a:r>
               <a:rPr lang="es-419" b="1" dirty="0">
                 <a:solidFill>
                   <a:srgbClr val="FF0000"/>
                 </a:solidFill>
               </a:rPr>
-              <a:t>Transparencia</a:t>
+              <a:t>    </a:t>
+            </a:r>
+            <a:r>
+              <a:rPr lang="es-419" b="1" dirty="0" err="1">
+                <a:solidFill>
+                  <a:srgbClr val="FF0000"/>
+                </a:solidFill>
+              </a:rPr>
+              <a:t>htdocs</a:t>
             </a:r>
             <a:endParaRPr lang="es-ES" b="1" dirty="0">
               <a:solidFill>
@@ -6310,7 +6167,7 @@
     </p:spTree>
     <p:extLst>
       <p:ext uri="{BB962C8B-B14F-4D97-AF65-F5344CB8AC3E}">
-        <p14:creationId xmlns:p14="http://schemas.microsoft.com/office/powerpoint/2010/main" val="678998481"/>
+        <p14:creationId xmlns:p14="http://schemas.microsoft.com/office/powerpoint/2010/main" val="1373232808"/>
       </p:ext>
     </p:extLst>
   </p:cSld>
@@ -6353,8 +6210,8 @@
         </p:blipFill>
         <p:spPr>
           <a:xfrm>
-            <a:off x="189411" y="480060"/>
-            <a:ext cx="4114800" cy="2057400"/>
+            <a:off x="230912" y="438014"/>
+            <a:ext cx="4162425" cy="2428875"/>
           </a:xfrm>
           <a:prstGeom prst="rect">
             <a:avLst/>
@@ -6363,7 +6220,7 @@
       </p:pic>
       <p:pic>
         <p:nvPicPr>
-          <p:cNvPr id="5" name="Imagen 4"/>
+          <p:cNvPr id="6" name="Imagen 5"/>
           <p:cNvPicPr>
             <a:picLocks noChangeAspect="1"/>
           </p:cNvPicPr>
@@ -6377,8 +6234,8 @@
         </p:blipFill>
         <p:spPr>
           <a:xfrm>
-            <a:off x="2997926" y="3965257"/>
-            <a:ext cx="4114800" cy="2219325"/>
+            <a:off x="3615103" y="2866889"/>
+            <a:ext cx="3943350" cy="3190875"/>
           </a:xfrm>
           <a:prstGeom prst="rect">
             <a:avLst/>
@@ -6387,14 +6244,14 @@
       </p:pic>
       <p:sp>
         <p:nvSpPr>
-          <p:cNvPr id="6" name="CuadroTexto 5"/>
+          <p:cNvPr id="7" name="CuadroTexto 6"/>
           <p:cNvSpPr txBox="1"/>
           <p:nvPr/>
         </p:nvSpPr>
         <p:spPr>
           <a:xfrm>
-            <a:off x="5055326" y="1185594"/>
-            <a:ext cx="2856744" cy="1754326"/>
+            <a:off x="5125453" y="1191126"/>
+            <a:ext cx="2856744" cy="646331"/>
           </a:xfrm>
           <a:prstGeom prst="rect">
             <a:avLst/>
@@ -6409,7 +6266,7 @@
           <a:p>
             <a:r>
               <a:rPr lang="es-419" dirty="0"/>
-              <a:t>5) Posicionarse en la carpeta</a:t>
+              <a:t>3) Posicionarse en la carpeta</a:t>
             </a:r>
           </a:p>
           <a:p>
@@ -6423,46 +6280,25 @@
                   <a:srgbClr val="FF0000"/>
                 </a:solidFill>
               </a:rPr>
-              <a:t>A903</a:t>
-            </a:r>
-          </a:p>
-          <a:p>
-            <a:endParaRPr lang="es-419" b="1" dirty="0">
+              <a:t>Intranet</a:t>
+            </a:r>
+            <a:endParaRPr lang="es-ES" b="1" dirty="0">
               <a:solidFill>
                 <a:srgbClr val="FF0000"/>
               </a:solidFill>
             </a:endParaRPr>
           </a:p>
-          <a:p>
-            <a:r>
-              <a:rPr lang="es-419" dirty="0"/>
-              <a:t>Pasos para copiar la carpeta:</a:t>
-            </a:r>
-          </a:p>
-          <a:p>
-            <a:r>
-              <a:rPr lang="es-419" dirty="0"/>
-              <a:t>   CTRL + C     Copiar</a:t>
-            </a:r>
-          </a:p>
-          <a:p>
-            <a:r>
-              <a:rPr lang="es-419" dirty="0"/>
-              <a:t>   CTRL + V     Pegar</a:t>
-            </a:r>
-            <a:endParaRPr lang="es-ES" dirty="0"/>
-          </a:p>
-        </p:txBody>
-      </p:sp>
-      <p:sp>
-        <p:nvSpPr>
-          <p:cNvPr id="7" name="CuadroTexto 6"/>
+        </p:txBody>
+      </p:sp>
+      <p:sp>
+        <p:nvSpPr>
+          <p:cNvPr id="8" name="CuadroTexto 7"/>
           <p:cNvSpPr txBox="1"/>
           <p:nvPr/>
         </p:nvSpPr>
         <p:spPr>
           <a:xfrm>
-            <a:off x="200120" y="4189478"/>
+            <a:off x="356937" y="4462326"/>
             <a:ext cx="2856744" cy="646331"/>
           </a:xfrm>
           <a:prstGeom prst="rect">
@@ -6478,7 +6314,7 @@
           <a:p>
             <a:r>
               <a:rPr lang="es-419" dirty="0"/>
-              <a:t>6) Posicionarse en la carpeta</a:t>
+              <a:t>4) Posicionarse en la carpeta</a:t>
             </a:r>
           </a:p>
           <a:p>
@@ -6492,7 +6328,7 @@
                   <a:srgbClr val="FF0000"/>
                 </a:solidFill>
               </a:rPr>
-              <a:t>A903 - copia</a:t>
+              <a:t>Transparencia</a:t>
             </a:r>
             <a:endParaRPr lang="es-ES" b="1" dirty="0">
               <a:solidFill>
@@ -6505,7 +6341,7 @@
     </p:spTree>
     <p:extLst>
       <p:ext uri="{BB962C8B-B14F-4D97-AF65-F5344CB8AC3E}">
-        <p14:creationId xmlns:p14="http://schemas.microsoft.com/office/powerpoint/2010/main" val="3143307531"/>
+        <p14:creationId xmlns:p14="http://schemas.microsoft.com/office/powerpoint/2010/main" val="678998481"/>
       </p:ext>
     </p:extLst>
   </p:cSld>
@@ -6534,7 +6370,7 @@
       </p:grpSpPr>
       <p:pic>
         <p:nvPicPr>
-          <p:cNvPr id="6" name="Imagen 5"/>
+          <p:cNvPr id="4" name="Imagen 3"/>
           <p:cNvPicPr>
             <a:picLocks noChangeAspect="1"/>
           </p:cNvPicPr>
@@ -6548,8 +6384,8 @@
         </p:blipFill>
         <p:spPr>
           <a:xfrm>
-            <a:off x="1741736" y="2678975"/>
-            <a:ext cx="3781425" cy="1628775"/>
+            <a:off x="189411" y="480060"/>
+            <a:ext cx="4114800" cy="2057400"/>
           </a:xfrm>
           <a:prstGeom prst="rect">
             <a:avLst/>
@@ -6558,7 +6394,7 @@
       </p:pic>
       <p:pic>
         <p:nvPicPr>
-          <p:cNvPr id="24" name="Imagen 23"/>
+          <p:cNvPr id="5" name="Imagen 4"/>
           <p:cNvPicPr>
             <a:picLocks noChangeAspect="1"/>
           </p:cNvPicPr>
@@ -6572,97 +6408,24 @@
         </p:blipFill>
         <p:spPr>
           <a:xfrm>
-            <a:off x="4680041" y="3863596"/>
-            <a:ext cx="3145380" cy="2885329"/>
+            <a:off x="2997926" y="3965257"/>
+            <a:ext cx="4114800" cy="2219325"/>
           </a:xfrm>
           <a:prstGeom prst="rect">
             <a:avLst/>
           </a:prstGeom>
         </p:spPr>
       </p:pic>
-      <p:pic>
-        <p:nvPicPr>
-          <p:cNvPr id="5" name="Imagen 4"/>
-          <p:cNvPicPr>
-            <a:picLocks noChangeAspect="1"/>
-          </p:cNvPicPr>
-          <p:nvPr/>
-        </p:nvPicPr>
-        <p:blipFill>
-          <a:blip r:embed="rId4"/>
-          <a:stretch>
-            <a:fillRect/>
-          </a:stretch>
-        </p:blipFill>
-        <p:spPr>
-          <a:xfrm>
-            <a:off x="127091" y="315414"/>
-            <a:ext cx="4552950" cy="2647950"/>
-          </a:xfrm>
-          <a:prstGeom prst="rect">
-            <a:avLst/>
-          </a:prstGeom>
-        </p:spPr>
-      </p:pic>
-      <p:sp>
-        <p:nvSpPr>
-          <p:cNvPr id="12" name="Elipse 11"/>
-          <p:cNvSpPr/>
-          <p:nvPr/>
-        </p:nvSpPr>
-        <p:spPr>
-          <a:xfrm>
-            <a:off x="7033083" y="6100356"/>
-            <a:ext cx="247082" cy="200979"/>
-          </a:xfrm>
-          <a:prstGeom prst="ellipse">
-            <a:avLst/>
-          </a:prstGeom>
-          <a:solidFill>
-            <a:schemeClr val="accent6">
-              <a:lumMod val="75000"/>
-            </a:schemeClr>
-          </a:solidFill>
-        </p:spPr>
-        <p:style>
-          <a:lnRef idx="2">
-            <a:schemeClr val="accent1">
-              <a:shade val="50000"/>
-            </a:schemeClr>
-          </a:lnRef>
-          <a:fillRef idx="1">
-            <a:schemeClr val="accent1"/>
-          </a:fillRef>
-          <a:effectRef idx="0">
-            <a:schemeClr val="accent1"/>
-          </a:effectRef>
-          <a:fontRef idx="minor">
-            <a:schemeClr val="lt1"/>
-          </a:fontRef>
-        </p:style>
-        <p:txBody>
-          <a:bodyPr rtlCol="0" anchor="ctr"/>
-          <a:lstStyle/>
-          <a:p>
-            <a:pPr algn="ctr"/>
-            <a:r>
-              <a:rPr lang="es-419" dirty="0"/>
-              <a:t>1</a:t>
-            </a:r>
-            <a:endParaRPr lang="es-ES" dirty="0"/>
-          </a:p>
-        </p:txBody>
-      </p:sp>
-      <p:sp>
-        <p:nvSpPr>
-          <p:cNvPr id="14" name="CuadroTexto 13"/>
+      <p:sp>
+        <p:nvSpPr>
+          <p:cNvPr id="6" name="CuadroTexto 5"/>
           <p:cNvSpPr txBox="1"/>
           <p:nvPr/>
         </p:nvSpPr>
         <p:spPr>
           <a:xfrm>
-            <a:off x="5217288" y="993058"/>
-            <a:ext cx="3752502" cy="923330"/>
+            <a:off x="5055326" y="1185594"/>
+            <a:ext cx="2856744" cy="1754326"/>
           </a:xfrm>
           <a:prstGeom prst="rect">
             <a:avLst/>
@@ -6677,7 +6440,7 @@
           <a:p>
             <a:r>
               <a:rPr lang="es-419" dirty="0"/>
-              <a:t>7) Digitar F2 para renombra la carpeta</a:t>
+              <a:t>5) Posicionarse en la carpeta</a:t>
             </a:r>
           </a:p>
           <a:p>
@@ -6691,17 +6454,76 @@
                   <a:srgbClr val="FF0000"/>
                 </a:solidFill>
               </a:rPr>
-              <a:t>A903 – copia</a:t>
-            </a:r>
-          </a:p>
-          <a:p>
+              <a:t>A903</a:t>
+            </a:r>
+          </a:p>
+          <a:p>
+            <a:endParaRPr lang="es-419" b="1" dirty="0">
+              <a:solidFill>
+                <a:srgbClr val="FF0000"/>
+              </a:solidFill>
+            </a:endParaRPr>
+          </a:p>
+          <a:p>
+            <a:r>
+              <a:rPr lang="es-419" dirty="0"/>
+              <a:t>Pasos para copiar la carpeta:</a:t>
+            </a:r>
+          </a:p>
+          <a:p>
+            <a:r>
+              <a:rPr lang="es-419" dirty="0"/>
+              <a:t>   CTRL + C     Copiar</a:t>
+            </a:r>
+          </a:p>
+          <a:p>
+            <a:r>
+              <a:rPr lang="es-419" dirty="0"/>
+              <a:t>   CTRL + V     Pegar</a:t>
+            </a:r>
+            <a:endParaRPr lang="es-ES" dirty="0"/>
+          </a:p>
+        </p:txBody>
+      </p:sp>
+      <p:sp>
+        <p:nvSpPr>
+          <p:cNvPr id="7" name="CuadroTexto 6"/>
+          <p:cNvSpPr txBox="1"/>
+          <p:nvPr/>
+        </p:nvSpPr>
+        <p:spPr>
+          <a:xfrm>
+            <a:off x="200120" y="4189478"/>
+            <a:ext cx="2856744" cy="646331"/>
+          </a:xfrm>
+          <a:prstGeom prst="rect">
+            <a:avLst/>
+          </a:prstGeom>
+          <a:noFill/>
+        </p:spPr>
+        <p:txBody>
+          <a:bodyPr wrap="none" rtlCol="0">
+            <a:spAutoFit/>
+          </a:bodyPr>
+          <a:lstStyle/>
+          <a:p>
+            <a:r>
+              <a:rPr lang="es-419" dirty="0"/>
+              <a:t>6) Posicionarse en la carpeta</a:t>
+            </a:r>
+          </a:p>
+          <a:p>
+            <a:r>
+              <a:rPr lang="es-419" dirty="0"/>
+              <a:t>       </a:t>
+            </a:r>
             <a:r>
               <a:rPr lang="es-419" b="1" dirty="0">
                 <a:solidFill>
                   <a:srgbClr val="FF0000"/>
                 </a:solidFill>
               </a:rPr>
-              <a:t>   </a:t>
+              <a:t>A903 - copia</a:t>
             </a:r>
             <a:endParaRPr lang="es-ES" b="1" dirty="0">
               <a:solidFill>
@@ -6711,531 +6533,10 @@
           </a:p>
         </p:txBody>
       </p:sp>
-      <p:sp>
-        <p:nvSpPr>
-          <p:cNvPr id="15" name="CuadroTexto 14"/>
-          <p:cNvSpPr txBox="1"/>
-          <p:nvPr/>
-        </p:nvSpPr>
-        <p:spPr>
-          <a:xfrm>
-            <a:off x="5664585" y="2607357"/>
-            <a:ext cx="2454198" cy="923330"/>
-          </a:xfrm>
-          <a:prstGeom prst="rect">
-            <a:avLst/>
-          </a:prstGeom>
-          <a:noFill/>
-        </p:spPr>
-        <p:txBody>
-          <a:bodyPr wrap="none" rtlCol="0">
-            <a:spAutoFit/>
-          </a:bodyPr>
-          <a:lstStyle/>
-          <a:p>
-            <a:r>
-              <a:rPr lang="es-419" dirty="0"/>
-              <a:t>8) Renombrar la carpeta</a:t>
-            </a:r>
-          </a:p>
-          <a:p>
-            <a:r>
-              <a:rPr lang="es-419" dirty="0"/>
-              <a:t>       </a:t>
-            </a:r>
-            <a:r>
-              <a:rPr lang="es-419" b="1" dirty="0">
-                <a:solidFill>
-                  <a:srgbClr val="FF0000"/>
-                </a:solidFill>
-              </a:rPr>
-              <a:t>A904</a:t>
-            </a:r>
-          </a:p>
-          <a:p>
-            <a:r>
-              <a:rPr lang="es-419" b="1" dirty="0">
-                <a:solidFill>
-                  <a:srgbClr val="FF0000"/>
-                </a:solidFill>
-              </a:rPr>
-              <a:t>   </a:t>
-            </a:r>
-            <a:endParaRPr lang="es-ES" b="1" dirty="0">
-              <a:solidFill>
-                <a:srgbClr val="FF0000"/>
-              </a:solidFill>
-            </a:endParaRPr>
-          </a:p>
-        </p:txBody>
-      </p:sp>
-      <p:sp>
-        <p:nvSpPr>
-          <p:cNvPr id="16" name="CuadroTexto 15"/>
-          <p:cNvSpPr txBox="1"/>
-          <p:nvPr/>
-        </p:nvSpPr>
-        <p:spPr>
-          <a:xfrm>
-            <a:off x="633022" y="5563703"/>
-            <a:ext cx="2999427" cy="646331"/>
-          </a:xfrm>
-          <a:prstGeom prst="rect">
-            <a:avLst/>
-          </a:prstGeom>
-          <a:noFill/>
-        </p:spPr>
-        <p:txBody>
-          <a:bodyPr wrap="square" rtlCol="0">
-            <a:spAutoFit/>
-          </a:bodyPr>
-          <a:lstStyle/>
-          <a:p>
-            <a:r>
-              <a:rPr lang="es-419" dirty="0"/>
-              <a:t>9) Archivos con los que se va a trabajar</a:t>
-            </a:r>
-            <a:r>
-              <a:rPr lang="es-419" b="1" dirty="0">
-                <a:solidFill>
-                  <a:srgbClr val="FF0000"/>
-                </a:solidFill>
-              </a:rPr>
-              <a:t>  </a:t>
-            </a:r>
-            <a:endParaRPr lang="es-ES" b="1" dirty="0">
-              <a:solidFill>
-                <a:srgbClr val="FF0000"/>
-              </a:solidFill>
-            </a:endParaRPr>
-          </a:p>
-        </p:txBody>
-      </p:sp>
-      <p:sp>
-        <p:nvSpPr>
-          <p:cNvPr id="17" name="Flecha izquierda 16"/>
-          <p:cNvSpPr/>
-          <p:nvPr/>
-        </p:nvSpPr>
-        <p:spPr>
-          <a:xfrm>
-            <a:off x="6562820" y="6109405"/>
-            <a:ext cx="470263" cy="182880"/>
-          </a:xfrm>
-          <a:prstGeom prst="leftArrow">
-            <a:avLst/>
-          </a:prstGeom>
-          <a:solidFill>
-            <a:schemeClr val="accent6">
-              <a:lumMod val="75000"/>
-            </a:schemeClr>
-          </a:solidFill>
-        </p:spPr>
-        <p:style>
-          <a:lnRef idx="2">
-            <a:schemeClr val="accent1">
-              <a:shade val="50000"/>
-            </a:schemeClr>
-          </a:lnRef>
-          <a:fillRef idx="1">
-            <a:schemeClr val="accent1"/>
-          </a:fillRef>
-          <a:effectRef idx="0">
-            <a:schemeClr val="accent1"/>
-          </a:effectRef>
-          <a:fontRef idx="minor">
-            <a:schemeClr val="lt1"/>
-          </a:fontRef>
-        </p:style>
-        <p:txBody>
-          <a:bodyPr rtlCol="0" anchor="ctr"/>
-          <a:lstStyle/>
-          <a:p>
-            <a:pPr algn="ctr"/>
-            <a:endParaRPr lang="es-ES"/>
-          </a:p>
-        </p:txBody>
-      </p:sp>
-      <p:sp>
-        <p:nvSpPr>
-          <p:cNvPr id="18" name="Elipse 17"/>
-          <p:cNvSpPr/>
-          <p:nvPr/>
-        </p:nvSpPr>
-        <p:spPr>
-          <a:xfrm>
-            <a:off x="7185483" y="5903834"/>
-            <a:ext cx="247082" cy="200979"/>
-          </a:xfrm>
-          <a:prstGeom prst="ellipse">
-            <a:avLst/>
-          </a:prstGeom>
-          <a:solidFill>
-            <a:schemeClr val="accent5">
-              <a:lumMod val="75000"/>
-            </a:schemeClr>
-          </a:solidFill>
-        </p:spPr>
-        <p:style>
-          <a:lnRef idx="2">
-            <a:schemeClr val="accent1">
-              <a:shade val="50000"/>
-            </a:schemeClr>
-          </a:lnRef>
-          <a:fillRef idx="1">
-            <a:schemeClr val="accent1"/>
-          </a:fillRef>
-          <a:effectRef idx="0">
-            <a:schemeClr val="accent1"/>
-          </a:effectRef>
-          <a:fontRef idx="minor">
-            <a:schemeClr val="lt1"/>
-          </a:fontRef>
-        </p:style>
-        <p:txBody>
-          <a:bodyPr rtlCol="0" anchor="ctr"/>
-          <a:lstStyle/>
-          <a:p>
-            <a:pPr algn="ctr"/>
-            <a:r>
-              <a:rPr lang="es-419" dirty="0"/>
-              <a:t>2</a:t>
-            </a:r>
-            <a:endParaRPr lang="es-ES" dirty="0"/>
-          </a:p>
-        </p:txBody>
-      </p:sp>
-      <p:sp>
-        <p:nvSpPr>
-          <p:cNvPr id="19" name="Flecha izquierda 18"/>
-          <p:cNvSpPr/>
-          <p:nvPr/>
-        </p:nvSpPr>
-        <p:spPr>
-          <a:xfrm>
-            <a:off x="6715220" y="5912883"/>
-            <a:ext cx="470263" cy="182880"/>
-          </a:xfrm>
-          <a:prstGeom prst="leftArrow">
-            <a:avLst/>
-          </a:prstGeom>
-          <a:solidFill>
-            <a:schemeClr val="accent5">
-              <a:lumMod val="75000"/>
-            </a:schemeClr>
-          </a:solidFill>
-        </p:spPr>
-        <p:style>
-          <a:lnRef idx="2">
-            <a:schemeClr val="accent1">
-              <a:shade val="50000"/>
-            </a:schemeClr>
-          </a:lnRef>
-          <a:fillRef idx="1">
-            <a:schemeClr val="accent1"/>
-          </a:fillRef>
-          <a:effectRef idx="0">
-            <a:schemeClr val="accent1"/>
-          </a:effectRef>
-          <a:fontRef idx="minor">
-            <a:schemeClr val="lt1"/>
-          </a:fontRef>
-        </p:style>
-        <p:txBody>
-          <a:bodyPr rtlCol="0" anchor="ctr"/>
-          <a:lstStyle/>
-          <a:p>
-            <a:pPr algn="ctr"/>
-            <a:endParaRPr lang="es-ES"/>
-          </a:p>
-        </p:txBody>
-      </p:sp>
-      <p:sp>
-        <p:nvSpPr>
-          <p:cNvPr id="20" name="Elipse 19"/>
-          <p:cNvSpPr/>
-          <p:nvPr/>
-        </p:nvSpPr>
-        <p:spPr>
-          <a:xfrm>
-            <a:off x="7361947" y="6296866"/>
-            <a:ext cx="247082" cy="200979"/>
-          </a:xfrm>
-          <a:prstGeom prst="ellipse">
-            <a:avLst/>
-          </a:prstGeom>
-          <a:solidFill>
-            <a:schemeClr val="accent4">
-              <a:lumMod val="75000"/>
-            </a:schemeClr>
-          </a:solidFill>
-        </p:spPr>
-        <p:style>
-          <a:lnRef idx="2">
-            <a:schemeClr val="accent1">
-              <a:shade val="50000"/>
-            </a:schemeClr>
-          </a:lnRef>
-          <a:fillRef idx="1">
-            <a:schemeClr val="accent1"/>
-          </a:fillRef>
-          <a:effectRef idx="0">
-            <a:schemeClr val="accent1"/>
-          </a:effectRef>
-          <a:fontRef idx="minor">
-            <a:schemeClr val="lt1"/>
-          </a:fontRef>
-        </p:style>
-        <p:txBody>
-          <a:bodyPr rtlCol="0" anchor="ctr"/>
-          <a:lstStyle/>
-          <a:p>
-            <a:pPr algn="ctr"/>
-            <a:r>
-              <a:rPr lang="es-419" dirty="0"/>
-              <a:t>3</a:t>
-            </a:r>
-            <a:endParaRPr lang="es-ES" dirty="0"/>
-          </a:p>
-        </p:txBody>
-      </p:sp>
-      <p:sp>
-        <p:nvSpPr>
-          <p:cNvPr id="21" name="Flecha izquierda 20"/>
-          <p:cNvSpPr/>
-          <p:nvPr/>
-        </p:nvSpPr>
-        <p:spPr>
-          <a:xfrm>
-            <a:off x="6891684" y="6305915"/>
-            <a:ext cx="470263" cy="182880"/>
-          </a:xfrm>
-          <a:prstGeom prst="leftArrow">
-            <a:avLst/>
-          </a:prstGeom>
-          <a:solidFill>
-            <a:schemeClr val="accent4">
-              <a:lumMod val="75000"/>
-            </a:schemeClr>
-          </a:solidFill>
-        </p:spPr>
-        <p:style>
-          <a:lnRef idx="2">
-            <a:schemeClr val="accent1">
-              <a:shade val="50000"/>
-            </a:schemeClr>
-          </a:lnRef>
-          <a:fillRef idx="1">
-            <a:schemeClr val="accent1"/>
-          </a:fillRef>
-          <a:effectRef idx="0">
-            <a:schemeClr val="accent1"/>
-          </a:effectRef>
-          <a:fontRef idx="minor">
-            <a:schemeClr val="lt1"/>
-          </a:fontRef>
-        </p:style>
-        <p:txBody>
-          <a:bodyPr rtlCol="0" anchor="ctr"/>
-          <a:lstStyle/>
-          <a:p>
-            <a:pPr algn="ctr"/>
-            <a:endParaRPr lang="es-ES"/>
-          </a:p>
-        </p:txBody>
-      </p:sp>
-      <p:sp>
-        <p:nvSpPr>
-          <p:cNvPr id="22" name="Elipse 21"/>
-          <p:cNvSpPr/>
-          <p:nvPr/>
-        </p:nvSpPr>
-        <p:spPr>
-          <a:xfrm>
-            <a:off x="7418093" y="5306261"/>
-            <a:ext cx="247082" cy="200979"/>
-          </a:xfrm>
-          <a:prstGeom prst="ellipse">
-            <a:avLst/>
-          </a:prstGeom>
-          <a:solidFill>
-            <a:schemeClr val="accent3">
-              <a:lumMod val="75000"/>
-            </a:schemeClr>
-          </a:solidFill>
-        </p:spPr>
-        <p:style>
-          <a:lnRef idx="2">
-            <a:schemeClr val="accent1">
-              <a:shade val="50000"/>
-            </a:schemeClr>
-          </a:lnRef>
-          <a:fillRef idx="1">
-            <a:schemeClr val="accent1"/>
-          </a:fillRef>
-          <a:effectRef idx="0">
-            <a:schemeClr val="accent1"/>
-          </a:effectRef>
-          <a:fontRef idx="minor">
-            <a:schemeClr val="lt1"/>
-          </a:fontRef>
-        </p:style>
-        <p:txBody>
-          <a:bodyPr rtlCol="0" anchor="ctr"/>
-          <a:lstStyle/>
-          <a:p>
-            <a:pPr algn="ctr"/>
-            <a:r>
-              <a:rPr lang="es-419" dirty="0"/>
-              <a:t>4</a:t>
-            </a:r>
-            <a:endParaRPr lang="es-ES" dirty="0"/>
-          </a:p>
-        </p:txBody>
-      </p:sp>
-      <p:sp>
-        <p:nvSpPr>
-          <p:cNvPr id="23" name="Flecha izquierda 22"/>
-          <p:cNvSpPr/>
-          <p:nvPr/>
-        </p:nvSpPr>
-        <p:spPr>
-          <a:xfrm>
-            <a:off x="6947830" y="5315310"/>
-            <a:ext cx="470263" cy="182880"/>
-          </a:xfrm>
-          <a:prstGeom prst="leftArrow">
-            <a:avLst/>
-          </a:prstGeom>
-          <a:solidFill>
-            <a:schemeClr val="accent3">
-              <a:lumMod val="75000"/>
-            </a:schemeClr>
-          </a:solidFill>
-        </p:spPr>
-        <p:style>
-          <a:lnRef idx="2">
-            <a:schemeClr val="accent1">
-              <a:shade val="50000"/>
-            </a:schemeClr>
-          </a:lnRef>
-          <a:fillRef idx="1">
-            <a:schemeClr val="accent1"/>
-          </a:fillRef>
-          <a:effectRef idx="0">
-            <a:schemeClr val="accent1"/>
-          </a:effectRef>
-          <a:fontRef idx="minor">
-            <a:schemeClr val="lt1"/>
-          </a:fontRef>
-        </p:style>
-        <p:txBody>
-          <a:bodyPr rtlCol="0" anchor="ctr"/>
-          <a:lstStyle/>
-          <a:p>
-            <a:pPr algn="ctr"/>
-            <a:endParaRPr lang="es-ES"/>
-          </a:p>
-        </p:txBody>
-      </p:sp>
-      <p:sp>
-        <p:nvSpPr>
-          <p:cNvPr id="25" name="Elipse 24"/>
-          <p:cNvSpPr/>
-          <p:nvPr/>
-        </p:nvSpPr>
-        <p:spPr>
-          <a:xfrm>
-            <a:off x="7199360" y="4759634"/>
-            <a:ext cx="247082" cy="200979"/>
-          </a:xfrm>
-          <a:prstGeom prst="ellipse">
-            <a:avLst/>
-          </a:prstGeom>
-          <a:solidFill>
-            <a:schemeClr val="accent2">
-              <a:lumMod val="75000"/>
-            </a:schemeClr>
-          </a:solidFill>
-        </p:spPr>
-        <p:style>
-          <a:lnRef idx="2">
-            <a:schemeClr val="accent1">
-              <a:shade val="50000"/>
-            </a:schemeClr>
-          </a:lnRef>
-          <a:fillRef idx="1">
-            <a:schemeClr val="accent1"/>
-          </a:fillRef>
-          <a:effectRef idx="0">
-            <a:schemeClr val="accent1"/>
-          </a:effectRef>
-          <a:fontRef idx="minor">
-            <a:schemeClr val="lt1"/>
-          </a:fontRef>
-        </p:style>
-        <p:txBody>
-          <a:bodyPr rtlCol="0" anchor="ctr"/>
-          <a:lstStyle/>
-          <a:p>
-            <a:pPr algn="ctr"/>
-            <a:r>
-              <a:rPr lang="es-419" dirty="0"/>
-              <a:t>5</a:t>
-            </a:r>
-            <a:endParaRPr lang="es-ES" dirty="0"/>
-          </a:p>
-        </p:txBody>
-      </p:sp>
-      <p:sp>
-        <p:nvSpPr>
-          <p:cNvPr id="26" name="Flecha izquierda 25"/>
-          <p:cNvSpPr/>
-          <p:nvPr/>
-        </p:nvSpPr>
-        <p:spPr>
-          <a:xfrm>
-            <a:off x="6729097" y="4768683"/>
-            <a:ext cx="470263" cy="182880"/>
-          </a:xfrm>
-          <a:prstGeom prst="leftArrow">
-            <a:avLst/>
-          </a:prstGeom>
-          <a:solidFill>
-            <a:schemeClr val="accent2">
-              <a:lumMod val="75000"/>
-            </a:schemeClr>
-          </a:solidFill>
-        </p:spPr>
-        <p:style>
-          <a:lnRef idx="2">
-            <a:schemeClr val="accent1">
-              <a:shade val="50000"/>
-            </a:schemeClr>
-          </a:lnRef>
-          <a:fillRef idx="1">
-            <a:schemeClr val="accent1"/>
-          </a:fillRef>
-          <a:effectRef idx="0">
-            <a:schemeClr val="accent1"/>
-          </a:effectRef>
-          <a:fontRef idx="minor">
-            <a:schemeClr val="lt1"/>
-          </a:fontRef>
-        </p:style>
-        <p:txBody>
-          <a:bodyPr rtlCol="0" anchor="ctr"/>
-          <a:lstStyle/>
-          <a:p>
-            <a:pPr algn="ctr"/>
-            <a:endParaRPr lang="es-ES"/>
-          </a:p>
-        </p:txBody>
-      </p:sp>
     </p:spTree>
     <p:extLst>
       <p:ext uri="{BB962C8B-B14F-4D97-AF65-F5344CB8AC3E}">
-        <p14:creationId xmlns:p14="http://schemas.microsoft.com/office/powerpoint/2010/main" val="846991752"/>
+        <p14:creationId xmlns:p14="http://schemas.microsoft.com/office/powerpoint/2010/main" val="3143307531"/>
       </p:ext>
     </p:extLst>
   </p:cSld>
@@ -7278,300 +6579,41 @@
         </p:blipFill>
         <p:spPr>
           <a:xfrm>
-            <a:off x="282102" y="709961"/>
-            <a:ext cx="1657350" cy="619125"/>
+            <a:off x="1741736" y="2678975"/>
+            <a:ext cx="3781425" cy="1628775"/>
           </a:xfrm>
           <a:prstGeom prst="rect">
             <a:avLst/>
           </a:prstGeom>
         </p:spPr>
       </p:pic>
-      <p:sp>
-        <p:nvSpPr>
-          <p:cNvPr id="7" name="CuadroTexto 6"/>
-          <p:cNvSpPr txBox="1"/>
-          <p:nvPr/>
-        </p:nvSpPr>
-        <p:spPr>
-          <a:xfrm>
-            <a:off x="175097" y="197958"/>
-            <a:ext cx="5604996" cy="369332"/>
-          </a:xfrm>
-          <a:prstGeom prst="rect">
-            <a:avLst/>
-          </a:prstGeom>
-          <a:noFill/>
-        </p:spPr>
-        <p:txBody>
-          <a:bodyPr wrap="none" rtlCol="0">
-            <a:spAutoFit/>
-          </a:bodyPr>
-          <a:lstStyle/>
-          <a:p>
-            <a:r>
-              <a:rPr lang="es-419" dirty="0"/>
-              <a:t>Seleccionar el archivo </a:t>
-            </a:r>
-            <a:r>
-              <a:rPr lang="es-419" dirty="0" err="1">
-                <a:solidFill>
-                  <a:srgbClr val="FF0000"/>
-                </a:solidFill>
-              </a:rPr>
-              <a:t>InformaListSERP.php</a:t>
-            </a:r>
-            <a:r>
-              <a:rPr lang="es-419" dirty="0"/>
-              <a:t> para actualizar</a:t>
-            </a:r>
-            <a:endParaRPr lang="es-ES" dirty="0"/>
-          </a:p>
-        </p:txBody>
-      </p:sp>
-      <p:sp>
-        <p:nvSpPr>
-          <p:cNvPr id="8" name="CuadroTexto 7"/>
-          <p:cNvSpPr txBox="1"/>
-          <p:nvPr/>
-        </p:nvSpPr>
-        <p:spPr>
-          <a:xfrm>
-            <a:off x="236164" y="1952937"/>
-            <a:ext cx="3686311" cy="1200329"/>
-          </a:xfrm>
-          <a:prstGeom prst="rect">
-            <a:avLst/>
-          </a:prstGeom>
-          <a:noFill/>
-        </p:spPr>
-        <p:txBody>
-          <a:bodyPr wrap="square" rtlCol="0">
-            <a:spAutoFit/>
-          </a:bodyPr>
-          <a:lstStyle/>
-          <a:p>
-            <a:r>
-              <a:rPr lang="es-419" dirty="0"/>
-              <a:t>Posicionarse en la línea 19, actualizar el </a:t>
-            </a:r>
-            <a:r>
-              <a:rPr lang="es-419" dirty="0" err="1"/>
-              <a:t>Select</a:t>
-            </a:r>
-            <a:r>
-              <a:rPr lang="es-419" dirty="0"/>
-              <a:t> de la tabla que se </a:t>
-            </a:r>
-            <a:r>
-              <a:rPr lang="es-419" dirty="0" err="1"/>
-              <a:t>definio</a:t>
-            </a:r>
-            <a:r>
-              <a:rPr lang="es-419" dirty="0"/>
-              <a:t> en </a:t>
-            </a:r>
-            <a:r>
-              <a:rPr lang="es-419" dirty="0" err="1"/>
-              <a:t>MySql</a:t>
-            </a:r>
-            <a:endParaRPr lang="es-ES" dirty="0"/>
-          </a:p>
-          <a:p>
-            <a:endParaRPr lang="es-ES" dirty="0"/>
-          </a:p>
-        </p:txBody>
-      </p:sp>
       <p:pic>
         <p:nvPicPr>
-          <p:cNvPr id="9" name="Imagen 8"/>
+          <p:cNvPr id="24" name="Imagen 23"/>
           <p:cNvPicPr>
             <a:picLocks noChangeAspect="1"/>
           </p:cNvPicPr>
           <p:nvPr/>
         </p:nvPicPr>
-        <p:blipFill rotWithShape="1">
+        <p:blipFill>
           <a:blip r:embed="rId3"/>
-          <a:srcRect b="11596"/>
-          <a:stretch/>
+          <a:stretch>
+            <a:fillRect/>
+          </a:stretch>
         </p:blipFill>
         <p:spPr>
           <a:xfrm>
-            <a:off x="175097" y="4110508"/>
-            <a:ext cx="8724900" cy="2711403"/>
+            <a:off x="4680041" y="3863596"/>
+            <a:ext cx="3145380" cy="2885329"/>
           </a:xfrm>
           <a:prstGeom prst="rect">
             <a:avLst/>
           </a:prstGeom>
         </p:spPr>
       </p:pic>
-      <p:sp>
-        <p:nvSpPr>
-          <p:cNvPr id="12" name="Elipse 11"/>
-          <p:cNvSpPr/>
-          <p:nvPr/>
-        </p:nvSpPr>
-        <p:spPr>
-          <a:xfrm>
-            <a:off x="8356555" y="197958"/>
-            <a:ext cx="543441" cy="369332"/>
-          </a:xfrm>
-          <a:prstGeom prst="ellipse">
-            <a:avLst/>
-          </a:prstGeom>
-          <a:solidFill>
-            <a:schemeClr val="accent6">
-              <a:lumMod val="75000"/>
-            </a:schemeClr>
-          </a:solidFill>
-        </p:spPr>
-        <p:style>
-          <a:lnRef idx="2">
-            <a:schemeClr val="accent1">
-              <a:shade val="50000"/>
-            </a:schemeClr>
-          </a:lnRef>
-          <a:fillRef idx="1">
-            <a:schemeClr val="accent1"/>
-          </a:fillRef>
-          <a:effectRef idx="0">
-            <a:schemeClr val="accent1"/>
-          </a:effectRef>
-          <a:fontRef idx="minor">
-            <a:schemeClr val="lt1"/>
-          </a:fontRef>
-        </p:style>
-        <p:txBody>
-          <a:bodyPr rtlCol="0" anchor="ctr"/>
-          <a:lstStyle/>
-          <a:p>
-            <a:pPr algn="ctr"/>
-            <a:r>
-              <a:rPr lang="es-419" dirty="0"/>
-              <a:t>1</a:t>
-            </a:r>
-            <a:endParaRPr lang="es-ES" dirty="0"/>
-          </a:p>
-        </p:txBody>
-      </p:sp>
-      <p:sp>
-        <p:nvSpPr>
-          <p:cNvPr id="13" name="Flecha izquierda 12"/>
-          <p:cNvSpPr/>
-          <p:nvPr/>
-        </p:nvSpPr>
-        <p:spPr>
-          <a:xfrm>
-            <a:off x="7763958" y="214588"/>
-            <a:ext cx="699448" cy="336072"/>
-          </a:xfrm>
-          <a:prstGeom prst="leftArrow">
-            <a:avLst/>
-          </a:prstGeom>
-          <a:solidFill>
-            <a:schemeClr val="accent6">
-              <a:lumMod val="75000"/>
-            </a:schemeClr>
-          </a:solidFill>
-        </p:spPr>
-        <p:style>
-          <a:lnRef idx="2">
-            <a:schemeClr val="accent1">
-              <a:shade val="50000"/>
-            </a:schemeClr>
-          </a:lnRef>
-          <a:fillRef idx="1">
-            <a:schemeClr val="accent1"/>
-          </a:fillRef>
-          <a:effectRef idx="0">
-            <a:schemeClr val="accent1"/>
-          </a:effectRef>
-          <a:fontRef idx="minor">
-            <a:schemeClr val="lt1"/>
-          </a:fontRef>
-        </p:style>
-        <p:txBody>
-          <a:bodyPr rtlCol="0" anchor="ctr"/>
-          <a:lstStyle/>
-          <a:p>
-            <a:pPr algn="ctr"/>
-            <a:endParaRPr lang="es-ES"/>
-          </a:p>
-        </p:txBody>
-      </p:sp>
-      <p:cxnSp>
-        <p:nvCxnSpPr>
-          <p:cNvPr id="22" name="Conector recto de flecha 21"/>
-          <p:cNvCxnSpPr/>
-          <p:nvPr/>
-        </p:nvCxnSpPr>
-        <p:spPr>
-          <a:xfrm flipV="1">
-            <a:off x="613610" y="5733633"/>
-            <a:ext cx="1058779" cy="29493"/>
-          </a:xfrm>
-          <a:prstGeom prst="straightConnector1">
-            <a:avLst/>
-          </a:prstGeom>
-          <a:ln w="28575">
-            <a:solidFill>
-              <a:srgbClr val="FF0000"/>
-            </a:solidFill>
-            <a:tailEnd type="triangle"/>
-          </a:ln>
-        </p:spPr>
-        <p:style>
-          <a:lnRef idx="1">
-            <a:schemeClr val="accent1"/>
-          </a:lnRef>
-          <a:fillRef idx="0">
-            <a:schemeClr val="accent1"/>
-          </a:fillRef>
-          <a:effectRef idx="0">
-            <a:schemeClr val="accent1"/>
-          </a:effectRef>
-          <a:fontRef idx="minor">
-            <a:schemeClr val="tx1"/>
-          </a:fontRef>
-        </p:style>
-      </p:cxnSp>
-      <p:cxnSp>
-        <p:nvCxnSpPr>
-          <p:cNvPr id="28" name="Conector recto 27"/>
-          <p:cNvCxnSpPr/>
-          <p:nvPr/>
-        </p:nvCxnSpPr>
-        <p:spPr>
-          <a:xfrm flipV="1">
-            <a:off x="613610" y="4944979"/>
-            <a:ext cx="0" cy="818148"/>
-          </a:xfrm>
-          <a:prstGeom prst="line">
-            <a:avLst/>
-          </a:prstGeom>
-          <a:ln w="28575">
-            <a:solidFill>
-              <a:srgbClr val="FF0000"/>
-            </a:solidFill>
-          </a:ln>
-        </p:spPr>
-        <p:style>
-          <a:lnRef idx="1">
-            <a:schemeClr val="accent1"/>
-          </a:lnRef>
-          <a:fillRef idx="0">
-            <a:schemeClr val="accent1"/>
-          </a:fillRef>
-          <a:effectRef idx="0">
-            <a:schemeClr val="accent1"/>
-          </a:effectRef>
-          <a:fontRef idx="minor">
-            <a:schemeClr val="tx1"/>
-          </a:fontRef>
-        </p:style>
-      </p:cxnSp>
       <p:pic>
         <p:nvPicPr>
-          <p:cNvPr id="40" name="Imagen 39"/>
+          <p:cNvPr id="5" name="Imagen 4"/>
           <p:cNvPicPr>
             <a:picLocks noChangeAspect="1"/>
           </p:cNvPicPr>
@@ -7585,8 +6627,8 @@
         </p:blipFill>
         <p:spPr>
           <a:xfrm>
-            <a:off x="4200500" y="567290"/>
-            <a:ext cx="4124325" cy="4461910"/>
+            <a:off x="127091" y="315414"/>
+            <a:ext cx="4552950" cy="2647950"/>
           </a:xfrm>
           <a:prstGeom prst="rect">
             <a:avLst/>
@@ -7595,38 +6637,245 @@
       </p:pic>
       <p:sp>
         <p:nvSpPr>
-          <p:cNvPr id="15" name="Abrir llave 14"/>
+          <p:cNvPr id="12" name="Elipse 11"/>
           <p:cNvSpPr/>
           <p:nvPr/>
         </p:nvSpPr>
         <p:spPr>
           <a:xfrm>
-            <a:off x="5982588" y="1782818"/>
-            <a:ext cx="221057" cy="2741056"/>
-          </a:xfrm>
-          <a:prstGeom prst="leftBrace">
-            <a:avLst/>
-          </a:prstGeom>
-          <a:ln w="28575">
-            <a:solidFill>
-              <a:schemeClr val="accent4">
-                <a:lumMod val="75000"/>
-              </a:schemeClr>
-            </a:solidFill>
-          </a:ln>
-        </p:spPr>
-        <p:style>
-          <a:lnRef idx="1">
-            <a:schemeClr val="accent1"/>
-          </a:lnRef>
-          <a:fillRef idx="0">
-            <a:schemeClr val="accent1"/>
-          </a:fillRef>
-          <a:effectRef idx="0">
-            <a:schemeClr val="accent1"/>
-          </a:effectRef>
-          <a:fontRef idx="minor">
-            <a:schemeClr val="tx1"/>
+            <a:off x="7033083" y="6100356"/>
+            <a:ext cx="247082" cy="200979"/>
+          </a:xfrm>
+          <a:prstGeom prst="ellipse">
+            <a:avLst/>
+          </a:prstGeom>
+          <a:solidFill>
+            <a:schemeClr val="accent6">
+              <a:lumMod val="75000"/>
+            </a:schemeClr>
+          </a:solidFill>
+        </p:spPr>
+        <p:style>
+          <a:lnRef idx="2">
+            <a:schemeClr val="accent1">
+              <a:shade val="50000"/>
+            </a:schemeClr>
+          </a:lnRef>
+          <a:fillRef idx="1">
+            <a:schemeClr val="accent1"/>
+          </a:fillRef>
+          <a:effectRef idx="0">
+            <a:schemeClr val="accent1"/>
+          </a:effectRef>
+          <a:fontRef idx="minor">
+            <a:schemeClr val="lt1"/>
+          </a:fontRef>
+        </p:style>
+        <p:txBody>
+          <a:bodyPr rtlCol="0" anchor="ctr"/>
+          <a:lstStyle/>
+          <a:p>
+            <a:pPr algn="ctr"/>
+            <a:r>
+              <a:rPr lang="es-419" dirty="0"/>
+              <a:t>1</a:t>
+            </a:r>
+            <a:endParaRPr lang="es-ES" dirty="0"/>
+          </a:p>
+        </p:txBody>
+      </p:sp>
+      <p:sp>
+        <p:nvSpPr>
+          <p:cNvPr id="14" name="CuadroTexto 13"/>
+          <p:cNvSpPr txBox="1"/>
+          <p:nvPr/>
+        </p:nvSpPr>
+        <p:spPr>
+          <a:xfrm>
+            <a:off x="5217288" y="993058"/>
+            <a:ext cx="3752502" cy="923330"/>
+          </a:xfrm>
+          <a:prstGeom prst="rect">
+            <a:avLst/>
+          </a:prstGeom>
+          <a:noFill/>
+        </p:spPr>
+        <p:txBody>
+          <a:bodyPr wrap="none" rtlCol="0">
+            <a:spAutoFit/>
+          </a:bodyPr>
+          <a:lstStyle/>
+          <a:p>
+            <a:r>
+              <a:rPr lang="es-419" dirty="0"/>
+              <a:t>7) Digitar F2 para renombra la carpeta</a:t>
+            </a:r>
+          </a:p>
+          <a:p>
+            <a:r>
+              <a:rPr lang="es-419" dirty="0"/>
+              <a:t>       </a:t>
+            </a:r>
+            <a:r>
+              <a:rPr lang="es-419" b="1" dirty="0">
+                <a:solidFill>
+                  <a:srgbClr val="FF0000"/>
+                </a:solidFill>
+              </a:rPr>
+              <a:t>A903 – copia</a:t>
+            </a:r>
+          </a:p>
+          <a:p>
+            <a:r>
+              <a:rPr lang="es-419" b="1" dirty="0">
+                <a:solidFill>
+                  <a:srgbClr val="FF0000"/>
+                </a:solidFill>
+              </a:rPr>
+              <a:t>   </a:t>
+            </a:r>
+            <a:endParaRPr lang="es-ES" b="1" dirty="0">
+              <a:solidFill>
+                <a:srgbClr val="FF0000"/>
+              </a:solidFill>
+            </a:endParaRPr>
+          </a:p>
+        </p:txBody>
+      </p:sp>
+      <p:sp>
+        <p:nvSpPr>
+          <p:cNvPr id="15" name="CuadroTexto 14"/>
+          <p:cNvSpPr txBox="1"/>
+          <p:nvPr/>
+        </p:nvSpPr>
+        <p:spPr>
+          <a:xfrm>
+            <a:off x="5664585" y="2607357"/>
+            <a:ext cx="2454198" cy="923330"/>
+          </a:xfrm>
+          <a:prstGeom prst="rect">
+            <a:avLst/>
+          </a:prstGeom>
+          <a:noFill/>
+        </p:spPr>
+        <p:txBody>
+          <a:bodyPr wrap="none" rtlCol="0">
+            <a:spAutoFit/>
+          </a:bodyPr>
+          <a:lstStyle/>
+          <a:p>
+            <a:r>
+              <a:rPr lang="es-419" dirty="0"/>
+              <a:t>8) Renombrar la carpeta</a:t>
+            </a:r>
+          </a:p>
+          <a:p>
+            <a:r>
+              <a:rPr lang="es-419" dirty="0"/>
+              <a:t>       </a:t>
+            </a:r>
+            <a:r>
+              <a:rPr lang="es-419" b="1" dirty="0">
+                <a:solidFill>
+                  <a:srgbClr val="FF0000"/>
+                </a:solidFill>
+              </a:rPr>
+              <a:t>A904</a:t>
+            </a:r>
+          </a:p>
+          <a:p>
+            <a:r>
+              <a:rPr lang="es-419" b="1" dirty="0">
+                <a:solidFill>
+                  <a:srgbClr val="FF0000"/>
+                </a:solidFill>
+              </a:rPr>
+              <a:t>   </a:t>
+            </a:r>
+            <a:endParaRPr lang="es-ES" b="1" dirty="0">
+              <a:solidFill>
+                <a:srgbClr val="FF0000"/>
+              </a:solidFill>
+            </a:endParaRPr>
+          </a:p>
+        </p:txBody>
+      </p:sp>
+      <p:sp>
+        <p:nvSpPr>
+          <p:cNvPr id="16" name="CuadroTexto 15"/>
+          <p:cNvSpPr txBox="1"/>
+          <p:nvPr/>
+        </p:nvSpPr>
+        <p:spPr>
+          <a:xfrm>
+            <a:off x="633022" y="5563703"/>
+            <a:ext cx="2999427" cy="646331"/>
+          </a:xfrm>
+          <a:prstGeom prst="rect">
+            <a:avLst/>
+          </a:prstGeom>
+          <a:noFill/>
+        </p:spPr>
+        <p:txBody>
+          <a:bodyPr wrap="square" rtlCol="0">
+            <a:spAutoFit/>
+          </a:bodyPr>
+          <a:lstStyle/>
+          <a:p>
+            <a:r>
+              <a:rPr lang="es-419" dirty="0"/>
+              <a:t>9) Archivos con los que se va a trabajar</a:t>
+            </a:r>
+            <a:r>
+              <a:rPr lang="es-419" b="1" dirty="0">
+                <a:solidFill>
+                  <a:srgbClr val="FF0000"/>
+                </a:solidFill>
+              </a:rPr>
+              <a:t>  </a:t>
+            </a:r>
+            <a:endParaRPr lang="es-ES" b="1" dirty="0">
+              <a:solidFill>
+                <a:srgbClr val="FF0000"/>
+              </a:solidFill>
+            </a:endParaRPr>
+          </a:p>
+        </p:txBody>
+      </p:sp>
+      <p:sp>
+        <p:nvSpPr>
+          <p:cNvPr id="17" name="Flecha izquierda 16"/>
+          <p:cNvSpPr/>
+          <p:nvPr/>
+        </p:nvSpPr>
+        <p:spPr>
+          <a:xfrm>
+            <a:off x="6562820" y="6109405"/>
+            <a:ext cx="470263" cy="182880"/>
+          </a:xfrm>
+          <a:prstGeom prst="leftArrow">
+            <a:avLst/>
+          </a:prstGeom>
+          <a:solidFill>
+            <a:schemeClr val="accent6">
+              <a:lumMod val="75000"/>
+            </a:schemeClr>
+          </a:solidFill>
+        </p:spPr>
+        <p:style>
+          <a:lnRef idx="2">
+            <a:schemeClr val="accent1">
+              <a:shade val="50000"/>
+            </a:schemeClr>
+          </a:lnRef>
+          <a:fillRef idx="1">
+            <a:schemeClr val="accent1"/>
+          </a:fillRef>
+          <a:effectRef idx="0">
+            <a:schemeClr val="accent1"/>
+          </a:effectRef>
+          <a:fontRef idx="minor">
+            <a:schemeClr val="lt1"/>
           </a:fontRef>
         </p:style>
         <p:txBody>
@@ -7638,85 +6887,386 @@
           </a:p>
         </p:txBody>
       </p:sp>
-      <p:cxnSp>
-        <p:nvCxnSpPr>
-          <p:cNvPr id="18" name="Conector recto de flecha 17"/>
-          <p:cNvCxnSpPr>
-            <a:stCxn id="15" idx="1"/>
-          </p:cNvCxnSpPr>
-          <p:nvPr/>
-        </p:nvCxnSpPr>
-        <p:spPr>
-          <a:xfrm flipH="1">
-            <a:off x="5469720" y="3153346"/>
-            <a:ext cx="512868" cy="2147147"/>
-          </a:xfrm>
-          <a:prstGeom prst="straightConnector1">
-            <a:avLst/>
-          </a:prstGeom>
-          <a:ln w="28575">
-            <a:solidFill>
-              <a:schemeClr val="accent4">
-                <a:lumMod val="75000"/>
-              </a:schemeClr>
-            </a:solidFill>
-            <a:tailEnd type="triangle"/>
-          </a:ln>
-        </p:spPr>
-        <p:style>
-          <a:lnRef idx="1">
-            <a:schemeClr val="accent1"/>
-          </a:lnRef>
-          <a:fillRef idx="0">
-            <a:schemeClr val="accent1"/>
-          </a:fillRef>
-          <a:effectRef idx="0">
-            <a:schemeClr val="accent1"/>
-          </a:effectRef>
-          <a:fontRef idx="minor">
-            <a:schemeClr val="tx1"/>
-          </a:fontRef>
-        </p:style>
-      </p:cxnSp>
-      <p:cxnSp>
-        <p:nvCxnSpPr>
-          <p:cNvPr id="26" name="Conector recto 25"/>
-          <p:cNvCxnSpPr/>
-          <p:nvPr/>
-        </p:nvCxnSpPr>
-        <p:spPr>
-          <a:xfrm flipH="1">
-            <a:off x="613610" y="4884821"/>
-            <a:ext cx="3994486" cy="60158"/>
-          </a:xfrm>
-          <a:prstGeom prst="line">
-            <a:avLst/>
-          </a:prstGeom>
-          <a:ln w="28575">
-            <a:solidFill>
-              <a:srgbClr val="FF0000"/>
-            </a:solidFill>
-          </a:ln>
-        </p:spPr>
-        <p:style>
-          <a:lnRef idx="1">
-            <a:schemeClr val="accent1"/>
-          </a:lnRef>
-          <a:fillRef idx="0">
-            <a:schemeClr val="accent1"/>
-          </a:fillRef>
-          <a:effectRef idx="0">
-            <a:schemeClr val="accent1"/>
-          </a:effectRef>
-          <a:fontRef idx="minor">
-            <a:schemeClr val="tx1"/>
-          </a:fontRef>
-        </p:style>
-      </p:cxnSp>
+      <p:sp>
+        <p:nvSpPr>
+          <p:cNvPr id="18" name="Elipse 17"/>
+          <p:cNvSpPr/>
+          <p:nvPr/>
+        </p:nvSpPr>
+        <p:spPr>
+          <a:xfrm>
+            <a:off x="7185483" y="5903834"/>
+            <a:ext cx="247082" cy="200979"/>
+          </a:xfrm>
+          <a:prstGeom prst="ellipse">
+            <a:avLst/>
+          </a:prstGeom>
+          <a:solidFill>
+            <a:schemeClr val="accent5">
+              <a:lumMod val="75000"/>
+            </a:schemeClr>
+          </a:solidFill>
+        </p:spPr>
+        <p:style>
+          <a:lnRef idx="2">
+            <a:schemeClr val="accent1">
+              <a:shade val="50000"/>
+            </a:schemeClr>
+          </a:lnRef>
+          <a:fillRef idx="1">
+            <a:schemeClr val="accent1"/>
+          </a:fillRef>
+          <a:effectRef idx="0">
+            <a:schemeClr val="accent1"/>
+          </a:effectRef>
+          <a:fontRef idx="minor">
+            <a:schemeClr val="lt1"/>
+          </a:fontRef>
+        </p:style>
+        <p:txBody>
+          <a:bodyPr rtlCol="0" anchor="ctr"/>
+          <a:lstStyle/>
+          <a:p>
+            <a:pPr algn="ctr"/>
+            <a:r>
+              <a:rPr lang="es-419" dirty="0"/>
+              <a:t>2</a:t>
+            </a:r>
+            <a:endParaRPr lang="es-ES" dirty="0"/>
+          </a:p>
+        </p:txBody>
+      </p:sp>
+      <p:sp>
+        <p:nvSpPr>
+          <p:cNvPr id="19" name="Flecha izquierda 18"/>
+          <p:cNvSpPr/>
+          <p:nvPr/>
+        </p:nvSpPr>
+        <p:spPr>
+          <a:xfrm>
+            <a:off x="6715220" y="5912883"/>
+            <a:ext cx="470263" cy="182880"/>
+          </a:xfrm>
+          <a:prstGeom prst="leftArrow">
+            <a:avLst/>
+          </a:prstGeom>
+          <a:solidFill>
+            <a:schemeClr val="accent5">
+              <a:lumMod val="75000"/>
+            </a:schemeClr>
+          </a:solidFill>
+        </p:spPr>
+        <p:style>
+          <a:lnRef idx="2">
+            <a:schemeClr val="accent1">
+              <a:shade val="50000"/>
+            </a:schemeClr>
+          </a:lnRef>
+          <a:fillRef idx="1">
+            <a:schemeClr val="accent1"/>
+          </a:fillRef>
+          <a:effectRef idx="0">
+            <a:schemeClr val="accent1"/>
+          </a:effectRef>
+          <a:fontRef idx="minor">
+            <a:schemeClr val="lt1"/>
+          </a:fontRef>
+        </p:style>
+        <p:txBody>
+          <a:bodyPr rtlCol="0" anchor="ctr"/>
+          <a:lstStyle/>
+          <a:p>
+            <a:pPr algn="ctr"/>
+            <a:endParaRPr lang="es-ES"/>
+          </a:p>
+        </p:txBody>
+      </p:sp>
+      <p:sp>
+        <p:nvSpPr>
+          <p:cNvPr id="20" name="Elipse 19"/>
+          <p:cNvSpPr/>
+          <p:nvPr/>
+        </p:nvSpPr>
+        <p:spPr>
+          <a:xfrm>
+            <a:off x="7361947" y="6296866"/>
+            <a:ext cx="247082" cy="200979"/>
+          </a:xfrm>
+          <a:prstGeom prst="ellipse">
+            <a:avLst/>
+          </a:prstGeom>
+          <a:solidFill>
+            <a:schemeClr val="accent4">
+              <a:lumMod val="75000"/>
+            </a:schemeClr>
+          </a:solidFill>
+        </p:spPr>
+        <p:style>
+          <a:lnRef idx="2">
+            <a:schemeClr val="accent1">
+              <a:shade val="50000"/>
+            </a:schemeClr>
+          </a:lnRef>
+          <a:fillRef idx="1">
+            <a:schemeClr val="accent1"/>
+          </a:fillRef>
+          <a:effectRef idx="0">
+            <a:schemeClr val="accent1"/>
+          </a:effectRef>
+          <a:fontRef idx="minor">
+            <a:schemeClr val="lt1"/>
+          </a:fontRef>
+        </p:style>
+        <p:txBody>
+          <a:bodyPr rtlCol="0" anchor="ctr"/>
+          <a:lstStyle/>
+          <a:p>
+            <a:pPr algn="ctr"/>
+            <a:r>
+              <a:rPr lang="es-419" dirty="0"/>
+              <a:t>3</a:t>
+            </a:r>
+            <a:endParaRPr lang="es-ES" dirty="0"/>
+          </a:p>
+        </p:txBody>
+      </p:sp>
+      <p:sp>
+        <p:nvSpPr>
+          <p:cNvPr id="21" name="Flecha izquierda 20"/>
+          <p:cNvSpPr/>
+          <p:nvPr/>
+        </p:nvSpPr>
+        <p:spPr>
+          <a:xfrm>
+            <a:off x="6891684" y="6305915"/>
+            <a:ext cx="470263" cy="182880"/>
+          </a:xfrm>
+          <a:prstGeom prst="leftArrow">
+            <a:avLst/>
+          </a:prstGeom>
+          <a:solidFill>
+            <a:schemeClr val="accent4">
+              <a:lumMod val="75000"/>
+            </a:schemeClr>
+          </a:solidFill>
+        </p:spPr>
+        <p:style>
+          <a:lnRef idx="2">
+            <a:schemeClr val="accent1">
+              <a:shade val="50000"/>
+            </a:schemeClr>
+          </a:lnRef>
+          <a:fillRef idx="1">
+            <a:schemeClr val="accent1"/>
+          </a:fillRef>
+          <a:effectRef idx="0">
+            <a:schemeClr val="accent1"/>
+          </a:effectRef>
+          <a:fontRef idx="minor">
+            <a:schemeClr val="lt1"/>
+          </a:fontRef>
+        </p:style>
+        <p:txBody>
+          <a:bodyPr rtlCol="0" anchor="ctr"/>
+          <a:lstStyle/>
+          <a:p>
+            <a:pPr algn="ctr"/>
+            <a:endParaRPr lang="es-ES"/>
+          </a:p>
+        </p:txBody>
+      </p:sp>
+      <p:sp>
+        <p:nvSpPr>
+          <p:cNvPr id="22" name="Elipse 21"/>
+          <p:cNvSpPr/>
+          <p:nvPr/>
+        </p:nvSpPr>
+        <p:spPr>
+          <a:xfrm>
+            <a:off x="7418093" y="5306261"/>
+            <a:ext cx="247082" cy="200979"/>
+          </a:xfrm>
+          <a:prstGeom prst="ellipse">
+            <a:avLst/>
+          </a:prstGeom>
+          <a:solidFill>
+            <a:schemeClr val="accent3">
+              <a:lumMod val="75000"/>
+            </a:schemeClr>
+          </a:solidFill>
+        </p:spPr>
+        <p:style>
+          <a:lnRef idx="2">
+            <a:schemeClr val="accent1">
+              <a:shade val="50000"/>
+            </a:schemeClr>
+          </a:lnRef>
+          <a:fillRef idx="1">
+            <a:schemeClr val="accent1"/>
+          </a:fillRef>
+          <a:effectRef idx="0">
+            <a:schemeClr val="accent1"/>
+          </a:effectRef>
+          <a:fontRef idx="minor">
+            <a:schemeClr val="lt1"/>
+          </a:fontRef>
+        </p:style>
+        <p:txBody>
+          <a:bodyPr rtlCol="0" anchor="ctr"/>
+          <a:lstStyle/>
+          <a:p>
+            <a:pPr algn="ctr"/>
+            <a:r>
+              <a:rPr lang="es-419" dirty="0"/>
+              <a:t>4</a:t>
+            </a:r>
+            <a:endParaRPr lang="es-ES" dirty="0"/>
+          </a:p>
+        </p:txBody>
+      </p:sp>
+      <p:sp>
+        <p:nvSpPr>
+          <p:cNvPr id="23" name="Flecha izquierda 22"/>
+          <p:cNvSpPr/>
+          <p:nvPr/>
+        </p:nvSpPr>
+        <p:spPr>
+          <a:xfrm>
+            <a:off x="6947830" y="5315310"/>
+            <a:ext cx="470263" cy="182880"/>
+          </a:xfrm>
+          <a:prstGeom prst="leftArrow">
+            <a:avLst/>
+          </a:prstGeom>
+          <a:solidFill>
+            <a:schemeClr val="accent3">
+              <a:lumMod val="75000"/>
+            </a:schemeClr>
+          </a:solidFill>
+        </p:spPr>
+        <p:style>
+          <a:lnRef idx="2">
+            <a:schemeClr val="accent1">
+              <a:shade val="50000"/>
+            </a:schemeClr>
+          </a:lnRef>
+          <a:fillRef idx="1">
+            <a:schemeClr val="accent1"/>
+          </a:fillRef>
+          <a:effectRef idx="0">
+            <a:schemeClr val="accent1"/>
+          </a:effectRef>
+          <a:fontRef idx="minor">
+            <a:schemeClr val="lt1"/>
+          </a:fontRef>
+        </p:style>
+        <p:txBody>
+          <a:bodyPr rtlCol="0" anchor="ctr"/>
+          <a:lstStyle/>
+          <a:p>
+            <a:pPr algn="ctr"/>
+            <a:endParaRPr lang="es-ES"/>
+          </a:p>
+        </p:txBody>
+      </p:sp>
+      <p:sp>
+        <p:nvSpPr>
+          <p:cNvPr id="25" name="Elipse 24"/>
+          <p:cNvSpPr/>
+          <p:nvPr/>
+        </p:nvSpPr>
+        <p:spPr>
+          <a:xfrm>
+            <a:off x="7199360" y="4759634"/>
+            <a:ext cx="247082" cy="200979"/>
+          </a:xfrm>
+          <a:prstGeom prst="ellipse">
+            <a:avLst/>
+          </a:prstGeom>
+          <a:solidFill>
+            <a:schemeClr val="accent2">
+              <a:lumMod val="75000"/>
+            </a:schemeClr>
+          </a:solidFill>
+        </p:spPr>
+        <p:style>
+          <a:lnRef idx="2">
+            <a:schemeClr val="accent1">
+              <a:shade val="50000"/>
+            </a:schemeClr>
+          </a:lnRef>
+          <a:fillRef idx="1">
+            <a:schemeClr val="accent1"/>
+          </a:fillRef>
+          <a:effectRef idx="0">
+            <a:schemeClr val="accent1"/>
+          </a:effectRef>
+          <a:fontRef idx="minor">
+            <a:schemeClr val="lt1"/>
+          </a:fontRef>
+        </p:style>
+        <p:txBody>
+          <a:bodyPr rtlCol="0" anchor="ctr"/>
+          <a:lstStyle/>
+          <a:p>
+            <a:pPr algn="ctr"/>
+            <a:r>
+              <a:rPr lang="es-419" dirty="0"/>
+              <a:t>5</a:t>
+            </a:r>
+            <a:endParaRPr lang="es-ES" dirty="0"/>
+          </a:p>
+        </p:txBody>
+      </p:sp>
+      <p:sp>
+        <p:nvSpPr>
+          <p:cNvPr id="26" name="Flecha izquierda 25"/>
+          <p:cNvSpPr/>
+          <p:nvPr/>
+        </p:nvSpPr>
+        <p:spPr>
+          <a:xfrm>
+            <a:off x="6729097" y="4768683"/>
+            <a:ext cx="470263" cy="182880"/>
+          </a:xfrm>
+          <a:prstGeom prst="leftArrow">
+            <a:avLst/>
+          </a:prstGeom>
+          <a:solidFill>
+            <a:schemeClr val="accent2">
+              <a:lumMod val="75000"/>
+            </a:schemeClr>
+          </a:solidFill>
+        </p:spPr>
+        <p:style>
+          <a:lnRef idx="2">
+            <a:schemeClr val="accent1">
+              <a:shade val="50000"/>
+            </a:schemeClr>
+          </a:lnRef>
+          <a:fillRef idx="1">
+            <a:schemeClr val="accent1"/>
+          </a:fillRef>
+          <a:effectRef idx="0">
+            <a:schemeClr val="accent1"/>
+          </a:effectRef>
+          <a:fontRef idx="minor">
+            <a:schemeClr val="lt1"/>
+          </a:fontRef>
+        </p:style>
+        <p:txBody>
+          <a:bodyPr rtlCol="0" anchor="ctr"/>
+          <a:lstStyle/>
+          <a:p>
+            <a:pPr algn="ctr"/>
+            <a:endParaRPr lang="es-ES"/>
+          </a:p>
+        </p:txBody>
+      </p:sp>
     </p:spTree>
     <p:extLst>
       <p:ext uri="{BB962C8B-B14F-4D97-AF65-F5344CB8AC3E}">
-        <p14:creationId xmlns:p14="http://schemas.microsoft.com/office/powerpoint/2010/main" val="1265344089"/>
+        <p14:creationId xmlns:p14="http://schemas.microsoft.com/office/powerpoint/2010/main" val="846991752"/>
       </p:ext>
     </p:extLst>
   </p:cSld>
@@ -7743,81 +7293,9 @@
           <a:chExt cx="0" cy="0"/>
         </a:xfrm>
       </p:grpSpPr>
-      <p:sp>
-        <p:nvSpPr>
-          <p:cNvPr id="5" name="CuadroTexto 4"/>
-          <p:cNvSpPr txBox="1"/>
-          <p:nvPr/>
-        </p:nvSpPr>
-        <p:spPr>
-          <a:xfrm>
-            <a:off x="188327" y="197958"/>
-            <a:ext cx="5278561" cy="369332"/>
-          </a:xfrm>
-          <a:prstGeom prst="rect">
-            <a:avLst/>
-          </a:prstGeom>
-          <a:noFill/>
-        </p:spPr>
-        <p:txBody>
-          <a:bodyPr wrap="none" rtlCol="0">
-            <a:spAutoFit/>
-          </a:bodyPr>
-          <a:lstStyle/>
-          <a:p>
-            <a:r>
-              <a:rPr lang="es-419" dirty="0"/>
-              <a:t>Seleccionar el archivo </a:t>
-            </a:r>
-            <a:r>
-              <a:rPr lang="es-419" dirty="0" err="1">
-                <a:solidFill>
-                  <a:srgbClr val="FF0000"/>
-                </a:solidFill>
-              </a:rPr>
-              <a:t>InformaList.php</a:t>
-            </a:r>
-            <a:r>
-              <a:rPr lang="es-419" dirty="0"/>
-              <a:t> para actualizar</a:t>
-            </a:r>
-            <a:endParaRPr lang="es-ES" dirty="0"/>
-          </a:p>
-        </p:txBody>
-      </p:sp>
-      <p:sp>
-        <p:nvSpPr>
-          <p:cNvPr id="6" name="CuadroTexto 5"/>
-          <p:cNvSpPr txBox="1"/>
-          <p:nvPr/>
-        </p:nvSpPr>
-        <p:spPr>
-          <a:xfrm>
-            <a:off x="234394" y="1471757"/>
-            <a:ext cx="6378734" cy="369332"/>
-          </a:xfrm>
-          <a:prstGeom prst="rect">
-            <a:avLst/>
-          </a:prstGeom>
-          <a:noFill/>
-        </p:spPr>
-        <p:txBody>
-          <a:bodyPr wrap="none" rtlCol="0">
-            <a:spAutoFit/>
-          </a:bodyPr>
-          <a:lstStyle/>
-          <a:p>
-            <a:r>
-              <a:rPr lang="es-419" dirty="0"/>
-              <a:t>Posicionarse en la línea 41  a la 43, colocar el titulo de los campos.</a:t>
-            </a:r>
-            <a:endParaRPr lang="es-ES" dirty="0"/>
-          </a:p>
-        </p:txBody>
-      </p:sp>
       <p:pic>
         <p:nvPicPr>
-          <p:cNvPr id="7" name="Imagen 6"/>
+          <p:cNvPr id="6" name="Imagen 5"/>
           <p:cNvPicPr>
             <a:picLocks noChangeAspect="1"/>
           </p:cNvPicPr>
@@ -7831,41 +7309,300 @@
         </p:blipFill>
         <p:spPr>
           <a:xfrm>
-            <a:off x="234394" y="605186"/>
-            <a:ext cx="2733675" cy="828675"/>
+            <a:off x="282102" y="709961"/>
+            <a:ext cx="1657350" cy="619125"/>
           </a:xfrm>
           <a:prstGeom prst="rect">
             <a:avLst/>
           </a:prstGeom>
         </p:spPr>
       </p:pic>
+      <p:sp>
+        <p:nvSpPr>
+          <p:cNvPr id="7" name="CuadroTexto 6"/>
+          <p:cNvSpPr txBox="1"/>
+          <p:nvPr/>
+        </p:nvSpPr>
+        <p:spPr>
+          <a:xfrm>
+            <a:off x="175097" y="197958"/>
+            <a:ext cx="5604996" cy="369332"/>
+          </a:xfrm>
+          <a:prstGeom prst="rect">
+            <a:avLst/>
+          </a:prstGeom>
+          <a:noFill/>
+        </p:spPr>
+        <p:txBody>
+          <a:bodyPr wrap="none" rtlCol="0">
+            <a:spAutoFit/>
+          </a:bodyPr>
+          <a:lstStyle/>
+          <a:p>
+            <a:r>
+              <a:rPr lang="es-419" dirty="0"/>
+              <a:t>Seleccionar el archivo </a:t>
+            </a:r>
+            <a:r>
+              <a:rPr lang="es-419" dirty="0" err="1">
+                <a:solidFill>
+                  <a:srgbClr val="FF0000"/>
+                </a:solidFill>
+              </a:rPr>
+              <a:t>InformaListSERP.php</a:t>
+            </a:r>
+            <a:r>
+              <a:rPr lang="es-419" dirty="0"/>
+              <a:t> para actualizar</a:t>
+            </a:r>
+            <a:endParaRPr lang="es-ES" dirty="0"/>
+          </a:p>
+        </p:txBody>
+      </p:sp>
+      <p:sp>
+        <p:nvSpPr>
+          <p:cNvPr id="8" name="CuadroTexto 7"/>
+          <p:cNvSpPr txBox="1"/>
+          <p:nvPr/>
+        </p:nvSpPr>
+        <p:spPr>
+          <a:xfrm>
+            <a:off x="236164" y="1952937"/>
+            <a:ext cx="3686311" cy="1200329"/>
+          </a:xfrm>
+          <a:prstGeom prst="rect">
+            <a:avLst/>
+          </a:prstGeom>
+          <a:noFill/>
+        </p:spPr>
+        <p:txBody>
+          <a:bodyPr wrap="square" rtlCol="0">
+            <a:spAutoFit/>
+          </a:bodyPr>
+          <a:lstStyle/>
+          <a:p>
+            <a:r>
+              <a:rPr lang="es-419" dirty="0"/>
+              <a:t>Posicionarse en la línea 19, actualizar el </a:t>
+            </a:r>
+            <a:r>
+              <a:rPr lang="es-419" dirty="0" err="1"/>
+              <a:t>Select</a:t>
+            </a:r>
+            <a:r>
+              <a:rPr lang="es-419" dirty="0"/>
+              <a:t> de la tabla que se </a:t>
+            </a:r>
+            <a:r>
+              <a:rPr lang="es-419" dirty="0" err="1"/>
+              <a:t>definio</a:t>
+            </a:r>
+            <a:r>
+              <a:rPr lang="es-419" dirty="0"/>
+              <a:t> en </a:t>
+            </a:r>
+            <a:r>
+              <a:rPr lang="es-419" dirty="0" err="1"/>
+              <a:t>MySql</a:t>
+            </a:r>
+            <a:endParaRPr lang="es-ES" dirty="0"/>
+          </a:p>
+          <a:p>
+            <a:endParaRPr lang="es-ES" dirty="0"/>
+          </a:p>
+        </p:txBody>
+      </p:sp>
       <p:pic>
         <p:nvPicPr>
-          <p:cNvPr id="8" name="Imagen 7"/>
+          <p:cNvPr id="9" name="Imagen 8"/>
           <p:cNvPicPr>
             <a:picLocks noChangeAspect="1"/>
           </p:cNvPicPr>
           <p:nvPr/>
         </p:nvPicPr>
-        <p:blipFill>
+        <p:blipFill rotWithShape="1">
           <a:blip r:embed="rId3"/>
-          <a:stretch>
-            <a:fillRect/>
-          </a:stretch>
+          <a:srcRect b="11596"/>
+          <a:stretch/>
         </p:blipFill>
         <p:spPr>
           <a:xfrm>
-            <a:off x="954004" y="1968416"/>
-            <a:ext cx="6610350" cy="2295525"/>
+            <a:off x="175097" y="4110508"/>
+            <a:ext cx="8724900" cy="2711403"/>
           </a:xfrm>
           <a:prstGeom prst="rect">
             <a:avLst/>
           </a:prstGeom>
         </p:spPr>
       </p:pic>
+      <p:sp>
+        <p:nvSpPr>
+          <p:cNvPr id="12" name="Elipse 11"/>
+          <p:cNvSpPr/>
+          <p:nvPr/>
+        </p:nvSpPr>
+        <p:spPr>
+          <a:xfrm>
+            <a:off x="8356555" y="197958"/>
+            <a:ext cx="543441" cy="369332"/>
+          </a:xfrm>
+          <a:prstGeom prst="ellipse">
+            <a:avLst/>
+          </a:prstGeom>
+          <a:solidFill>
+            <a:schemeClr val="accent6">
+              <a:lumMod val="75000"/>
+            </a:schemeClr>
+          </a:solidFill>
+        </p:spPr>
+        <p:style>
+          <a:lnRef idx="2">
+            <a:schemeClr val="accent1">
+              <a:shade val="50000"/>
+            </a:schemeClr>
+          </a:lnRef>
+          <a:fillRef idx="1">
+            <a:schemeClr val="accent1"/>
+          </a:fillRef>
+          <a:effectRef idx="0">
+            <a:schemeClr val="accent1"/>
+          </a:effectRef>
+          <a:fontRef idx="minor">
+            <a:schemeClr val="lt1"/>
+          </a:fontRef>
+        </p:style>
+        <p:txBody>
+          <a:bodyPr rtlCol="0" anchor="ctr"/>
+          <a:lstStyle/>
+          <a:p>
+            <a:pPr algn="ctr"/>
+            <a:r>
+              <a:rPr lang="es-419" dirty="0"/>
+              <a:t>1</a:t>
+            </a:r>
+            <a:endParaRPr lang="es-ES" dirty="0"/>
+          </a:p>
+        </p:txBody>
+      </p:sp>
+      <p:sp>
+        <p:nvSpPr>
+          <p:cNvPr id="13" name="Flecha izquierda 12"/>
+          <p:cNvSpPr/>
+          <p:nvPr/>
+        </p:nvSpPr>
+        <p:spPr>
+          <a:xfrm>
+            <a:off x="7763958" y="214588"/>
+            <a:ext cx="699448" cy="336072"/>
+          </a:xfrm>
+          <a:prstGeom prst="leftArrow">
+            <a:avLst/>
+          </a:prstGeom>
+          <a:solidFill>
+            <a:schemeClr val="accent6">
+              <a:lumMod val="75000"/>
+            </a:schemeClr>
+          </a:solidFill>
+        </p:spPr>
+        <p:style>
+          <a:lnRef idx="2">
+            <a:schemeClr val="accent1">
+              <a:shade val="50000"/>
+            </a:schemeClr>
+          </a:lnRef>
+          <a:fillRef idx="1">
+            <a:schemeClr val="accent1"/>
+          </a:fillRef>
+          <a:effectRef idx="0">
+            <a:schemeClr val="accent1"/>
+          </a:effectRef>
+          <a:fontRef idx="minor">
+            <a:schemeClr val="lt1"/>
+          </a:fontRef>
+        </p:style>
+        <p:txBody>
+          <a:bodyPr rtlCol="0" anchor="ctr"/>
+          <a:lstStyle/>
+          <a:p>
+            <a:pPr algn="ctr"/>
+            <a:endParaRPr lang="es-ES"/>
+          </a:p>
+        </p:txBody>
+      </p:sp>
+      <p:cxnSp>
+        <p:nvCxnSpPr>
+          <p:cNvPr id="22" name="Conector recto de flecha 21"/>
+          <p:cNvCxnSpPr/>
+          <p:nvPr/>
+        </p:nvCxnSpPr>
+        <p:spPr>
+          <a:xfrm flipV="1">
+            <a:off x="613610" y="5733633"/>
+            <a:ext cx="1058779" cy="29493"/>
+          </a:xfrm>
+          <a:prstGeom prst="straightConnector1">
+            <a:avLst/>
+          </a:prstGeom>
+          <a:ln w="28575">
+            <a:solidFill>
+              <a:srgbClr val="FF0000"/>
+            </a:solidFill>
+            <a:tailEnd type="triangle"/>
+          </a:ln>
+        </p:spPr>
+        <p:style>
+          <a:lnRef idx="1">
+            <a:schemeClr val="accent1"/>
+          </a:lnRef>
+          <a:fillRef idx="0">
+            <a:schemeClr val="accent1"/>
+          </a:fillRef>
+          <a:effectRef idx="0">
+            <a:schemeClr val="accent1"/>
+          </a:effectRef>
+          <a:fontRef idx="minor">
+            <a:schemeClr val="tx1"/>
+          </a:fontRef>
+        </p:style>
+      </p:cxnSp>
+      <p:cxnSp>
+        <p:nvCxnSpPr>
+          <p:cNvPr id="28" name="Conector recto 27"/>
+          <p:cNvCxnSpPr/>
+          <p:nvPr/>
+        </p:nvCxnSpPr>
+        <p:spPr>
+          <a:xfrm flipV="1">
+            <a:off x="613610" y="4944979"/>
+            <a:ext cx="0" cy="818148"/>
+          </a:xfrm>
+          <a:prstGeom prst="line">
+            <a:avLst/>
+          </a:prstGeom>
+          <a:ln w="28575">
+            <a:solidFill>
+              <a:srgbClr val="FF0000"/>
+            </a:solidFill>
+          </a:ln>
+        </p:spPr>
+        <p:style>
+          <a:lnRef idx="1">
+            <a:schemeClr val="accent1"/>
+          </a:lnRef>
+          <a:fillRef idx="0">
+            <a:schemeClr val="accent1"/>
+          </a:fillRef>
+          <a:effectRef idx="0">
+            <a:schemeClr val="accent1"/>
+          </a:effectRef>
+          <a:fontRef idx="minor">
+            <a:schemeClr val="tx1"/>
+          </a:fontRef>
+        </p:style>
+      </p:cxnSp>
       <p:pic>
         <p:nvPicPr>
-          <p:cNvPr id="10" name="Imagen 9"/>
+          <p:cNvPr id="40" name="Imagen 39"/>
           <p:cNvPicPr>
             <a:picLocks noChangeAspect="1"/>
           </p:cNvPicPr>
@@ -7879,8 +7616,8 @@
         </p:blipFill>
         <p:spPr>
           <a:xfrm>
-            <a:off x="2065421" y="4680035"/>
-            <a:ext cx="6477000" cy="1590675"/>
+            <a:off x="4200500" y="567290"/>
+            <a:ext cx="4124325" cy="4461910"/>
           </a:xfrm>
           <a:prstGeom prst="rect">
             <a:avLst/>
@@ -7889,19 +7626,104 @@
       </p:pic>
       <p:sp>
         <p:nvSpPr>
-          <p:cNvPr id="11" name="Abrir llave 10"/>
+          <p:cNvPr id="15" name="Abrir llave 14"/>
           <p:cNvSpPr/>
           <p:nvPr/>
         </p:nvSpPr>
         <p:spPr>
           <a:xfrm>
-            <a:off x="2261937" y="2189747"/>
-            <a:ext cx="144379" cy="926431"/>
+            <a:off x="5982588" y="1782818"/>
+            <a:ext cx="221057" cy="2741056"/>
           </a:xfrm>
           <a:prstGeom prst="leftBrace">
             <a:avLst/>
           </a:prstGeom>
-          <a:ln w="38100">
+          <a:ln w="28575">
+            <a:solidFill>
+              <a:schemeClr val="accent4">
+                <a:lumMod val="75000"/>
+              </a:schemeClr>
+            </a:solidFill>
+          </a:ln>
+        </p:spPr>
+        <p:style>
+          <a:lnRef idx="1">
+            <a:schemeClr val="accent1"/>
+          </a:lnRef>
+          <a:fillRef idx="0">
+            <a:schemeClr val="accent1"/>
+          </a:fillRef>
+          <a:effectRef idx="0">
+            <a:schemeClr val="accent1"/>
+          </a:effectRef>
+          <a:fontRef idx="minor">
+            <a:schemeClr val="tx1"/>
+          </a:fontRef>
+        </p:style>
+        <p:txBody>
+          <a:bodyPr rtlCol="0" anchor="ctr"/>
+          <a:lstStyle/>
+          <a:p>
+            <a:pPr algn="ctr"/>
+            <a:endParaRPr lang="es-ES"/>
+          </a:p>
+        </p:txBody>
+      </p:sp>
+      <p:cxnSp>
+        <p:nvCxnSpPr>
+          <p:cNvPr id="18" name="Conector recto de flecha 17"/>
+          <p:cNvCxnSpPr>
+            <a:stCxn id="15" idx="1"/>
+          </p:cNvCxnSpPr>
+          <p:nvPr/>
+        </p:nvCxnSpPr>
+        <p:spPr>
+          <a:xfrm flipH="1">
+            <a:off x="5469720" y="3153346"/>
+            <a:ext cx="512868" cy="2147147"/>
+          </a:xfrm>
+          <a:prstGeom prst="straightConnector1">
+            <a:avLst/>
+          </a:prstGeom>
+          <a:ln w="28575">
+            <a:solidFill>
+              <a:schemeClr val="accent4">
+                <a:lumMod val="75000"/>
+              </a:schemeClr>
+            </a:solidFill>
+            <a:tailEnd type="triangle"/>
+          </a:ln>
+        </p:spPr>
+        <p:style>
+          <a:lnRef idx="1">
+            <a:schemeClr val="accent1"/>
+          </a:lnRef>
+          <a:fillRef idx="0">
+            <a:schemeClr val="accent1"/>
+          </a:fillRef>
+          <a:effectRef idx="0">
+            <a:schemeClr val="accent1"/>
+          </a:effectRef>
+          <a:fontRef idx="minor">
+            <a:schemeClr val="tx1"/>
+          </a:fontRef>
+        </p:style>
+      </p:cxnSp>
+      <p:cxnSp>
+        <p:nvCxnSpPr>
+          <p:cNvPr id="26" name="Conector recto 25"/>
+          <p:cNvCxnSpPr/>
+          <p:nvPr/>
+        </p:nvCxnSpPr>
+        <p:spPr>
+          <a:xfrm flipH="1">
+            <a:off x="613610" y="4884821"/>
+            <a:ext cx="3994486" cy="60158"/>
+          </a:xfrm>
+          <a:prstGeom prst="line">
+            <a:avLst/>
+          </a:prstGeom>
+          <a:ln w="28575">
             <a:solidFill>
               <a:srgbClr val="FF0000"/>
             </a:solidFill>
@@ -7921,221 +7743,11 @@
             <a:schemeClr val="tx1"/>
           </a:fontRef>
         </p:style>
-        <p:txBody>
-          <a:bodyPr rtlCol="0" anchor="ctr"/>
-          <a:lstStyle/>
-          <a:p>
-            <a:pPr algn="ctr"/>
-            <a:endParaRPr lang="es-ES"/>
-          </a:p>
-        </p:txBody>
-      </p:sp>
-      <p:cxnSp>
-        <p:nvCxnSpPr>
-          <p:cNvPr id="13" name="Conector recto 12"/>
-          <p:cNvCxnSpPr/>
-          <p:nvPr/>
-        </p:nvCxnSpPr>
-        <p:spPr>
-          <a:xfrm>
-            <a:off x="1694322" y="2652962"/>
-            <a:ext cx="36098" cy="2822410"/>
-          </a:xfrm>
-          <a:prstGeom prst="line">
-            <a:avLst/>
-          </a:prstGeom>
-          <a:ln w="38100">
-            <a:solidFill>
-              <a:srgbClr val="FF0000"/>
-            </a:solidFill>
-          </a:ln>
-        </p:spPr>
-        <p:style>
-          <a:lnRef idx="1">
-            <a:schemeClr val="accent1"/>
-          </a:lnRef>
-          <a:fillRef idx="0">
-            <a:schemeClr val="accent1"/>
-          </a:fillRef>
-          <a:effectRef idx="0">
-            <a:schemeClr val="accent1"/>
-          </a:effectRef>
-          <a:fontRef idx="minor">
-            <a:schemeClr val="tx1"/>
-          </a:fontRef>
-        </p:style>
       </p:cxnSp>
-      <p:cxnSp>
-        <p:nvCxnSpPr>
-          <p:cNvPr id="15" name="Conector recto 14"/>
-          <p:cNvCxnSpPr>
-            <a:endCxn id="11" idx="1"/>
-          </p:cNvCxnSpPr>
-          <p:nvPr/>
-        </p:nvCxnSpPr>
-        <p:spPr>
-          <a:xfrm>
-            <a:off x="1694322" y="2652962"/>
-            <a:ext cx="567615" cy="1"/>
-          </a:xfrm>
-          <a:prstGeom prst="line">
-            <a:avLst/>
-          </a:prstGeom>
-          <a:ln w="38100">
-            <a:solidFill>
-              <a:srgbClr val="FF0000"/>
-            </a:solidFill>
-          </a:ln>
-        </p:spPr>
-        <p:style>
-          <a:lnRef idx="1">
-            <a:schemeClr val="accent1"/>
-          </a:lnRef>
-          <a:fillRef idx="0">
-            <a:schemeClr val="accent1"/>
-          </a:fillRef>
-          <a:effectRef idx="0">
-            <a:schemeClr val="accent1"/>
-          </a:effectRef>
-          <a:fontRef idx="minor">
-            <a:schemeClr val="tx1"/>
-          </a:fontRef>
-        </p:style>
-      </p:cxnSp>
-      <p:cxnSp>
-        <p:nvCxnSpPr>
-          <p:cNvPr id="22" name="Conector recto de flecha 21"/>
-          <p:cNvCxnSpPr/>
-          <p:nvPr/>
-        </p:nvCxnSpPr>
-        <p:spPr>
-          <a:xfrm>
-            <a:off x="1730420" y="5475372"/>
-            <a:ext cx="603706" cy="0"/>
-          </a:xfrm>
-          <a:prstGeom prst="straightConnector1">
-            <a:avLst/>
-          </a:prstGeom>
-          <a:ln w="38100">
-            <a:solidFill>
-              <a:srgbClr val="FF0000"/>
-            </a:solidFill>
-            <a:tailEnd type="triangle"/>
-          </a:ln>
-        </p:spPr>
-        <p:style>
-          <a:lnRef idx="1">
-            <a:schemeClr val="accent1"/>
-          </a:lnRef>
-          <a:fillRef idx="0">
-            <a:schemeClr val="accent1"/>
-          </a:fillRef>
-          <a:effectRef idx="0">
-            <a:schemeClr val="accent1"/>
-          </a:effectRef>
-          <a:fontRef idx="minor">
-            <a:schemeClr val="tx1"/>
-          </a:fontRef>
-        </p:style>
-      </p:cxnSp>
-      <p:sp>
-        <p:nvSpPr>
-          <p:cNvPr id="23" name="Elipse 22"/>
-          <p:cNvSpPr/>
-          <p:nvPr/>
-        </p:nvSpPr>
-        <p:spPr>
-          <a:xfrm>
-            <a:off x="8232230" y="176877"/>
-            <a:ext cx="538791" cy="416277"/>
-          </a:xfrm>
-          <a:prstGeom prst="ellipse">
-            <a:avLst/>
-          </a:prstGeom>
-          <a:solidFill>
-            <a:schemeClr val="accent5">
-              <a:lumMod val="75000"/>
-            </a:schemeClr>
-          </a:solidFill>
-        </p:spPr>
-        <p:style>
-          <a:lnRef idx="2">
-            <a:schemeClr val="accent1">
-              <a:shade val="50000"/>
-            </a:schemeClr>
-          </a:lnRef>
-          <a:fillRef idx="1">
-            <a:schemeClr val="accent1"/>
-          </a:fillRef>
-          <a:effectRef idx="0">
-            <a:schemeClr val="accent1"/>
-          </a:effectRef>
-          <a:fontRef idx="minor">
-            <a:schemeClr val="lt1"/>
-          </a:fontRef>
-        </p:style>
-        <p:txBody>
-          <a:bodyPr rtlCol="0" anchor="ctr"/>
-          <a:lstStyle/>
-          <a:p>
-            <a:pPr algn="ctr"/>
-            <a:r>
-              <a:rPr lang="es-419" dirty="0"/>
-              <a:t>2</a:t>
-            </a:r>
-            <a:endParaRPr lang="es-ES" dirty="0"/>
-          </a:p>
-        </p:txBody>
-      </p:sp>
-      <p:sp>
-        <p:nvSpPr>
-          <p:cNvPr id="24" name="Flecha izquierda 23"/>
-          <p:cNvSpPr/>
-          <p:nvPr/>
-        </p:nvSpPr>
-        <p:spPr>
-          <a:xfrm>
-            <a:off x="7256642" y="197958"/>
-            <a:ext cx="1025463" cy="378790"/>
-          </a:xfrm>
-          <a:prstGeom prst="leftArrow">
-            <a:avLst/>
-          </a:prstGeom>
-          <a:solidFill>
-            <a:schemeClr val="accent5">
-              <a:lumMod val="75000"/>
-            </a:schemeClr>
-          </a:solidFill>
-        </p:spPr>
-        <p:style>
-          <a:lnRef idx="2">
-            <a:schemeClr val="accent1">
-              <a:shade val="50000"/>
-            </a:schemeClr>
-          </a:lnRef>
-          <a:fillRef idx="1">
-            <a:schemeClr val="accent1"/>
-          </a:fillRef>
-          <a:effectRef idx="0">
-            <a:schemeClr val="accent1"/>
-          </a:effectRef>
-          <a:fontRef idx="minor">
-            <a:schemeClr val="lt1"/>
-          </a:fontRef>
-        </p:style>
-        <p:txBody>
-          <a:bodyPr rtlCol="0" anchor="ctr"/>
-          <a:lstStyle/>
-          <a:p>
-            <a:pPr algn="ctr"/>
-            <a:endParaRPr lang="es-ES"/>
-          </a:p>
-        </p:txBody>
-      </p:sp>
     </p:spTree>
     <p:extLst>
       <p:ext uri="{BB962C8B-B14F-4D97-AF65-F5344CB8AC3E}">
-        <p14:creationId xmlns:p14="http://schemas.microsoft.com/office/powerpoint/2010/main" val="2840050316"/>
+        <p14:creationId xmlns:p14="http://schemas.microsoft.com/office/powerpoint/2010/main" val="1265344089"/>
       </p:ext>
     </p:extLst>
   </p:cSld>
@@ -8566,8 +8178,8 @@
         </p:nvSpPr>
         <p:spPr>
           <a:xfrm>
-            <a:off x="222363" y="100147"/>
-            <a:ext cx="6912363" cy="646331"/>
+            <a:off x="188327" y="197958"/>
+            <a:ext cx="5278561" cy="369332"/>
           </a:xfrm>
           <a:prstGeom prst="rect">
             <a:avLst/>
@@ -8575,14 +8187,14 @@
           <a:noFill/>
         </p:spPr>
         <p:txBody>
-          <a:bodyPr wrap="square" rtlCol="0">
+          <a:bodyPr wrap="none" rtlCol="0">
             <a:spAutoFit/>
           </a:bodyPr>
           <a:lstStyle/>
           <a:p>
             <a:r>
               <a:rPr lang="es-419" dirty="0"/>
-              <a:t>Posicionarse en la línea 54 del archivo </a:t>
+              <a:t>Seleccionar el archivo </a:t>
             </a:r>
             <a:r>
               <a:rPr lang="es-419" dirty="0" err="1">
@@ -8594,35 +8206,37 @@
             </a:r>
             <a:r>
               <a:rPr lang="es-419" dirty="0"/>
-              <a:t> y actualizar los campos del </a:t>
-            </a:r>
-            <a:r>
-              <a:rPr lang="es-419" dirty="0" err="1"/>
-              <a:t>Select</a:t>
-            </a:r>
+              <a:t> para actualizar</a:t>
+            </a:r>
+            <a:endParaRPr lang="es-ES" dirty="0"/>
+          </a:p>
+        </p:txBody>
+      </p:sp>
+      <p:sp>
+        <p:nvSpPr>
+          <p:cNvPr id="6" name="CuadroTexto 5"/>
+          <p:cNvSpPr txBox="1"/>
+          <p:nvPr/>
+        </p:nvSpPr>
+        <p:spPr>
+          <a:xfrm>
+            <a:off x="234394" y="1471757"/>
+            <a:ext cx="6378734" cy="369332"/>
+          </a:xfrm>
+          <a:prstGeom prst="rect">
+            <a:avLst/>
+          </a:prstGeom>
+          <a:noFill/>
+        </p:spPr>
+        <p:txBody>
+          <a:bodyPr wrap="none" rtlCol="0">
+            <a:spAutoFit/>
+          </a:bodyPr>
+          <a:lstStyle/>
+          <a:p>
             <a:r>
               <a:rPr lang="es-419" dirty="0"/>
-              <a:t> que se </a:t>
-            </a:r>
-            <a:r>
-              <a:rPr lang="es-419" dirty="0" err="1"/>
-              <a:t>realizon</a:t>
-            </a:r>
-            <a:r>
-              <a:rPr lang="es-419" dirty="0"/>
-              <a:t> el </a:t>
-            </a:r>
-            <a:r>
-              <a:rPr lang="es-419" dirty="0" err="1">
-                <a:solidFill>
-                  <a:srgbClr val="FF0000"/>
-                </a:solidFill>
-              </a:rPr>
-              <a:t>InformaListSERP.php</a:t>
-            </a:r>
-            <a:r>
-              <a:rPr lang="es-419" dirty="0"/>
-              <a:t>.</a:t>
+              <a:t>Posicionarse en la línea 41  a la 43, colocar el titulo de los campos.</a:t>
             </a:r>
             <a:endParaRPr lang="es-ES" dirty="0"/>
           </a:p>
@@ -8644,8 +8258,32 @@
         </p:blipFill>
         <p:spPr>
           <a:xfrm>
-            <a:off x="370973" y="1097635"/>
-            <a:ext cx="7391400" cy="3267075"/>
+            <a:off x="234394" y="605186"/>
+            <a:ext cx="2733675" cy="828675"/>
+          </a:xfrm>
+          <a:prstGeom prst="rect">
+            <a:avLst/>
+          </a:prstGeom>
+        </p:spPr>
+      </p:pic>
+      <p:pic>
+        <p:nvPicPr>
+          <p:cNvPr id="8" name="Imagen 7"/>
+          <p:cNvPicPr>
+            <a:picLocks noChangeAspect="1"/>
+          </p:cNvPicPr>
+          <p:nvPr/>
+        </p:nvPicPr>
+        <p:blipFill>
+          <a:blip r:embed="rId3"/>
+          <a:stretch>
+            <a:fillRect/>
+          </a:stretch>
+        </p:blipFill>
+        <p:spPr>
+          <a:xfrm>
+            <a:off x="954004" y="1968416"/>
+            <a:ext cx="6610350" cy="2295525"/>
           </a:xfrm>
           <a:prstGeom prst="rect">
             <a:avLst/>
@@ -8661,74 +8299,30 @@
           <p:nvPr/>
         </p:nvPicPr>
         <p:blipFill>
-          <a:blip r:embed="rId3"/>
+          <a:blip r:embed="rId4"/>
           <a:stretch>
             <a:fillRect/>
           </a:stretch>
         </p:blipFill>
         <p:spPr>
           <a:xfrm>
-            <a:off x="2285655" y="4403036"/>
-            <a:ext cx="6448425" cy="2142143"/>
+            <a:off x="2065421" y="4680035"/>
+            <a:ext cx="6477000" cy="1590675"/>
           </a:xfrm>
           <a:prstGeom prst="rect">
             <a:avLst/>
           </a:prstGeom>
-          <a:ln>
-            <a:solidFill>
-              <a:schemeClr val="bg2">
-                <a:lumMod val="25000"/>
-              </a:schemeClr>
-            </a:solidFill>
-          </a:ln>
         </p:spPr>
       </p:pic>
       <p:sp>
         <p:nvSpPr>
-          <p:cNvPr id="11" name="Rectángulo 10"/>
+          <p:cNvPr id="11" name="Abrir llave 10"/>
           <p:cNvSpPr/>
           <p:nvPr/>
         </p:nvSpPr>
         <p:spPr>
           <a:xfrm>
-            <a:off x="6625508" y="4338690"/>
-            <a:ext cx="2153410" cy="369332"/>
-          </a:xfrm>
-          <a:prstGeom prst="rect">
-            <a:avLst/>
-          </a:prstGeom>
-        </p:spPr>
-        <p:txBody>
-          <a:bodyPr wrap="none">
-            <a:spAutoFit/>
-          </a:bodyPr>
-          <a:lstStyle/>
-          <a:p>
-            <a:r>
-              <a:rPr lang="es-419" dirty="0" err="1">
-                <a:solidFill>
-                  <a:srgbClr val="FF0000"/>
-                </a:solidFill>
-              </a:rPr>
-              <a:t>InformaListSERP.php</a:t>
-            </a:r>
-            <a:r>
-              <a:rPr lang="es-419" dirty="0"/>
-              <a:t>.</a:t>
-            </a:r>
-            <a:endParaRPr lang="es-ES" dirty="0"/>
-          </a:p>
-        </p:txBody>
-      </p:sp>
-      <p:sp>
-        <p:nvSpPr>
-          <p:cNvPr id="13" name="Abrir llave 12"/>
-          <p:cNvSpPr/>
-          <p:nvPr/>
-        </p:nvSpPr>
-        <p:spPr>
-          <a:xfrm>
-            <a:off x="1624263" y="1540042"/>
+            <a:off x="2261937" y="2189747"/>
             <a:ext cx="144379" cy="926431"/>
           </a:xfrm>
           <a:prstGeom prst="leftBrace">
@@ -8765,14 +8359,14 @@
       </p:sp>
       <p:cxnSp>
         <p:nvCxnSpPr>
-          <p:cNvPr id="14" name="Conector recto 13"/>
+          <p:cNvPr id="13" name="Conector recto 12"/>
           <p:cNvCxnSpPr/>
           <p:nvPr/>
         </p:nvCxnSpPr>
         <p:spPr>
           <a:xfrm>
-            <a:off x="1056648" y="2003257"/>
-            <a:ext cx="0" cy="2869274"/>
+            <a:off x="1694322" y="2652962"/>
+            <a:ext cx="36098" cy="2822410"/>
           </a:xfrm>
           <a:prstGeom prst="line">
             <a:avLst/>
@@ -8801,13 +8395,15 @@
       <p:cxnSp>
         <p:nvCxnSpPr>
           <p:cNvPr id="15" name="Conector recto 14"/>
-          <p:cNvCxnSpPr/>
+          <p:cNvCxnSpPr>
+            <a:endCxn id="11" idx="1"/>
+          </p:cNvCxnSpPr>
           <p:nvPr/>
         </p:nvCxnSpPr>
         <p:spPr>
           <a:xfrm>
-            <a:off x="1056648" y="4872531"/>
-            <a:ext cx="2442565" cy="1"/>
+            <a:off x="1694322" y="2652962"/>
+            <a:ext cx="567615" cy="1"/>
           </a:xfrm>
           <a:prstGeom prst="line">
             <a:avLst/>
@@ -8835,14 +8431,14 @@
       </p:cxnSp>
       <p:cxnSp>
         <p:nvCxnSpPr>
-          <p:cNvPr id="16" name="Conector recto de flecha 15"/>
+          <p:cNvPr id="22" name="Conector recto de flecha 21"/>
           <p:cNvCxnSpPr/>
           <p:nvPr/>
         </p:nvCxnSpPr>
         <p:spPr>
           <a:xfrm>
-            <a:off x="1001443" y="2003257"/>
-            <a:ext cx="483391" cy="0"/>
+            <a:off x="1730420" y="5475372"/>
+            <a:ext cx="603706" cy="0"/>
           </a:xfrm>
           <a:prstGeom prst="straightConnector1">
             <a:avLst/>
@@ -8871,49 +8467,6 @@
       </p:cxnSp>
       <p:sp>
         <p:nvSpPr>
-          <p:cNvPr id="17" name="Abrir llave 16"/>
-          <p:cNvSpPr/>
-          <p:nvPr/>
-        </p:nvSpPr>
-        <p:spPr>
-          <a:xfrm>
-            <a:off x="3556083" y="4583516"/>
-            <a:ext cx="233864" cy="578031"/>
-          </a:xfrm>
-          <a:prstGeom prst="leftBrace">
-            <a:avLst/>
-          </a:prstGeom>
-          <a:ln w="38100">
-            <a:solidFill>
-              <a:srgbClr val="FF0000"/>
-            </a:solidFill>
-          </a:ln>
-        </p:spPr>
-        <p:style>
-          <a:lnRef idx="1">
-            <a:schemeClr val="accent1"/>
-          </a:lnRef>
-          <a:fillRef idx="0">
-            <a:schemeClr val="accent1"/>
-          </a:fillRef>
-          <a:effectRef idx="0">
-            <a:schemeClr val="accent1"/>
-          </a:effectRef>
-          <a:fontRef idx="minor">
-            <a:schemeClr val="tx1"/>
-          </a:fontRef>
-        </p:style>
-        <p:txBody>
-          <a:bodyPr rtlCol="0" anchor="ctr"/>
-          <a:lstStyle/>
-          <a:p>
-            <a:pPr algn="ctr"/>
-            <a:endParaRPr lang="es-ES"/>
-          </a:p>
-        </p:txBody>
-      </p:sp>
-      <p:sp>
-        <p:nvSpPr>
           <p:cNvPr id="23" name="Elipse 22"/>
           <p:cNvSpPr/>
           <p:nvPr/>
@@ -9009,7 +8562,7 @@
     </p:spTree>
     <p:extLst>
       <p:ext uri="{BB962C8B-B14F-4D97-AF65-F5344CB8AC3E}">
-        <p14:creationId xmlns:p14="http://schemas.microsoft.com/office/powerpoint/2010/main" val="4137665108"/>
+        <p14:creationId xmlns:p14="http://schemas.microsoft.com/office/powerpoint/2010/main" val="2840050316"/>
       </p:ext>
     </p:extLst>
   </p:cSld>
@@ -9044,8 +8597,8 @@
         </p:nvSpPr>
         <p:spPr>
           <a:xfrm>
-            <a:off x="222363" y="135979"/>
-            <a:ext cx="6936426" cy="646331"/>
+            <a:off x="222363" y="100147"/>
+            <a:ext cx="6912363" cy="646331"/>
           </a:xfrm>
           <a:prstGeom prst="rect">
             <a:avLst/>
@@ -9060,15 +8613,7 @@
           <a:p>
             <a:r>
               <a:rPr lang="es-419" dirty="0"/>
-              <a:t>Posicionarse en la línea 65 del </a:t>
-            </a:r>
-            <a:r>
-              <a:rPr lang="es-419" dirty="0" err="1"/>
-              <a:t>archico</a:t>
-            </a:r>
-            <a:r>
-              <a:rPr lang="es-419" dirty="0"/>
-              <a:t> </a:t>
+              <a:t>Posicionarse en la línea 54 del archivo </a:t>
             </a:r>
             <a:r>
               <a:rPr lang="es-419" dirty="0" err="1">
@@ -9080,7 +8625,35 @@
             </a:r>
             <a:r>
               <a:rPr lang="es-419" dirty="0"/>
-              <a:t> y actualizar los campos que se van a visualizar.</a:t>
+              <a:t> y actualizar los campos del </a:t>
+            </a:r>
+            <a:r>
+              <a:rPr lang="es-419" dirty="0" err="1"/>
+              <a:t>Select</a:t>
+            </a:r>
+            <a:r>
+              <a:rPr lang="es-419" dirty="0"/>
+              <a:t> que se </a:t>
+            </a:r>
+            <a:r>
+              <a:rPr lang="es-419" dirty="0" err="1"/>
+              <a:t>realizon</a:t>
+            </a:r>
+            <a:r>
+              <a:rPr lang="es-419" dirty="0"/>
+              <a:t> el </a:t>
+            </a:r>
+            <a:r>
+              <a:rPr lang="es-419" dirty="0" err="1">
+                <a:solidFill>
+                  <a:srgbClr val="FF0000"/>
+                </a:solidFill>
+              </a:rPr>
+              <a:t>InformaListSERP.php</a:t>
+            </a:r>
+            <a:r>
+              <a:rPr lang="es-419" dirty="0"/>
+              <a:t>.</a:t>
             </a:r>
             <a:endParaRPr lang="es-ES" dirty="0"/>
           </a:p>
@@ -9112,7 +8685,7 @@
       </p:pic>
       <p:pic>
         <p:nvPicPr>
-          <p:cNvPr id="2" name="Imagen 1"/>
+          <p:cNvPr id="10" name="Imagen 9"/>
           <p:cNvPicPr>
             <a:picLocks noChangeAspect="1"/>
           </p:cNvPicPr>
@@ -9126,29 +8699,73 @@
         </p:blipFill>
         <p:spPr>
           <a:xfrm>
-            <a:off x="2065421" y="4680035"/>
-            <a:ext cx="6477000" cy="1590675"/>
+            <a:off x="2285655" y="4403036"/>
+            <a:ext cx="6448425" cy="2142143"/>
           </a:xfrm>
           <a:prstGeom prst="rect">
             <a:avLst/>
           </a:prstGeom>
+          <a:ln>
+            <a:solidFill>
+              <a:schemeClr val="bg2">
+                <a:lumMod val="25000"/>
+              </a:schemeClr>
+            </a:solidFill>
+          </a:ln>
         </p:spPr>
       </p:pic>
       <p:sp>
         <p:nvSpPr>
-          <p:cNvPr id="3" name="Abrir llave 2"/>
+          <p:cNvPr id="11" name="Rectángulo 10"/>
           <p:cNvSpPr/>
           <p:nvPr/>
         </p:nvSpPr>
         <p:spPr>
           <a:xfrm>
-            <a:off x="1528011" y="3633537"/>
-            <a:ext cx="252663" cy="731173"/>
+            <a:off x="6625508" y="4338690"/>
+            <a:ext cx="2153410" cy="369332"/>
+          </a:xfrm>
+          <a:prstGeom prst="rect">
+            <a:avLst/>
+          </a:prstGeom>
+        </p:spPr>
+        <p:txBody>
+          <a:bodyPr wrap="none">
+            <a:spAutoFit/>
+          </a:bodyPr>
+          <a:lstStyle/>
+          <a:p>
+            <a:r>
+              <a:rPr lang="es-419" dirty="0" err="1">
+                <a:solidFill>
+                  <a:srgbClr val="FF0000"/>
+                </a:solidFill>
+              </a:rPr>
+              <a:t>InformaListSERP.php</a:t>
+            </a:r>
+            <a:r>
+              <a:rPr lang="es-419" dirty="0"/>
+              <a:t>.</a:t>
+            </a:r>
+            <a:endParaRPr lang="es-ES" dirty="0"/>
+          </a:p>
+        </p:txBody>
+      </p:sp>
+      <p:sp>
+        <p:nvSpPr>
+          <p:cNvPr id="13" name="Abrir llave 12"/>
+          <p:cNvSpPr/>
+          <p:nvPr/>
+        </p:nvSpPr>
+        <p:spPr>
+          <a:xfrm>
+            <a:off x="1624263" y="1540042"/>
+            <a:ext cx="144379" cy="926431"/>
           </a:xfrm>
           <a:prstGeom prst="leftBrace">
             <a:avLst/>
           </a:prstGeom>
-          <a:ln w="28575">
+          <a:ln w="38100">
             <a:solidFill>
               <a:srgbClr val="FF0000"/>
             </a:solidFill>
@@ -9179,19 +8796,19 @@
       </p:sp>
       <p:cxnSp>
         <p:nvCxnSpPr>
-          <p:cNvPr id="12" name="Conector recto 11"/>
+          <p:cNvPr id="14" name="Conector recto 13"/>
           <p:cNvCxnSpPr/>
           <p:nvPr/>
         </p:nvCxnSpPr>
         <p:spPr>
           <a:xfrm>
-            <a:off x="1419726" y="3994484"/>
-            <a:ext cx="0" cy="1925053"/>
+            <a:off x="1056648" y="2003257"/>
+            <a:ext cx="0" cy="2869274"/>
           </a:xfrm>
           <a:prstGeom prst="line">
             <a:avLst/>
           </a:prstGeom>
-          <a:ln w="28575">
+          <a:ln w="38100">
             <a:solidFill>
               <a:srgbClr val="FF0000"/>
             </a:solidFill>
@@ -9214,19 +8831,54 @@
       </p:cxnSp>
       <p:cxnSp>
         <p:nvCxnSpPr>
-          <p:cNvPr id="15" name="Conector recto de flecha 14"/>
+          <p:cNvPr id="15" name="Conector recto 14"/>
           <p:cNvCxnSpPr/>
           <p:nvPr/>
         </p:nvCxnSpPr>
         <p:spPr>
-          <a:xfrm flipV="1">
-            <a:off x="1419726" y="5919537"/>
-            <a:ext cx="645695" cy="1"/>
+          <a:xfrm>
+            <a:off x="1056648" y="4872531"/>
+            <a:ext cx="2442565" cy="1"/>
+          </a:xfrm>
+          <a:prstGeom prst="line">
+            <a:avLst/>
+          </a:prstGeom>
+          <a:ln w="38100">
+            <a:solidFill>
+              <a:srgbClr val="FF0000"/>
+            </a:solidFill>
+          </a:ln>
+        </p:spPr>
+        <p:style>
+          <a:lnRef idx="1">
+            <a:schemeClr val="accent1"/>
+          </a:lnRef>
+          <a:fillRef idx="0">
+            <a:schemeClr val="accent1"/>
+          </a:fillRef>
+          <a:effectRef idx="0">
+            <a:schemeClr val="accent1"/>
+          </a:effectRef>
+          <a:fontRef idx="minor">
+            <a:schemeClr val="tx1"/>
+          </a:fontRef>
+        </p:style>
+      </p:cxnSp>
+      <p:cxnSp>
+        <p:nvCxnSpPr>
+          <p:cNvPr id="16" name="Conector recto de flecha 15"/>
+          <p:cNvCxnSpPr/>
+          <p:nvPr/>
+        </p:nvCxnSpPr>
+        <p:spPr>
+          <a:xfrm>
+            <a:off x="1001443" y="2003257"/>
+            <a:ext cx="483391" cy="0"/>
           </a:xfrm>
           <a:prstGeom prst="straightConnector1">
             <a:avLst/>
           </a:prstGeom>
-          <a:ln w="28575">
+          <a:ln w="38100">
             <a:solidFill>
               <a:srgbClr val="FF0000"/>
             </a:solidFill>
@@ -9250,7 +8902,50 @@
       </p:cxnSp>
       <p:sp>
         <p:nvSpPr>
-          <p:cNvPr id="21" name="Elipse 20"/>
+          <p:cNvPr id="17" name="Abrir llave 16"/>
+          <p:cNvSpPr/>
+          <p:nvPr/>
+        </p:nvSpPr>
+        <p:spPr>
+          <a:xfrm>
+            <a:off x="3556083" y="4583516"/>
+            <a:ext cx="233864" cy="578031"/>
+          </a:xfrm>
+          <a:prstGeom prst="leftBrace">
+            <a:avLst/>
+          </a:prstGeom>
+          <a:ln w="38100">
+            <a:solidFill>
+              <a:srgbClr val="FF0000"/>
+            </a:solidFill>
+          </a:ln>
+        </p:spPr>
+        <p:style>
+          <a:lnRef idx="1">
+            <a:schemeClr val="accent1"/>
+          </a:lnRef>
+          <a:fillRef idx="0">
+            <a:schemeClr val="accent1"/>
+          </a:fillRef>
+          <a:effectRef idx="0">
+            <a:schemeClr val="accent1"/>
+          </a:effectRef>
+          <a:fontRef idx="minor">
+            <a:schemeClr val="tx1"/>
+          </a:fontRef>
+        </p:style>
+        <p:txBody>
+          <a:bodyPr rtlCol="0" anchor="ctr"/>
+          <a:lstStyle/>
+          <a:p>
+            <a:pPr algn="ctr"/>
+            <a:endParaRPr lang="es-ES"/>
+          </a:p>
+        </p:txBody>
+      </p:sp>
+      <p:sp>
+        <p:nvSpPr>
+          <p:cNvPr id="23" name="Elipse 22"/>
           <p:cNvSpPr/>
           <p:nvPr/>
         </p:nvSpPr>
@@ -9299,7 +8994,7 @@
       </p:sp>
       <p:sp>
         <p:nvSpPr>
-          <p:cNvPr id="22" name="Flecha izquierda 21"/>
+          <p:cNvPr id="24" name="Flecha izquierda 23"/>
           <p:cNvSpPr/>
           <p:nvPr/>
         </p:nvSpPr>
@@ -9345,7 +9040,7 @@
     </p:spTree>
     <p:extLst>
       <p:ext uri="{BB962C8B-B14F-4D97-AF65-F5344CB8AC3E}">
-        <p14:creationId xmlns:p14="http://schemas.microsoft.com/office/powerpoint/2010/main" val="831136670"/>
+        <p14:creationId xmlns:p14="http://schemas.microsoft.com/office/powerpoint/2010/main" val="4137665108"/>
       </p:ext>
     </p:extLst>
   </p:cSld>
@@ -9374,59 +9069,14 @@
       </p:grpSpPr>
       <p:sp>
         <p:nvSpPr>
-          <p:cNvPr id="6" name="Flecha izquierda 5"/>
-          <p:cNvSpPr/>
-          <p:nvPr/>
-        </p:nvSpPr>
-        <p:spPr>
-          <a:xfrm>
-            <a:off x="7459576" y="220843"/>
-            <a:ext cx="791609" cy="323481"/>
-          </a:xfrm>
-          <a:prstGeom prst="leftArrow">
-            <a:avLst/>
-          </a:prstGeom>
-          <a:solidFill>
-            <a:schemeClr val="accent4">
-              <a:lumMod val="75000"/>
-            </a:schemeClr>
-          </a:solidFill>
-        </p:spPr>
-        <p:style>
-          <a:lnRef idx="2">
-            <a:schemeClr val="accent1">
-              <a:shade val="50000"/>
-            </a:schemeClr>
-          </a:lnRef>
-          <a:fillRef idx="1">
-            <a:schemeClr val="accent1"/>
-          </a:fillRef>
-          <a:effectRef idx="0">
-            <a:schemeClr val="accent1"/>
-          </a:effectRef>
-          <a:fontRef idx="minor">
-            <a:schemeClr val="lt1"/>
-          </a:fontRef>
-        </p:style>
-        <p:txBody>
-          <a:bodyPr rtlCol="0" anchor="ctr"/>
-          <a:lstStyle/>
-          <a:p>
-            <a:pPr algn="ctr"/>
-            <a:endParaRPr lang="es-ES"/>
-          </a:p>
-        </p:txBody>
-      </p:sp>
-      <p:sp>
-        <p:nvSpPr>
-          <p:cNvPr id="3" name="CuadroTexto 2"/>
+          <p:cNvPr id="5" name="CuadroTexto 4"/>
           <p:cNvSpPr txBox="1"/>
           <p:nvPr/>
         </p:nvSpPr>
         <p:spPr>
           <a:xfrm>
-            <a:off x="175097" y="197958"/>
-            <a:ext cx="5335050" cy="369332"/>
+            <a:off x="222363" y="135979"/>
+            <a:ext cx="6936426" cy="646331"/>
           </a:xfrm>
           <a:prstGeom prst="rect">
             <a:avLst/>
@@ -9434,14 +9084,22 @@
           <a:noFill/>
         </p:spPr>
         <p:txBody>
-          <a:bodyPr wrap="none" rtlCol="0">
+          <a:bodyPr wrap="square" rtlCol="0">
             <a:spAutoFit/>
           </a:bodyPr>
           <a:lstStyle/>
           <a:p>
             <a:r>
               <a:rPr lang="es-419" dirty="0"/>
-              <a:t>Seleccionar el archivo </a:t>
+              <a:t>Posicionarse en la línea 65 del </a:t>
+            </a:r>
+            <a:r>
+              <a:rPr lang="es-419" dirty="0" err="1"/>
+              <a:t>archico</a:t>
+            </a:r>
+            <a:r>
+              <a:rPr lang="es-419" dirty="0"/>
+              <a:t> </a:t>
             </a:r>
             <a:r>
               <a:rPr lang="es-419" dirty="0" err="1">
@@ -9449,11 +9107,11 @@
                   <a:srgbClr val="FF0000"/>
                 </a:solidFill>
               </a:rPr>
-              <a:t>InformaSERP.php</a:t>
+              <a:t>InformaList.php</a:t>
             </a:r>
             <a:r>
               <a:rPr lang="es-419" dirty="0"/>
-              <a:t> para actualizar</a:t>
+              <a:t> y actualizar los campos que se van a visualizar.</a:t>
             </a:r>
             <a:endParaRPr lang="es-ES" dirty="0"/>
           </a:p>
@@ -9461,7 +9119,7 @@
       </p:sp>
       <p:pic>
         <p:nvPicPr>
-          <p:cNvPr id="4" name="Imagen 3"/>
+          <p:cNvPr id="7" name="Imagen 6"/>
           <p:cNvPicPr>
             <a:picLocks noChangeAspect="1"/>
           </p:cNvPicPr>
@@ -9475,66 +9133,17 @@
         </p:blipFill>
         <p:spPr>
           <a:xfrm>
-            <a:off x="175097" y="702344"/>
-            <a:ext cx="2657475" cy="857250"/>
+            <a:off x="370973" y="1097635"/>
+            <a:ext cx="7391400" cy="3267075"/>
           </a:xfrm>
           <a:prstGeom prst="rect">
             <a:avLst/>
           </a:prstGeom>
         </p:spPr>
       </p:pic>
-      <p:sp>
-        <p:nvSpPr>
-          <p:cNvPr id="5" name="Elipse 4"/>
-          <p:cNvSpPr/>
-          <p:nvPr/>
-        </p:nvSpPr>
-        <p:spPr>
-          <a:xfrm>
-            <a:off x="8168061" y="188829"/>
-            <a:ext cx="651085" cy="355495"/>
-          </a:xfrm>
-          <a:prstGeom prst="ellipse">
-            <a:avLst/>
-          </a:prstGeom>
-          <a:solidFill>
-            <a:schemeClr val="accent4">
-              <a:lumMod val="75000"/>
-            </a:schemeClr>
-          </a:solidFill>
-        </p:spPr>
-        <p:style>
-          <a:lnRef idx="2">
-            <a:schemeClr val="accent1">
-              <a:shade val="50000"/>
-            </a:schemeClr>
-          </a:lnRef>
-          <a:fillRef idx="1">
-            <a:schemeClr val="accent1"/>
-          </a:fillRef>
-          <a:effectRef idx="0">
-            <a:schemeClr val="accent1"/>
-          </a:effectRef>
-          <a:fontRef idx="minor">
-            <a:schemeClr val="lt1"/>
-          </a:fontRef>
-        </p:style>
-        <p:txBody>
-          <a:bodyPr rtlCol="0" anchor="ctr"/>
-          <a:lstStyle/>
-          <a:p>
-            <a:pPr algn="ctr"/>
-            <a:r>
-              <a:rPr lang="es-419" dirty="0"/>
-              <a:t>3</a:t>
-            </a:r>
-            <a:endParaRPr lang="es-ES" dirty="0"/>
-          </a:p>
-        </p:txBody>
-      </p:sp>
       <p:pic>
         <p:nvPicPr>
-          <p:cNvPr id="7" name="Imagen 6"/>
+          <p:cNvPr id="2" name="Imagen 1"/>
           <p:cNvPicPr>
             <a:picLocks noChangeAspect="1"/>
           </p:cNvPicPr>
@@ -9548,8 +9157,8 @@
         </p:blipFill>
         <p:spPr>
           <a:xfrm>
-            <a:off x="0" y="1949342"/>
-            <a:ext cx="9286875" cy="2133600"/>
+            <a:off x="2065421" y="4680035"/>
+            <a:ext cx="6477000" cy="1590675"/>
           </a:xfrm>
           <a:prstGeom prst="rect">
             <a:avLst/>
@@ -9558,276 +9167,14 @@
       </p:pic>
       <p:sp>
         <p:nvSpPr>
-          <p:cNvPr id="8" name="CuadroTexto 7"/>
-          <p:cNvSpPr txBox="1"/>
-          <p:nvPr/>
-        </p:nvSpPr>
-        <p:spPr>
-          <a:xfrm>
-            <a:off x="175096" y="1569802"/>
-            <a:ext cx="8968903" cy="369332"/>
-          </a:xfrm>
-          <a:prstGeom prst="rect">
-            <a:avLst/>
-          </a:prstGeom>
-          <a:noFill/>
-        </p:spPr>
-        <p:txBody>
-          <a:bodyPr wrap="square" rtlCol="0">
-            <a:spAutoFit/>
-          </a:bodyPr>
-          <a:lstStyle/>
-          <a:p>
-            <a:r>
-              <a:rPr lang="es-419" dirty="0"/>
-              <a:t>a) Posicionarse en la línea 26 del </a:t>
-            </a:r>
-            <a:r>
-              <a:rPr lang="es-419" dirty="0" err="1"/>
-              <a:t>archico</a:t>
-            </a:r>
-            <a:r>
-              <a:rPr lang="es-419" dirty="0"/>
-              <a:t> </a:t>
-            </a:r>
-            <a:r>
-              <a:rPr lang="es-419" dirty="0" err="1">
-                <a:solidFill>
-                  <a:srgbClr val="FF0000"/>
-                </a:solidFill>
-              </a:rPr>
-              <a:t>InformaSERP.php</a:t>
-            </a:r>
-            <a:r>
-              <a:rPr lang="es-419" dirty="0"/>
-              <a:t> y actualizar el </a:t>
-            </a:r>
-            <a:r>
-              <a:rPr lang="es-419" dirty="0" err="1"/>
-              <a:t>Select</a:t>
-            </a:r>
-            <a:endParaRPr lang="es-ES" dirty="0"/>
-          </a:p>
-        </p:txBody>
-      </p:sp>
-      <p:pic>
-        <p:nvPicPr>
-          <p:cNvPr id="9" name="Imagen 8"/>
-          <p:cNvPicPr>
-            <a:picLocks noChangeAspect="1"/>
-          </p:cNvPicPr>
-          <p:nvPr/>
-        </p:nvPicPr>
-        <p:blipFill>
-          <a:blip r:embed="rId4"/>
-          <a:stretch>
-            <a:fillRect/>
-          </a:stretch>
-        </p:blipFill>
-        <p:spPr>
-          <a:xfrm>
-            <a:off x="4142371" y="4152900"/>
-            <a:ext cx="4676775" cy="2705100"/>
-          </a:xfrm>
-          <a:prstGeom prst="rect">
-            <a:avLst/>
-          </a:prstGeom>
-        </p:spPr>
-      </p:pic>
-      <p:sp>
-        <p:nvSpPr>
-          <p:cNvPr id="10" name="Abrir llave 9"/>
+          <p:cNvPr id="3" name="Abrir llave 2"/>
           <p:cNvSpPr/>
           <p:nvPr/>
         </p:nvSpPr>
         <p:spPr>
           <a:xfrm>
-            <a:off x="1383632" y="2512880"/>
-            <a:ext cx="252663" cy="600543"/>
-          </a:xfrm>
-          <a:prstGeom prst="leftBrace">
-            <a:avLst/>
-          </a:prstGeom>
-          <a:ln w="28575">
-            <a:solidFill>
-              <a:schemeClr val="accent2">
-                <a:lumMod val="75000"/>
-              </a:schemeClr>
-            </a:solidFill>
-          </a:ln>
-        </p:spPr>
-        <p:style>
-          <a:lnRef idx="1">
-            <a:schemeClr val="accent1"/>
-          </a:lnRef>
-          <a:fillRef idx="0">
-            <a:schemeClr val="accent1"/>
-          </a:fillRef>
-          <a:effectRef idx="0">
-            <a:schemeClr val="accent1"/>
-          </a:effectRef>
-          <a:fontRef idx="minor">
-            <a:schemeClr val="tx1"/>
-          </a:fontRef>
-        </p:style>
-        <p:txBody>
-          <a:bodyPr rtlCol="0" anchor="ctr"/>
-          <a:lstStyle/>
-          <a:p>
-            <a:pPr algn="ctr"/>
-            <a:endParaRPr lang="es-ES"/>
-          </a:p>
-        </p:txBody>
-      </p:sp>
-      <p:cxnSp>
-        <p:nvCxnSpPr>
-          <p:cNvPr id="11" name="Conector recto 10"/>
-          <p:cNvCxnSpPr/>
-          <p:nvPr/>
-        </p:nvCxnSpPr>
-        <p:spPr>
-          <a:xfrm>
-            <a:off x="1275347" y="2815389"/>
-            <a:ext cx="0" cy="1768639"/>
-          </a:xfrm>
-          <a:prstGeom prst="line">
-            <a:avLst/>
-          </a:prstGeom>
-          <a:ln w="28575">
-            <a:solidFill>
-              <a:schemeClr val="accent2">
-                <a:lumMod val="75000"/>
-              </a:schemeClr>
-            </a:solidFill>
-          </a:ln>
-        </p:spPr>
-        <p:style>
-          <a:lnRef idx="1">
-            <a:schemeClr val="accent1"/>
-          </a:lnRef>
-          <a:fillRef idx="0">
-            <a:schemeClr val="accent1"/>
-          </a:fillRef>
-          <a:effectRef idx="0">
-            <a:schemeClr val="accent1"/>
-          </a:effectRef>
-          <a:fontRef idx="minor">
-            <a:schemeClr val="tx1"/>
-          </a:fontRef>
-        </p:style>
-      </p:cxnSp>
-      <p:cxnSp>
-        <p:nvCxnSpPr>
-          <p:cNvPr id="12" name="Conector recto de flecha 11"/>
-          <p:cNvCxnSpPr/>
-          <p:nvPr/>
-        </p:nvCxnSpPr>
-        <p:spPr>
-          <a:xfrm flipV="1">
-            <a:off x="1275347" y="4584028"/>
-            <a:ext cx="2683042" cy="2"/>
-          </a:xfrm>
-          <a:prstGeom prst="straightConnector1">
-            <a:avLst/>
-          </a:prstGeom>
-          <a:ln w="28575">
-            <a:solidFill>
-              <a:schemeClr val="accent2">
-                <a:lumMod val="75000"/>
-              </a:schemeClr>
-            </a:solidFill>
-            <a:tailEnd type="triangle"/>
-          </a:ln>
-        </p:spPr>
-        <p:style>
-          <a:lnRef idx="1">
-            <a:schemeClr val="accent1"/>
-          </a:lnRef>
-          <a:fillRef idx="0">
-            <a:schemeClr val="accent1"/>
-          </a:fillRef>
-          <a:effectRef idx="0">
-            <a:schemeClr val="accent1"/>
-          </a:effectRef>
-          <a:fontRef idx="minor">
-            <a:schemeClr val="tx1"/>
-          </a:fontRef>
-        </p:style>
-      </p:cxnSp>
-      <p:sp>
-        <p:nvSpPr>
-          <p:cNvPr id="15" name="CuadroTexto 14"/>
-          <p:cNvSpPr txBox="1"/>
-          <p:nvPr/>
-        </p:nvSpPr>
-        <p:spPr>
-          <a:xfrm>
-            <a:off x="317972" y="4646480"/>
-            <a:ext cx="3824399" cy="923330"/>
-          </a:xfrm>
-          <a:prstGeom prst="rect">
-            <a:avLst/>
-          </a:prstGeom>
-          <a:noFill/>
-        </p:spPr>
-        <p:txBody>
-          <a:bodyPr wrap="square" rtlCol="0">
-            <a:spAutoFit/>
-          </a:bodyPr>
-          <a:lstStyle/>
-          <a:p>
-            <a:r>
-              <a:rPr lang="es-419" dirty="0"/>
-              <a:t>b) Posicionarse en la línea 40 al 43  definir los campos que se utilizan en el </a:t>
-            </a:r>
-            <a:r>
-              <a:rPr lang="es-419" dirty="0" err="1"/>
-              <a:t>query</a:t>
-            </a:r>
-            <a:endParaRPr lang="es-ES" dirty="0"/>
-          </a:p>
-        </p:txBody>
-      </p:sp>
-      <p:sp>
-        <p:nvSpPr>
-          <p:cNvPr id="16" name="CuadroTexto 15"/>
-          <p:cNvSpPr txBox="1"/>
-          <p:nvPr/>
-        </p:nvSpPr>
-        <p:spPr>
-          <a:xfrm>
-            <a:off x="317972" y="5813518"/>
-            <a:ext cx="3824399" cy="923330"/>
-          </a:xfrm>
-          <a:prstGeom prst="rect">
-            <a:avLst/>
-          </a:prstGeom>
-          <a:noFill/>
-        </p:spPr>
-        <p:txBody>
-          <a:bodyPr wrap="square" rtlCol="0">
-            <a:spAutoFit/>
-          </a:bodyPr>
-          <a:lstStyle/>
-          <a:p>
-            <a:r>
-              <a:rPr lang="es-419" dirty="0"/>
-              <a:t>c) Posicionarse en la línea 45 en base a las variables definidas colocar el campo</a:t>
-            </a:r>
-            <a:endParaRPr lang="es-ES" dirty="0"/>
-          </a:p>
-        </p:txBody>
-      </p:sp>
-      <p:sp>
-        <p:nvSpPr>
-          <p:cNvPr id="17" name="Abrir llave 16"/>
-          <p:cNvSpPr/>
-          <p:nvPr/>
-        </p:nvSpPr>
-        <p:spPr>
-          <a:xfrm flipH="1">
-            <a:off x="8503848" y="2415599"/>
-            <a:ext cx="315298" cy="600543"/>
+            <a:off x="1528011" y="3633537"/>
+            <a:ext cx="252663" cy="731173"/>
           </a:xfrm>
           <a:prstGeom prst="leftBrace">
             <a:avLst/>
@@ -9863,14 +9210,14 @@
       </p:sp>
       <p:cxnSp>
         <p:nvCxnSpPr>
-          <p:cNvPr id="18" name="Conector recto 17"/>
+          <p:cNvPr id="12" name="Conector recto 11"/>
           <p:cNvCxnSpPr/>
           <p:nvPr/>
         </p:nvCxnSpPr>
         <p:spPr>
           <a:xfrm>
-            <a:off x="8923421" y="2703094"/>
-            <a:ext cx="0" cy="3312695"/>
+            <a:off x="1419726" y="3994484"/>
+            <a:ext cx="0" cy="1925053"/>
           </a:xfrm>
           <a:prstGeom prst="line">
             <a:avLst/>
@@ -9898,60 +9245,23 @@
       </p:cxnSp>
       <p:cxnSp>
         <p:nvCxnSpPr>
-          <p:cNvPr id="20" name="Conector recto de flecha 19"/>
+          <p:cNvPr id="15" name="Conector recto de flecha 14"/>
           <p:cNvCxnSpPr/>
           <p:nvPr/>
         </p:nvCxnSpPr>
         <p:spPr>
-          <a:xfrm flipH="1">
-            <a:off x="8398042" y="6015789"/>
-            <a:ext cx="525380" cy="0"/>
+          <a:xfrm flipV="1">
+            <a:off x="1419726" y="5919537"/>
+            <a:ext cx="645695" cy="1"/>
           </a:xfrm>
           <a:prstGeom prst="straightConnector1">
-            <a:avLst/>
-          </a:prstGeom>
-          <a:ln w="28575">
-            <a:solidFill>
-              <a:schemeClr val="accent6">
-                <a:lumMod val="50000"/>
-              </a:schemeClr>
-            </a:solidFill>
-            <a:tailEnd type="triangle"/>
-          </a:ln>
-        </p:spPr>
-        <p:style>
-          <a:lnRef idx="1">
-            <a:schemeClr val="accent1"/>
-          </a:lnRef>
-          <a:fillRef idx="0">
-            <a:schemeClr val="accent1"/>
-          </a:fillRef>
-          <a:effectRef idx="0">
-            <a:schemeClr val="accent1"/>
-          </a:effectRef>
-          <a:fontRef idx="minor">
-            <a:schemeClr val="tx1"/>
-          </a:fontRef>
-        </p:style>
-      </p:cxnSp>
-      <p:sp>
-        <p:nvSpPr>
-          <p:cNvPr id="23" name="Abrir llave 22"/>
-          <p:cNvSpPr/>
-          <p:nvPr/>
-        </p:nvSpPr>
-        <p:spPr>
-          <a:xfrm flipH="1">
-            <a:off x="7966770" y="5164722"/>
-            <a:ext cx="315298" cy="1693278"/>
-          </a:xfrm>
-          <a:prstGeom prst="leftBrace">
             <a:avLst/>
           </a:prstGeom>
           <a:ln w="28575">
             <a:solidFill>
               <a:srgbClr val="FF0000"/>
             </a:solidFill>
+            <a:tailEnd type="triangle"/>
           </a:ln>
         </p:spPr>
         <p:style>
@@ -9966,6 +9276,92 @@
           </a:effectRef>
           <a:fontRef idx="minor">
             <a:schemeClr val="tx1"/>
+          </a:fontRef>
+        </p:style>
+      </p:cxnSp>
+      <p:sp>
+        <p:nvSpPr>
+          <p:cNvPr id="21" name="Elipse 20"/>
+          <p:cNvSpPr/>
+          <p:nvPr/>
+        </p:nvSpPr>
+        <p:spPr>
+          <a:xfrm>
+            <a:off x="8232230" y="176877"/>
+            <a:ext cx="538791" cy="416277"/>
+          </a:xfrm>
+          <a:prstGeom prst="ellipse">
+            <a:avLst/>
+          </a:prstGeom>
+          <a:solidFill>
+            <a:schemeClr val="accent5">
+              <a:lumMod val="75000"/>
+            </a:schemeClr>
+          </a:solidFill>
+        </p:spPr>
+        <p:style>
+          <a:lnRef idx="2">
+            <a:schemeClr val="accent1">
+              <a:shade val="50000"/>
+            </a:schemeClr>
+          </a:lnRef>
+          <a:fillRef idx="1">
+            <a:schemeClr val="accent1"/>
+          </a:fillRef>
+          <a:effectRef idx="0">
+            <a:schemeClr val="accent1"/>
+          </a:effectRef>
+          <a:fontRef idx="minor">
+            <a:schemeClr val="lt1"/>
+          </a:fontRef>
+        </p:style>
+        <p:txBody>
+          <a:bodyPr rtlCol="0" anchor="ctr"/>
+          <a:lstStyle/>
+          <a:p>
+            <a:pPr algn="ctr"/>
+            <a:r>
+              <a:rPr lang="es-419" dirty="0"/>
+              <a:t>2</a:t>
+            </a:r>
+            <a:endParaRPr lang="es-ES" dirty="0"/>
+          </a:p>
+        </p:txBody>
+      </p:sp>
+      <p:sp>
+        <p:nvSpPr>
+          <p:cNvPr id="22" name="Flecha izquierda 21"/>
+          <p:cNvSpPr/>
+          <p:nvPr/>
+        </p:nvSpPr>
+        <p:spPr>
+          <a:xfrm>
+            <a:off x="7256642" y="197958"/>
+            <a:ext cx="1025463" cy="378790"/>
+          </a:xfrm>
+          <a:prstGeom prst="leftArrow">
+            <a:avLst/>
+          </a:prstGeom>
+          <a:solidFill>
+            <a:schemeClr val="accent5">
+              <a:lumMod val="75000"/>
+            </a:schemeClr>
+          </a:solidFill>
+        </p:spPr>
+        <p:style>
+          <a:lnRef idx="2">
+            <a:schemeClr val="accent1">
+              <a:shade val="50000"/>
+            </a:schemeClr>
+          </a:lnRef>
+          <a:fillRef idx="1">
+            <a:schemeClr val="accent1"/>
+          </a:fillRef>
+          <a:effectRef idx="0">
+            <a:schemeClr val="accent1"/>
+          </a:effectRef>
+          <a:fontRef idx="minor">
+            <a:schemeClr val="lt1"/>
           </a:fontRef>
         </p:style>
         <p:txBody>
@@ -9980,7 +9376,7 @@
     </p:spTree>
     <p:extLst>
       <p:ext uri="{BB962C8B-B14F-4D97-AF65-F5344CB8AC3E}">
-        <p14:creationId xmlns:p14="http://schemas.microsoft.com/office/powerpoint/2010/main" val="2801669803"/>
+        <p14:creationId xmlns:p14="http://schemas.microsoft.com/office/powerpoint/2010/main" val="831136670"/>
       </p:ext>
     </p:extLst>
   </p:cSld>
@@ -10009,7 +9405,7 @@
       </p:grpSpPr>
       <p:sp>
         <p:nvSpPr>
-          <p:cNvPr id="4" name="Flecha izquierda 3"/>
+          <p:cNvPr id="6" name="Flecha izquierda 5"/>
           <p:cNvSpPr/>
           <p:nvPr/>
         </p:nvSpPr>
@@ -10054,14 +9450,14 @@
       </p:sp>
       <p:sp>
         <p:nvSpPr>
-          <p:cNvPr id="5" name="CuadroTexto 4"/>
+          <p:cNvPr id="3" name="CuadroTexto 2"/>
           <p:cNvSpPr txBox="1"/>
           <p:nvPr/>
         </p:nvSpPr>
         <p:spPr>
           <a:xfrm>
-            <a:off x="175098" y="197958"/>
-            <a:ext cx="6935566" cy="646331"/>
+            <a:off x="175097" y="197958"/>
+            <a:ext cx="5335050" cy="369332"/>
           </a:xfrm>
           <a:prstGeom prst="rect">
             <a:avLst/>
@@ -10069,22 +9465,14 @@
           <a:noFill/>
         </p:spPr>
         <p:txBody>
-          <a:bodyPr wrap="square" rtlCol="0">
+          <a:bodyPr wrap="none" rtlCol="0">
             <a:spAutoFit/>
           </a:bodyPr>
           <a:lstStyle/>
           <a:p>
             <a:r>
               <a:rPr lang="es-419" dirty="0"/>
-              <a:t>Posicionarse en la </a:t>
-            </a:r>
-            <a:r>
-              <a:rPr lang="es-419" dirty="0" err="1"/>
-              <a:t>Linea</a:t>
-            </a:r>
-            <a:r>
-              <a:rPr lang="es-419" dirty="0"/>
-              <a:t> 57 del archivo </a:t>
+              <a:t>Seleccionar el archivo </a:t>
             </a:r>
             <a:r>
               <a:rPr lang="es-419" dirty="0" err="1">
@@ -10096,56 +9484,7 @@
             </a:r>
             <a:r>
               <a:rPr lang="es-419" dirty="0"/>
-              <a:t> para actualizar el SELECT </a:t>
-            </a:r>
-            <a:endParaRPr lang="es-ES" dirty="0"/>
-          </a:p>
-        </p:txBody>
-      </p:sp>
-      <p:sp>
-        <p:nvSpPr>
-          <p:cNvPr id="6" name="Elipse 5"/>
-          <p:cNvSpPr/>
-          <p:nvPr/>
-        </p:nvSpPr>
-        <p:spPr>
-          <a:xfrm>
-            <a:off x="8168061" y="188829"/>
-            <a:ext cx="651085" cy="355495"/>
-          </a:xfrm>
-          <a:prstGeom prst="ellipse">
-            <a:avLst/>
-          </a:prstGeom>
-          <a:solidFill>
-            <a:schemeClr val="accent4">
-              <a:lumMod val="75000"/>
-            </a:schemeClr>
-          </a:solidFill>
-        </p:spPr>
-        <p:style>
-          <a:lnRef idx="2">
-            <a:schemeClr val="accent1">
-              <a:shade val="50000"/>
-            </a:schemeClr>
-          </a:lnRef>
-          <a:fillRef idx="1">
-            <a:schemeClr val="accent1"/>
-          </a:fillRef>
-          <a:effectRef idx="0">
-            <a:schemeClr val="accent1"/>
-          </a:effectRef>
-          <a:fontRef idx="minor">
-            <a:schemeClr val="lt1"/>
-          </a:fontRef>
-        </p:style>
-        <p:txBody>
-          <a:bodyPr rtlCol="0" anchor="ctr"/>
-          <a:lstStyle/>
-          <a:p>
-            <a:pPr algn="ctr"/>
-            <a:r>
-              <a:rPr lang="es-419" dirty="0"/>
-              <a:t>3</a:t>
+              <a:t> para actualizar</a:t>
             </a:r>
             <a:endParaRPr lang="es-ES" dirty="0"/>
           </a:p>
@@ -10153,7 +9492,7 @@
       </p:sp>
       <p:pic>
         <p:nvPicPr>
-          <p:cNvPr id="7" name="Imagen 6"/>
+          <p:cNvPr id="4" name="Imagen 3"/>
           <p:cNvPicPr>
             <a:picLocks noChangeAspect="1"/>
           </p:cNvPicPr>
@@ -10167,18 +9506,512 @@
         </p:blipFill>
         <p:spPr>
           <a:xfrm>
-            <a:off x="0" y="860007"/>
-            <a:ext cx="9201150" cy="2009775"/>
+            <a:off x="175097" y="702344"/>
+            <a:ext cx="2657475" cy="857250"/>
           </a:xfrm>
           <a:prstGeom prst="rect">
             <a:avLst/>
           </a:prstGeom>
         </p:spPr>
       </p:pic>
+      <p:sp>
+        <p:nvSpPr>
+          <p:cNvPr id="5" name="Elipse 4"/>
+          <p:cNvSpPr/>
+          <p:nvPr/>
+        </p:nvSpPr>
+        <p:spPr>
+          <a:xfrm>
+            <a:off x="8168061" y="188829"/>
+            <a:ext cx="651085" cy="355495"/>
+          </a:xfrm>
+          <a:prstGeom prst="ellipse">
+            <a:avLst/>
+          </a:prstGeom>
+          <a:solidFill>
+            <a:schemeClr val="accent4">
+              <a:lumMod val="75000"/>
+            </a:schemeClr>
+          </a:solidFill>
+        </p:spPr>
+        <p:style>
+          <a:lnRef idx="2">
+            <a:schemeClr val="accent1">
+              <a:shade val="50000"/>
+            </a:schemeClr>
+          </a:lnRef>
+          <a:fillRef idx="1">
+            <a:schemeClr val="accent1"/>
+          </a:fillRef>
+          <a:effectRef idx="0">
+            <a:schemeClr val="accent1"/>
+          </a:effectRef>
+          <a:fontRef idx="minor">
+            <a:schemeClr val="lt1"/>
+          </a:fontRef>
+        </p:style>
+        <p:txBody>
+          <a:bodyPr rtlCol="0" anchor="ctr"/>
+          <a:lstStyle/>
+          <a:p>
+            <a:pPr algn="ctr"/>
+            <a:r>
+              <a:rPr lang="es-419" dirty="0"/>
+              <a:t>3</a:t>
+            </a:r>
+            <a:endParaRPr lang="es-ES" dirty="0"/>
+          </a:p>
+        </p:txBody>
+      </p:sp>
+      <p:pic>
+        <p:nvPicPr>
+          <p:cNvPr id="7" name="Imagen 6"/>
+          <p:cNvPicPr>
+            <a:picLocks noChangeAspect="1"/>
+          </p:cNvPicPr>
+          <p:nvPr/>
+        </p:nvPicPr>
+        <p:blipFill>
+          <a:blip r:embed="rId3"/>
+          <a:stretch>
+            <a:fillRect/>
+          </a:stretch>
+        </p:blipFill>
+        <p:spPr>
+          <a:xfrm>
+            <a:off x="0" y="1949342"/>
+            <a:ext cx="9286875" cy="2133600"/>
+          </a:xfrm>
+          <a:prstGeom prst="rect">
+            <a:avLst/>
+          </a:prstGeom>
+        </p:spPr>
+      </p:pic>
+      <p:sp>
+        <p:nvSpPr>
+          <p:cNvPr id="8" name="CuadroTexto 7"/>
+          <p:cNvSpPr txBox="1"/>
+          <p:nvPr/>
+        </p:nvSpPr>
+        <p:spPr>
+          <a:xfrm>
+            <a:off x="175096" y="1569802"/>
+            <a:ext cx="8968903" cy="369332"/>
+          </a:xfrm>
+          <a:prstGeom prst="rect">
+            <a:avLst/>
+          </a:prstGeom>
+          <a:noFill/>
+        </p:spPr>
+        <p:txBody>
+          <a:bodyPr wrap="square" rtlCol="0">
+            <a:spAutoFit/>
+          </a:bodyPr>
+          <a:lstStyle/>
+          <a:p>
+            <a:r>
+              <a:rPr lang="es-419" dirty="0"/>
+              <a:t>a) Posicionarse en la línea 26 del </a:t>
+            </a:r>
+            <a:r>
+              <a:rPr lang="es-419" dirty="0" err="1"/>
+              <a:t>archico</a:t>
+            </a:r>
+            <a:r>
+              <a:rPr lang="es-419" dirty="0"/>
+              <a:t> </a:t>
+            </a:r>
+            <a:r>
+              <a:rPr lang="es-419" dirty="0" err="1">
+                <a:solidFill>
+                  <a:srgbClr val="FF0000"/>
+                </a:solidFill>
+              </a:rPr>
+              <a:t>InformaSERP.php</a:t>
+            </a:r>
+            <a:r>
+              <a:rPr lang="es-419" dirty="0"/>
+              <a:t> y actualizar el </a:t>
+            </a:r>
+            <a:r>
+              <a:rPr lang="es-419" dirty="0" err="1"/>
+              <a:t>Select</a:t>
+            </a:r>
+            <a:endParaRPr lang="es-ES" dirty="0"/>
+          </a:p>
+        </p:txBody>
+      </p:sp>
+      <p:pic>
+        <p:nvPicPr>
+          <p:cNvPr id="9" name="Imagen 8"/>
+          <p:cNvPicPr>
+            <a:picLocks noChangeAspect="1"/>
+          </p:cNvPicPr>
+          <p:nvPr/>
+        </p:nvPicPr>
+        <p:blipFill>
+          <a:blip r:embed="rId4"/>
+          <a:stretch>
+            <a:fillRect/>
+          </a:stretch>
+        </p:blipFill>
+        <p:spPr>
+          <a:xfrm>
+            <a:off x="4142371" y="4152900"/>
+            <a:ext cx="4676775" cy="2705100"/>
+          </a:xfrm>
+          <a:prstGeom prst="rect">
+            <a:avLst/>
+          </a:prstGeom>
+        </p:spPr>
+      </p:pic>
+      <p:sp>
+        <p:nvSpPr>
+          <p:cNvPr id="10" name="Abrir llave 9"/>
+          <p:cNvSpPr/>
+          <p:nvPr/>
+        </p:nvSpPr>
+        <p:spPr>
+          <a:xfrm>
+            <a:off x="1383632" y="2512880"/>
+            <a:ext cx="252663" cy="600543"/>
+          </a:xfrm>
+          <a:prstGeom prst="leftBrace">
+            <a:avLst/>
+          </a:prstGeom>
+          <a:ln w="28575">
+            <a:solidFill>
+              <a:schemeClr val="accent2">
+                <a:lumMod val="75000"/>
+              </a:schemeClr>
+            </a:solidFill>
+          </a:ln>
+        </p:spPr>
+        <p:style>
+          <a:lnRef idx="1">
+            <a:schemeClr val="accent1"/>
+          </a:lnRef>
+          <a:fillRef idx="0">
+            <a:schemeClr val="accent1"/>
+          </a:fillRef>
+          <a:effectRef idx="0">
+            <a:schemeClr val="accent1"/>
+          </a:effectRef>
+          <a:fontRef idx="minor">
+            <a:schemeClr val="tx1"/>
+          </a:fontRef>
+        </p:style>
+        <p:txBody>
+          <a:bodyPr rtlCol="0" anchor="ctr"/>
+          <a:lstStyle/>
+          <a:p>
+            <a:pPr algn="ctr"/>
+            <a:endParaRPr lang="es-ES"/>
+          </a:p>
+        </p:txBody>
+      </p:sp>
+      <p:cxnSp>
+        <p:nvCxnSpPr>
+          <p:cNvPr id="11" name="Conector recto 10"/>
+          <p:cNvCxnSpPr/>
+          <p:nvPr/>
+        </p:nvCxnSpPr>
+        <p:spPr>
+          <a:xfrm>
+            <a:off x="1275347" y="2815389"/>
+            <a:ext cx="0" cy="1768639"/>
+          </a:xfrm>
+          <a:prstGeom prst="line">
+            <a:avLst/>
+          </a:prstGeom>
+          <a:ln w="28575">
+            <a:solidFill>
+              <a:schemeClr val="accent2">
+                <a:lumMod val="75000"/>
+              </a:schemeClr>
+            </a:solidFill>
+          </a:ln>
+        </p:spPr>
+        <p:style>
+          <a:lnRef idx="1">
+            <a:schemeClr val="accent1"/>
+          </a:lnRef>
+          <a:fillRef idx="0">
+            <a:schemeClr val="accent1"/>
+          </a:fillRef>
+          <a:effectRef idx="0">
+            <a:schemeClr val="accent1"/>
+          </a:effectRef>
+          <a:fontRef idx="minor">
+            <a:schemeClr val="tx1"/>
+          </a:fontRef>
+        </p:style>
+      </p:cxnSp>
+      <p:cxnSp>
+        <p:nvCxnSpPr>
+          <p:cNvPr id="12" name="Conector recto de flecha 11"/>
+          <p:cNvCxnSpPr/>
+          <p:nvPr/>
+        </p:nvCxnSpPr>
+        <p:spPr>
+          <a:xfrm flipV="1">
+            <a:off x="1275347" y="4584028"/>
+            <a:ext cx="2683042" cy="2"/>
+          </a:xfrm>
+          <a:prstGeom prst="straightConnector1">
+            <a:avLst/>
+          </a:prstGeom>
+          <a:ln w="28575">
+            <a:solidFill>
+              <a:schemeClr val="accent2">
+                <a:lumMod val="75000"/>
+              </a:schemeClr>
+            </a:solidFill>
+            <a:tailEnd type="triangle"/>
+          </a:ln>
+        </p:spPr>
+        <p:style>
+          <a:lnRef idx="1">
+            <a:schemeClr val="accent1"/>
+          </a:lnRef>
+          <a:fillRef idx="0">
+            <a:schemeClr val="accent1"/>
+          </a:fillRef>
+          <a:effectRef idx="0">
+            <a:schemeClr val="accent1"/>
+          </a:effectRef>
+          <a:fontRef idx="minor">
+            <a:schemeClr val="tx1"/>
+          </a:fontRef>
+        </p:style>
+      </p:cxnSp>
+      <p:sp>
+        <p:nvSpPr>
+          <p:cNvPr id="15" name="CuadroTexto 14"/>
+          <p:cNvSpPr txBox="1"/>
+          <p:nvPr/>
+        </p:nvSpPr>
+        <p:spPr>
+          <a:xfrm>
+            <a:off x="317972" y="4646480"/>
+            <a:ext cx="3824399" cy="923330"/>
+          </a:xfrm>
+          <a:prstGeom prst="rect">
+            <a:avLst/>
+          </a:prstGeom>
+          <a:noFill/>
+        </p:spPr>
+        <p:txBody>
+          <a:bodyPr wrap="square" rtlCol="0">
+            <a:spAutoFit/>
+          </a:bodyPr>
+          <a:lstStyle/>
+          <a:p>
+            <a:r>
+              <a:rPr lang="es-419" dirty="0"/>
+              <a:t>b) Posicionarse en la línea 40 al 43  definir los campos que se utilizan en el </a:t>
+            </a:r>
+            <a:r>
+              <a:rPr lang="es-419" dirty="0" err="1"/>
+              <a:t>query</a:t>
+            </a:r>
+            <a:endParaRPr lang="es-ES" dirty="0"/>
+          </a:p>
+        </p:txBody>
+      </p:sp>
+      <p:sp>
+        <p:nvSpPr>
+          <p:cNvPr id="16" name="CuadroTexto 15"/>
+          <p:cNvSpPr txBox="1"/>
+          <p:nvPr/>
+        </p:nvSpPr>
+        <p:spPr>
+          <a:xfrm>
+            <a:off x="317972" y="5813518"/>
+            <a:ext cx="3824399" cy="923330"/>
+          </a:xfrm>
+          <a:prstGeom prst="rect">
+            <a:avLst/>
+          </a:prstGeom>
+          <a:noFill/>
+        </p:spPr>
+        <p:txBody>
+          <a:bodyPr wrap="square" rtlCol="0">
+            <a:spAutoFit/>
+          </a:bodyPr>
+          <a:lstStyle/>
+          <a:p>
+            <a:r>
+              <a:rPr lang="es-419" dirty="0"/>
+              <a:t>c) Posicionarse en la línea 45 en base a las variables definidas colocar el campo</a:t>
+            </a:r>
+            <a:endParaRPr lang="es-ES" dirty="0"/>
+          </a:p>
+        </p:txBody>
+      </p:sp>
+      <p:sp>
+        <p:nvSpPr>
+          <p:cNvPr id="17" name="Abrir llave 16"/>
+          <p:cNvSpPr/>
+          <p:nvPr/>
+        </p:nvSpPr>
+        <p:spPr>
+          <a:xfrm flipH="1">
+            <a:off x="8503848" y="2415599"/>
+            <a:ext cx="315298" cy="600543"/>
+          </a:xfrm>
+          <a:prstGeom prst="leftBrace">
+            <a:avLst/>
+          </a:prstGeom>
+          <a:ln w="28575">
+            <a:solidFill>
+              <a:srgbClr val="FF0000"/>
+            </a:solidFill>
+          </a:ln>
+        </p:spPr>
+        <p:style>
+          <a:lnRef idx="1">
+            <a:schemeClr val="accent1"/>
+          </a:lnRef>
+          <a:fillRef idx="0">
+            <a:schemeClr val="accent1"/>
+          </a:fillRef>
+          <a:effectRef idx="0">
+            <a:schemeClr val="accent1"/>
+          </a:effectRef>
+          <a:fontRef idx="minor">
+            <a:schemeClr val="tx1"/>
+          </a:fontRef>
+        </p:style>
+        <p:txBody>
+          <a:bodyPr rtlCol="0" anchor="ctr"/>
+          <a:lstStyle/>
+          <a:p>
+            <a:pPr algn="ctr"/>
+            <a:endParaRPr lang="es-ES"/>
+          </a:p>
+        </p:txBody>
+      </p:sp>
+      <p:cxnSp>
+        <p:nvCxnSpPr>
+          <p:cNvPr id="18" name="Conector recto 17"/>
+          <p:cNvCxnSpPr/>
+          <p:nvPr/>
+        </p:nvCxnSpPr>
+        <p:spPr>
+          <a:xfrm>
+            <a:off x="8923421" y="2703094"/>
+            <a:ext cx="0" cy="3312695"/>
+          </a:xfrm>
+          <a:prstGeom prst="line">
+            <a:avLst/>
+          </a:prstGeom>
+          <a:ln w="28575">
+            <a:solidFill>
+              <a:srgbClr val="FF0000"/>
+            </a:solidFill>
+          </a:ln>
+        </p:spPr>
+        <p:style>
+          <a:lnRef idx="1">
+            <a:schemeClr val="accent1"/>
+          </a:lnRef>
+          <a:fillRef idx="0">
+            <a:schemeClr val="accent1"/>
+          </a:fillRef>
+          <a:effectRef idx="0">
+            <a:schemeClr val="accent1"/>
+          </a:effectRef>
+          <a:fontRef idx="minor">
+            <a:schemeClr val="tx1"/>
+          </a:fontRef>
+        </p:style>
+      </p:cxnSp>
+      <p:cxnSp>
+        <p:nvCxnSpPr>
+          <p:cNvPr id="20" name="Conector recto de flecha 19"/>
+          <p:cNvCxnSpPr/>
+          <p:nvPr/>
+        </p:nvCxnSpPr>
+        <p:spPr>
+          <a:xfrm flipH="1">
+            <a:off x="8398042" y="6015789"/>
+            <a:ext cx="525380" cy="0"/>
+          </a:xfrm>
+          <a:prstGeom prst="straightConnector1">
+            <a:avLst/>
+          </a:prstGeom>
+          <a:ln w="28575">
+            <a:solidFill>
+              <a:schemeClr val="accent6">
+                <a:lumMod val="50000"/>
+              </a:schemeClr>
+            </a:solidFill>
+            <a:tailEnd type="triangle"/>
+          </a:ln>
+        </p:spPr>
+        <p:style>
+          <a:lnRef idx="1">
+            <a:schemeClr val="accent1"/>
+          </a:lnRef>
+          <a:fillRef idx="0">
+            <a:schemeClr val="accent1"/>
+          </a:fillRef>
+          <a:effectRef idx="0">
+            <a:schemeClr val="accent1"/>
+          </a:effectRef>
+          <a:fontRef idx="minor">
+            <a:schemeClr val="tx1"/>
+          </a:fontRef>
+        </p:style>
+      </p:cxnSp>
+      <p:sp>
+        <p:nvSpPr>
+          <p:cNvPr id="23" name="Abrir llave 22"/>
+          <p:cNvSpPr/>
+          <p:nvPr/>
+        </p:nvSpPr>
+        <p:spPr>
+          <a:xfrm flipH="1">
+            <a:off x="7966770" y="5164722"/>
+            <a:ext cx="315298" cy="1693278"/>
+          </a:xfrm>
+          <a:prstGeom prst="leftBrace">
+            <a:avLst/>
+          </a:prstGeom>
+          <a:ln w="28575">
+            <a:solidFill>
+              <a:srgbClr val="FF0000"/>
+            </a:solidFill>
+          </a:ln>
+        </p:spPr>
+        <p:style>
+          <a:lnRef idx="1">
+            <a:schemeClr val="accent1"/>
+          </a:lnRef>
+          <a:fillRef idx="0">
+            <a:schemeClr val="accent1"/>
+          </a:fillRef>
+          <a:effectRef idx="0">
+            <a:schemeClr val="accent1"/>
+          </a:effectRef>
+          <a:fontRef idx="minor">
+            <a:schemeClr val="tx1"/>
+          </a:fontRef>
+        </p:style>
+        <p:txBody>
+          <a:bodyPr rtlCol="0" anchor="ctr"/>
+          <a:lstStyle/>
+          <a:p>
+            <a:pPr algn="ctr"/>
+            <a:endParaRPr lang="es-ES"/>
+          </a:p>
+        </p:txBody>
+      </p:sp>
     </p:spTree>
     <p:extLst>
       <p:ext uri="{BB962C8B-B14F-4D97-AF65-F5344CB8AC3E}">
-        <p14:creationId xmlns:p14="http://schemas.microsoft.com/office/powerpoint/2010/main" val="616577411"/>
+        <p14:creationId xmlns:p14="http://schemas.microsoft.com/office/powerpoint/2010/main" val="2801669803"/>
       </p:ext>
     </p:extLst>
   </p:cSld>
@@ -10207,20 +10040,20 @@
       </p:grpSpPr>
       <p:sp>
         <p:nvSpPr>
-          <p:cNvPr id="4" name="Elipse 3"/>
+          <p:cNvPr id="4" name="Flecha izquierda 3"/>
           <p:cNvSpPr/>
           <p:nvPr/>
         </p:nvSpPr>
         <p:spPr>
           <a:xfrm>
-            <a:off x="8152556" y="250015"/>
-            <a:ext cx="378369" cy="432802"/>
-          </a:xfrm>
-          <a:prstGeom prst="ellipse">
+            <a:off x="7459576" y="220843"/>
+            <a:ext cx="791609" cy="323481"/>
+          </a:xfrm>
+          <a:prstGeom prst="leftArrow">
             <a:avLst/>
           </a:prstGeom>
           <a:solidFill>
-            <a:schemeClr val="accent3">
+            <a:schemeClr val="accent4">
               <a:lumMod val="75000"/>
             </a:schemeClr>
           </a:solidFill>
@@ -10246,69 +10079,20 @@
           <a:lstStyle/>
           <a:p>
             <a:pPr algn="ctr"/>
-            <a:r>
-              <a:rPr lang="es-419" dirty="0"/>
-              <a:t>4</a:t>
-            </a:r>
-            <a:endParaRPr lang="es-ES" dirty="0"/>
-          </a:p>
-        </p:txBody>
-      </p:sp>
-      <p:sp>
-        <p:nvSpPr>
-          <p:cNvPr id="5" name="Flecha izquierda 4"/>
-          <p:cNvSpPr/>
-          <p:nvPr/>
-        </p:nvSpPr>
-        <p:spPr>
-          <a:xfrm>
-            <a:off x="7489252" y="250015"/>
-            <a:ext cx="720137" cy="393826"/>
-          </a:xfrm>
-          <a:prstGeom prst="leftArrow">
-            <a:avLst/>
-          </a:prstGeom>
-          <a:solidFill>
-            <a:schemeClr val="accent3">
-              <a:lumMod val="75000"/>
-            </a:schemeClr>
-          </a:solidFill>
-        </p:spPr>
-        <p:style>
-          <a:lnRef idx="2">
-            <a:schemeClr val="accent1">
-              <a:shade val="50000"/>
-            </a:schemeClr>
-          </a:lnRef>
-          <a:fillRef idx="1">
-            <a:schemeClr val="accent1"/>
-          </a:fillRef>
-          <a:effectRef idx="0">
-            <a:schemeClr val="accent1"/>
-          </a:effectRef>
-          <a:fontRef idx="minor">
-            <a:schemeClr val="lt1"/>
-          </a:fontRef>
-        </p:style>
-        <p:txBody>
-          <a:bodyPr rtlCol="0" anchor="ctr"/>
-          <a:lstStyle/>
-          <a:p>
-            <a:pPr algn="ctr"/>
             <a:endParaRPr lang="es-ES"/>
           </a:p>
         </p:txBody>
       </p:sp>
       <p:sp>
         <p:nvSpPr>
-          <p:cNvPr id="6" name="CuadroTexto 5"/>
+          <p:cNvPr id="5" name="CuadroTexto 4"/>
           <p:cNvSpPr txBox="1"/>
           <p:nvPr/>
         </p:nvSpPr>
         <p:spPr>
           <a:xfrm>
-            <a:off x="188327" y="197958"/>
-            <a:ext cx="5008615" cy="369332"/>
+            <a:off x="175098" y="197958"/>
+            <a:ext cx="6935566" cy="646331"/>
           </a:xfrm>
           <a:prstGeom prst="rect">
             <a:avLst/>
@@ -10316,14 +10100,22 @@
           <a:noFill/>
         </p:spPr>
         <p:txBody>
-          <a:bodyPr wrap="none" rtlCol="0">
+          <a:bodyPr wrap="square" rtlCol="0">
             <a:spAutoFit/>
           </a:bodyPr>
           <a:lstStyle/>
           <a:p>
             <a:r>
               <a:rPr lang="es-419" dirty="0"/>
-              <a:t>Seleccionar el archivo </a:t>
+              <a:t>Posicionarse en la </a:t>
+            </a:r>
+            <a:r>
+              <a:rPr lang="es-419" dirty="0" err="1"/>
+              <a:t>Linea</a:t>
+            </a:r>
+            <a:r>
+              <a:rPr lang="es-419" dirty="0"/>
+              <a:t> 57 del archivo </a:t>
             </a:r>
             <a:r>
               <a:rPr lang="es-419" dirty="0" err="1">
@@ -10331,11 +10123,11 @@
                   <a:srgbClr val="FF0000"/>
                 </a:solidFill>
               </a:rPr>
-              <a:t>Informa.php</a:t>
+              <a:t>InformaSERP.php</a:t>
             </a:r>
             <a:r>
               <a:rPr lang="es-419" dirty="0"/>
-              <a:t> para actualizar</a:t>
+              <a:t> para actualizar el SELECT </a:t>
             </a:r>
             <a:endParaRPr lang="es-ES" dirty="0"/>
           </a:p>
@@ -10343,37 +10135,48 @@
       </p:sp>
       <p:sp>
         <p:nvSpPr>
-          <p:cNvPr id="7" name="CuadroTexto 6"/>
-          <p:cNvSpPr txBox="1"/>
-          <p:nvPr/>
-        </p:nvSpPr>
-        <p:spPr>
-          <a:xfrm>
-            <a:off x="84221" y="1742556"/>
-            <a:ext cx="7698198" cy="369332"/>
-          </a:xfrm>
-          <a:prstGeom prst="rect">
-            <a:avLst/>
-          </a:prstGeom>
-          <a:noFill/>
-        </p:spPr>
-        <p:txBody>
-          <a:bodyPr wrap="none" rtlCol="0">
-            <a:spAutoFit/>
-          </a:bodyPr>
-          <a:lstStyle/>
-          <a:p>
+          <p:cNvPr id="6" name="Elipse 5"/>
+          <p:cNvSpPr/>
+          <p:nvPr/>
+        </p:nvSpPr>
+        <p:spPr>
+          <a:xfrm>
+            <a:off x="8168061" y="188829"/>
+            <a:ext cx="651085" cy="355495"/>
+          </a:xfrm>
+          <a:prstGeom prst="ellipse">
+            <a:avLst/>
+          </a:prstGeom>
+          <a:solidFill>
+            <a:schemeClr val="accent4">
+              <a:lumMod val="75000"/>
+            </a:schemeClr>
+          </a:solidFill>
+        </p:spPr>
+        <p:style>
+          <a:lnRef idx="2">
+            <a:schemeClr val="accent1">
+              <a:shade val="50000"/>
+            </a:schemeClr>
+          </a:lnRef>
+          <a:fillRef idx="1">
+            <a:schemeClr val="accent1"/>
+          </a:fillRef>
+          <a:effectRef idx="0">
+            <a:schemeClr val="accent1"/>
+          </a:effectRef>
+          <a:fontRef idx="minor">
+            <a:schemeClr val="lt1"/>
+          </a:fontRef>
+        </p:style>
+        <p:txBody>
+          <a:bodyPr rtlCol="0" anchor="ctr"/>
+          <a:lstStyle/>
+          <a:p>
+            <a:pPr algn="ctr"/>
             <a:r>
               <a:rPr lang="es-419" dirty="0"/>
-              <a:t>Posicionarse en la línea 48  a la 114, colocar el titulo del campo y la </a:t>
-            </a:r>
-            <a:r>
-              <a:rPr lang="es-419" dirty="0" err="1"/>
-              <a:t>informacion</a:t>
-            </a:r>
-            <a:r>
-              <a:rPr lang="es-419" dirty="0"/>
-              <a:t>.</a:t>
+              <a:t>3</a:t>
             </a:r>
             <a:endParaRPr lang="es-ES" dirty="0"/>
           </a:p>
@@ -10381,7 +10184,7 @@
       </p:sp>
       <p:pic>
         <p:nvPicPr>
-          <p:cNvPr id="9" name="Imagen 8"/>
+          <p:cNvPr id="7" name="Imagen 6"/>
           <p:cNvPicPr>
             <a:picLocks noChangeAspect="1"/>
           </p:cNvPicPr>
@@ -10395,445 +10198,18 @@
         </p:blipFill>
         <p:spPr>
           <a:xfrm>
-            <a:off x="0" y="567290"/>
-            <a:ext cx="2857500" cy="990600"/>
+            <a:off x="0" y="860007"/>
+            <a:ext cx="9201150" cy="2009775"/>
           </a:xfrm>
           <a:prstGeom prst="rect">
             <a:avLst/>
           </a:prstGeom>
         </p:spPr>
       </p:pic>
-      <p:pic>
-        <p:nvPicPr>
-          <p:cNvPr id="13" name="Imagen 12"/>
-          <p:cNvPicPr>
-            <a:picLocks noChangeAspect="1"/>
-          </p:cNvPicPr>
-          <p:nvPr/>
-        </p:nvPicPr>
-        <p:blipFill>
-          <a:blip r:embed="rId3"/>
-          <a:stretch>
-            <a:fillRect/>
-          </a:stretch>
-        </p:blipFill>
-        <p:spPr>
-          <a:xfrm>
-            <a:off x="3922295" y="3652485"/>
-            <a:ext cx="5028264" cy="3348389"/>
-          </a:xfrm>
-          <a:prstGeom prst="rect">
-            <a:avLst/>
-          </a:prstGeom>
-        </p:spPr>
-      </p:pic>
-      <p:pic>
-        <p:nvPicPr>
-          <p:cNvPr id="14" name="Imagen 13"/>
-          <p:cNvPicPr>
-            <a:picLocks noChangeAspect="1"/>
-          </p:cNvPicPr>
-          <p:nvPr/>
-        </p:nvPicPr>
-        <p:blipFill>
-          <a:blip r:embed="rId4"/>
-          <a:stretch>
-            <a:fillRect/>
-          </a:stretch>
-        </p:blipFill>
-        <p:spPr>
-          <a:xfrm>
-            <a:off x="84221" y="3781745"/>
-            <a:ext cx="7029450" cy="1238250"/>
-          </a:xfrm>
-          <a:prstGeom prst="rect">
-            <a:avLst/>
-          </a:prstGeom>
-        </p:spPr>
-      </p:pic>
-      <p:pic>
-        <p:nvPicPr>
-          <p:cNvPr id="15" name="Imagen 14"/>
-          <p:cNvPicPr>
-            <a:picLocks noChangeAspect="1"/>
-          </p:cNvPicPr>
-          <p:nvPr/>
-        </p:nvPicPr>
-        <p:blipFill>
-          <a:blip r:embed="rId5"/>
-          <a:stretch>
-            <a:fillRect/>
-          </a:stretch>
-        </p:blipFill>
-        <p:spPr>
-          <a:xfrm>
-            <a:off x="188327" y="2138010"/>
-            <a:ext cx="6629400" cy="1514475"/>
-          </a:xfrm>
-          <a:prstGeom prst="rect">
-            <a:avLst/>
-          </a:prstGeom>
-        </p:spPr>
-      </p:pic>
-      <p:cxnSp>
-        <p:nvCxnSpPr>
-          <p:cNvPr id="17" name="Conector recto 16"/>
-          <p:cNvCxnSpPr/>
-          <p:nvPr/>
-        </p:nvCxnSpPr>
-        <p:spPr>
-          <a:xfrm flipH="1">
-            <a:off x="637674" y="4102768"/>
-            <a:ext cx="529389" cy="0"/>
-          </a:xfrm>
-          <a:prstGeom prst="line">
-            <a:avLst/>
-          </a:prstGeom>
-          <a:ln w="28575">
-            <a:solidFill>
-              <a:schemeClr val="accent4">
-                <a:lumMod val="50000"/>
-              </a:schemeClr>
-            </a:solidFill>
-          </a:ln>
-        </p:spPr>
-        <p:style>
-          <a:lnRef idx="1">
-            <a:schemeClr val="accent1"/>
-          </a:lnRef>
-          <a:fillRef idx="0">
-            <a:schemeClr val="accent1"/>
-          </a:fillRef>
-          <a:effectRef idx="0">
-            <a:schemeClr val="accent1"/>
-          </a:effectRef>
-          <a:fontRef idx="minor">
-            <a:schemeClr val="tx1"/>
-          </a:fontRef>
-        </p:style>
-      </p:cxnSp>
-      <p:cxnSp>
-        <p:nvCxnSpPr>
-          <p:cNvPr id="18" name="Conector recto 17"/>
-          <p:cNvCxnSpPr/>
-          <p:nvPr/>
-        </p:nvCxnSpPr>
-        <p:spPr>
-          <a:xfrm flipV="1">
-            <a:off x="637674" y="4102770"/>
-            <a:ext cx="0" cy="2370225"/>
-          </a:xfrm>
-          <a:prstGeom prst="line">
-            <a:avLst/>
-          </a:prstGeom>
-          <a:ln w="28575">
-            <a:solidFill>
-              <a:schemeClr val="accent4">
-                <a:lumMod val="50000"/>
-              </a:schemeClr>
-            </a:solidFill>
-          </a:ln>
-        </p:spPr>
-        <p:style>
-          <a:lnRef idx="1">
-            <a:schemeClr val="accent1"/>
-          </a:lnRef>
-          <a:fillRef idx="0">
-            <a:schemeClr val="accent1"/>
-          </a:fillRef>
-          <a:effectRef idx="0">
-            <a:schemeClr val="accent1"/>
-          </a:effectRef>
-          <a:fontRef idx="minor">
-            <a:schemeClr val="tx1"/>
-          </a:fontRef>
-        </p:style>
-      </p:cxnSp>
-      <p:cxnSp>
-        <p:nvCxnSpPr>
-          <p:cNvPr id="22" name="Conector recto de flecha 21"/>
-          <p:cNvCxnSpPr/>
-          <p:nvPr/>
-        </p:nvCxnSpPr>
-        <p:spPr>
-          <a:xfrm>
-            <a:off x="637674" y="6472995"/>
-            <a:ext cx="3188368" cy="0"/>
-          </a:xfrm>
-          <a:prstGeom prst="straightConnector1">
-            <a:avLst/>
-          </a:prstGeom>
-          <a:ln w="28575">
-            <a:solidFill>
-              <a:schemeClr val="accent4">
-                <a:lumMod val="50000"/>
-              </a:schemeClr>
-            </a:solidFill>
-            <a:tailEnd type="triangle"/>
-          </a:ln>
-        </p:spPr>
-        <p:style>
-          <a:lnRef idx="1">
-            <a:schemeClr val="accent1"/>
-          </a:lnRef>
-          <a:fillRef idx="0">
-            <a:schemeClr val="accent1"/>
-          </a:fillRef>
-          <a:effectRef idx="0">
-            <a:schemeClr val="accent1"/>
-          </a:effectRef>
-          <a:fontRef idx="minor">
-            <a:schemeClr val="tx1"/>
-          </a:fontRef>
-        </p:style>
-      </p:cxnSp>
-      <p:sp>
-        <p:nvSpPr>
-          <p:cNvPr id="25" name="Rectángulo redondeado 24"/>
-          <p:cNvSpPr/>
-          <p:nvPr/>
-        </p:nvSpPr>
-        <p:spPr>
-          <a:xfrm>
-            <a:off x="3874170" y="6328614"/>
-            <a:ext cx="545601" cy="257443"/>
-          </a:xfrm>
-          <a:prstGeom prst="roundRect">
-            <a:avLst/>
-          </a:prstGeom>
-          <a:noFill/>
-          <a:ln w="28575">
-            <a:solidFill>
-              <a:schemeClr val="accent4">
-                <a:lumMod val="50000"/>
-              </a:schemeClr>
-            </a:solidFill>
-          </a:ln>
-        </p:spPr>
-        <p:style>
-          <a:lnRef idx="2">
-            <a:schemeClr val="accent1">
-              <a:shade val="50000"/>
-            </a:schemeClr>
-          </a:lnRef>
-          <a:fillRef idx="1">
-            <a:schemeClr val="accent1"/>
-          </a:fillRef>
-          <a:effectRef idx="0">
-            <a:schemeClr val="accent1"/>
-          </a:effectRef>
-          <a:fontRef idx="minor">
-            <a:schemeClr val="lt1"/>
-          </a:fontRef>
-        </p:style>
-        <p:txBody>
-          <a:bodyPr rtlCol="0" anchor="ctr"/>
-          <a:lstStyle/>
-          <a:p>
-            <a:pPr algn="ctr"/>
-            <a:endParaRPr lang="es-ES"/>
-          </a:p>
-        </p:txBody>
-      </p:sp>
-      <p:sp>
-        <p:nvSpPr>
-          <p:cNvPr id="28" name="Cerrar llave 27"/>
-          <p:cNvSpPr/>
-          <p:nvPr/>
-        </p:nvSpPr>
-        <p:spPr>
-          <a:xfrm>
-            <a:off x="7002379" y="4102768"/>
-            <a:ext cx="111292" cy="613611"/>
-          </a:xfrm>
-          <a:prstGeom prst="rightBrace">
-            <a:avLst/>
-          </a:prstGeom>
-          <a:ln w="28575">
-            <a:solidFill>
-              <a:srgbClr val="FF0000"/>
-            </a:solidFill>
-          </a:ln>
-        </p:spPr>
-        <p:style>
-          <a:lnRef idx="1">
-            <a:schemeClr val="accent1"/>
-          </a:lnRef>
-          <a:fillRef idx="0">
-            <a:schemeClr val="accent1"/>
-          </a:fillRef>
-          <a:effectRef idx="0">
-            <a:schemeClr val="accent1"/>
-          </a:effectRef>
-          <a:fontRef idx="minor">
-            <a:schemeClr val="tx1"/>
-          </a:fontRef>
-        </p:style>
-        <p:txBody>
-          <a:bodyPr rtlCol="0" anchor="ctr"/>
-          <a:lstStyle/>
-          <a:p>
-            <a:pPr algn="ctr"/>
-            <a:endParaRPr lang="es-ES"/>
-          </a:p>
-        </p:txBody>
-      </p:sp>
-      <p:cxnSp>
-        <p:nvCxnSpPr>
-          <p:cNvPr id="31" name="Conector recto 30"/>
-          <p:cNvCxnSpPr/>
-          <p:nvPr/>
-        </p:nvCxnSpPr>
-        <p:spPr>
-          <a:xfrm flipH="1">
-            <a:off x="7166811" y="4415589"/>
-            <a:ext cx="529389" cy="0"/>
-          </a:xfrm>
-          <a:prstGeom prst="line">
-            <a:avLst/>
-          </a:prstGeom>
-          <a:ln w="28575">
-            <a:solidFill>
-              <a:srgbClr val="FF0000"/>
-            </a:solidFill>
-          </a:ln>
-        </p:spPr>
-        <p:style>
-          <a:lnRef idx="1">
-            <a:schemeClr val="accent1"/>
-          </a:lnRef>
-          <a:fillRef idx="0">
-            <a:schemeClr val="accent1"/>
-          </a:fillRef>
-          <a:effectRef idx="0">
-            <a:schemeClr val="accent1"/>
-          </a:effectRef>
-          <a:fontRef idx="minor">
-            <a:schemeClr val="tx1"/>
-          </a:fontRef>
-        </p:style>
-      </p:cxnSp>
-      <p:cxnSp>
-        <p:nvCxnSpPr>
-          <p:cNvPr id="32" name="Conector recto 31"/>
-          <p:cNvCxnSpPr/>
-          <p:nvPr/>
-        </p:nvCxnSpPr>
-        <p:spPr>
-          <a:xfrm flipV="1">
-            <a:off x="7688179" y="4391529"/>
-            <a:ext cx="8020" cy="2117555"/>
-          </a:xfrm>
-          <a:prstGeom prst="line">
-            <a:avLst/>
-          </a:prstGeom>
-          <a:ln w="28575">
-            <a:solidFill>
-              <a:srgbClr val="FF0000"/>
-            </a:solidFill>
-          </a:ln>
-        </p:spPr>
-        <p:style>
-          <a:lnRef idx="1">
-            <a:schemeClr val="accent1"/>
-          </a:lnRef>
-          <a:fillRef idx="0">
-            <a:schemeClr val="accent1"/>
-          </a:fillRef>
-          <a:effectRef idx="0">
-            <a:schemeClr val="accent1"/>
-          </a:effectRef>
-          <a:fontRef idx="minor">
-            <a:schemeClr val="tx1"/>
-          </a:fontRef>
-        </p:style>
-      </p:cxnSp>
-      <p:cxnSp>
-        <p:nvCxnSpPr>
-          <p:cNvPr id="33" name="Conector recto de flecha 32"/>
-          <p:cNvCxnSpPr/>
-          <p:nvPr/>
-        </p:nvCxnSpPr>
-        <p:spPr>
-          <a:xfrm flipH="1" flipV="1">
-            <a:off x="6581274" y="6472995"/>
-            <a:ext cx="1094873" cy="1"/>
-          </a:xfrm>
-          <a:prstGeom prst="straightConnector1">
-            <a:avLst/>
-          </a:prstGeom>
-          <a:ln w="28575">
-            <a:solidFill>
-              <a:srgbClr val="FF0000"/>
-            </a:solidFill>
-            <a:tailEnd type="triangle"/>
-          </a:ln>
-        </p:spPr>
-        <p:style>
-          <a:lnRef idx="1">
-            <a:schemeClr val="accent1"/>
-          </a:lnRef>
-          <a:fillRef idx="0">
-            <a:schemeClr val="accent1"/>
-          </a:fillRef>
-          <a:effectRef idx="0">
-            <a:schemeClr val="accent1"/>
-          </a:effectRef>
-          <a:fontRef idx="minor">
-            <a:schemeClr val="tx1"/>
-          </a:fontRef>
-        </p:style>
-      </p:cxnSp>
-      <p:sp>
-        <p:nvSpPr>
-          <p:cNvPr id="38" name="Rectángulo redondeado 37"/>
-          <p:cNvSpPr/>
-          <p:nvPr/>
-        </p:nvSpPr>
-        <p:spPr>
-          <a:xfrm>
-            <a:off x="5508373" y="6338254"/>
-            <a:ext cx="1072901" cy="283899"/>
-          </a:xfrm>
-          <a:prstGeom prst="roundRect">
-            <a:avLst/>
-          </a:prstGeom>
-          <a:noFill/>
-          <a:ln w="28575">
-            <a:solidFill>
-              <a:srgbClr val="FF0000"/>
-            </a:solidFill>
-          </a:ln>
-        </p:spPr>
-        <p:style>
-          <a:lnRef idx="2">
-            <a:schemeClr val="accent1">
-              <a:shade val="50000"/>
-            </a:schemeClr>
-          </a:lnRef>
-          <a:fillRef idx="1">
-            <a:schemeClr val="accent1"/>
-          </a:fillRef>
-          <a:effectRef idx="0">
-            <a:schemeClr val="accent1"/>
-          </a:effectRef>
-          <a:fontRef idx="minor">
-            <a:schemeClr val="lt1"/>
-          </a:fontRef>
-        </p:style>
-        <p:txBody>
-          <a:bodyPr rtlCol="0" anchor="ctr"/>
-          <a:lstStyle/>
-          <a:p>
-            <a:pPr algn="ctr"/>
-            <a:endParaRPr lang="es-ES"/>
-          </a:p>
-        </p:txBody>
-      </p:sp>
     </p:spTree>
     <p:extLst>
       <p:ext uri="{BB962C8B-B14F-4D97-AF65-F5344CB8AC3E}">
-        <p14:creationId xmlns:p14="http://schemas.microsoft.com/office/powerpoint/2010/main" val="424640537"/>
+        <p14:creationId xmlns:p14="http://schemas.microsoft.com/office/powerpoint/2010/main" val="616577411"/>
       </p:ext>
     </p:extLst>
   </p:cSld>
@@ -10862,14 +10238,108 @@
       </p:grpSpPr>
       <p:sp>
         <p:nvSpPr>
-          <p:cNvPr id="4" name="CuadroTexto 3"/>
+          <p:cNvPr id="4" name="Elipse 3"/>
+          <p:cNvSpPr/>
+          <p:nvPr/>
+        </p:nvSpPr>
+        <p:spPr>
+          <a:xfrm>
+            <a:off x="8152556" y="250015"/>
+            <a:ext cx="378369" cy="432802"/>
+          </a:xfrm>
+          <a:prstGeom prst="ellipse">
+            <a:avLst/>
+          </a:prstGeom>
+          <a:solidFill>
+            <a:schemeClr val="accent3">
+              <a:lumMod val="75000"/>
+            </a:schemeClr>
+          </a:solidFill>
+        </p:spPr>
+        <p:style>
+          <a:lnRef idx="2">
+            <a:schemeClr val="accent1">
+              <a:shade val="50000"/>
+            </a:schemeClr>
+          </a:lnRef>
+          <a:fillRef idx="1">
+            <a:schemeClr val="accent1"/>
+          </a:fillRef>
+          <a:effectRef idx="0">
+            <a:schemeClr val="accent1"/>
+          </a:effectRef>
+          <a:fontRef idx="minor">
+            <a:schemeClr val="lt1"/>
+          </a:fontRef>
+        </p:style>
+        <p:txBody>
+          <a:bodyPr rtlCol="0" anchor="ctr"/>
+          <a:lstStyle/>
+          <a:p>
+            <a:pPr algn="ctr"/>
+            <a:r>
+              <a:rPr lang="es-419" dirty="0"/>
+              <a:t>4</a:t>
+            </a:r>
+            <a:endParaRPr lang="es-ES" dirty="0"/>
+          </a:p>
+        </p:txBody>
+      </p:sp>
+      <p:sp>
+        <p:nvSpPr>
+          <p:cNvPr id="5" name="Flecha izquierda 4"/>
+          <p:cNvSpPr/>
+          <p:nvPr/>
+        </p:nvSpPr>
+        <p:spPr>
+          <a:xfrm>
+            <a:off x="7489252" y="250015"/>
+            <a:ext cx="720137" cy="393826"/>
+          </a:xfrm>
+          <a:prstGeom prst="leftArrow">
+            <a:avLst/>
+          </a:prstGeom>
+          <a:solidFill>
+            <a:schemeClr val="accent3">
+              <a:lumMod val="75000"/>
+            </a:schemeClr>
+          </a:solidFill>
+        </p:spPr>
+        <p:style>
+          <a:lnRef idx="2">
+            <a:schemeClr val="accent1">
+              <a:shade val="50000"/>
+            </a:schemeClr>
+          </a:lnRef>
+          <a:fillRef idx="1">
+            <a:schemeClr val="accent1"/>
+          </a:fillRef>
+          <a:effectRef idx="0">
+            <a:schemeClr val="accent1"/>
+          </a:effectRef>
+          <a:fontRef idx="minor">
+            <a:schemeClr val="lt1"/>
+          </a:fontRef>
+        </p:style>
+        <p:txBody>
+          <a:bodyPr rtlCol="0" anchor="ctr"/>
+          <a:lstStyle/>
+          <a:p>
+            <a:pPr algn="ctr"/>
+            <a:endParaRPr lang="es-ES"/>
+          </a:p>
+        </p:txBody>
+      </p:sp>
+      <p:sp>
+        <p:nvSpPr>
+          <p:cNvPr id="6" name="CuadroTexto 5"/>
           <p:cNvSpPr txBox="1"/>
           <p:nvPr/>
         </p:nvSpPr>
         <p:spPr>
           <a:xfrm>
             <a:off x="188327" y="197958"/>
-            <a:ext cx="5391156" cy="369332"/>
+            <a:ext cx="5008615" cy="369332"/>
           </a:xfrm>
           <a:prstGeom prst="rect">
             <a:avLst/>
@@ -10892,7 +10362,7 @@
                   <a:srgbClr val="FF0000"/>
                 </a:solidFill>
               </a:rPr>
-              <a:t>InformaCRUD.php</a:t>
+              <a:t>Informa.php</a:t>
             </a:r>
             <a:r>
               <a:rPr lang="es-419" dirty="0"/>
@@ -10904,101 +10374,45 @@
       </p:sp>
       <p:sp>
         <p:nvSpPr>
-          <p:cNvPr id="6" name="Elipse 5"/>
-          <p:cNvSpPr/>
-          <p:nvPr/>
-        </p:nvSpPr>
-        <p:spPr>
-          <a:xfrm>
-            <a:off x="8017512" y="197869"/>
-            <a:ext cx="476787" cy="427773"/>
-          </a:xfrm>
-          <a:prstGeom prst="ellipse">
-            <a:avLst/>
-          </a:prstGeom>
-          <a:solidFill>
-            <a:schemeClr val="accent2">
-              <a:lumMod val="75000"/>
-            </a:schemeClr>
-          </a:solidFill>
-        </p:spPr>
-        <p:style>
-          <a:lnRef idx="2">
-            <a:schemeClr val="accent1">
-              <a:shade val="50000"/>
-            </a:schemeClr>
-          </a:lnRef>
-          <a:fillRef idx="1">
-            <a:schemeClr val="accent1"/>
-          </a:fillRef>
-          <a:effectRef idx="0">
-            <a:schemeClr val="accent1"/>
-          </a:effectRef>
-          <a:fontRef idx="minor">
-            <a:schemeClr val="lt1"/>
-          </a:fontRef>
-        </p:style>
-        <p:txBody>
-          <a:bodyPr rtlCol="0" anchor="ctr"/>
-          <a:lstStyle/>
-          <a:p>
-            <a:pPr algn="ctr"/>
+          <p:cNvPr id="7" name="CuadroTexto 6"/>
+          <p:cNvSpPr txBox="1"/>
+          <p:nvPr/>
+        </p:nvSpPr>
+        <p:spPr>
+          <a:xfrm>
+            <a:off x="84221" y="1742556"/>
+            <a:ext cx="7698198" cy="369332"/>
+          </a:xfrm>
+          <a:prstGeom prst="rect">
+            <a:avLst/>
+          </a:prstGeom>
+          <a:noFill/>
+        </p:spPr>
+        <p:txBody>
+          <a:bodyPr wrap="none" rtlCol="0">
+            <a:spAutoFit/>
+          </a:bodyPr>
+          <a:lstStyle/>
+          <a:p>
             <a:r>
               <a:rPr lang="es-419" dirty="0"/>
-              <a:t>5</a:t>
+              <a:t>Posicionarse en la línea 48  a la 114, colocar el titulo del campo y la </a:t>
+            </a:r>
+            <a:r>
+              <a:rPr lang="es-419" dirty="0" err="1"/>
+              <a:t>informacion</a:t>
+            </a:r>
+            <a:r>
+              <a:rPr lang="es-419" dirty="0"/>
+              <a:t>.</a:t>
             </a:r>
             <a:endParaRPr lang="es-ES" dirty="0"/>
-          </a:p>
-        </p:txBody>
-      </p:sp>
-      <p:sp>
-        <p:nvSpPr>
-          <p:cNvPr id="7" name="Flecha izquierda 6"/>
-          <p:cNvSpPr/>
-          <p:nvPr/>
-        </p:nvSpPr>
-        <p:spPr>
-          <a:xfrm>
-            <a:off x="7162238" y="206918"/>
-            <a:ext cx="907453" cy="389250"/>
-          </a:xfrm>
-          <a:prstGeom prst="leftArrow">
-            <a:avLst/>
-          </a:prstGeom>
-          <a:solidFill>
-            <a:schemeClr val="accent2">
-              <a:lumMod val="75000"/>
-            </a:schemeClr>
-          </a:solidFill>
-        </p:spPr>
-        <p:style>
-          <a:lnRef idx="2">
-            <a:schemeClr val="accent1">
-              <a:shade val="50000"/>
-            </a:schemeClr>
-          </a:lnRef>
-          <a:fillRef idx="1">
-            <a:schemeClr val="accent1"/>
-          </a:fillRef>
-          <a:effectRef idx="0">
-            <a:schemeClr val="accent1"/>
-          </a:effectRef>
-          <a:fontRef idx="minor">
-            <a:schemeClr val="lt1"/>
-          </a:fontRef>
-        </p:style>
-        <p:txBody>
-          <a:bodyPr rtlCol="0" anchor="ctr"/>
-          <a:lstStyle/>
-          <a:p>
-            <a:pPr algn="ctr"/>
-            <a:endParaRPr lang="es-ES"/>
           </a:p>
         </p:txBody>
       </p:sp>
       <p:pic>
         <p:nvPicPr>
-          <p:cNvPr id="8" name="Imagen 7"/>
+          <p:cNvPr id="9" name="Imagen 8"/>
           <p:cNvPicPr>
             <a:picLocks noChangeAspect="1"/>
           </p:cNvPicPr>
@@ -11012,8 +10426,8 @@
         </p:blipFill>
         <p:spPr>
           <a:xfrm>
-            <a:off x="0" y="625642"/>
-            <a:ext cx="2466975" cy="790575"/>
+            <a:off x="0" y="567290"/>
+            <a:ext cx="2857500" cy="990600"/>
           </a:xfrm>
           <a:prstGeom prst="rect">
             <a:avLst/>
@@ -11022,7 +10436,7 @@
       </p:pic>
       <p:pic>
         <p:nvPicPr>
-          <p:cNvPr id="9" name="Imagen 8"/>
+          <p:cNvPr id="13" name="Imagen 12"/>
           <p:cNvPicPr>
             <a:picLocks noChangeAspect="1"/>
           </p:cNvPicPr>
@@ -11036,59 +10450,17 @@
         </p:blipFill>
         <p:spPr>
           <a:xfrm>
-            <a:off x="0" y="2026068"/>
-            <a:ext cx="5457825" cy="1819275"/>
+            <a:off x="3922295" y="3652485"/>
+            <a:ext cx="5028264" cy="3348389"/>
           </a:xfrm>
           <a:prstGeom prst="rect">
             <a:avLst/>
           </a:prstGeom>
         </p:spPr>
       </p:pic>
-      <p:sp>
-        <p:nvSpPr>
-          <p:cNvPr id="10" name="CuadroTexto 9"/>
-          <p:cNvSpPr txBox="1"/>
-          <p:nvPr/>
-        </p:nvSpPr>
-        <p:spPr>
-          <a:xfrm>
-            <a:off x="0" y="1536476"/>
-            <a:ext cx="8801705" cy="369332"/>
-          </a:xfrm>
-          <a:prstGeom prst="rect">
-            <a:avLst/>
-          </a:prstGeom>
-          <a:noFill/>
-        </p:spPr>
-        <p:txBody>
-          <a:bodyPr wrap="none" rtlCol="0">
-            <a:spAutoFit/>
-          </a:bodyPr>
-          <a:lstStyle/>
-          <a:p>
-            <a:r>
-              <a:rPr lang="es-419" dirty="0"/>
-              <a:t>Posicionarse en la línea 29  a la 37, asignar  las variables definidas del archivo </a:t>
-            </a:r>
-            <a:r>
-              <a:rPr lang="es-419" dirty="0" err="1">
-                <a:solidFill>
-                  <a:srgbClr val="FF0000"/>
-                </a:solidFill>
-              </a:rPr>
-              <a:t>Informa.php</a:t>
-            </a:r>
-            <a:r>
-              <a:rPr lang="es-419" dirty="0"/>
-              <a:t>.</a:t>
-            </a:r>
-            <a:endParaRPr lang="es-ES" dirty="0"/>
-          </a:p>
-        </p:txBody>
-      </p:sp>
       <p:pic>
         <p:nvPicPr>
-          <p:cNvPr id="11" name="Imagen 10"/>
+          <p:cNvPr id="14" name="Imagen 13"/>
           <p:cNvPicPr>
             <a:picLocks noChangeAspect="1"/>
           </p:cNvPicPr>
@@ -11102,18 +10474,397 @@
         </p:blipFill>
         <p:spPr>
           <a:xfrm>
-            <a:off x="3946358" y="2473390"/>
-            <a:ext cx="5028264" cy="3348389"/>
+            <a:off x="84221" y="3781745"/>
+            <a:ext cx="7029450" cy="1238250"/>
           </a:xfrm>
           <a:prstGeom prst="rect">
             <a:avLst/>
           </a:prstGeom>
         </p:spPr>
       </p:pic>
+      <p:pic>
+        <p:nvPicPr>
+          <p:cNvPr id="15" name="Imagen 14"/>
+          <p:cNvPicPr>
+            <a:picLocks noChangeAspect="1"/>
+          </p:cNvPicPr>
+          <p:nvPr/>
+        </p:nvPicPr>
+        <p:blipFill>
+          <a:blip r:embed="rId5"/>
+          <a:stretch>
+            <a:fillRect/>
+          </a:stretch>
+        </p:blipFill>
+        <p:spPr>
+          <a:xfrm>
+            <a:off x="188327" y="2138010"/>
+            <a:ext cx="6629400" cy="1514475"/>
+          </a:xfrm>
+          <a:prstGeom prst="rect">
+            <a:avLst/>
+          </a:prstGeom>
+        </p:spPr>
+      </p:pic>
+      <p:cxnSp>
+        <p:nvCxnSpPr>
+          <p:cNvPr id="17" name="Conector recto 16"/>
+          <p:cNvCxnSpPr/>
+          <p:nvPr/>
+        </p:nvCxnSpPr>
+        <p:spPr>
+          <a:xfrm flipH="1">
+            <a:off x="637674" y="4102768"/>
+            <a:ext cx="529389" cy="0"/>
+          </a:xfrm>
+          <a:prstGeom prst="line">
+            <a:avLst/>
+          </a:prstGeom>
+          <a:ln w="28575">
+            <a:solidFill>
+              <a:schemeClr val="accent4">
+                <a:lumMod val="50000"/>
+              </a:schemeClr>
+            </a:solidFill>
+          </a:ln>
+        </p:spPr>
+        <p:style>
+          <a:lnRef idx="1">
+            <a:schemeClr val="accent1"/>
+          </a:lnRef>
+          <a:fillRef idx="0">
+            <a:schemeClr val="accent1"/>
+          </a:fillRef>
+          <a:effectRef idx="0">
+            <a:schemeClr val="accent1"/>
+          </a:effectRef>
+          <a:fontRef idx="minor">
+            <a:schemeClr val="tx1"/>
+          </a:fontRef>
+        </p:style>
+      </p:cxnSp>
+      <p:cxnSp>
+        <p:nvCxnSpPr>
+          <p:cNvPr id="18" name="Conector recto 17"/>
+          <p:cNvCxnSpPr/>
+          <p:nvPr/>
+        </p:nvCxnSpPr>
+        <p:spPr>
+          <a:xfrm flipV="1">
+            <a:off x="637674" y="4102770"/>
+            <a:ext cx="0" cy="2370225"/>
+          </a:xfrm>
+          <a:prstGeom prst="line">
+            <a:avLst/>
+          </a:prstGeom>
+          <a:ln w="28575">
+            <a:solidFill>
+              <a:schemeClr val="accent4">
+                <a:lumMod val="50000"/>
+              </a:schemeClr>
+            </a:solidFill>
+          </a:ln>
+        </p:spPr>
+        <p:style>
+          <a:lnRef idx="1">
+            <a:schemeClr val="accent1"/>
+          </a:lnRef>
+          <a:fillRef idx="0">
+            <a:schemeClr val="accent1"/>
+          </a:fillRef>
+          <a:effectRef idx="0">
+            <a:schemeClr val="accent1"/>
+          </a:effectRef>
+          <a:fontRef idx="minor">
+            <a:schemeClr val="tx1"/>
+          </a:fontRef>
+        </p:style>
+      </p:cxnSp>
+      <p:cxnSp>
+        <p:nvCxnSpPr>
+          <p:cNvPr id="22" name="Conector recto de flecha 21"/>
+          <p:cNvCxnSpPr/>
+          <p:nvPr/>
+        </p:nvCxnSpPr>
+        <p:spPr>
+          <a:xfrm>
+            <a:off x="637674" y="6472995"/>
+            <a:ext cx="3188368" cy="0"/>
+          </a:xfrm>
+          <a:prstGeom prst="straightConnector1">
+            <a:avLst/>
+          </a:prstGeom>
+          <a:ln w="28575">
+            <a:solidFill>
+              <a:schemeClr val="accent4">
+                <a:lumMod val="50000"/>
+              </a:schemeClr>
+            </a:solidFill>
+            <a:tailEnd type="triangle"/>
+          </a:ln>
+        </p:spPr>
+        <p:style>
+          <a:lnRef idx="1">
+            <a:schemeClr val="accent1"/>
+          </a:lnRef>
+          <a:fillRef idx="0">
+            <a:schemeClr val="accent1"/>
+          </a:fillRef>
+          <a:effectRef idx="0">
+            <a:schemeClr val="accent1"/>
+          </a:effectRef>
+          <a:fontRef idx="minor">
+            <a:schemeClr val="tx1"/>
+          </a:fontRef>
+        </p:style>
+      </p:cxnSp>
+      <p:sp>
+        <p:nvSpPr>
+          <p:cNvPr id="25" name="Rectángulo redondeado 24"/>
+          <p:cNvSpPr/>
+          <p:nvPr/>
+        </p:nvSpPr>
+        <p:spPr>
+          <a:xfrm>
+            <a:off x="3874170" y="6328614"/>
+            <a:ext cx="545601" cy="257443"/>
+          </a:xfrm>
+          <a:prstGeom prst="roundRect">
+            <a:avLst/>
+          </a:prstGeom>
+          <a:noFill/>
+          <a:ln w="28575">
+            <a:solidFill>
+              <a:schemeClr val="accent4">
+                <a:lumMod val="50000"/>
+              </a:schemeClr>
+            </a:solidFill>
+          </a:ln>
+        </p:spPr>
+        <p:style>
+          <a:lnRef idx="2">
+            <a:schemeClr val="accent1">
+              <a:shade val="50000"/>
+            </a:schemeClr>
+          </a:lnRef>
+          <a:fillRef idx="1">
+            <a:schemeClr val="accent1"/>
+          </a:fillRef>
+          <a:effectRef idx="0">
+            <a:schemeClr val="accent1"/>
+          </a:effectRef>
+          <a:fontRef idx="minor">
+            <a:schemeClr val="lt1"/>
+          </a:fontRef>
+        </p:style>
+        <p:txBody>
+          <a:bodyPr rtlCol="0" anchor="ctr"/>
+          <a:lstStyle/>
+          <a:p>
+            <a:pPr algn="ctr"/>
+            <a:endParaRPr lang="es-ES"/>
+          </a:p>
+        </p:txBody>
+      </p:sp>
+      <p:sp>
+        <p:nvSpPr>
+          <p:cNvPr id="28" name="Cerrar llave 27"/>
+          <p:cNvSpPr/>
+          <p:nvPr/>
+        </p:nvSpPr>
+        <p:spPr>
+          <a:xfrm>
+            <a:off x="7002379" y="4102768"/>
+            <a:ext cx="111292" cy="613611"/>
+          </a:xfrm>
+          <a:prstGeom prst="rightBrace">
+            <a:avLst/>
+          </a:prstGeom>
+          <a:ln w="28575">
+            <a:solidFill>
+              <a:srgbClr val="FF0000"/>
+            </a:solidFill>
+          </a:ln>
+        </p:spPr>
+        <p:style>
+          <a:lnRef idx="1">
+            <a:schemeClr val="accent1"/>
+          </a:lnRef>
+          <a:fillRef idx="0">
+            <a:schemeClr val="accent1"/>
+          </a:fillRef>
+          <a:effectRef idx="0">
+            <a:schemeClr val="accent1"/>
+          </a:effectRef>
+          <a:fontRef idx="minor">
+            <a:schemeClr val="tx1"/>
+          </a:fontRef>
+        </p:style>
+        <p:txBody>
+          <a:bodyPr rtlCol="0" anchor="ctr"/>
+          <a:lstStyle/>
+          <a:p>
+            <a:pPr algn="ctr"/>
+            <a:endParaRPr lang="es-ES"/>
+          </a:p>
+        </p:txBody>
+      </p:sp>
+      <p:cxnSp>
+        <p:nvCxnSpPr>
+          <p:cNvPr id="31" name="Conector recto 30"/>
+          <p:cNvCxnSpPr/>
+          <p:nvPr/>
+        </p:nvCxnSpPr>
+        <p:spPr>
+          <a:xfrm flipH="1">
+            <a:off x="7166811" y="4415589"/>
+            <a:ext cx="529389" cy="0"/>
+          </a:xfrm>
+          <a:prstGeom prst="line">
+            <a:avLst/>
+          </a:prstGeom>
+          <a:ln w="28575">
+            <a:solidFill>
+              <a:srgbClr val="FF0000"/>
+            </a:solidFill>
+          </a:ln>
+        </p:spPr>
+        <p:style>
+          <a:lnRef idx="1">
+            <a:schemeClr val="accent1"/>
+          </a:lnRef>
+          <a:fillRef idx="0">
+            <a:schemeClr val="accent1"/>
+          </a:fillRef>
+          <a:effectRef idx="0">
+            <a:schemeClr val="accent1"/>
+          </a:effectRef>
+          <a:fontRef idx="minor">
+            <a:schemeClr val="tx1"/>
+          </a:fontRef>
+        </p:style>
+      </p:cxnSp>
+      <p:cxnSp>
+        <p:nvCxnSpPr>
+          <p:cNvPr id="32" name="Conector recto 31"/>
+          <p:cNvCxnSpPr/>
+          <p:nvPr/>
+        </p:nvCxnSpPr>
+        <p:spPr>
+          <a:xfrm flipV="1">
+            <a:off x="7688179" y="4391529"/>
+            <a:ext cx="8020" cy="2117555"/>
+          </a:xfrm>
+          <a:prstGeom prst="line">
+            <a:avLst/>
+          </a:prstGeom>
+          <a:ln w="28575">
+            <a:solidFill>
+              <a:srgbClr val="FF0000"/>
+            </a:solidFill>
+          </a:ln>
+        </p:spPr>
+        <p:style>
+          <a:lnRef idx="1">
+            <a:schemeClr val="accent1"/>
+          </a:lnRef>
+          <a:fillRef idx="0">
+            <a:schemeClr val="accent1"/>
+          </a:fillRef>
+          <a:effectRef idx="0">
+            <a:schemeClr val="accent1"/>
+          </a:effectRef>
+          <a:fontRef idx="minor">
+            <a:schemeClr val="tx1"/>
+          </a:fontRef>
+        </p:style>
+      </p:cxnSp>
+      <p:cxnSp>
+        <p:nvCxnSpPr>
+          <p:cNvPr id="33" name="Conector recto de flecha 32"/>
+          <p:cNvCxnSpPr/>
+          <p:nvPr/>
+        </p:nvCxnSpPr>
+        <p:spPr>
+          <a:xfrm flipH="1" flipV="1">
+            <a:off x="6581274" y="6472995"/>
+            <a:ext cx="1094873" cy="1"/>
+          </a:xfrm>
+          <a:prstGeom prst="straightConnector1">
+            <a:avLst/>
+          </a:prstGeom>
+          <a:ln w="28575">
+            <a:solidFill>
+              <a:srgbClr val="FF0000"/>
+            </a:solidFill>
+            <a:tailEnd type="triangle"/>
+          </a:ln>
+        </p:spPr>
+        <p:style>
+          <a:lnRef idx="1">
+            <a:schemeClr val="accent1"/>
+          </a:lnRef>
+          <a:fillRef idx="0">
+            <a:schemeClr val="accent1"/>
+          </a:fillRef>
+          <a:effectRef idx="0">
+            <a:schemeClr val="accent1"/>
+          </a:effectRef>
+          <a:fontRef idx="minor">
+            <a:schemeClr val="tx1"/>
+          </a:fontRef>
+        </p:style>
+      </p:cxnSp>
+      <p:sp>
+        <p:nvSpPr>
+          <p:cNvPr id="38" name="Rectángulo redondeado 37"/>
+          <p:cNvSpPr/>
+          <p:nvPr/>
+        </p:nvSpPr>
+        <p:spPr>
+          <a:xfrm>
+            <a:off x="5508373" y="6338254"/>
+            <a:ext cx="1072901" cy="283899"/>
+          </a:xfrm>
+          <a:prstGeom prst="roundRect">
+            <a:avLst/>
+          </a:prstGeom>
+          <a:noFill/>
+          <a:ln w="28575">
+            <a:solidFill>
+              <a:srgbClr val="FF0000"/>
+            </a:solidFill>
+          </a:ln>
+        </p:spPr>
+        <p:style>
+          <a:lnRef idx="2">
+            <a:schemeClr val="accent1">
+              <a:shade val="50000"/>
+            </a:schemeClr>
+          </a:lnRef>
+          <a:fillRef idx="1">
+            <a:schemeClr val="accent1"/>
+          </a:fillRef>
+          <a:effectRef idx="0">
+            <a:schemeClr val="accent1"/>
+          </a:effectRef>
+          <a:fontRef idx="minor">
+            <a:schemeClr val="lt1"/>
+          </a:fontRef>
+        </p:style>
+        <p:txBody>
+          <a:bodyPr rtlCol="0" anchor="ctr"/>
+          <a:lstStyle/>
+          <a:p>
+            <a:pPr algn="ctr"/>
+            <a:endParaRPr lang="es-ES"/>
+          </a:p>
+        </p:txBody>
+      </p:sp>
     </p:spTree>
     <p:extLst>
       <p:ext uri="{BB962C8B-B14F-4D97-AF65-F5344CB8AC3E}">
-        <p14:creationId xmlns:p14="http://schemas.microsoft.com/office/powerpoint/2010/main" val="109202513"/>
+        <p14:creationId xmlns:p14="http://schemas.microsoft.com/office/powerpoint/2010/main" val="424640537"/>
       </p:ext>
     </p:extLst>
   </p:cSld>
@@ -11142,7 +10893,49 @@
       </p:grpSpPr>
       <p:sp>
         <p:nvSpPr>
-          <p:cNvPr id="5" name="Elipse 4"/>
+          <p:cNvPr id="4" name="CuadroTexto 3"/>
+          <p:cNvSpPr txBox="1"/>
+          <p:nvPr/>
+        </p:nvSpPr>
+        <p:spPr>
+          <a:xfrm>
+            <a:off x="188327" y="197958"/>
+            <a:ext cx="5391156" cy="369332"/>
+          </a:xfrm>
+          <a:prstGeom prst="rect">
+            <a:avLst/>
+          </a:prstGeom>
+          <a:noFill/>
+        </p:spPr>
+        <p:txBody>
+          <a:bodyPr wrap="none" rtlCol="0">
+            <a:spAutoFit/>
+          </a:bodyPr>
+          <a:lstStyle/>
+          <a:p>
+            <a:r>
+              <a:rPr lang="es-419" dirty="0"/>
+              <a:t>Seleccionar el archivo </a:t>
+            </a:r>
+            <a:r>
+              <a:rPr lang="es-419" dirty="0" err="1">
+                <a:solidFill>
+                  <a:srgbClr val="FF0000"/>
+                </a:solidFill>
+              </a:rPr>
+              <a:t>InformaCRUD.php</a:t>
+            </a:r>
+            <a:r>
+              <a:rPr lang="es-419" dirty="0"/>
+              <a:t> para actualizar</a:t>
+            </a:r>
+            <a:endParaRPr lang="es-ES" dirty="0"/>
+          </a:p>
+        </p:txBody>
+      </p:sp>
+      <p:sp>
+        <p:nvSpPr>
+          <p:cNvPr id="6" name="Elipse 5"/>
           <p:cNvSpPr/>
           <p:nvPr/>
         </p:nvSpPr>
@@ -11191,7 +10984,7 @@
       </p:sp>
       <p:sp>
         <p:nvSpPr>
-          <p:cNvPr id="6" name="Flecha izquierda 5"/>
+          <p:cNvPr id="7" name="Flecha izquierda 6"/>
           <p:cNvSpPr/>
           <p:nvPr/>
         </p:nvSpPr>
@@ -11236,7 +11029,7 @@
       </p:sp>
       <p:pic>
         <p:nvPicPr>
-          <p:cNvPr id="9" name="Imagen 8"/>
+          <p:cNvPr id="8" name="Imagen 7"/>
           <p:cNvPicPr>
             <a:picLocks noChangeAspect="1"/>
           </p:cNvPicPr>
@@ -11250,8 +11043,8 @@
         </p:blipFill>
         <p:spPr>
           <a:xfrm>
-            <a:off x="380832" y="4978065"/>
-            <a:ext cx="8334375" cy="1714500"/>
+            <a:off x="0" y="625642"/>
+            <a:ext cx="2466975" cy="790575"/>
           </a:xfrm>
           <a:prstGeom prst="rect">
             <a:avLst/>
@@ -11260,7 +11053,7 @@
       </p:pic>
       <p:pic>
         <p:nvPicPr>
-          <p:cNvPr id="10" name="Imagen 9"/>
+          <p:cNvPr id="9" name="Imagen 8"/>
           <p:cNvPicPr>
             <a:picLocks noChangeAspect="1"/>
           </p:cNvPicPr>
@@ -11274,7 +11067,7 @@
         </p:blipFill>
         <p:spPr>
           <a:xfrm>
-            <a:off x="121658" y="1424489"/>
+            <a:off x="0" y="2026068"/>
             <a:ext cx="5457825" cy="1819275"/>
           </a:xfrm>
           <a:prstGeom prst="rect">
@@ -11282,9 +11075,51 @@
           </a:prstGeom>
         </p:spPr>
       </p:pic>
+      <p:sp>
+        <p:nvSpPr>
+          <p:cNvPr id="10" name="CuadroTexto 9"/>
+          <p:cNvSpPr txBox="1"/>
+          <p:nvPr/>
+        </p:nvSpPr>
+        <p:spPr>
+          <a:xfrm>
+            <a:off x="0" y="1536476"/>
+            <a:ext cx="8801705" cy="369332"/>
+          </a:xfrm>
+          <a:prstGeom prst="rect">
+            <a:avLst/>
+          </a:prstGeom>
+          <a:noFill/>
+        </p:spPr>
+        <p:txBody>
+          <a:bodyPr wrap="none" rtlCol="0">
+            <a:spAutoFit/>
+          </a:bodyPr>
+          <a:lstStyle/>
+          <a:p>
+            <a:r>
+              <a:rPr lang="es-419" dirty="0"/>
+              <a:t>Posicionarse en la línea 29  a la 37, asignar  las variables definidas del archivo </a:t>
+            </a:r>
+            <a:r>
+              <a:rPr lang="es-419" dirty="0" err="1">
+                <a:solidFill>
+                  <a:srgbClr val="FF0000"/>
+                </a:solidFill>
+              </a:rPr>
+              <a:t>Informa.php</a:t>
+            </a:r>
+            <a:r>
+              <a:rPr lang="es-419" dirty="0"/>
+              <a:t>.</a:t>
+            </a:r>
+            <a:endParaRPr lang="es-ES" dirty="0"/>
+          </a:p>
+        </p:txBody>
+      </p:sp>
       <p:pic>
         <p:nvPicPr>
-          <p:cNvPr id="12" name="Imagen 11"/>
+          <p:cNvPr id="11" name="Imagen 10"/>
           <p:cNvPicPr>
             <a:picLocks noChangeAspect="1"/>
           </p:cNvPicPr>
@@ -11298,257 +11133,18 @@
         </p:blipFill>
         <p:spPr>
           <a:xfrm>
-            <a:off x="4398377" y="818096"/>
-            <a:ext cx="4124325" cy="4461910"/>
+            <a:off x="3946358" y="2473390"/>
+            <a:ext cx="5028264" cy="3348389"/>
           </a:xfrm>
           <a:prstGeom prst="rect">
             <a:avLst/>
           </a:prstGeom>
         </p:spPr>
       </p:pic>
-      <p:cxnSp>
-        <p:nvCxnSpPr>
-          <p:cNvPr id="14" name="Conector recto de flecha 13"/>
-          <p:cNvCxnSpPr/>
-          <p:nvPr/>
-        </p:nvCxnSpPr>
-        <p:spPr>
-          <a:xfrm flipH="1">
-            <a:off x="4366464" y="5161547"/>
-            <a:ext cx="181555" cy="324853"/>
-          </a:xfrm>
-          <a:prstGeom prst="straightConnector1">
-            <a:avLst/>
-          </a:prstGeom>
-          <a:ln w="28575">
-            <a:solidFill>
-              <a:schemeClr val="accent4">
-                <a:lumMod val="50000"/>
-              </a:schemeClr>
-            </a:solidFill>
-            <a:tailEnd type="triangle"/>
-          </a:ln>
-        </p:spPr>
-        <p:style>
-          <a:lnRef idx="1">
-            <a:schemeClr val="accent1"/>
-          </a:lnRef>
-          <a:fillRef idx="0">
-            <a:schemeClr val="accent1"/>
-          </a:fillRef>
-          <a:effectRef idx="0">
-            <a:schemeClr val="accent1"/>
-          </a:effectRef>
-          <a:fontRef idx="minor">
-            <a:schemeClr val="tx1"/>
-          </a:fontRef>
-        </p:style>
-      </p:cxnSp>
-      <p:sp>
-        <p:nvSpPr>
-          <p:cNvPr id="15" name="Abrir llave 14"/>
-          <p:cNvSpPr/>
-          <p:nvPr/>
-        </p:nvSpPr>
-        <p:spPr>
-          <a:xfrm>
-            <a:off x="348918" y="1448553"/>
-            <a:ext cx="421106" cy="1819275"/>
-          </a:xfrm>
-          <a:prstGeom prst="leftBrace">
-            <a:avLst/>
-          </a:prstGeom>
-          <a:ln w="28575">
-            <a:solidFill>
-              <a:srgbClr val="FF0000"/>
-            </a:solidFill>
-          </a:ln>
-        </p:spPr>
-        <p:style>
-          <a:lnRef idx="1">
-            <a:schemeClr val="accent1"/>
-          </a:lnRef>
-          <a:fillRef idx="0">
-            <a:schemeClr val="accent1"/>
-          </a:fillRef>
-          <a:effectRef idx="0">
-            <a:schemeClr val="accent1"/>
-          </a:effectRef>
-          <a:fontRef idx="minor">
-            <a:schemeClr val="tx1"/>
-          </a:fontRef>
-        </p:style>
-        <p:txBody>
-          <a:bodyPr rtlCol="0" anchor="ctr"/>
-          <a:lstStyle/>
-          <a:p>
-            <a:pPr algn="ctr"/>
-            <a:endParaRPr lang="es-ES"/>
-          </a:p>
-        </p:txBody>
-      </p:sp>
-      <p:cxnSp>
-        <p:nvCxnSpPr>
-          <p:cNvPr id="16" name="Conector recto de flecha 15"/>
-          <p:cNvCxnSpPr/>
-          <p:nvPr/>
-        </p:nvCxnSpPr>
-        <p:spPr>
-          <a:xfrm flipV="1">
-            <a:off x="348918" y="6233861"/>
-            <a:ext cx="3208249" cy="10528"/>
-          </a:xfrm>
-          <a:prstGeom prst="straightConnector1">
-            <a:avLst/>
-          </a:prstGeom>
-          <a:ln w="28575">
-            <a:solidFill>
-              <a:srgbClr val="FF0000"/>
-            </a:solidFill>
-            <a:tailEnd type="triangle"/>
-          </a:ln>
-        </p:spPr>
-        <p:style>
-          <a:lnRef idx="1">
-            <a:schemeClr val="accent1"/>
-          </a:lnRef>
-          <a:fillRef idx="0">
-            <a:schemeClr val="accent1"/>
-          </a:fillRef>
-          <a:effectRef idx="0">
-            <a:schemeClr val="accent1"/>
-          </a:effectRef>
-          <a:fontRef idx="minor">
-            <a:schemeClr val="tx1"/>
-          </a:fontRef>
-        </p:style>
-      </p:cxnSp>
-      <p:cxnSp>
-        <p:nvCxnSpPr>
-          <p:cNvPr id="20" name="Conector recto 19"/>
-          <p:cNvCxnSpPr>
-            <a:stCxn id="15" idx="1"/>
-          </p:cNvCxnSpPr>
-          <p:nvPr/>
-        </p:nvCxnSpPr>
-        <p:spPr>
-          <a:xfrm>
-            <a:off x="348918" y="2358191"/>
-            <a:ext cx="0" cy="3875670"/>
-          </a:xfrm>
-          <a:prstGeom prst="line">
-            <a:avLst/>
-          </a:prstGeom>
-          <a:ln w="28575">
-            <a:solidFill>
-              <a:srgbClr val="FF0000"/>
-            </a:solidFill>
-          </a:ln>
-        </p:spPr>
-        <p:style>
-          <a:lnRef idx="1">
-            <a:schemeClr val="accent1"/>
-          </a:lnRef>
-          <a:fillRef idx="0">
-            <a:schemeClr val="accent1"/>
-          </a:fillRef>
-          <a:effectRef idx="0">
-            <a:schemeClr val="accent1"/>
-          </a:effectRef>
-          <a:fontRef idx="minor">
-            <a:schemeClr val="tx1"/>
-          </a:fontRef>
-        </p:style>
-      </p:cxnSp>
-      <p:sp>
-        <p:nvSpPr>
-          <p:cNvPr id="23" name="Abrir llave 22"/>
-          <p:cNvSpPr/>
-          <p:nvPr/>
-        </p:nvSpPr>
-        <p:spPr>
-          <a:xfrm>
-            <a:off x="3646300" y="5787189"/>
-            <a:ext cx="227868" cy="905376"/>
-          </a:xfrm>
-          <a:prstGeom prst="leftBrace">
-            <a:avLst/>
-          </a:prstGeom>
-          <a:ln w="28575">
-            <a:solidFill>
-              <a:srgbClr val="FF0000"/>
-            </a:solidFill>
-          </a:ln>
-        </p:spPr>
-        <p:style>
-          <a:lnRef idx="1">
-            <a:schemeClr val="accent1"/>
-          </a:lnRef>
-          <a:fillRef idx="0">
-            <a:schemeClr val="accent1"/>
-          </a:fillRef>
-          <a:effectRef idx="0">
-            <a:schemeClr val="accent1"/>
-          </a:effectRef>
-          <a:fontRef idx="minor">
-            <a:schemeClr val="tx1"/>
-          </a:fontRef>
-        </p:style>
-        <p:txBody>
-          <a:bodyPr rtlCol="0" anchor="ctr"/>
-          <a:lstStyle/>
-          <a:p>
-            <a:pPr algn="ctr"/>
-            <a:endParaRPr lang="es-ES"/>
-          </a:p>
-        </p:txBody>
-      </p:sp>
-      <p:sp>
-        <p:nvSpPr>
-          <p:cNvPr id="29" name="CuadroTexto 28"/>
-          <p:cNvSpPr txBox="1"/>
-          <p:nvPr/>
-        </p:nvSpPr>
-        <p:spPr>
-          <a:xfrm>
-            <a:off x="215808" y="294211"/>
-            <a:ext cx="6786572" cy="646331"/>
-          </a:xfrm>
-          <a:prstGeom prst="rect">
-            <a:avLst/>
-          </a:prstGeom>
-          <a:noFill/>
-        </p:spPr>
-        <p:txBody>
-          <a:bodyPr wrap="square" rtlCol="0">
-            <a:spAutoFit/>
-          </a:bodyPr>
-          <a:lstStyle/>
-          <a:p>
-            <a:r>
-              <a:rPr lang="es-419" dirty="0"/>
-              <a:t>Posicionarse en la línea 42  a la 46, asignar  las variables definidas del archivo </a:t>
-            </a:r>
-            <a:r>
-              <a:rPr lang="es-419" dirty="0" err="1">
-                <a:solidFill>
-                  <a:srgbClr val="FF0000"/>
-                </a:solidFill>
-              </a:rPr>
-              <a:t>Informa.php</a:t>
-            </a:r>
-            <a:r>
-              <a:rPr lang="es-419" dirty="0"/>
-              <a:t>.</a:t>
-            </a:r>
-            <a:endParaRPr lang="es-ES" dirty="0"/>
-          </a:p>
-        </p:txBody>
-      </p:sp>
     </p:spTree>
     <p:extLst>
       <p:ext uri="{BB962C8B-B14F-4D97-AF65-F5344CB8AC3E}">
-        <p14:creationId xmlns:p14="http://schemas.microsoft.com/office/powerpoint/2010/main" val="1143620800"/>
+        <p14:creationId xmlns:p14="http://schemas.microsoft.com/office/powerpoint/2010/main" val="109202513"/>
       </p:ext>
     </p:extLst>
   </p:cSld>
@@ -11575,6 +11171,441 @@
           <a:chExt cx="0" cy="0"/>
         </a:xfrm>
       </p:grpSpPr>
+      <p:sp>
+        <p:nvSpPr>
+          <p:cNvPr id="5" name="Elipse 4"/>
+          <p:cNvSpPr/>
+          <p:nvPr/>
+        </p:nvSpPr>
+        <p:spPr>
+          <a:xfrm>
+            <a:off x="8017512" y="197869"/>
+            <a:ext cx="476787" cy="427773"/>
+          </a:xfrm>
+          <a:prstGeom prst="ellipse">
+            <a:avLst/>
+          </a:prstGeom>
+          <a:solidFill>
+            <a:schemeClr val="accent2">
+              <a:lumMod val="75000"/>
+            </a:schemeClr>
+          </a:solidFill>
+        </p:spPr>
+        <p:style>
+          <a:lnRef idx="2">
+            <a:schemeClr val="accent1">
+              <a:shade val="50000"/>
+            </a:schemeClr>
+          </a:lnRef>
+          <a:fillRef idx="1">
+            <a:schemeClr val="accent1"/>
+          </a:fillRef>
+          <a:effectRef idx="0">
+            <a:schemeClr val="accent1"/>
+          </a:effectRef>
+          <a:fontRef idx="minor">
+            <a:schemeClr val="lt1"/>
+          </a:fontRef>
+        </p:style>
+        <p:txBody>
+          <a:bodyPr rtlCol="0" anchor="ctr"/>
+          <a:lstStyle/>
+          <a:p>
+            <a:pPr algn="ctr"/>
+            <a:r>
+              <a:rPr lang="es-419" dirty="0"/>
+              <a:t>5</a:t>
+            </a:r>
+            <a:endParaRPr lang="es-ES" dirty="0"/>
+          </a:p>
+        </p:txBody>
+      </p:sp>
+      <p:sp>
+        <p:nvSpPr>
+          <p:cNvPr id="6" name="Flecha izquierda 5"/>
+          <p:cNvSpPr/>
+          <p:nvPr/>
+        </p:nvSpPr>
+        <p:spPr>
+          <a:xfrm>
+            <a:off x="7162238" y="206918"/>
+            <a:ext cx="907453" cy="389250"/>
+          </a:xfrm>
+          <a:prstGeom prst="leftArrow">
+            <a:avLst/>
+          </a:prstGeom>
+          <a:solidFill>
+            <a:schemeClr val="accent2">
+              <a:lumMod val="75000"/>
+            </a:schemeClr>
+          </a:solidFill>
+        </p:spPr>
+        <p:style>
+          <a:lnRef idx="2">
+            <a:schemeClr val="accent1">
+              <a:shade val="50000"/>
+            </a:schemeClr>
+          </a:lnRef>
+          <a:fillRef idx="1">
+            <a:schemeClr val="accent1"/>
+          </a:fillRef>
+          <a:effectRef idx="0">
+            <a:schemeClr val="accent1"/>
+          </a:effectRef>
+          <a:fontRef idx="minor">
+            <a:schemeClr val="lt1"/>
+          </a:fontRef>
+        </p:style>
+        <p:txBody>
+          <a:bodyPr rtlCol="0" anchor="ctr"/>
+          <a:lstStyle/>
+          <a:p>
+            <a:pPr algn="ctr"/>
+            <a:endParaRPr lang="es-ES"/>
+          </a:p>
+        </p:txBody>
+      </p:sp>
+      <p:pic>
+        <p:nvPicPr>
+          <p:cNvPr id="9" name="Imagen 8"/>
+          <p:cNvPicPr>
+            <a:picLocks noChangeAspect="1"/>
+          </p:cNvPicPr>
+          <p:nvPr/>
+        </p:nvPicPr>
+        <p:blipFill>
+          <a:blip r:embed="rId2"/>
+          <a:stretch>
+            <a:fillRect/>
+          </a:stretch>
+        </p:blipFill>
+        <p:spPr>
+          <a:xfrm>
+            <a:off x="380832" y="4978065"/>
+            <a:ext cx="8334375" cy="1714500"/>
+          </a:xfrm>
+          <a:prstGeom prst="rect">
+            <a:avLst/>
+          </a:prstGeom>
+        </p:spPr>
+      </p:pic>
+      <p:pic>
+        <p:nvPicPr>
+          <p:cNvPr id="10" name="Imagen 9"/>
+          <p:cNvPicPr>
+            <a:picLocks noChangeAspect="1"/>
+          </p:cNvPicPr>
+          <p:nvPr/>
+        </p:nvPicPr>
+        <p:blipFill>
+          <a:blip r:embed="rId3"/>
+          <a:stretch>
+            <a:fillRect/>
+          </a:stretch>
+        </p:blipFill>
+        <p:spPr>
+          <a:xfrm>
+            <a:off x="121658" y="1424489"/>
+            <a:ext cx="5457825" cy="1819275"/>
+          </a:xfrm>
+          <a:prstGeom prst="rect">
+            <a:avLst/>
+          </a:prstGeom>
+        </p:spPr>
+      </p:pic>
+      <p:pic>
+        <p:nvPicPr>
+          <p:cNvPr id="12" name="Imagen 11"/>
+          <p:cNvPicPr>
+            <a:picLocks noChangeAspect="1"/>
+          </p:cNvPicPr>
+          <p:nvPr/>
+        </p:nvPicPr>
+        <p:blipFill>
+          <a:blip r:embed="rId4"/>
+          <a:stretch>
+            <a:fillRect/>
+          </a:stretch>
+        </p:blipFill>
+        <p:spPr>
+          <a:xfrm>
+            <a:off x="4398377" y="818096"/>
+            <a:ext cx="4124325" cy="4461910"/>
+          </a:xfrm>
+          <a:prstGeom prst="rect">
+            <a:avLst/>
+          </a:prstGeom>
+        </p:spPr>
+      </p:pic>
+      <p:cxnSp>
+        <p:nvCxnSpPr>
+          <p:cNvPr id="14" name="Conector recto de flecha 13"/>
+          <p:cNvCxnSpPr/>
+          <p:nvPr/>
+        </p:nvCxnSpPr>
+        <p:spPr>
+          <a:xfrm flipH="1">
+            <a:off x="4366464" y="5161547"/>
+            <a:ext cx="181555" cy="324853"/>
+          </a:xfrm>
+          <a:prstGeom prst="straightConnector1">
+            <a:avLst/>
+          </a:prstGeom>
+          <a:ln w="28575">
+            <a:solidFill>
+              <a:schemeClr val="accent4">
+                <a:lumMod val="50000"/>
+              </a:schemeClr>
+            </a:solidFill>
+            <a:tailEnd type="triangle"/>
+          </a:ln>
+        </p:spPr>
+        <p:style>
+          <a:lnRef idx="1">
+            <a:schemeClr val="accent1"/>
+          </a:lnRef>
+          <a:fillRef idx="0">
+            <a:schemeClr val="accent1"/>
+          </a:fillRef>
+          <a:effectRef idx="0">
+            <a:schemeClr val="accent1"/>
+          </a:effectRef>
+          <a:fontRef idx="minor">
+            <a:schemeClr val="tx1"/>
+          </a:fontRef>
+        </p:style>
+      </p:cxnSp>
+      <p:sp>
+        <p:nvSpPr>
+          <p:cNvPr id="15" name="Abrir llave 14"/>
+          <p:cNvSpPr/>
+          <p:nvPr/>
+        </p:nvSpPr>
+        <p:spPr>
+          <a:xfrm>
+            <a:off x="348918" y="1448553"/>
+            <a:ext cx="421106" cy="1819275"/>
+          </a:xfrm>
+          <a:prstGeom prst="leftBrace">
+            <a:avLst/>
+          </a:prstGeom>
+          <a:ln w="28575">
+            <a:solidFill>
+              <a:srgbClr val="FF0000"/>
+            </a:solidFill>
+          </a:ln>
+        </p:spPr>
+        <p:style>
+          <a:lnRef idx="1">
+            <a:schemeClr val="accent1"/>
+          </a:lnRef>
+          <a:fillRef idx="0">
+            <a:schemeClr val="accent1"/>
+          </a:fillRef>
+          <a:effectRef idx="0">
+            <a:schemeClr val="accent1"/>
+          </a:effectRef>
+          <a:fontRef idx="minor">
+            <a:schemeClr val="tx1"/>
+          </a:fontRef>
+        </p:style>
+        <p:txBody>
+          <a:bodyPr rtlCol="0" anchor="ctr"/>
+          <a:lstStyle/>
+          <a:p>
+            <a:pPr algn="ctr"/>
+            <a:endParaRPr lang="es-ES"/>
+          </a:p>
+        </p:txBody>
+      </p:sp>
+      <p:cxnSp>
+        <p:nvCxnSpPr>
+          <p:cNvPr id="16" name="Conector recto de flecha 15"/>
+          <p:cNvCxnSpPr/>
+          <p:nvPr/>
+        </p:nvCxnSpPr>
+        <p:spPr>
+          <a:xfrm flipV="1">
+            <a:off x="348918" y="6233861"/>
+            <a:ext cx="3208249" cy="10528"/>
+          </a:xfrm>
+          <a:prstGeom prst="straightConnector1">
+            <a:avLst/>
+          </a:prstGeom>
+          <a:ln w="28575">
+            <a:solidFill>
+              <a:srgbClr val="FF0000"/>
+            </a:solidFill>
+            <a:tailEnd type="triangle"/>
+          </a:ln>
+        </p:spPr>
+        <p:style>
+          <a:lnRef idx="1">
+            <a:schemeClr val="accent1"/>
+          </a:lnRef>
+          <a:fillRef idx="0">
+            <a:schemeClr val="accent1"/>
+          </a:fillRef>
+          <a:effectRef idx="0">
+            <a:schemeClr val="accent1"/>
+          </a:effectRef>
+          <a:fontRef idx="minor">
+            <a:schemeClr val="tx1"/>
+          </a:fontRef>
+        </p:style>
+      </p:cxnSp>
+      <p:cxnSp>
+        <p:nvCxnSpPr>
+          <p:cNvPr id="20" name="Conector recto 19"/>
+          <p:cNvCxnSpPr>
+            <a:stCxn id="15" idx="1"/>
+          </p:cNvCxnSpPr>
+          <p:nvPr/>
+        </p:nvCxnSpPr>
+        <p:spPr>
+          <a:xfrm>
+            <a:off x="348918" y="2358191"/>
+            <a:ext cx="0" cy="3875670"/>
+          </a:xfrm>
+          <a:prstGeom prst="line">
+            <a:avLst/>
+          </a:prstGeom>
+          <a:ln w="28575">
+            <a:solidFill>
+              <a:srgbClr val="FF0000"/>
+            </a:solidFill>
+          </a:ln>
+        </p:spPr>
+        <p:style>
+          <a:lnRef idx="1">
+            <a:schemeClr val="accent1"/>
+          </a:lnRef>
+          <a:fillRef idx="0">
+            <a:schemeClr val="accent1"/>
+          </a:fillRef>
+          <a:effectRef idx="0">
+            <a:schemeClr val="accent1"/>
+          </a:effectRef>
+          <a:fontRef idx="minor">
+            <a:schemeClr val="tx1"/>
+          </a:fontRef>
+        </p:style>
+      </p:cxnSp>
+      <p:sp>
+        <p:nvSpPr>
+          <p:cNvPr id="23" name="Abrir llave 22"/>
+          <p:cNvSpPr/>
+          <p:nvPr/>
+        </p:nvSpPr>
+        <p:spPr>
+          <a:xfrm>
+            <a:off x="3646300" y="5787189"/>
+            <a:ext cx="227868" cy="905376"/>
+          </a:xfrm>
+          <a:prstGeom prst="leftBrace">
+            <a:avLst/>
+          </a:prstGeom>
+          <a:ln w="28575">
+            <a:solidFill>
+              <a:srgbClr val="FF0000"/>
+            </a:solidFill>
+          </a:ln>
+        </p:spPr>
+        <p:style>
+          <a:lnRef idx="1">
+            <a:schemeClr val="accent1"/>
+          </a:lnRef>
+          <a:fillRef idx="0">
+            <a:schemeClr val="accent1"/>
+          </a:fillRef>
+          <a:effectRef idx="0">
+            <a:schemeClr val="accent1"/>
+          </a:effectRef>
+          <a:fontRef idx="minor">
+            <a:schemeClr val="tx1"/>
+          </a:fontRef>
+        </p:style>
+        <p:txBody>
+          <a:bodyPr rtlCol="0" anchor="ctr"/>
+          <a:lstStyle/>
+          <a:p>
+            <a:pPr algn="ctr"/>
+            <a:endParaRPr lang="es-ES"/>
+          </a:p>
+        </p:txBody>
+      </p:sp>
+      <p:sp>
+        <p:nvSpPr>
+          <p:cNvPr id="29" name="CuadroTexto 28"/>
+          <p:cNvSpPr txBox="1"/>
+          <p:nvPr/>
+        </p:nvSpPr>
+        <p:spPr>
+          <a:xfrm>
+            <a:off x="215808" y="294211"/>
+            <a:ext cx="6786572" cy="646331"/>
+          </a:xfrm>
+          <a:prstGeom prst="rect">
+            <a:avLst/>
+          </a:prstGeom>
+          <a:noFill/>
+        </p:spPr>
+        <p:txBody>
+          <a:bodyPr wrap="square" rtlCol="0">
+            <a:spAutoFit/>
+          </a:bodyPr>
+          <a:lstStyle/>
+          <a:p>
+            <a:r>
+              <a:rPr lang="es-419" dirty="0"/>
+              <a:t>Posicionarse en la línea 42  a la 46, asignar  las variables definidas del archivo </a:t>
+            </a:r>
+            <a:r>
+              <a:rPr lang="es-419" dirty="0" err="1">
+                <a:solidFill>
+                  <a:srgbClr val="FF0000"/>
+                </a:solidFill>
+              </a:rPr>
+              <a:t>Informa.php</a:t>
+            </a:r>
+            <a:r>
+              <a:rPr lang="es-419" dirty="0"/>
+              <a:t>.</a:t>
+            </a:r>
+            <a:endParaRPr lang="es-ES" dirty="0"/>
+          </a:p>
+        </p:txBody>
+      </p:sp>
+    </p:spTree>
+    <p:extLst>
+      <p:ext uri="{BB962C8B-B14F-4D97-AF65-F5344CB8AC3E}">
+        <p14:creationId xmlns:p14="http://schemas.microsoft.com/office/powerpoint/2010/main" val="1143620800"/>
+      </p:ext>
+    </p:extLst>
+  </p:cSld>
+  <p:clrMapOvr>
+    <a:masterClrMapping/>
+  </p:clrMapOvr>
+</p:sld>
+</file>
+
+<file path=ppt/slides/slide28.xml><?xml version="1.0" encoding="utf-8"?>
+<p:sld xmlns:a="http://schemas.openxmlformats.org/drawingml/2006/main" xmlns:r="http://schemas.openxmlformats.org/officeDocument/2006/relationships" xmlns:p="http://schemas.openxmlformats.org/presentationml/2006/main">
+  <p:cSld>
+    <p:spTree>
+      <p:nvGrpSpPr>
+        <p:cNvPr id="1" name=""/>
+        <p:cNvGrpSpPr/>
+        <p:nvPr/>
+      </p:nvGrpSpPr>
+      <p:grpSpPr>
+        <a:xfrm>
+          <a:off x="0" y="0"/>
+          <a:ext cx="0" cy="0"/>
+          <a:chOff x="0" y="0"/>
+          <a:chExt cx="0" cy="0"/>
+        </a:xfrm>
+      </p:grpSpPr>
       <p:pic>
         <p:nvPicPr>
           <p:cNvPr id="22" name="Imagen 21"/>
@@ -12032,7 +12063,7 @@
 </p:sld>
 </file>
 
-<file path=ppt/slides/slide28.xml><?xml version="1.0" encoding="utf-8"?>
+<file path=ppt/slides/slide29.xml><?xml version="1.0" encoding="utf-8"?>
 <p:sld xmlns:a="http://schemas.openxmlformats.org/drawingml/2006/main" xmlns:r="http://schemas.openxmlformats.org/officeDocument/2006/relationships" xmlns:p="http://schemas.openxmlformats.org/presentationml/2006/main">
   <p:cSld>
     <p:spTree>
@@ -16398,7 +16429,7 @@
           <p:cNvPr id="4" name="Elipse 3">
             <a:extLst>
               <a:ext uri="{FF2B5EF4-FFF2-40B4-BE49-F238E27FC236}">
-                <a16:creationId xmlns:a16="http://schemas.microsoft.com/office/drawing/2014/main" id="{686A9619-17A1-B631-A1C1-0265EA28FEB8}"/>
+                <a16:creationId xmlns:a16="http://schemas.microsoft.com/office/drawing/2014/main" xmlns="" id="{686A9619-17A1-B631-A1C1-0265EA28FEB8}"/>
               </a:ext>
             </a:extLst>
           </p:cNvPr>
@@ -16451,7 +16482,7 @@
           <p:cNvPr id="5" name="Conector recto 4">
             <a:extLst>
               <a:ext uri="{FF2B5EF4-FFF2-40B4-BE49-F238E27FC236}">
-                <a16:creationId xmlns:a16="http://schemas.microsoft.com/office/drawing/2014/main" id="{975977A9-B9D6-67EF-6E29-C139F325DF22}"/>
+                <a16:creationId xmlns:a16="http://schemas.microsoft.com/office/drawing/2014/main" xmlns="" id="{975977A9-B9D6-67EF-6E29-C139F325DF22}"/>
               </a:ext>
             </a:extLst>
           </p:cNvPr>
@@ -16496,7 +16527,7 @@
           <p:cNvPr id="6" name="Conector recto 5">
             <a:extLst>
               <a:ext uri="{FF2B5EF4-FFF2-40B4-BE49-F238E27FC236}">
-                <a16:creationId xmlns:a16="http://schemas.microsoft.com/office/drawing/2014/main" id="{385BEAF7-D173-26C8-66F0-6F430B148F92}"/>
+                <a16:creationId xmlns:a16="http://schemas.microsoft.com/office/drawing/2014/main" xmlns="" id="{385BEAF7-D173-26C8-66F0-6F430B148F92}"/>
               </a:ext>
             </a:extLst>
           </p:cNvPr>
@@ -16541,7 +16572,7 @@
           <p:cNvPr id="7" name="Conector recto 6">
             <a:extLst>
               <a:ext uri="{FF2B5EF4-FFF2-40B4-BE49-F238E27FC236}">
-                <a16:creationId xmlns:a16="http://schemas.microsoft.com/office/drawing/2014/main" id="{01E9E0DC-AB29-3E0F-525D-B8AC2AD06D9D}"/>
+                <a16:creationId xmlns:a16="http://schemas.microsoft.com/office/drawing/2014/main" xmlns="" id="{01E9E0DC-AB29-3E0F-525D-B8AC2AD06D9D}"/>
               </a:ext>
             </a:extLst>
           </p:cNvPr>
@@ -16586,7 +16617,7 @@
           <p:cNvPr id="8" name="Rectángulo 7">
             <a:extLst>
               <a:ext uri="{FF2B5EF4-FFF2-40B4-BE49-F238E27FC236}">
-                <a16:creationId xmlns:a16="http://schemas.microsoft.com/office/drawing/2014/main" id="{ACE286D6-42DB-975B-0442-E5584FF28349}"/>
+                <a16:creationId xmlns:a16="http://schemas.microsoft.com/office/drawing/2014/main" xmlns="" id="{ACE286D6-42DB-975B-0442-E5584FF28349}"/>
               </a:ext>
             </a:extLst>
           </p:cNvPr>
@@ -16635,7 +16666,7 @@
           <p:cNvPr id="9" name="Rectángulo 8">
             <a:extLst>
               <a:ext uri="{FF2B5EF4-FFF2-40B4-BE49-F238E27FC236}">
-                <a16:creationId xmlns:a16="http://schemas.microsoft.com/office/drawing/2014/main" id="{073C550A-009E-51B1-888F-27B236BC748D}"/>
+                <a16:creationId xmlns:a16="http://schemas.microsoft.com/office/drawing/2014/main" xmlns="" id="{073C550A-009E-51B1-888F-27B236BC748D}"/>
               </a:ext>
             </a:extLst>
           </p:cNvPr>
@@ -16684,7 +16715,7 @@
           <p:cNvPr id="10" name="Conector recto 9">
             <a:extLst>
               <a:ext uri="{FF2B5EF4-FFF2-40B4-BE49-F238E27FC236}">
-                <a16:creationId xmlns:a16="http://schemas.microsoft.com/office/drawing/2014/main" id="{40101583-1D2B-F86C-6EC7-9C85D32DDA40}"/>
+                <a16:creationId xmlns:a16="http://schemas.microsoft.com/office/drawing/2014/main" xmlns="" id="{40101583-1D2B-F86C-6EC7-9C85D32DDA40}"/>
               </a:ext>
             </a:extLst>
           </p:cNvPr>
@@ -16729,7 +16760,7 @@
           <p:cNvPr id="11" name="Conector recto 10">
             <a:extLst>
               <a:ext uri="{FF2B5EF4-FFF2-40B4-BE49-F238E27FC236}">
-                <a16:creationId xmlns:a16="http://schemas.microsoft.com/office/drawing/2014/main" id="{27149EC6-D4EE-AB80-9AA4-629D65042D25}"/>
+                <a16:creationId xmlns:a16="http://schemas.microsoft.com/office/drawing/2014/main" xmlns="" id="{27149EC6-D4EE-AB80-9AA4-629D65042D25}"/>
               </a:ext>
             </a:extLst>
           </p:cNvPr>
@@ -16774,7 +16805,7 @@
           <p:cNvPr id="12" name="Conector recto 11">
             <a:extLst>
               <a:ext uri="{FF2B5EF4-FFF2-40B4-BE49-F238E27FC236}">
-                <a16:creationId xmlns:a16="http://schemas.microsoft.com/office/drawing/2014/main" id="{134BE996-69C2-C823-502D-5A983737E0A2}"/>
+                <a16:creationId xmlns:a16="http://schemas.microsoft.com/office/drawing/2014/main" xmlns="" id="{134BE996-69C2-C823-502D-5A983737E0A2}"/>
               </a:ext>
             </a:extLst>
           </p:cNvPr>
@@ -16819,7 +16850,7 @@
           <p:cNvPr id="13" name="Conector recto 12">
             <a:extLst>
               <a:ext uri="{FF2B5EF4-FFF2-40B4-BE49-F238E27FC236}">
-                <a16:creationId xmlns:a16="http://schemas.microsoft.com/office/drawing/2014/main" id="{2555E7E0-AF70-87F9-37E7-CC46F459C6BD}"/>
+                <a16:creationId xmlns:a16="http://schemas.microsoft.com/office/drawing/2014/main" xmlns="" id="{2555E7E0-AF70-87F9-37E7-CC46F459C6BD}"/>
               </a:ext>
             </a:extLst>
           </p:cNvPr>
@@ -16864,7 +16895,7 @@
           <p:cNvPr id="14" name="Elipse 13">
             <a:extLst>
               <a:ext uri="{FF2B5EF4-FFF2-40B4-BE49-F238E27FC236}">
-                <a16:creationId xmlns:a16="http://schemas.microsoft.com/office/drawing/2014/main" id="{F52A86F3-4403-3724-782F-1AE43F93439F}"/>
+                <a16:creationId xmlns:a16="http://schemas.microsoft.com/office/drawing/2014/main" xmlns="" id="{F52A86F3-4403-3724-782F-1AE43F93439F}"/>
               </a:ext>
             </a:extLst>
           </p:cNvPr>
@@ -16917,7 +16948,7 @@
           <p:cNvPr id="15" name="Conector recto 14">
             <a:extLst>
               <a:ext uri="{FF2B5EF4-FFF2-40B4-BE49-F238E27FC236}">
-                <a16:creationId xmlns:a16="http://schemas.microsoft.com/office/drawing/2014/main" id="{AD514DE2-A8B6-64FC-3C9E-02337F493ECE}"/>
+                <a16:creationId xmlns:a16="http://schemas.microsoft.com/office/drawing/2014/main" xmlns="" id="{AD514DE2-A8B6-64FC-3C9E-02337F493ECE}"/>
               </a:ext>
             </a:extLst>
           </p:cNvPr>
@@ -16962,7 +16993,7 @@
           <p:cNvPr id="16" name="Conector recto 15">
             <a:extLst>
               <a:ext uri="{FF2B5EF4-FFF2-40B4-BE49-F238E27FC236}">
-                <a16:creationId xmlns:a16="http://schemas.microsoft.com/office/drawing/2014/main" id="{CDB3EFDA-2362-675B-97C9-D2583A2FE693}"/>
+                <a16:creationId xmlns:a16="http://schemas.microsoft.com/office/drawing/2014/main" xmlns="" id="{CDB3EFDA-2362-675B-97C9-D2583A2FE693}"/>
               </a:ext>
             </a:extLst>
           </p:cNvPr>
@@ -17007,7 +17038,7 @@
           <p:cNvPr id="17" name="Conector recto 16">
             <a:extLst>
               <a:ext uri="{FF2B5EF4-FFF2-40B4-BE49-F238E27FC236}">
-                <a16:creationId xmlns:a16="http://schemas.microsoft.com/office/drawing/2014/main" id="{8BC26811-2729-AFAE-AE96-1EF0B78A1A94}"/>
+                <a16:creationId xmlns:a16="http://schemas.microsoft.com/office/drawing/2014/main" xmlns="" id="{8BC26811-2729-AFAE-AE96-1EF0B78A1A94}"/>
               </a:ext>
             </a:extLst>
           </p:cNvPr>
@@ -17052,7 +17083,7 @@
           <p:cNvPr id="18" name="Rectángulo 17">
             <a:extLst>
               <a:ext uri="{FF2B5EF4-FFF2-40B4-BE49-F238E27FC236}">
-                <a16:creationId xmlns:a16="http://schemas.microsoft.com/office/drawing/2014/main" id="{4747BB0E-027B-9D09-5565-A7F12B1676DF}"/>
+                <a16:creationId xmlns:a16="http://schemas.microsoft.com/office/drawing/2014/main" xmlns="" id="{4747BB0E-027B-9D09-5565-A7F12B1676DF}"/>
               </a:ext>
             </a:extLst>
           </p:cNvPr>
@@ -17101,7 +17132,7 @@
           <p:cNvPr id="19" name="Rectángulo 18">
             <a:extLst>
               <a:ext uri="{FF2B5EF4-FFF2-40B4-BE49-F238E27FC236}">
-                <a16:creationId xmlns:a16="http://schemas.microsoft.com/office/drawing/2014/main" id="{D8BF17EA-3F8F-5535-4FC1-120DB113E8CA}"/>
+                <a16:creationId xmlns:a16="http://schemas.microsoft.com/office/drawing/2014/main" xmlns="" id="{D8BF17EA-3F8F-5535-4FC1-120DB113E8CA}"/>
               </a:ext>
             </a:extLst>
           </p:cNvPr>
@@ -17150,7 +17181,7 @@
           <p:cNvPr id="20" name="Conector recto 19">
             <a:extLst>
               <a:ext uri="{FF2B5EF4-FFF2-40B4-BE49-F238E27FC236}">
-                <a16:creationId xmlns:a16="http://schemas.microsoft.com/office/drawing/2014/main" id="{E64CEB31-601B-E651-B201-3FDEDBB4C7C8}"/>
+                <a16:creationId xmlns:a16="http://schemas.microsoft.com/office/drawing/2014/main" xmlns="" id="{E64CEB31-601B-E651-B201-3FDEDBB4C7C8}"/>
               </a:ext>
             </a:extLst>
           </p:cNvPr>
@@ -17197,7 +17228,7 @@
           <p:cNvPr id="21" name="Conector recto 20">
             <a:extLst>
               <a:ext uri="{FF2B5EF4-FFF2-40B4-BE49-F238E27FC236}">
-                <a16:creationId xmlns:a16="http://schemas.microsoft.com/office/drawing/2014/main" id="{0EBB0B94-F03B-2F4F-A723-744E665FE51A}"/>
+                <a16:creationId xmlns:a16="http://schemas.microsoft.com/office/drawing/2014/main" xmlns="" id="{0EBB0B94-F03B-2F4F-A723-744E665FE51A}"/>
               </a:ext>
             </a:extLst>
           </p:cNvPr>
@@ -17243,7 +17274,7 @@
           <p:cNvPr id="22" name="Conector recto 21">
             <a:extLst>
               <a:ext uri="{FF2B5EF4-FFF2-40B4-BE49-F238E27FC236}">
-                <a16:creationId xmlns:a16="http://schemas.microsoft.com/office/drawing/2014/main" id="{530C6A73-65D8-633D-710A-8325CF458921}"/>
+                <a16:creationId xmlns:a16="http://schemas.microsoft.com/office/drawing/2014/main" xmlns="" id="{530C6A73-65D8-633D-710A-8325CF458921}"/>
               </a:ext>
             </a:extLst>
           </p:cNvPr>
@@ -17289,7 +17320,7 @@
           <p:cNvPr id="23" name="Conector recto 22">
             <a:extLst>
               <a:ext uri="{FF2B5EF4-FFF2-40B4-BE49-F238E27FC236}">
-                <a16:creationId xmlns:a16="http://schemas.microsoft.com/office/drawing/2014/main" id="{2DABF8AB-E2B0-E450-8580-3E89F5D3C201}"/>
+                <a16:creationId xmlns:a16="http://schemas.microsoft.com/office/drawing/2014/main" xmlns="" id="{2DABF8AB-E2B0-E450-8580-3E89F5D3C201}"/>
               </a:ext>
             </a:extLst>
           </p:cNvPr>
@@ -17334,7 +17365,7 @@
           <p:cNvPr id="24" name="CuadroTexto 23">
             <a:extLst>
               <a:ext uri="{FF2B5EF4-FFF2-40B4-BE49-F238E27FC236}">
-                <a16:creationId xmlns:a16="http://schemas.microsoft.com/office/drawing/2014/main" id="{612FBF71-B5A0-676B-C5F0-972385A1FB31}"/>
+                <a16:creationId xmlns:a16="http://schemas.microsoft.com/office/drawing/2014/main" xmlns="" id="{612FBF71-B5A0-676B-C5F0-972385A1FB31}"/>
               </a:ext>
             </a:extLst>
           </p:cNvPr>
@@ -17370,7 +17401,7 @@
           <p:cNvPr id="26" name="CuadroTexto 25">
             <a:extLst>
               <a:ext uri="{FF2B5EF4-FFF2-40B4-BE49-F238E27FC236}">
-                <a16:creationId xmlns:a16="http://schemas.microsoft.com/office/drawing/2014/main" id="{CDFBDA83-E0EE-93AA-EBA1-27456B75D6E2}"/>
+                <a16:creationId xmlns:a16="http://schemas.microsoft.com/office/drawing/2014/main" xmlns="" id="{CDFBDA83-E0EE-93AA-EBA1-27456B75D6E2}"/>
               </a:ext>
             </a:extLst>
           </p:cNvPr>
@@ -17436,7 +17467,7 @@
           <p:cNvPr id="27" name="Elipse 26">
             <a:extLst>
               <a:ext uri="{FF2B5EF4-FFF2-40B4-BE49-F238E27FC236}">
-                <a16:creationId xmlns:a16="http://schemas.microsoft.com/office/drawing/2014/main" id="{5AA27888-0CCA-F4BC-87C8-68CCB372D667}"/>
+                <a16:creationId xmlns:a16="http://schemas.microsoft.com/office/drawing/2014/main" xmlns="" id="{5AA27888-0CCA-F4BC-87C8-68CCB372D667}"/>
               </a:ext>
             </a:extLst>
           </p:cNvPr>
@@ -17486,7 +17517,7 @@
           <p:cNvPr id="28" name="CuadroTexto 27">
             <a:extLst>
               <a:ext uri="{FF2B5EF4-FFF2-40B4-BE49-F238E27FC236}">
-                <a16:creationId xmlns:a16="http://schemas.microsoft.com/office/drawing/2014/main" id="{81923E6B-8C4C-3789-67A9-2DAB95667FA7}"/>
+                <a16:creationId xmlns:a16="http://schemas.microsoft.com/office/drawing/2014/main" xmlns="" id="{81923E6B-8C4C-3789-67A9-2DAB95667FA7}"/>
               </a:ext>
             </a:extLst>
           </p:cNvPr>
@@ -17538,7 +17569,7 @@
           <p:cNvPr id="29" name="Rectángulo 28">
             <a:extLst>
               <a:ext uri="{FF2B5EF4-FFF2-40B4-BE49-F238E27FC236}">
-                <a16:creationId xmlns:a16="http://schemas.microsoft.com/office/drawing/2014/main" id="{0EB96636-F3F6-51FC-1308-638DD05AD342}"/>
+                <a16:creationId xmlns:a16="http://schemas.microsoft.com/office/drawing/2014/main" xmlns="" id="{0EB96636-F3F6-51FC-1308-638DD05AD342}"/>
               </a:ext>
             </a:extLst>
           </p:cNvPr>
@@ -17587,7 +17618,7 @@
           <p:cNvPr id="30" name="CuadroTexto 29">
             <a:extLst>
               <a:ext uri="{FF2B5EF4-FFF2-40B4-BE49-F238E27FC236}">
-                <a16:creationId xmlns:a16="http://schemas.microsoft.com/office/drawing/2014/main" id="{21109062-A94F-994A-A05A-4FD6C48F3A56}"/>
+                <a16:creationId xmlns:a16="http://schemas.microsoft.com/office/drawing/2014/main" xmlns="" id="{21109062-A94F-994A-A05A-4FD6C48F3A56}"/>
               </a:ext>
             </a:extLst>
           </p:cNvPr>
@@ -17623,7 +17654,7 @@
           <p:cNvPr id="32" name="CuadroTexto 31">
             <a:extLst>
               <a:ext uri="{FF2B5EF4-FFF2-40B4-BE49-F238E27FC236}">
-                <a16:creationId xmlns:a16="http://schemas.microsoft.com/office/drawing/2014/main" id="{DF515686-4103-F73D-40F2-1DB52EE1DA67}"/>
+                <a16:creationId xmlns:a16="http://schemas.microsoft.com/office/drawing/2014/main" xmlns="" id="{DF515686-4103-F73D-40F2-1DB52EE1DA67}"/>
               </a:ext>
             </a:extLst>
           </p:cNvPr>
@@ -17659,7 +17690,7 @@
           <p:cNvPr id="33" name="CuadroTexto 32">
             <a:extLst>
               <a:ext uri="{FF2B5EF4-FFF2-40B4-BE49-F238E27FC236}">
-                <a16:creationId xmlns:a16="http://schemas.microsoft.com/office/drawing/2014/main" id="{F10DBCCC-EB8A-4BFF-CCDA-1100426B20C8}"/>
+                <a16:creationId xmlns:a16="http://schemas.microsoft.com/office/drawing/2014/main" xmlns="" id="{F10DBCCC-EB8A-4BFF-CCDA-1100426B20C8}"/>
               </a:ext>
             </a:extLst>
           </p:cNvPr>
@@ -17695,7 +17726,7 @@
           <p:cNvPr id="34" name="Elipse 33">
             <a:extLst>
               <a:ext uri="{FF2B5EF4-FFF2-40B4-BE49-F238E27FC236}">
-                <a16:creationId xmlns:a16="http://schemas.microsoft.com/office/drawing/2014/main" id="{AA09A940-3543-A1D3-5E26-CD4689A528B7}"/>
+                <a16:creationId xmlns:a16="http://schemas.microsoft.com/office/drawing/2014/main" xmlns="" id="{AA09A940-3543-A1D3-5E26-CD4689A528B7}"/>
               </a:ext>
             </a:extLst>
           </p:cNvPr>
@@ -17745,7 +17776,7 @@
           <p:cNvPr id="35" name="CuadroTexto 34">
             <a:extLst>
               <a:ext uri="{FF2B5EF4-FFF2-40B4-BE49-F238E27FC236}">
-                <a16:creationId xmlns:a16="http://schemas.microsoft.com/office/drawing/2014/main" id="{B445B06C-BD3C-A53B-DF8A-49A85F0BAA46}"/>
+                <a16:creationId xmlns:a16="http://schemas.microsoft.com/office/drawing/2014/main" xmlns="" id="{B445B06C-BD3C-A53B-DF8A-49A85F0BAA46}"/>
               </a:ext>
             </a:extLst>
           </p:cNvPr>
@@ -17809,7 +17840,7 @@
           <p:cNvPr id="37" name="Conector recto 36">
             <a:extLst>
               <a:ext uri="{FF2B5EF4-FFF2-40B4-BE49-F238E27FC236}">
-                <a16:creationId xmlns:a16="http://schemas.microsoft.com/office/drawing/2014/main" id="{0F12220B-4A5F-FC5D-9E99-0A69A2D3B0F6}"/>
+                <a16:creationId xmlns:a16="http://schemas.microsoft.com/office/drawing/2014/main" xmlns="" id="{0F12220B-4A5F-FC5D-9E99-0A69A2D3B0F6}"/>
               </a:ext>
             </a:extLst>
           </p:cNvPr>
@@ -17848,7 +17879,7 @@
           <p:cNvPr id="38" name="Conector recto 37">
             <a:extLst>
               <a:ext uri="{FF2B5EF4-FFF2-40B4-BE49-F238E27FC236}">
-                <a16:creationId xmlns:a16="http://schemas.microsoft.com/office/drawing/2014/main" id="{53DCBBA5-0EFD-89C2-D956-C9A5A71ADB2D}"/>
+                <a16:creationId xmlns:a16="http://schemas.microsoft.com/office/drawing/2014/main" xmlns="" id="{53DCBBA5-0EFD-89C2-D956-C9A5A71ADB2D}"/>
               </a:ext>
             </a:extLst>
           </p:cNvPr>
@@ -17887,7 +17918,7 @@
           <p:cNvPr id="39" name="Elipse 38">
             <a:extLst>
               <a:ext uri="{FF2B5EF4-FFF2-40B4-BE49-F238E27FC236}">
-                <a16:creationId xmlns:a16="http://schemas.microsoft.com/office/drawing/2014/main" id="{3924F645-5AAC-4DB1-D1DF-0E83C1FDFD20}"/>
+                <a16:creationId xmlns:a16="http://schemas.microsoft.com/office/drawing/2014/main" xmlns="" id="{3924F645-5AAC-4DB1-D1DF-0E83C1FDFD20}"/>
               </a:ext>
             </a:extLst>
           </p:cNvPr>
@@ -17937,7 +17968,7 @@
           <p:cNvPr id="40" name="CuadroTexto 39">
             <a:extLst>
               <a:ext uri="{FF2B5EF4-FFF2-40B4-BE49-F238E27FC236}">
-                <a16:creationId xmlns:a16="http://schemas.microsoft.com/office/drawing/2014/main" id="{6DD6777E-5FEE-5513-F58B-297E96DC17E5}"/>
+                <a16:creationId xmlns:a16="http://schemas.microsoft.com/office/drawing/2014/main" xmlns="" id="{6DD6777E-5FEE-5513-F58B-297E96DC17E5}"/>
               </a:ext>
             </a:extLst>
           </p:cNvPr>
@@ -17973,7 +18004,7 @@
           <p:cNvPr id="41" name="Elipse 40">
             <a:extLst>
               <a:ext uri="{FF2B5EF4-FFF2-40B4-BE49-F238E27FC236}">
-                <a16:creationId xmlns:a16="http://schemas.microsoft.com/office/drawing/2014/main" id="{1FB0D7BE-4623-1718-683D-6BFC6F63AB2F}"/>
+                <a16:creationId xmlns:a16="http://schemas.microsoft.com/office/drawing/2014/main" xmlns="" id="{1FB0D7BE-4623-1718-683D-6BFC6F63AB2F}"/>
               </a:ext>
             </a:extLst>
           </p:cNvPr>
@@ -18026,7 +18057,7 @@
           <p:cNvPr id="42" name="Conector recto 41">
             <a:extLst>
               <a:ext uri="{FF2B5EF4-FFF2-40B4-BE49-F238E27FC236}">
-                <a16:creationId xmlns:a16="http://schemas.microsoft.com/office/drawing/2014/main" id="{A228A3AB-69D9-5D9D-1180-5FBB1AE86B00}"/>
+                <a16:creationId xmlns:a16="http://schemas.microsoft.com/office/drawing/2014/main" xmlns="" id="{A228A3AB-69D9-5D9D-1180-5FBB1AE86B00}"/>
               </a:ext>
             </a:extLst>
           </p:cNvPr>
@@ -18071,7 +18102,7 @@
           <p:cNvPr id="43" name="Conector recto 42">
             <a:extLst>
               <a:ext uri="{FF2B5EF4-FFF2-40B4-BE49-F238E27FC236}">
-                <a16:creationId xmlns:a16="http://schemas.microsoft.com/office/drawing/2014/main" id="{CDACED76-DCD7-EB90-896F-88F341D5CC60}"/>
+                <a16:creationId xmlns:a16="http://schemas.microsoft.com/office/drawing/2014/main" xmlns="" id="{CDACED76-DCD7-EB90-896F-88F341D5CC60}"/>
               </a:ext>
             </a:extLst>
           </p:cNvPr>
@@ -18116,7 +18147,7 @@
           <p:cNvPr id="44" name="Conector recto 43">
             <a:extLst>
               <a:ext uri="{FF2B5EF4-FFF2-40B4-BE49-F238E27FC236}">
-                <a16:creationId xmlns:a16="http://schemas.microsoft.com/office/drawing/2014/main" id="{D9867B94-4850-3AF7-3547-730B1AB73C49}"/>
+                <a16:creationId xmlns:a16="http://schemas.microsoft.com/office/drawing/2014/main" xmlns="" id="{D9867B94-4850-3AF7-3547-730B1AB73C49}"/>
               </a:ext>
             </a:extLst>
           </p:cNvPr>
@@ -18161,7 +18192,7 @@
           <p:cNvPr id="45" name="Rectángulo 44">
             <a:extLst>
               <a:ext uri="{FF2B5EF4-FFF2-40B4-BE49-F238E27FC236}">
-                <a16:creationId xmlns:a16="http://schemas.microsoft.com/office/drawing/2014/main" id="{E4444FFF-1F44-598B-A036-E886B1A06339}"/>
+                <a16:creationId xmlns:a16="http://schemas.microsoft.com/office/drawing/2014/main" xmlns="" id="{E4444FFF-1F44-598B-A036-E886B1A06339}"/>
               </a:ext>
             </a:extLst>
           </p:cNvPr>
@@ -18210,7 +18241,7 @@
           <p:cNvPr id="46" name="Rectángulo 45">
             <a:extLst>
               <a:ext uri="{FF2B5EF4-FFF2-40B4-BE49-F238E27FC236}">
-                <a16:creationId xmlns:a16="http://schemas.microsoft.com/office/drawing/2014/main" id="{B8C6C395-6C61-5B96-D3ED-22F4D596B63A}"/>
+                <a16:creationId xmlns:a16="http://schemas.microsoft.com/office/drawing/2014/main" xmlns="" id="{B8C6C395-6C61-5B96-D3ED-22F4D596B63A}"/>
               </a:ext>
             </a:extLst>
           </p:cNvPr>
@@ -18259,7 +18290,7 @@
           <p:cNvPr id="47" name="Conector recto 46">
             <a:extLst>
               <a:ext uri="{FF2B5EF4-FFF2-40B4-BE49-F238E27FC236}">
-                <a16:creationId xmlns:a16="http://schemas.microsoft.com/office/drawing/2014/main" id="{74AEF2DC-FFC6-4E27-9641-204DE1732E6F}"/>
+                <a16:creationId xmlns:a16="http://schemas.microsoft.com/office/drawing/2014/main" xmlns="" id="{74AEF2DC-FFC6-4E27-9641-204DE1732E6F}"/>
               </a:ext>
             </a:extLst>
           </p:cNvPr>
@@ -18306,7 +18337,7 @@
           <p:cNvPr id="48" name="Conector recto 47">
             <a:extLst>
               <a:ext uri="{FF2B5EF4-FFF2-40B4-BE49-F238E27FC236}">
-                <a16:creationId xmlns:a16="http://schemas.microsoft.com/office/drawing/2014/main" id="{70FE2E2D-D39E-C9BC-C7C9-5B8489019E5B}"/>
+                <a16:creationId xmlns:a16="http://schemas.microsoft.com/office/drawing/2014/main" xmlns="" id="{70FE2E2D-D39E-C9BC-C7C9-5B8489019E5B}"/>
               </a:ext>
             </a:extLst>
           </p:cNvPr>
@@ -18346,7 +18377,7 @@
           <p:cNvPr id="49" name="Conector recto 48">
             <a:extLst>
               <a:ext uri="{FF2B5EF4-FFF2-40B4-BE49-F238E27FC236}">
-                <a16:creationId xmlns:a16="http://schemas.microsoft.com/office/drawing/2014/main" id="{631A17EB-8ECE-E8BC-86D9-7BED75FBC1E9}"/>
+                <a16:creationId xmlns:a16="http://schemas.microsoft.com/office/drawing/2014/main" xmlns="" id="{631A17EB-8ECE-E8BC-86D9-7BED75FBC1E9}"/>
               </a:ext>
             </a:extLst>
           </p:cNvPr>
@@ -18392,7 +18423,7 @@
           <p:cNvPr id="50" name="Conector recto 49">
             <a:extLst>
               <a:ext uri="{FF2B5EF4-FFF2-40B4-BE49-F238E27FC236}">
-                <a16:creationId xmlns:a16="http://schemas.microsoft.com/office/drawing/2014/main" id="{3279F733-890C-6419-5765-545DD5CF1D79}"/>
+                <a16:creationId xmlns:a16="http://schemas.microsoft.com/office/drawing/2014/main" xmlns="" id="{3279F733-890C-6419-5765-545DD5CF1D79}"/>
               </a:ext>
             </a:extLst>
           </p:cNvPr>
@@ -18437,7 +18468,7 @@
           <p:cNvPr id="51" name="Rectángulo 50">
             <a:extLst>
               <a:ext uri="{FF2B5EF4-FFF2-40B4-BE49-F238E27FC236}">
-                <a16:creationId xmlns:a16="http://schemas.microsoft.com/office/drawing/2014/main" id="{79B5E06A-FCAD-5343-65AD-C5933AFB2BFC}"/>
+                <a16:creationId xmlns:a16="http://schemas.microsoft.com/office/drawing/2014/main" xmlns="" id="{79B5E06A-FCAD-5343-65AD-C5933AFB2BFC}"/>
               </a:ext>
             </a:extLst>
           </p:cNvPr>
@@ -18484,7 +18515,7 @@
           <p:cNvPr id="52" name="Rectángulo 51">
             <a:extLst>
               <a:ext uri="{FF2B5EF4-FFF2-40B4-BE49-F238E27FC236}">
-                <a16:creationId xmlns:a16="http://schemas.microsoft.com/office/drawing/2014/main" id="{6FEC41D1-879B-A757-D5DC-5E056E6F6887}"/>
+                <a16:creationId xmlns:a16="http://schemas.microsoft.com/office/drawing/2014/main" xmlns="" id="{6FEC41D1-879B-A757-D5DC-5E056E6F6887}"/>
               </a:ext>
             </a:extLst>
           </p:cNvPr>
@@ -18533,7 +18564,7 @@
           <p:cNvPr id="55" name="CuadroTexto 54">
             <a:extLst>
               <a:ext uri="{FF2B5EF4-FFF2-40B4-BE49-F238E27FC236}">
-                <a16:creationId xmlns:a16="http://schemas.microsoft.com/office/drawing/2014/main" id="{315C6E7D-ED77-1B47-0E36-46E9C2328BCA}"/>
+                <a16:creationId xmlns:a16="http://schemas.microsoft.com/office/drawing/2014/main" xmlns="" id="{315C6E7D-ED77-1B47-0E36-46E9C2328BCA}"/>
               </a:ext>
             </a:extLst>
           </p:cNvPr>
@@ -18575,7 +18606,7 @@
           <p:cNvPr id="56" name="Rectángulo 55">
             <a:extLst>
               <a:ext uri="{FF2B5EF4-FFF2-40B4-BE49-F238E27FC236}">
-                <a16:creationId xmlns:a16="http://schemas.microsoft.com/office/drawing/2014/main" id="{48CF3D72-C794-E7D1-9252-5002171DDA8D}"/>
+                <a16:creationId xmlns:a16="http://schemas.microsoft.com/office/drawing/2014/main" xmlns="" id="{48CF3D72-C794-E7D1-9252-5002171DDA8D}"/>
               </a:ext>
             </a:extLst>
           </p:cNvPr>
@@ -18625,7 +18656,7 @@
           <p:cNvPr id="57" name="Rectángulo 56">
             <a:extLst>
               <a:ext uri="{FF2B5EF4-FFF2-40B4-BE49-F238E27FC236}">
-                <a16:creationId xmlns:a16="http://schemas.microsoft.com/office/drawing/2014/main" id="{96A7137F-4B83-B62D-95D2-20EB38A5BEB1}"/>
+                <a16:creationId xmlns:a16="http://schemas.microsoft.com/office/drawing/2014/main" xmlns="" id="{96A7137F-4B83-B62D-95D2-20EB38A5BEB1}"/>
               </a:ext>
             </a:extLst>
           </p:cNvPr>
@@ -18675,7 +18706,7 @@
           <p:cNvPr id="58" name="Rectángulo 57">
             <a:extLst>
               <a:ext uri="{FF2B5EF4-FFF2-40B4-BE49-F238E27FC236}">
-                <a16:creationId xmlns:a16="http://schemas.microsoft.com/office/drawing/2014/main" id="{65DA37F1-7B83-00AD-6B0E-C1563759A845}"/>
+                <a16:creationId xmlns:a16="http://schemas.microsoft.com/office/drawing/2014/main" xmlns="" id="{65DA37F1-7B83-00AD-6B0E-C1563759A845}"/>
               </a:ext>
             </a:extLst>
           </p:cNvPr>
@@ -18725,7 +18756,7 @@
           <p:cNvPr id="60" name="Conector recto 59">
             <a:extLst>
               <a:ext uri="{FF2B5EF4-FFF2-40B4-BE49-F238E27FC236}">
-                <a16:creationId xmlns:a16="http://schemas.microsoft.com/office/drawing/2014/main" id="{A18FA7EB-9F6F-9853-E4D4-9C6EE731A78C}"/>
+                <a16:creationId xmlns:a16="http://schemas.microsoft.com/office/drawing/2014/main" xmlns="" id="{A18FA7EB-9F6F-9853-E4D4-9C6EE731A78C}"/>
               </a:ext>
             </a:extLst>
           </p:cNvPr>
@@ -18763,7 +18794,7 @@
           <p:cNvPr id="61" name="Conector recto 60">
             <a:extLst>
               <a:ext uri="{FF2B5EF4-FFF2-40B4-BE49-F238E27FC236}">
-                <a16:creationId xmlns:a16="http://schemas.microsoft.com/office/drawing/2014/main" id="{9EB4B94C-0F25-D3ED-C9BF-01BBD8523E7E}"/>
+                <a16:creationId xmlns:a16="http://schemas.microsoft.com/office/drawing/2014/main" xmlns="" id="{9EB4B94C-0F25-D3ED-C9BF-01BBD8523E7E}"/>
               </a:ext>
             </a:extLst>
           </p:cNvPr>
@@ -18802,7 +18833,7 @@
           <p:cNvPr id="64" name="Conector recto 63">
             <a:extLst>
               <a:ext uri="{FF2B5EF4-FFF2-40B4-BE49-F238E27FC236}">
-                <a16:creationId xmlns:a16="http://schemas.microsoft.com/office/drawing/2014/main" id="{D1D3D283-0BBB-9292-038C-3A966FC03D3D}"/>
+                <a16:creationId xmlns:a16="http://schemas.microsoft.com/office/drawing/2014/main" xmlns="" id="{D1D3D283-0BBB-9292-038C-3A966FC03D3D}"/>
               </a:ext>
             </a:extLst>
           </p:cNvPr>
@@ -18841,7 +18872,7 @@
           <p:cNvPr id="67" name="Rectángulo 66">
             <a:extLst>
               <a:ext uri="{FF2B5EF4-FFF2-40B4-BE49-F238E27FC236}">
-                <a16:creationId xmlns:a16="http://schemas.microsoft.com/office/drawing/2014/main" id="{6A2D5D73-9578-F16D-E666-501CDD55C7ED}"/>
+                <a16:creationId xmlns:a16="http://schemas.microsoft.com/office/drawing/2014/main" xmlns="" id="{6A2D5D73-9578-F16D-E666-501CDD55C7ED}"/>
               </a:ext>
             </a:extLst>
           </p:cNvPr>

--- a/Intranet/Transparencia/Guia.pptx
+++ b/Intranet/Transparencia/Guia.pptx
@@ -17,22 +17,23 @@
     <p:sldId id="284" r:id="rId11"/>
     <p:sldId id="282" r:id="rId12"/>
     <p:sldId id="269" r:id="rId13"/>
-    <p:sldId id="256" r:id="rId14"/>
-    <p:sldId id="257" r:id="rId15"/>
-    <p:sldId id="258" r:id="rId16"/>
-    <p:sldId id="259" r:id="rId17"/>
-    <p:sldId id="264" r:id="rId18"/>
-    <p:sldId id="263" r:id="rId19"/>
-    <p:sldId id="262" r:id="rId20"/>
-    <p:sldId id="261" r:id="rId21"/>
-    <p:sldId id="265" r:id="rId22"/>
-    <p:sldId id="266" r:id="rId23"/>
-    <p:sldId id="267" r:id="rId24"/>
-    <p:sldId id="268" r:id="rId25"/>
-    <p:sldId id="270" r:id="rId26"/>
-    <p:sldId id="271" r:id="rId27"/>
-    <p:sldId id="272" r:id="rId28"/>
-    <p:sldId id="273" r:id="rId29"/>
+    <p:sldId id="285" r:id="rId14"/>
+    <p:sldId id="256" r:id="rId15"/>
+    <p:sldId id="257" r:id="rId16"/>
+    <p:sldId id="258" r:id="rId17"/>
+    <p:sldId id="259" r:id="rId18"/>
+    <p:sldId id="264" r:id="rId19"/>
+    <p:sldId id="263" r:id="rId20"/>
+    <p:sldId id="262" r:id="rId21"/>
+    <p:sldId id="261" r:id="rId22"/>
+    <p:sldId id="265" r:id="rId23"/>
+    <p:sldId id="266" r:id="rId24"/>
+    <p:sldId id="267" r:id="rId25"/>
+    <p:sldId id="268" r:id="rId26"/>
+    <p:sldId id="270" r:id="rId27"/>
+    <p:sldId id="271" r:id="rId28"/>
+    <p:sldId id="272" r:id="rId29"/>
+    <p:sldId id="273" r:id="rId30"/>
   </p:sldIdLst>
   <p:sldSz cx="9144000" cy="6858000" type="screen4x3"/>
   <p:notesSz cx="6858000" cy="9144000"/>
@@ -173,7 +174,7 @@
           <a:p>
             <a:fld id="{66B24769-D50D-4D57-8B32-C4B410169CFA}" type="datetimeFigureOut">
               <a:rPr lang="es-ES" smtClean="0"/>
-              <a:t>01/07/2024</a:t>
+              <a:t>03/07/2024</a:t>
             </a:fld>
             <a:endParaRPr lang="es-ES"/>
           </a:p>
@@ -343,7 +344,7 @@
           <a:p>
             <a:fld id="{66B24769-D50D-4D57-8B32-C4B410169CFA}" type="datetimeFigureOut">
               <a:rPr lang="es-ES" smtClean="0"/>
-              <a:t>01/07/2024</a:t>
+              <a:t>03/07/2024</a:t>
             </a:fld>
             <a:endParaRPr lang="es-ES"/>
           </a:p>
@@ -523,7 +524,7 @@
           <a:p>
             <a:fld id="{66B24769-D50D-4D57-8B32-C4B410169CFA}" type="datetimeFigureOut">
               <a:rPr lang="es-ES" smtClean="0"/>
-              <a:t>01/07/2024</a:t>
+              <a:t>03/07/2024</a:t>
             </a:fld>
             <a:endParaRPr lang="es-ES"/>
           </a:p>
@@ -715,7 +716,7 @@
           <a:p>
             <a:fld id="{66B24769-D50D-4D57-8B32-C4B410169CFA}" type="datetimeFigureOut">
               <a:rPr lang="es-ES" smtClean="0"/>
-              <a:t>01/07/2024</a:t>
+              <a:t>03/07/2024</a:t>
             </a:fld>
             <a:endParaRPr lang="es-ES"/>
           </a:p>
@@ -885,7 +886,7 @@
           <a:p>
             <a:fld id="{66B24769-D50D-4D57-8B32-C4B410169CFA}" type="datetimeFigureOut">
               <a:rPr lang="es-ES" smtClean="0"/>
-              <a:t>01/07/2024</a:t>
+              <a:t>03/07/2024</a:t>
             </a:fld>
             <a:endParaRPr lang="es-ES"/>
           </a:p>
@@ -1129,7 +1130,7 @@
           <a:p>
             <a:fld id="{66B24769-D50D-4D57-8B32-C4B410169CFA}" type="datetimeFigureOut">
               <a:rPr lang="es-ES" smtClean="0"/>
-              <a:t>01/07/2024</a:t>
+              <a:t>03/07/2024</a:t>
             </a:fld>
             <a:endParaRPr lang="es-ES"/>
           </a:p>
@@ -1361,7 +1362,7 @@
           <a:p>
             <a:fld id="{66B24769-D50D-4D57-8B32-C4B410169CFA}" type="datetimeFigureOut">
               <a:rPr lang="es-ES" smtClean="0"/>
-              <a:t>01/07/2024</a:t>
+              <a:t>03/07/2024</a:t>
             </a:fld>
             <a:endParaRPr lang="es-ES"/>
           </a:p>
@@ -1728,7 +1729,7 @@
           <a:p>
             <a:fld id="{66B24769-D50D-4D57-8B32-C4B410169CFA}" type="datetimeFigureOut">
               <a:rPr lang="es-ES" smtClean="0"/>
-              <a:t>01/07/2024</a:t>
+              <a:t>03/07/2024</a:t>
             </a:fld>
             <a:endParaRPr lang="es-ES"/>
           </a:p>
@@ -1846,7 +1847,7 @@
           <a:p>
             <a:fld id="{66B24769-D50D-4D57-8B32-C4B410169CFA}" type="datetimeFigureOut">
               <a:rPr lang="es-ES" smtClean="0"/>
-              <a:t>01/07/2024</a:t>
+              <a:t>03/07/2024</a:t>
             </a:fld>
             <a:endParaRPr lang="es-ES"/>
           </a:p>
@@ -2123,7 +2124,7 @@
           <a:p>
             <a:fld id="{66B24769-D50D-4D57-8B32-C4B410169CFA}" type="datetimeFigureOut">
               <a:rPr lang="es-ES" smtClean="0"/>
-              <a:t>01/07/2024</a:t>
+              <a:t>03/07/2024</a:t>
             </a:fld>
             <a:endParaRPr lang="es-ES"/>
           </a:p>
@@ -2380,7 +2381,7 @@
           <a:p>
             <a:fld id="{66B24769-D50D-4D57-8B32-C4B410169CFA}" type="datetimeFigureOut">
               <a:rPr lang="es-ES" smtClean="0"/>
-              <a:t>01/07/2024</a:t>
+              <a:t>03/07/2024</a:t>
             </a:fld>
             <a:endParaRPr lang="es-ES"/>
           </a:p>
@@ -2593,7 +2594,7 @@
           <a:p>
             <a:fld id="{66B24769-D50D-4D57-8B32-C4B410169CFA}" type="datetimeFigureOut">
               <a:rPr lang="es-ES" smtClean="0"/>
-              <a:t>01/07/2024</a:t>
+              <a:t>03/07/2024</a:t>
             </a:fld>
             <a:endParaRPr lang="es-ES"/>
           </a:p>
@@ -5880,24 +5881,435 @@
           <a:chExt cx="0" cy="0"/>
         </a:xfrm>
       </p:grpSpPr>
+      <p:sp>
+        <p:nvSpPr>
+          <p:cNvPr id="3" name="Rectángulo: esquinas redondeadas 2">
+            <a:extLst>
+              <a:ext uri="{FF2B5EF4-FFF2-40B4-BE49-F238E27FC236}">
+                <a16:creationId xmlns:a16="http://schemas.microsoft.com/office/drawing/2014/main" id="{1CBB6609-FA47-2BAC-09D3-1EA7A0C9C091}"/>
+              </a:ext>
+            </a:extLst>
+          </p:cNvPr>
+          <p:cNvSpPr/>
+          <p:nvPr/>
+        </p:nvSpPr>
+        <p:spPr>
+          <a:xfrm>
+            <a:off x="951470" y="827903"/>
+            <a:ext cx="2014152" cy="407773"/>
+          </a:xfrm>
+          <a:prstGeom prst="roundRect">
+            <a:avLst/>
+          </a:prstGeom>
+        </p:spPr>
+        <p:style>
+          <a:lnRef idx="2">
+            <a:schemeClr val="accent6"/>
+          </a:lnRef>
+          <a:fillRef idx="1">
+            <a:schemeClr val="lt1"/>
+          </a:fillRef>
+          <a:effectRef idx="0">
+            <a:schemeClr val="accent6"/>
+          </a:effectRef>
+          <a:fontRef idx="minor">
+            <a:schemeClr val="dk1"/>
+          </a:fontRef>
+        </p:style>
+        <p:txBody>
+          <a:bodyPr rtlCol="0" anchor="ctr"/>
+          <a:lstStyle/>
+          <a:p>
+            <a:pPr algn="ctr"/>
+            <a:r>
+              <a:rPr lang="es-MX" dirty="0"/>
+              <a:t>trasparencias</a:t>
+            </a:r>
+          </a:p>
+        </p:txBody>
+      </p:sp>
+      <p:sp>
+        <p:nvSpPr>
+          <p:cNvPr id="4" name="Rectángulo: esquinas redondeadas 3">
+            <a:extLst>
+              <a:ext uri="{FF2B5EF4-FFF2-40B4-BE49-F238E27FC236}">
+                <a16:creationId xmlns:a16="http://schemas.microsoft.com/office/drawing/2014/main" id="{3596AE40-7263-CC99-3FB8-9654D006A361}"/>
+              </a:ext>
+            </a:extLst>
+          </p:cNvPr>
+          <p:cNvSpPr/>
+          <p:nvPr/>
+        </p:nvSpPr>
+        <p:spPr>
+          <a:xfrm>
+            <a:off x="951470" y="1491047"/>
+            <a:ext cx="2014152" cy="407773"/>
+          </a:xfrm>
+          <a:prstGeom prst="roundRect">
+            <a:avLst/>
+          </a:prstGeom>
+        </p:spPr>
+        <p:style>
+          <a:lnRef idx="2">
+            <a:schemeClr val="accent6"/>
+          </a:lnRef>
+          <a:fillRef idx="1">
+            <a:schemeClr val="lt1"/>
+          </a:fillRef>
+          <a:effectRef idx="0">
+            <a:schemeClr val="accent6"/>
+          </a:effectRef>
+          <a:fontRef idx="minor">
+            <a:schemeClr val="dk1"/>
+          </a:fontRef>
+        </p:style>
+        <p:txBody>
+          <a:bodyPr rtlCol="0" anchor="ctr"/>
+          <a:lstStyle/>
+          <a:p>
+            <a:pPr algn="ctr"/>
+            <a:r>
+              <a:rPr lang="es-MX" dirty="0"/>
+              <a:t>transparencia</a:t>
+            </a:r>
+          </a:p>
+        </p:txBody>
+      </p:sp>
+      <p:sp>
+        <p:nvSpPr>
+          <p:cNvPr id="5" name="Rectángulo: esquinas redondeadas 4">
+            <a:extLst>
+              <a:ext uri="{FF2B5EF4-FFF2-40B4-BE49-F238E27FC236}">
+                <a16:creationId xmlns:a16="http://schemas.microsoft.com/office/drawing/2014/main" id="{CC2DA336-E8DA-345E-FB9A-F12565D9E27E}"/>
+              </a:ext>
+            </a:extLst>
+          </p:cNvPr>
+          <p:cNvSpPr/>
+          <p:nvPr/>
+        </p:nvSpPr>
+        <p:spPr>
+          <a:xfrm>
+            <a:off x="951470" y="2057401"/>
+            <a:ext cx="2014152" cy="751705"/>
+          </a:xfrm>
+          <a:prstGeom prst="roundRect">
+            <a:avLst/>
+          </a:prstGeom>
+        </p:spPr>
+        <p:style>
+          <a:lnRef idx="2">
+            <a:schemeClr val="accent6"/>
+          </a:lnRef>
+          <a:fillRef idx="1">
+            <a:schemeClr val="lt1"/>
+          </a:fillRef>
+          <a:effectRef idx="0">
+            <a:schemeClr val="accent6"/>
+          </a:effectRef>
+          <a:fontRef idx="minor">
+            <a:schemeClr val="dk1"/>
+          </a:fontRef>
+        </p:style>
+        <p:txBody>
+          <a:bodyPr rtlCol="0" anchor="ctr"/>
+          <a:lstStyle/>
+          <a:p>
+            <a:pPr algn="ctr"/>
+            <a:r>
+              <a:rPr lang="es-MX" dirty="0"/>
+              <a:t>Normatividad aplicable</a:t>
+            </a:r>
+          </a:p>
+        </p:txBody>
+      </p:sp>
+      <p:sp>
+        <p:nvSpPr>
+          <p:cNvPr id="6" name="Rectángulo: esquinas redondeadas 5">
+            <a:extLst>
+              <a:ext uri="{FF2B5EF4-FFF2-40B4-BE49-F238E27FC236}">
+                <a16:creationId xmlns:a16="http://schemas.microsoft.com/office/drawing/2014/main" id="{548B6038-1DCD-5A76-68CA-C131929C71F6}"/>
+              </a:ext>
+            </a:extLst>
+          </p:cNvPr>
+          <p:cNvSpPr/>
+          <p:nvPr/>
+        </p:nvSpPr>
+        <p:spPr>
+          <a:xfrm>
+            <a:off x="2273643" y="2967687"/>
+            <a:ext cx="1585784" cy="1285101"/>
+          </a:xfrm>
+          <a:prstGeom prst="roundRect">
+            <a:avLst/>
+          </a:prstGeom>
+        </p:spPr>
+        <p:style>
+          <a:lnRef idx="2">
+            <a:schemeClr val="accent6"/>
+          </a:lnRef>
+          <a:fillRef idx="1">
+            <a:schemeClr val="lt1"/>
+          </a:fillRef>
+          <a:effectRef idx="0">
+            <a:schemeClr val="accent6"/>
+          </a:effectRef>
+          <a:fontRef idx="minor">
+            <a:schemeClr val="dk1"/>
+          </a:fontRef>
+        </p:style>
+        <p:txBody>
+          <a:bodyPr rtlCol="0" anchor="ctr"/>
+          <a:lstStyle/>
+          <a:p>
+            <a:pPr algn="ctr"/>
+            <a:r>
+              <a:rPr lang="es-MX" dirty="0"/>
+              <a:t>Seccionar fracción donde se va a trabajar</a:t>
+            </a:r>
+          </a:p>
+        </p:txBody>
+      </p:sp>
+      <p:sp>
+        <p:nvSpPr>
+          <p:cNvPr id="7" name="Rectángulo: esquinas redondeadas 6">
+            <a:extLst>
+              <a:ext uri="{FF2B5EF4-FFF2-40B4-BE49-F238E27FC236}">
+                <a16:creationId xmlns:a16="http://schemas.microsoft.com/office/drawing/2014/main" id="{4BC8153E-D4DA-4A67-05A0-BEF0A566AF86}"/>
+              </a:ext>
+            </a:extLst>
+          </p:cNvPr>
+          <p:cNvSpPr/>
+          <p:nvPr/>
+        </p:nvSpPr>
+        <p:spPr>
+          <a:xfrm>
+            <a:off x="2397211" y="4411369"/>
+            <a:ext cx="2014152" cy="1070925"/>
+          </a:xfrm>
+          <a:prstGeom prst="roundRect">
+            <a:avLst/>
+          </a:prstGeom>
+        </p:spPr>
+        <p:style>
+          <a:lnRef idx="2">
+            <a:schemeClr val="accent6"/>
+          </a:lnRef>
+          <a:fillRef idx="1">
+            <a:schemeClr val="lt1"/>
+          </a:fillRef>
+          <a:effectRef idx="0">
+            <a:schemeClr val="accent6"/>
+          </a:effectRef>
+          <a:fontRef idx="minor">
+            <a:schemeClr val="dk1"/>
+          </a:fontRef>
+        </p:style>
+        <p:txBody>
+          <a:bodyPr rtlCol="0" anchor="ctr"/>
+          <a:lstStyle/>
+          <a:p>
+            <a:pPr algn="ctr"/>
+            <a:r>
+              <a:rPr lang="es-MX" dirty="0"/>
+              <a:t>No. De articulo</a:t>
+            </a:r>
+          </a:p>
+          <a:p>
+            <a:pPr algn="ctr"/>
+            <a:r>
+              <a:rPr lang="es-MX" dirty="0"/>
+              <a:t>Ejemplo</a:t>
+            </a:r>
+          </a:p>
+          <a:p>
+            <a:pPr algn="ctr"/>
+            <a:r>
+              <a:rPr lang="es-MX" dirty="0"/>
+              <a:t>A92</a:t>
+            </a:r>
+            <a:r>
+              <a:rPr lang="es-MX" dirty="0">
+                <a:solidFill>
+                  <a:srgbClr val="FF0000"/>
+                </a:solidFill>
+              </a:rPr>
+              <a:t>03</a:t>
+            </a:r>
+          </a:p>
+        </p:txBody>
+      </p:sp>
+      <p:sp>
+        <p:nvSpPr>
+          <p:cNvPr id="8" name="Rectángulo: esquinas redondeadas 7">
+            <a:extLst>
+              <a:ext uri="{FF2B5EF4-FFF2-40B4-BE49-F238E27FC236}">
+                <a16:creationId xmlns:a16="http://schemas.microsoft.com/office/drawing/2014/main" id="{BBB420AE-7921-5726-523F-0E6D2A765B73}"/>
+              </a:ext>
+            </a:extLst>
+          </p:cNvPr>
+          <p:cNvSpPr/>
+          <p:nvPr/>
+        </p:nvSpPr>
+        <p:spPr>
+          <a:xfrm>
+            <a:off x="2314832" y="5780912"/>
+            <a:ext cx="2257168" cy="706385"/>
+          </a:xfrm>
+          <a:prstGeom prst="roundRect">
+            <a:avLst/>
+          </a:prstGeom>
+        </p:spPr>
+        <p:style>
+          <a:lnRef idx="2">
+            <a:schemeClr val="accent6"/>
+          </a:lnRef>
+          <a:fillRef idx="1">
+            <a:schemeClr val="lt1"/>
+          </a:fillRef>
+          <a:effectRef idx="0">
+            <a:schemeClr val="accent6"/>
+          </a:effectRef>
+          <a:fontRef idx="minor">
+            <a:schemeClr val="dk1"/>
+          </a:fontRef>
+        </p:style>
+        <p:txBody>
+          <a:bodyPr rtlCol="0" anchor="ctr"/>
+          <a:lstStyle/>
+          <a:p>
+            <a:pPr algn="ctr"/>
+            <a:r>
+              <a:rPr lang="es-MX" dirty="0"/>
+              <a:t>Seccionar la aria </a:t>
+            </a:r>
+            <a:r>
+              <a:rPr lang="es-MX" dirty="0" err="1"/>
+              <a:t>uippe</a:t>
+            </a:r>
+            <a:r>
+              <a:rPr lang="es-MX" dirty="0"/>
+              <a:t> (“48”usuario)</a:t>
+            </a:r>
+          </a:p>
+        </p:txBody>
+      </p:sp>
+      <p:sp>
+        <p:nvSpPr>
+          <p:cNvPr id="9" name="Rectángulo: esquinas redondeadas 8">
+            <a:extLst>
+              <a:ext uri="{FF2B5EF4-FFF2-40B4-BE49-F238E27FC236}">
+                <a16:creationId xmlns:a16="http://schemas.microsoft.com/office/drawing/2014/main" id="{526C9D27-706F-AF2E-3DF1-F3B17945A066}"/>
+              </a:ext>
+            </a:extLst>
+          </p:cNvPr>
+          <p:cNvSpPr/>
+          <p:nvPr/>
+        </p:nvSpPr>
+        <p:spPr>
+          <a:xfrm>
+            <a:off x="4411363" y="370703"/>
+            <a:ext cx="2257168" cy="706385"/>
+          </a:xfrm>
+          <a:prstGeom prst="roundRect">
+            <a:avLst/>
+          </a:prstGeom>
+        </p:spPr>
+        <p:style>
+          <a:lnRef idx="2">
+            <a:schemeClr val="accent6"/>
+          </a:lnRef>
+          <a:fillRef idx="1">
+            <a:schemeClr val="lt1"/>
+          </a:fillRef>
+          <a:effectRef idx="0">
+            <a:schemeClr val="accent6"/>
+          </a:effectRef>
+          <a:fontRef idx="minor">
+            <a:schemeClr val="dk1"/>
+          </a:fontRef>
+        </p:style>
+        <p:txBody>
+          <a:bodyPr rtlCol="0" anchor="ctr"/>
+          <a:lstStyle/>
+          <a:p>
+            <a:pPr algn="ctr"/>
+            <a:r>
+              <a:rPr lang="es-MX" dirty="0"/>
+              <a:t>Regresar y entrar en fracciones</a:t>
+            </a:r>
+          </a:p>
+        </p:txBody>
+      </p:sp>
+      <p:sp>
+        <p:nvSpPr>
+          <p:cNvPr id="10" name="Rectángulo: esquinas redondeadas 9">
+            <a:extLst>
+              <a:ext uri="{FF2B5EF4-FFF2-40B4-BE49-F238E27FC236}">
+                <a16:creationId xmlns:a16="http://schemas.microsoft.com/office/drawing/2014/main" id="{A4070FB4-F172-EF27-B6E9-9FCF6A3FE98D}"/>
+              </a:ext>
+            </a:extLst>
+          </p:cNvPr>
+          <p:cNvSpPr/>
+          <p:nvPr/>
+        </p:nvSpPr>
+        <p:spPr>
+          <a:xfrm>
+            <a:off x="6056872" y="1235676"/>
+            <a:ext cx="2014152" cy="974126"/>
+          </a:xfrm>
+          <a:prstGeom prst="roundRect">
+            <a:avLst/>
+          </a:prstGeom>
+        </p:spPr>
+        <p:style>
+          <a:lnRef idx="2">
+            <a:schemeClr val="accent6"/>
+          </a:lnRef>
+          <a:fillRef idx="1">
+            <a:schemeClr val="lt1"/>
+          </a:fillRef>
+          <a:effectRef idx="0">
+            <a:schemeClr val="accent6"/>
+          </a:effectRef>
+          <a:fontRef idx="minor">
+            <a:schemeClr val="dk1"/>
+          </a:fontRef>
+        </p:style>
+        <p:txBody>
+          <a:bodyPr rtlCol="0" anchor="ctr"/>
+          <a:lstStyle/>
+          <a:p>
+            <a:pPr algn="ctr"/>
+            <a:r>
+              <a:rPr lang="es-MX" dirty="0"/>
+              <a:t>Entrar Ejercicio 2024</a:t>
+            </a:r>
+          </a:p>
+        </p:txBody>
+      </p:sp>
       <p:pic>
         <p:nvPicPr>
-          <p:cNvPr id="5" name="Imagen 4"/>
+          <p:cNvPr id="12" name="Imagen 11">
+            <a:extLst>
+              <a:ext uri="{FF2B5EF4-FFF2-40B4-BE49-F238E27FC236}">
+                <a16:creationId xmlns:a16="http://schemas.microsoft.com/office/drawing/2014/main" id="{0BD95C0F-F798-831A-78DB-809DC485829D}"/>
+              </a:ext>
+            </a:extLst>
+          </p:cNvPr>
           <p:cNvPicPr>
             <a:picLocks noChangeAspect="1"/>
           </p:cNvPicPr>
           <p:nvPr/>
         </p:nvPicPr>
-        <p:blipFill>
+        <p:blipFill rotWithShape="1">
           <a:blip r:embed="rId2"/>
-          <a:stretch>
-            <a:fillRect/>
-          </a:stretch>
+          <a:srcRect l="6036" t="81982" r="7297" b="11297"/>
+          <a:stretch/>
         </p:blipFill>
         <p:spPr>
           <a:xfrm>
-            <a:off x="444001" y="446314"/>
-            <a:ext cx="4676775" cy="2438400"/>
+            <a:off x="4604952" y="2413170"/>
+            <a:ext cx="3962402" cy="384084"/>
           </a:xfrm>
           <a:prstGeom prst="rect">
             <a:avLst/>
@@ -5906,56 +6318,209 @@
       </p:pic>
       <p:pic>
         <p:nvPicPr>
-          <p:cNvPr id="6" name="Imagen 5"/>
+          <p:cNvPr id="14" name="Imagen 13">
+            <a:extLst>
+              <a:ext uri="{FF2B5EF4-FFF2-40B4-BE49-F238E27FC236}">
+                <a16:creationId xmlns:a16="http://schemas.microsoft.com/office/drawing/2014/main" id="{22708649-69F2-C6B8-195A-8FCF517A39B4}"/>
+              </a:ext>
+            </a:extLst>
+          </p:cNvPr>
           <p:cNvPicPr>
             <a:picLocks noChangeAspect="1"/>
           </p:cNvPicPr>
           <p:nvPr/>
         </p:nvPicPr>
-        <p:blipFill>
+        <p:blipFill rotWithShape="1">
           <a:blip r:embed="rId3"/>
-          <a:stretch>
-            <a:fillRect/>
-          </a:stretch>
+          <a:srcRect l="7703" t="49964" r="6307" b="18432"/>
+          <a:stretch/>
         </p:blipFill>
         <p:spPr>
           <a:xfrm>
-            <a:off x="2141084" y="2537189"/>
-            <a:ext cx="6429375" cy="2724150"/>
+            <a:off x="5284575" y="3947999"/>
+            <a:ext cx="3282780" cy="1285102"/>
           </a:xfrm>
           <a:prstGeom prst="rect">
             <a:avLst/>
           </a:prstGeom>
         </p:spPr>
       </p:pic>
-      <p:pic>
-        <p:nvPicPr>
-          <p:cNvPr id="7" name="Imagen 6"/>
-          <p:cNvPicPr>
-            <a:picLocks noChangeAspect="1"/>
-          </p:cNvPicPr>
-          <p:nvPr/>
-        </p:nvPicPr>
-        <p:blipFill>
-          <a:blip r:embed="rId4"/>
-          <a:stretch>
-            <a:fillRect/>
-          </a:stretch>
-        </p:blipFill>
-        <p:spPr>
-          <a:xfrm>
-            <a:off x="2587670" y="5086350"/>
-            <a:ext cx="6372225" cy="1771650"/>
-          </a:xfrm>
-          <a:prstGeom prst="rect">
-            <a:avLst/>
-          </a:prstGeom>
-        </p:spPr>
-      </p:pic>
+      <p:sp>
+        <p:nvSpPr>
+          <p:cNvPr id="15" name="Rectángulo: esquinas redondeadas 14">
+            <a:extLst>
+              <a:ext uri="{FF2B5EF4-FFF2-40B4-BE49-F238E27FC236}">
+                <a16:creationId xmlns:a16="http://schemas.microsoft.com/office/drawing/2014/main" id="{47C02CEF-7CFE-2EAF-4DA9-D2C5F295C621}"/>
+              </a:ext>
+            </a:extLst>
+          </p:cNvPr>
+          <p:cNvSpPr/>
+          <p:nvPr/>
+        </p:nvSpPr>
+        <p:spPr>
+          <a:xfrm>
+            <a:off x="5539947" y="3058821"/>
+            <a:ext cx="2014152" cy="974126"/>
+          </a:xfrm>
+          <a:prstGeom prst="roundRect">
+            <a:avLst/>
+          </a:prstGeom>
+        </p:spPr>
+        <p:style>
+          <a:lnRef idx="2">
+            <a:schemeClr val="accent6"/>
+          </a:lnRef>
+          <a:fillRef idx="1">
+            <a:schemeClr val="lt1"/>
+          </a:fillRef>
+          <a:effectRef idx="0">
+            <a:schemeClr val="accent6"/>
+          </a:effectRef>
+          <a:fontRef idx="minor">
+            <a:schemeClr val="dk1"/>
+          </a:fontRef>
+        </p:style>
+        <p:txBody>
+          <a:bodyPr rtlCol="0" anchor="ctr"/>
+          <a:lstStyle/>
+          <a:p>
+            <a:pPr algn="ctr"/>
+            <a:r>
+              <a:rPr lang="es-MX" dirty="0"/>
+              <a:t>Observación de los artículos con el </a:t>
+            </a:r>
+            <a:r>
+              <a:rPr lang="es-MX" dirty="0" err="1"/>
+              <a:t>pariodo</a:t>
+            </a:r>
+            <a:r>
+              <a:rPr lang="es-MX" dirty="0"/>
+              <a:t> que es</a:t>
+            </a:r>
+          </a:p>
+        </p:txBody>
+      </p:sp>
+      <p:cxnSp>
+        <p:nvCxnSpPr>
+          <p:cNvPr id="17" name="Conector recto de flecha 16">
+            <a:extLst>
+              <a:ext uri="{FF2B5EF4-FFF2-40B4-BE49-F238E27FC236}">
+                <a16:creationId xmlns:a16="http://schemas.microsoft.com/office/drawing/2014/main" id="{ED26BFF6-35FE-A837-7D6B-09FDA6401B78}"/>
+              </a:ext>
+            </a:extLst>
+          </p:cNvPr>
+          <p:cNvCxnSpPr/>
+          <p:nvPr/>
+        </p:nvCxnSpPr>
+        <p:spPr>
+          <a:xfrm>
+            <a:off x="1433384" y="1322173"/>
+            <a:ext cx="0" cy="168874"/>
+          </a:xfrm>
+          <a:prstGeom prst="straightConnector1">
+            <a:avLst/>
+          </a:prstGeom>
+          <a:ln>
+            <a:tailEnd type="triangle"/>
+          </a:ln>
+        </p:spPr>
+        <p:style>
+          <a:lnRef idx="1">
+            <a:schemeClr val="accent1"/>
+          </a:lnRef>
+          <a:fillRef idx="0">
+            <a:schemeClr val="accent1"/>
+          </a:fillRef>
+          <a:effectRef idx="0">
+            <a:schemeClr val="accent1"/>
+          </a:effectRef>
+          <a:fontRef idx="minor">
+            <a:schemeClr val="tx1"/>
+          </a:fontRef>
+        </p:style>
+      </p:cxnSp>
+      <p:cxnSp>
+        <p:nvCxnSpPr>
+          <p:cNvPr id="19" name="Conector recto de flecha 18">
+            <a:extLst>
+              <a:ext uri="{FF2B5EF4-FFF2-40B4-BE49-F238E27FC236}">
+                <a16:creationId xmlns:a16="http://schemas.microsoft.com/office/drawing/2014/main" id="{D43FAC42-4231-D184-0E12-E851E2FF3555}"/>
+              </a:ext>
+            </a:extLst>
+          </p:cNvPr>
+          <p:cNvCxnSpPr/>
+          <p:nvPr/>
+        </p:nvCxnSpPr>
+        <p:spPr>
+          <a:xfrm>
+            <a:off x="2644346" y="1898820"/>
+            <a:ext cx="0" cy="158581"/>
+          </a:xfrm>
+          <a:prstGeom prst="straightConnector1">
+            <a:avLst/>
+          </a:prstGeom>
+          <a:ln>
+            <a:tailEnd type="triangle"/>
+          </a:ln>
+        </p:spPr>
+        <p:style>
+          <a:lnRef idx="1">
+            <a:schemeClr val="accent1"/>
+          </a:lnRef>
+          <a:fillRef idx="0">
+            <a:schemeClr val="accent1"/>
+          </a:fillRef>
+          <a:effectRef idx="0">
+            <a:schemeClr val="accent1"/>
+          </a:effectRef>
+          <a:fontRef idx="minor">
+            <a:schemeClr val="tx1"/>
+          </a:fontRef>
+        </p:style>
+      </p:cxnSp>
+      <p:cxnSp>
+        <p:nvCxnSpPr>
+          <p:cNvPr id="21" name="Conector recto de flecha 20">
+            <a:extLst>
+              <a:ext uri="{FF2B5EF4-FFF2-40B4-BE49-F238E27FC236}">
+                <a16:creationId xmlns:a16="http://schemas.microsoft.com/office/drawing/2014/main" id="{BFDB01ED-C57E-4DDD-A973-EC7865873359}"/>
+              </a:ext>
+            </a:extLst>
+          </p:cNvPr>
+          <p:cNvCxnSpPr/>
+          <p:nvPr/>
+        </p:nvCxnSpPr>
+        <p:spPr>
+          <a:xfrm>
+            <a:off x="1804086" y="2809106"/>
+            <a:ext cx="469557" cy="619894"/>
+          </a:xfrm>
+          <a:prstGeom prst="straightConnector1">
+            <a:avLst/>
+          </a:prstGeom>
+          <a:ln>
+            <a:tailEnd type="triangle"/>
+          </a:ln>
+        </p:spPr>
+        <p:style>
+          <a:lnRef idx="1">
+            <a:schemeClr val="accent1"/>
+          </a:lnRef>
+          <a:fillRef idx="0">
+            <a:schemeClr val="accent1"/>
+          </a:fillRef>
+          <a:effectRef idx="0">
+            <a:schemeClr val="accent1"/>
+          </a:effectRef>
+          <a:fontRef idx="minor">
+            <a:schemeClr val="tx1"/>
+          </a:fontRef>
+        </p:style>
+      </p:cxnSp>
     </p:spTree>
     <p:extLst>
       <p:ext uri="{BB962C8B-B14F-4D97-AF65-F5344CB8AC3E}">
-        <p14:creationId xmlns:p14="http://schemas.microsoft.com/office/powerpoint/2010/main" val="2868978608"/>
+        <p14:creationId xmlns:p14="http://schemas.microsoft.com/office/powerpoint/2010/main" val="2966487030"/>
       </p:ext>
     </p:extLst>
   </p:cSld>
@@ -5998,8 +6563,8 @@
         </p:blipFill>
         <p:spPr>
           <a:xfrm>
-            <a:off x="239621" y="181247"/>
-            <a:ext cx="3857625" cy="3543300"/>
+            <a:off x="444001" y="446314"/>
+            <a:ext cx="4676775" cy="2438400"/>
           </a:xfrm>
           <a:prstGeom prst="rect">
             <a:avLst/>
@@ -6022,121 +6587,42 @@
         </p:blipFill>
         <p:spPr>
           <a:xfrm>
-            <a:off x="3306264" y="3200807"/>
-            <a:ext cx="4438650" cy="2886075"/>
+            <a:off x="2141084" y="2537189"/>
+            <a:ext cx="6429375" cy="2724150"/>
           </a:xfrm>
           <a:prstGeom prst="rect">
             <a:avLst/>
           </a:prstGeom>
         </p:spPr>
       </p:pic>
-      <p:sp>
-        <p:nvSpPr>
-          <p:cNvPr id="8" name="CuadroTexto 7"/>
-          <p:cNvSpPr txBox="1"/>
-          <p:nvPr/>
-        </p:nvSpPr>
-        <p:spPr>
-          <a:xfrm>
-            <a:off x="5125453" y="1191126"/>
-            <a:ext cx="2962542" cy="646331"/>
+      <p:pic>
+        <p:nvPicPr>
+          <p:cNvPr id="7" name="Imagen 6"/>
+          <p:cNvPicPr>
+            <a:picLocks noChangeAspect="1"/>
+          </p:cNvPicPr>
+          <p:nvPr/>
+        </p:nvPicPr>
+        <p:blipFill>
+          <a:blip r:embed="rId4"/>
+          <a:stretch>
+            <a:fillRect/>
+          </a:stretch>
+        </p:blipFill>
+        <p:spPr>
+          <a:xfrm>
+            <a:off x="2587670" y="5086350"/>
+            <a:ext cx="6372225" cy="1771650"/>
           </a:xfrm>
           <a:prstGeom prst="rect">
             <a:avLst/>
           </a:prstGeom>
-          <a:noFill/>
-        </p:spPr>
-        <p:txBody>
-          <a:bodyPr wrap="none" rtlCol="0">
-            <a:spAutoFit/>
-          </a:bodyPr>
-          <a:lstStyle/>
-          <a:p>
-            <a:pPr marL="342900" indent="-342900">
-              <a:buAutoNum type="arabicParenR"/>
-            </a:pPr>
-            <a:r>
-              <a:rPr lang="es-419" dirty="0"/>
-              <a:t>Posicionarse en la carpeta</a:t>
-            </a:r>
-          </a:p>
-          <a:p>
-            <a:r>
-              <a:rPr lang="es-419" dirty="0"/>
-              <a:t>       </a:t>
-            </a:r>
-            <a:r>
-              <a:rPr lang="es-419" b="1" dirty="0">
-                <a:solidFill>
-                  <a:srgbClr val="FF0000"/>
-                </a:solidFill>
-              </a:rPr>
-              <a:t>XAMPP</a:t>
-            </a:r>
-            <a:endParaRPr lang="es-ES" b="1" dirty="0">
-              <a:solidFill>
-                <a:srgbClr val="FF0000"/>
-              </a:solidFill>
-            </a:endParaRPr>
-          </a:p>
-        </p:txBody>
-      </p:sp>
-      <p:sp>
-        <p:nvSpPr>
-          <p:cNvPr id="9" name="CuadroTexto 8"/>
-          <p:cNvSpPr txBox="1"/>
-          <p:nvPr/>
-        </p:nvSpPr>
-        <p:spPr>
-          <a:xfrm>
-            <a:off x="239621" y="4995564"/>
-            <a:ext cx="2909643" cy="646331"/>
-          </a:xfrm>
-          <a:prstGeom prst="rect">
-            <a:avLst/>
-          </a:prstGeom>
-          <a:noFill/>
-        </p:spPr>
-        <p:txBody>
-          <a:bodyPr wrap="none" rtlCol="0">
-            <a:spAutoFit/>
-          </a:bodyPr>
-          <a:lstStyle/>
-          <a:p>
-            <a:r>
-              <a:rPr lang="es-419" dirty="0"/>
-              <a:t>2) Posicionarse en la carpeta </a:t>
-            </a:r>
-          </a:p>
-          <a:p>
-            <a:r>
-              <a:rPr lang="es-419" b="1" dirty="0">
-                <a:solidFill>
-                  <a:srgbClr val="FF0000"/>
-                </a:solidFill>
-              </a:rPr>
-              <a:t>    </a:t>
-            </a:r>
-            <a:r>
-              <a:rPr lang="es-419" b="1" dirty="0" err="1">
-                <a:solidFill>
-                  <a:srgbClr val="FF0000"/>
-                </a:solidFill>
-              </a:rPr>
-              <a:t>htdocs</a:t>
-            </a:r>
-            <a:endParaRPr lang="es-ES" b="1" dirty="0">
-              <a:solidFill>
-                <a:srgbClr val="FF0000"/>
-              </a:solidFill>
-            </a:endParaRPr>
-          </a:p>
-        </p:txBody>
-      </p:sp>
+        </p:spPr>
+      </p:pic>
     </p:spTree>
     <p:extLst>
       <p:ext uri="{BB962C8B-B14F-4D97-AF65-F5344CB8AC3E}">
-        <p14:creationId xmlns:p14="http://schemas.microsoft.com/office/powerpoint/2010/main" val="1373232808"/>
+        <p14:creationId xmlns:p14="http://schemas.microsoft.com/office/powerpoint/2010/main" val="2868978608"/>
       </p:ext>
     </p:extLst>
   </p:cSld>
@@ -6165,7 +6651,7 @@
       </p:grpSpPr>
       <p:pic>
         <p:nvPicPr>
-          <p:cNvPr id="4" name="Imagen 3"/>
+          <p:cNvPr id="5" name="Imagen 4"/>
           <p:cNvPicPr>
             <a:picLocks noChangeAspect="1"/>
           </p:cNvPicPr>
@@ -6179,8 +6665,8 @@
         </p:blipFill>
         <p:spPr>
           <a:xfrm>
-            <a:off x="230912" y="438014"/>
-            <a:ext cx="4162425" cy="2428875"/>
+            <a:off x="239621" y="181247"/>
+            <a:ext cx="3857625" cy="3543300"/>
           </a:xfrm>
           <a:prstGeom prst="rect">
             <a:avLst/>
@@ -6203,8 +6689,8 @@
         </p:blipFill>
         <p:spPr>
           <a:xfrm>
-            <a:off x="3615103" y="2866889"/>
-            <a:ext cx="3943350" cy="3190875"/>
+            <a:off x="3306264" y="3200807"/>
+            <a:ext cx="4438650" cy="2886075"/>
           </a:xfrm>
           <a:prstGeom prst="rect">
             <a:avLst/>
@@ -6213,14 +6699,14 @@
       </p:pic>
       <p:sp>
         <p:nvSpPr>
-          <p:cNvPr id="7" name="CuadroTexto 6"/>
+          <p:cNvPr id="8" name="CuadroTexto 7"/>
           <p:cNvSpPr txBox="1"/>
           <p:nvPr/>
         </p:nvSpPr>
         <p:spPr>
           <a:xfrm>
             <a:off x="5125453" y="1191126"/>
-            <a:ext cx="2856744" cy="646331"/>
+            <a:ext cx="2962542" cy="646331"/>
           </a:xfrm>
           <a:prstGeom prst="rect">
             <a:avLst/>
@@ -6233,9 +6719,12 @@
           </a:bodyPr>
           <a:lstStyle/>
           <a:p>
+            <a:pPr marL="342900" indent="-342900">
+              <a:buAutoNum type="arabicParenR"/>
+            </a:pPr>
             <a:r>
               <a:rPr lang="es-419" dirty="0"/>
-              <a:t>3) Posicionarse en la carpeta</a:t>
+              <a:t>Posicionarse en la carpeta</a:t>
             </a:r>
           </a:p>
           <a:p>
@@ -6249,7 +6738,7 @@
                   <a:srgbClr val="FF0000"/>
                 </a:solidFill>
               </a:rPr>
-              <a:t>Intranet</a:t>
+              <a:t>XAMPP</a:t>
             </a:r>
             <a:endParaRPr lang="es-ES" b="1" dirty="0">
               <a:solidFill>
@@ -6261,14 +6750,14 @@
       </p:sp>
       <p:sp>
         <p:nvSpPr>
-          <p:cNvPr id="8" name="CuadroTexto 7"/>
+          <p:cNvPr id="9" name="CuadroTexto 8"/>
           <p:cNvSpPr txBox="1"/>
           <p:nvPr/>
         </p:nvSpPr>
         <p:spPr>
           <a:xfrm>
-            <a:off x="356937" y="4462326"/>
-            <a:ext cx="2856744" cy="646331"/>
+            <a:off x="239621" y="4995564"/>
+            <a:ext cx="2909643" cy="646331"/>
           </a:xfrm>
           <a:prstGeom prst="rect">
             <a:avLst/>
@@ -6283,21 +6772,25 @@
           <a:p>
             <a:r>
               <a:rPr lang="es-419" dirty="0"/>
-              <a:t>4) Posicionarse en la carpeta</a:t>
-            </a:r>
-          </a:p>
-          <a:p>
-            <a:r>
-              <a:rPr lang="es-419" dirty="0"/>
-              <a:t>       </a:t>
-            </a:r>
+              <a:t>2) Posicionarse en la carpeta </a:t>
+            </a:r>
+          </a:p>
+          <a:p>
             <a:r>
               <a:rPr lang="es-419" b="1" dirty="0">
                 <a:solidFill>
                   <a:srgbClr val="FF0000"/>
                 </a:solidFill>
               </a:rPr>
-              <a:t>Transparencia</a:t>
+              <a:t>    </a:t>
+            </a:r>
+            <a:r>
+              <a:rPr lang="es-419" b="1" dirty="0" err="1">
+                <a:solidFill>
+                  <a:srgbClr val="FF0000"/>
+                </a:solidFill>
+              </a:rPr>
+              <a:t>htdocs</a:t>
             </a:r>
             <a:endParaRPr lang="es-ES" b="1" dirty="0">
               <a:solidFill>
@@ -6310,7 +6803,7 @@
     </p:spTree>
     <p:extLst>
       <p:ext uri="{BB962C8B-B14F-4D97-AF65-F5344CB8AC3E}">
-        <p14:creationId xmlns:p14="http://schemas.microsoft.com/office/powerpoint/2010/main" val="678998481"/>
+        <p14:creationId xmlns:p14="http://schemas.microsoft.com/office/powerpoint/2010/main" val="1373232808"/>
       </p:ext>
     </p:extLst>
   </p:cSld>
@@ -6353,8 +6846,8 @@
         </p:blipFill>
         <p:spPr>
           <a:xfrm>
-            <a:off x="189411" y="480060"/>
-            <a:ext cx="4114800" cy="2057400"/>
+            <a:off x="230912" y="438014"/>
+            <a:ext cx="4162425" cy="2428875"/>
           </a:xfrm>
           <a:prstGeom prst="rect">
             <a:avLst/>
@@ -6363,7 +6856,7 @@
       </p:pic>
       <p:pic>
         <p:nvPicPr>
-          <p:cNvPr id="5" name="Imagen 4"/>
+          <p:cNvPr id="6" name="Imagen 5"/>
           <p:cNvPicPr>
             <a:picLocks noChangeAspect="1"/>
           </p:cNvPicPr>
@@ -6377,8 +6870,8 @@
         </p:blipFill>
         <p:spPr>
           <a:xfrm>
-            <a:off x="2997926" y="3965257"/>
-            <a:ext cx="4114800" cy="2219325"/>
+            <a:off x="3615103" y="2866889"/>
+            <a:ext cx="3943350" cy="3190875"/>
           </a:xfrm>
           <a:prstGeom prst="rect">
             <a:avLst/>
@@ -6387,14 +6880,14 @@
       </p:pic>
       <p:sp>
         <p:nvSpPr>
-          <p:cNvPr id="6" name="CuadroTexto 5"/>
+          <p:cNvPr id="7" name="CuadroTexto 6"/>
           <p:cNvSpPr txBox="1"/>
           <p:nvPr/>
         </p:nvSpPr>
         <p:spPr>
           <a:xfrm>
-            <a:off x="5055326" y="1185594"/>
-            <a:ext cx="2856744" cy="1754326"/>
+            <a:off x="5125453" y="1191126"/>
+            <a:ext cx="2856744" cy="646331"/>
           </a:xfrm>
           <a:prstGeom prst="rect">
             <a:avLst/>
@@ -6409,7 +6902,7 @@
           <a:p>
             <a:r>
               <a:rPr lang="es-419" dirty="0"/>
-              <a:t>5) Posicionarse en la carpeta</a:t>
+              <a:t>3) Posicionarse en la carpeta</a:t>
             </a:r>
           </a:p>
           <a:p>
@@ -6423,46 +6916,25 @@
                   <a:srgbClr val="FF0000"/>
                 </a:solidFill>
               </a:rPr>
-              <a:t>A903</a:t>
-            </a:r>
-          </a:p>
-          <a:p>
-            <a:endParaRPr lang="es-419" b="1" dirty="0">
+              <a:t>Intranet</a:t>
+            </a:r>
+            <a:endParaRPr lang="es-ES" b="1" dirty="0">
               <a:solidFill>
                 <a:srgbClr val="FF0000"/>
               </a:solidFill>
             </a:endParaRPr>
           </a:p>
-          <a:p>
-            <a:r>
-              <a:rPr lang="es-419" dirty="0"/>
-              <a:t>Pasos para copiar la carpeta:</a:t>
-            </a:r>
-          </a:p>
-          <a:p>
-            <a:r>
-              <a:rPr lang="es-419" dirty="0"/>
-              <a:t>   CTRL + C     Copiar</a:t>
-            </a:r>
-          </a:p>
-          <a:p>
-            <a:r>
-              <a:rPr lang="es-419" dirty="0"/>
-              <a:t>   CTRL + V     Pegar</a:t>
-            </a:r>
-            <a:endParaRPr lang="es-ES" dirty="0"/>
-          </a:p>
-        </p:txBody>
-      </p:sp>
-      <p:sp>
-        <p:nvSpPr>
-          <p:cNvPr id="7" name="CuadroTexto 6"/>
+        </p:txBody>
+      </p:sp>
+      <p:sp>
+        <p:nvSpPr>
+          <p:cNvPr id="8" name="CuadroTexto 7"/>
           <p:cNvSpPr txBox="1"/>
           <p:nvPr/>
         </p:nvSpPr>
         <p:spPr>
           <a:xfrm>
-            <a:off x="200120" y="4189478"/>
+            <a:off x="356937" y="4462326"/>
             <a:ext cx="2856744" cy="646331"/>
           </a:xfrm>
           <a:prstGeom prst="rect">
@@ -6478,7 +6950,7 @@
           <a:p>
             <a:r>
               <a:rPr lang="es-419" dirty="0"/>
-              <a:t>6) Posicionarse en la carpeta</a:t>
+              <a:t>4) Posicionarse en la carpeta</a:t>
             </a:r>
           </a:p>
           <a:p>
@@ -6492,7 +6964,7 @@
                   <a:srgbClr val="FF0000"/>
                 </a:solidFill>
               </a:rPr>
-              <a:t>A903 - copia</a:t>
+              <a:t>Transparencia</a:t>
             </a:r>
             <a:endParaRPr lang="es-ES" b="1" dirty="0">
               <a:solidFill>
@@ -6505,7 +6977,7 @@
     </p:spTree>
     <p:extLst>
       <p:ext uri="{BB962C8B-B14F-4D97-AF65-F5344CB8AC3E}">
-        <p14:creationId xmlns:p14="http://schemas.microsoft.com/office/powerpoint/2010/main" val="3143307531"/>
+        <p14:creationId xmlns:p14="http://schemas.microsoft.com/office/powerpoint/2010/main" val="678998481"/>
       </p:ext>
     </p:extLst>
   </p:cSld>
@@ -6534,7 +7006,7 @@
       </p:grpSpPr>
       <p:pic>
         <p:nvPicPr>
-          <p:cNvPr id="6" name="Imagen 5"/>
+          <p:cNvPr id="4" name="Imagen 3"/>
           <p:cNvPicPr>
             <a:picLocks noChangeAspect="1"/>
           </p:cNvPicPr>
@@ -6548,8 +7020,8 @@
         </p:blipFill>
         <p:spPr>
           <a:xfrm>
-            <a:off x="1741736" y="2678975"/>
-            <a:ext cx="3781425" cy="1628775"/>
+            <a:off x="189411" y="480060"/>
+            <a:ext cx="4114800" cy="2057400"/>
           </a:xfrm>
           <a:prstGeom prst="rect">
             <a:avLst/>
@@ -6558,7 +7030,7 @@
       </p:pic>
       <p:pic>
         <p:nvPicPr>
-          <p:cNvPr id="24" name="Imagen 23"/>
+          <p:cNvPr id="5" name="Imagen 4"/>
           <p:cNvPicPr>
             <a:picLocks noChangeAspect="1"/>
           </p:cNvPicPr>
@@ -6572,97 +7044,24 @@
         </p:blipFill>
         <p:spPr>
           <a:xfrm>
-            <a:off x="4680041" y="3863596"/>
-            <a:ext cx="3145380" cy="2885329"/>
+            <a:off x="2997926" y="3965257"/>
+            <a:ext cx="4114800" cy="2219325"/>
           </a:xfrm>
           <a:prstGeom prst="rect">
             <a:avLst/>
           </a:prstGeom>
         </p:spPr>
       </p:pic>
-      <p:pic>
-        <p:nvPicPr>
-          <p:cNvPr id="5" name="Imagen 4"/>
-          <p:cNvPicPr>
-            <a:picLocks noChangeAspect="1"/>
-          </p:cNvPicPr>
-          <p:nvPr/>
-        </p:nvPicPr>
-        <p:blipFill>
-          <a:blip r:embed="rId4"/>
-          <a:stretch>
-            <a:fillRect/>
-          </a:stretch>
-        </p:blipFill>
-        <p:spPr>
-          <a:xfrm>
-            <a:off x="127091" y="315414"/>
-            <a:ext cx="4552950" cy="2647950"/>
-          </a:xfrm>
-          <a:prstGeom prst="rect">
-            <a:avLst/>
-          </a:prstGeom>
-        </p:spPr>
-      </p:pic>
-      <p:sp>
-        <p:nvSpPr>
-          <p:cNvPr id="12" name="Elipse 11"/>
-          <p:cNvSpPr/>
-          <p:nvPr/>
-        </p:nvSpPr>
-        <p:spPr>
-          <a:xfrm>
-            <a:off x="7033083" y="6100356"/>
-            <a:ext cx="247082" cy="200979"/>
-          </a:xfrm>
-          <a:prstGeom prst="ellipse">
-            <a:avLst/>
-          </a:prstGeom>
-          <a:solidFill>
-            <a:schemeClr val="accent6">
-              <a:lumMod val="75000"/>
-            </a:schemeClr>
-          </a:solidFill>
-        </p:spPr>
-        <p:style>
-          <a:lnRef idx="2">
-            <a:schemeClr val="accent1">
-              <a:shade val="50000"/>
-            </a:schemeClr>
-          </a:lnRef>
-          <a:fillRef idx="1">
-            <a:schemeClr val="accent1"/>
-          </a:fillRef>
-          <a:effectRef idx="0">
-            <a:schemeClr val="accent1"/>
-          </a:effectRef>
-          <a:fontRef idx="minor">
-            <a:schemeClr val="lt1"/>
-          </a:fontRef>
-        </p:style>
-        <p:txBody>
-          <a:bodyPr rtlCol="0" anchor="ctr"/>
-          <a:lstStyle/>
-          <a:p>
-            <a:pPr algn="ctr"/>
-            <a:r>
-              <a:rPr lang="es-419" dirty="0"/>
-              <a:t>1</a:t>
-            </a:r>
-            <a:endParaRPr lang="es-ES" dirty="0"/>
-          </a:p>
-        </p:txBody>
-      </p:sp>
-      <p:sp>
-        <p:nvSpPr>
-          <p:cNvPr id="14" name="CuadroTexto 13"/>
+      <p:sp>
+        <p:nvSpPr>
+          <p:cNvPr id="6" name="CuadroTexto 5"/>
           <p:cNvSpPr txBox="1"/>
           <p:nvPr/>
         </p:nvSpPr>
         <p:spPr>
           <a:xfrm>
-            <a:off x="5217288" y="993058"/>
-            <a:ext cx="3752502" cy="923330"/>
+            <a:off x="5055326" y="1185594"/>
+            <a:ext cx="2856744" cy="1754326"/>
           </a:xfrm>
           <a:prstGeom prst="rect">
             <a:avLst/>
@@ -6677,7 +7076,7 @@
           <a:p>
             <a:r>
               <a:rPr lang="es-419" dirty="0"/>
-              <a:t>7) Digitar F2 para renombra la carpeta</a:t>
+              <a:t>5) Posicionarse en la carpeta</a:t>
             </a:r>
           </a:p>
           <a:p>
@@ -6691,17 +7090,76 @@
                   <a:srgbClr val="FF0000"/>
                 </a:solidFill>
               </a:rPr>
-              <a:t>A903 – copia</a:t>
-            </a:r>
-          </a:p>
-          <a:p>
+              <a:t>A903</a:t>
+            </a:r>
+          </a:p>
+          <a:p>
+            <a:endParaRPr lang="es-419" b="1" dirty="0">
+              <a:solidFill>
+                <a:srgbClr val="FF0000"/>
+              </a:solidFill>
+            </a:endParaRPr>
+          </a:p>
+          <a:p>
+            <a:r>
+              <a:rPr lang="es-419" dirty="0"/>
+              <a:t>Pasos para copiar la carpeta:</a:t>
+            </a:r>
+          </a:p>
+          <a:p>
+            <a:r>
+              <a:rPr lang="es-419" dirty="0"/>
+              <a:t>   CTRL + C     Copiar</a:t>
+            </a:r>
+          </a:p>
+          <a:p>
+            <a:r>
+              <a:rPr lang="es-419" dirty="0"/>
+              <a:t>   CTRL + V     Pegar</a:t>
+            </a:r>
+            <a:endParaRPr lang="es-ES" dirty="0"/>
+          </a:p>
+        </p:txBody>
+      </p:sp>
+      <p:sp>
+        <p:nvSpPr>
+          <p:cNvPr id="7" name="CuadroTexto 6"/>
+          <p:cNvSpPr txBox="1"/>
+          <p:nvPr/>
+        </p:nvSpPr>
+        <p:spPr>
+          <a:xfrm>
+            <a:off x="200120" y="4189478"/>
+            <a:ext cx="2856744" cy="646331"/>
+          </a:xfrm>
+          <a:prstGeom prst="rect">
+            <a:avLst/>
+          </a:prstGeom>
+          <a:noFill/>
+        </p:spPr>
+        <p:txBody>
+          <a:bodyPr wrap="none" rtlCol="0">
+            <a:spAutoFit/>
+          </a:bodyPr>
+          <a:lstStyle/>
+          <a:p>
+            <a:r>
+              <a:rPr lang="es-419" dirty="0"/>
+              <a:t>6) Posicionarse en la carpeta</a:t>
+            </a:r>
+          </a:p>
+          <a:p>
+            <a:r>
+              <a:rPr lang="es-419" dirty="0"/>
+              <a:t>       </a:t>
+            </a:r>
             <a:r>
               <a:rPr lang="es-419" b="1" dirty="0">
                 <a:solidFill>
                   <a:srgbClr val="FF0000"/>
                 </a:solidFill>
               </a:rPr>
-              <a:t>   </a:t>
+              <a:t>A903 - copia</a:t>
             </a:r>
             <a:endParaRPr lang="es-ES" b="1" dirty="0">
               <a:solidFill>
@@ -6711,531 +7169,10 @@
           </a:p>
         </p:txBody>
       </p:sp>
-      <p:sp>
-        <p:nvSpPr>
-          <p:cNvPr id="15" name="CuadroTexto 14"/>
-          <p:cNvSpPr txBox="1"/>
-          <p:nvPr/>
-        </p:nvSpPr>
-        <p:spPr>
-          <a:xfrm>
-            <a:off x="5664585" y="2607357"/>
-            <a:ext cx="2454198" cy="923330"/>
-          </a:xfrm>
-          <a:prstGeom prst="rect">
-            <a:avLst/>
-          </a:prstGeom>
-          <a:noFill/>
-        </p:spPr>
-        <p:txBody>
-          <a:bodyPr wrap="none" rtlCol="0">
-            <a:spAutoFit/>
-          </a:bodyPr>
-          <a:lstStyle/>
-          <a:p>
-            <a:r>
-              <a:rPr lang="es-419" dirty="0"/>
-              <a:t>8) Renombrar la carpeta</a:t>
-            </a:r>
-          </a:p>
-          <a:p>
-            <a:r>
-              <a:rPr lang="es-419" dirty="0"/>
-              <a:t>       </a:t>
-            </a:r>
-            <a:r>
-              <a:rPr lang="es-419" b="1" dirty="0">
-                <a:solidFill>
-                  <a:srgbClr val="FF0000"/>
-                </a:solidFill>
-              </a:rPr>
-              <a:t>A904</a:t>
-            </a:r>
-          </a:p>
-          <a:p>
-            <a:r>
-              <a:rPr lang="es-419" b="1" dirty="0">
-                <a:solidFill>
-                  <a:srgbClr val="FF0000"/>
-                </a:solidFill>
-              </a:rPr>
-              <a:t>   </a:t>
-            </a:r>
-            <a:endParaRPr lang="es-ES" b="1" dirty="0">
-              <a:solidFill>
-                <a:srgbClr val="FF0000"/>
-              </a:solidFill>
-            </a:endParaRPr>
-          </a:p>
-        </p:txBody>
-      </p:sp>
-      <p:sp>
-        <p:nvSpPr>
-          <p:cNvPr id="16" name="CuadroTexto 15"/>
-          <p:cNvSpPr txBox="1"/>
-          <p:nvPr/>
-        </p:nvSpPr>
-        <p:spPr>
-          <a:xfrm>
-            <a:off x="633022" y="5563703"/>
-            <a:ext cx="2999427" cy="646331"/>
-          </a:xfrm>
-          <a:prstGeom prst="rect">
-            <a:avLst/>
-          </a:prstGeom>
-          <a:noFill/>
-        </p:spPr>
-        <p:txBody>
-          <a:bodyPr wrap="square" rtlCol="0">
-            <a:spAutoFit/>
-          </a:bodyPr>
-          <a:lstStyle/>
-          <a:p>
-            <a:r>
-              <a:rPr lang="es-419" dirty="0"/>
-              <a:t>9) Archivos con los que se va a trabajar</a:t>
-            </a:r>
-            <a:r>
-              <a:rPr lang="es-419" b="1" dirty="0">
-                <a:solidFill>
-                  <a:srgbClr val="FF0000"/>
-                </a:solidFill>
-              </a:rPr>
-              <a:t>  </a:t>
-            </a:r>
-            <a:endParaRPr lang="es-ES" b="1" dirty="0">
-              <a:solidFill>
-                <a:srgbClr val="FF0000"/>
-              </a:solidFill>
-            </a:endParaRPr>
-          </a:p>
-        </p:txBody>
-      </p:sp>
-      <p:sp>
-        <p:nvSpPr>
-          <p:cNvPr id="17" name="Flecha izquierda 16"/>
-          <p:cNvSpPr/>
-          <p:nvPr/>
-        </p:nvSpPr>
-        <p:spPr>
-          <a:xfrm>
-            <a:off x="6562820" y="6109405"/>
-            <a:ext cx="470263" cy="182880"/>
-          </a:xfrm>
-          <a:prstGeom prst="leftArrow">
-            <a:avLst/>
-          </a:prstGeom>
-          <a:solidFill>
-            <a:schemeClr val="accent6">
-              <a:lumMod val="75000"/>
-            </a:schemeClr>
-          </a:solidFill>
-        </p:spPr>
-        <p:style>
-          <a:lnRef idx="2">
-            <a:schemeClr val="accent1">
-              <a:shade val="50000"/>
-            </a:schemeClr>
-          </a:lnRef>
-          <a:fillRef idx="1">
-            <a:schemeClr val="accent1"/>
-          </a:fillRef>
-          <a:effectRef idx="0">
-            <a:schemeClr val="accent1"/>
-          </a:effectRef>
-          <a:fontRef idx="minor">
-            <a:schemeClr val="lt1"/>
-          </a:fontRef>
-        </p:style>
-        <p:txBody>
-          <a:bodyPr rtlCol="0" anchor="ctr"/>
-          <a:lstStyle/>
-          <a:p>
-            <a:pPr algn="ctr"/>
-            <a:endParaRPr lang="es-ES"/>
-          </a:p>
-        </p:txBody>
-      </p:sp>
-      <p:sp>
-        <p:nvSpPr>
-          <p:cNvPr id="18" name="Elipse 17"/>
-          <p:cNvSpPr/>
-          <p:nvPr/>
-        </p:nvSpPr>
-        <p:spPr>
-          <a:xfrm>
-            <a:off x="7185483" y="5903834"/>
-            <a:ext cx="247082" cy="200979"/>
-          </a:xfrm>
-          <a:prstGeom prst="ellipse">
-            <a:avLst/>
-          </a:prstGeom>
-          <a:solidFill>
-            <a:schemeClr val="accent5">
-              <a:lumMod val="75000"/>
-            </a:schemeClr>
-          </a:solidFill>
-        </p:spPr>
-        <p:style>
-          <a:lnRef idx="2">
-            <a:schemeClr val="accent1">
-              <a:shade val="50000"/>
-            </a:schemeClr>
-          </a:lnRef>
-          <a:fillRef idx="1">
-            <a:schemeClr val="accent1"/>
-          </a:fillRef>
-          <a:effectRef idx="0">
-            <a:schemeClr val="accent1"/>
-          </a:effectRef>
-          <a:fontRef idx="minor">
-            <a:schemeClr val="lt1"/>
-          </a:fontRef>
-        </p:style>
-        <p:txBody>
-          <a:bodyPr rtlCol="0" anchor="ctr"/>
-          <a:lstStyle/>
-          <a:p>
-            <a:pPr algn="ctr"/>
-            <a:r>
-              <a:rPr lang="es-419" dirty="0"/>
-              <a:t>2</a:t>
-            </a:r>
-            <a:endParaRPr lang="es-ES" dirty="0"/>
-          </a:p>
-        </p:txBody>
-      </p:sp>
-      <p:sp>
-        <p:nvSpPr>
-          <p:cNvPr id="19" name="Flecha izquierda 18"/>
-          <p:cNvSpPr/>
-          <p:nvPr/>
-        </p:nvSpPr>
-        <p:spPr>
-          <a:xfrm>
-            <a:off x="6715220" y="5912883"/>
-            <a:ext cx="470263" cy="182880"/>
-          </a:xfrm>
-          <a:prstGeom prst="leftArrow">
-            <a:avLst/>
-          </a:prstGeom>
-          <a:solidFill>
-            <a:schemeClr val="accent5">
-              <a:lumMod val="75000"/>
-            </a:schemeClr>
-          </a:solidFill>
-        </p:spPr>
-        <p:style>
-          <a:lnRef idx="2">
-            <a:schemeClr val="accent1">
-              <a:shade val="50000"/>
-            </a:schemeClr>
-          </a:lnRef>
-          <a:fillRef idx="1">
-            <a:schemeClr val="accent1"/>
-          </a:fillRef>
-          <a:effectRef idx="0">
-            <a:schemeClr val="accent1"/>
-          </a:effectRef>
-          <a:fontRef idx="minor">
-            <a:schemeClr val="lt1"/>
-          </a:fontRef>
-        </p:style>
-        <p:txBody>
-          <a:bodyPr rtlCol="0" anchor="ctr"/>
-          <a:lstStyle/>
-          <a:p>
-            <a:pPr algn="ctr"/>
-            <a:endParaRPr lang="es-ES"/>
-          </a:p>
-        </p:txBody>
-      </p:sp>
-      <p:sp>
-        <p:nvSpPr>
-          <p:cNvPr id="20" name="Elipse 19"/>
-          <p:cNvSpPr/>
-          <p:nvPr/>
-        </p:nvSpPr>
-        <p:spPr>
-          <a:xfrm>
-            <a:off x="7361947" y="6296866"/>
-            <a:ext cx="247082" cy="200979"/>
-          </a:xfrm>
-          <a:prstGeom prst="ellipse">
-            <a:avLst/>
-          </a:prstGeom>
-          <a:solidFill>
-            <a:schemeClr val="accent4">
-              <a:lumMod val="75000"/>
-            </a:schemeClr>
-          </a:solidFill>
-        </p:spPr>
-        <p:style>
-          <a:lnRef idx="2">
-            <a:schemeClr val="accent1">
-              <a:shade val="50000"/>
-            </a:schemeClr>
-          </a:lnRef>
-          <a:fillRef idx="1">
-            <a:schemeClr val="accent1"/>
-          </a:fillRef>
-          <a:effectRef idx="0">
-            <a:schemeClr val="accent1"/>
-          </a:effectRef>
-          <a:fontRef idx="minor">
-            <a:schemeClr val="lt1"/>
-          </a:fontRef>
-        </p:style>
-        <p:txBody>
-          <a:bodyPr rtlCol="0" anchor="ctr"/>
-          <a:lstStyle/>
-          <a:p>
-            <a:pPr algn="ctr"/>
-            <a:r>
-              <a:rPr lang="es-419" dirty="0"/>
-              <a:t>3</a:t>
-            </a:r>
-            <a:endParaRPr lang="es-ES" dirty="0"/>
-          </a:p>
-        </p:txBody>
-      </p:sp>
-      <p:sp>
-        <p:nvSpPr>
-          <p:cNvPr id="21" name="Flecha izquierda 20"/>
-          <p:cNvSpPr/>
-          <p:nvPr/>
-        </p:nvSpPr>
-        <p:spPr>
-          <a:xfrm>
-            <a:off x="6891684" y="6305915"/>
-            <a:ext cx="470263" cy="182880"/>
-          </a:xfrm>
-          <a:prstGeom prst="leftArrow">
-            <a:avLst/>
-          </a:prstGeom>
-          <a:solidFill>
-            <a:schemeClr val="accent4">
-              <a:lumMod val="75000"/>
-            </a:schemeClr>
-          </a:solidFill>
-        </p:spPr>
-        <p:style>
-          <a:lnRef idx="2">
-            <a:schemeClr val="accent1">
-              <a:shade val="50000"/>
-            </a:schemeClr>
-          </a:lnRef>
-          <a:fillRef idx="1">
-            <a:schemeClr val="accent1"/>
-          </a:fillRef>
-          <a:effectRef idx="0">
-            <a:schemeClr val="accent1"/>
-          </a:effectRef>
-          <a:fontRef idx="minor">
-            <a:schemeClr val="lt1"/>
-          </a:fontRef>
-        </p:style>
-        <p:txBody>
-          <a:bodyPr rtlCol="0" anchor="ctr"/>
-          <a:lstStyle/>
-          <a:p>
-            <a:pPr algn="ctr"/>
-            <a:endParaRPr lang="es-ES"/>
-          </a:p>
-        </p:txBody>
-      </p:sp>
-      <p:sp>
-        <p:nvSpPr>
-          <p:cNvPr id="22" name="Elipse 21"/>
-          <p:cNvSpPr/>
-          <p:nvPr/>
-        </p:nvSpPr>
-        <p:spPr>
-          <a:xfrm>
-            <a:off x="7418093" y="5306261"/>
-            <a:ext cx="247082" cy="200979"/>
-          </a:xfrm>
-          <a:prstGeom prst="ellipse">
-            <a:avLst/>
-          </a:prstGeom>
-          <a:solidFill>
-            <a:schemeClr val="accent3">
-              <a:lumMod val="75000"/>
-            </a:schemeClr>
-          </a:solidFill>
-        </p:spPr>
-        <p:style>
-          <a:lnRef idx="2">
-            <a:schemeClr val="accent1">
-              <a:shade val="50000"/>
-            </a:schemeClr>
-          </a:lnRef>
-          <a:fillRef idx="1">
-            <a:schemeClr val="accent1"/>
-          </a:fillRef>
-          <a:effectRef idx="0">
-            <a:schemeClr val="accent1"/>
-          </a:effectRef>
-          <a:fontRef idx="minor">
-            <a:schemeClr val="lt1"/>
-          </a:fontRef>
-        </p:style>
-        <p:txBody>
-          <a:bodyPr rtlCol="0" anchor="ctr"/>
-          <a:lstStyle/>
-          <a:p>
-            <a:pPr algn="ctr"/>
-            <a:r>
-              <a:rPr lang="es-419" dirty="0"/>
-              <a:t>4</a:t>
-            </a:r>
-            <a:endParaRPr lang="es-ES" dirty="0"/>
-          </a:p>
-        </p:txBody>
-      </p:sp>
-      <p:sp>
-        <p:nvSpPr>
-          <p:cNvPr id="23" name="Flecha izquierda 22"/>
-          <p:cNvSpPr/>
-          <p:nvPr/>
-        </p:nvSpPr>
-        <p:spPr>
-          <a:xfrm>
-            <a:off x="6947830" y="5315310"/>
-            <a:ext cx="470263" cy="182880"/>
-          </a:xfrm>
-          <a:prstGeom prst="leftArrow">
-            <a:avLst/>
-          </a:prstGeom>
-          <a:solidFill>
-            <a:schemeClr val="accent3">
-              <a:lumMod val="75000"/>
-            </a:schemeClr>
-          </a:solidFill>
-        </p:spPr>
-        <p:style>
-          <a:lnRef idx="2">
-            <a:schemeClr val="accent1">
-              <a:shade val="50000"/>
-            </a:schemeClr>
-          </a:lnRef>
-          <a:fillRef idx="1">
-            <a:schemeClr val="accent1"/>
-          </a:fillRef>
-          <a:effectRef idx="0">
-            <a:schemeClr val="accent1"/>
-          </a:effectRef>
-          <a:fontRef idx="minor">
-            <a:schemeClr val="lt1"/>
-          </a:fontRef>
-        </p:style>
-        <p:txBody>
-          <a:bodyPr rtlCol="0" anchor="ctr"/>
-          <a:lstStyle/>
-          <a:p>
-            <a:pPr algn="ctr"/>
-            <a:endParaRPr lang="es-ES"/>
-          </a:p>
-        </p:txBody>
-      </p:sp>
-      <p:sp>
-        <p:nvSpPr>
-          <p:cNvPr id="25" name="Elipse 24"/>
-          <p:cNvSpPr/>
-          <p:nvPr/>
-        </p:nvSpPr>
-        <p:spPr>
-          <a:xfrm>
-            <a:off x="7199360" y="4759634"/>
-            <a:ext cx="247082" cy="200979"/>
-          </a:xfrm>
-          <a:prstGeom prst="ellipse">
-            <a:avLst/>
-          </a:prstGeom>
-          <a:solidFill>
-            <a:schemeClr val="accent2">
-              <a:lumMod val="75000"/>
-            </a:schemeClr>
-          </a:solidFill>
-        </p:spPr>
-        <p:style>
-          <a:lnRef idx="2">
-            <a:schemeClr val="accent1">
-              <a:shade val="50000"/>
-            </a:schemeClr>
-          </a:lnRef>
-          <a:fillRef idx="1">
-            <a:schemeClr val="accent1"/>
-          </a:fillRef>
-          <a:effectRef idx="0">
-            <a:schemeClr val="accent1"/>
-          </a:effectRef>
-          <a:fontRef idx="minor">
-            <a:schemeClr val="lt1"/>
-          </a:fontRef>
-        </p:style>
-        <p:txBody>
-          <a:bodyPr rtlCol="0" anchor="ctr"/>
-          <a:lstStyle/>
-          <a:p>
-            <a:pPr algn="ctr"/>
-            <a:r>
-              <a:rPr lang="es-419" dirty="0"/>
-              <a:t>5</a:t>
-            </a:r>
-            <a:endParaRPr lang="es-ES" dirty="0"/>
-          </a:p>
-        </p:txBody>
-      </p:sp>
-      <p:sp>
-        <p:nvSpPr>
-          <p:cNvPr id="26" name="Flecha izquierda 25"/>
-          <p:cNvSpPr/>
-          <p:nvPr/>
-        </p:nvSpPr>
-        <p:spPr>
-          <a:xfrm>
-            <a:off x="6729097" y="4768683"/>
-            <a:ext cx="470263" cy="182880"/>
-          </a:xfrm>
-          <a:prstGeom prst="leftArrow">
-            <a:avLst/>
-          </a:prstGeom>
-          <a:solidFill>
-            <a:schemeClr val="accent2">
-              <a:lumMod val="75000"/>
-            </a:schemeClr>
-          </a:solidFill>
-        </p:spPr>
-        <p:style>
-          <a:lnRef idx="2">
-            <a:schemeClr val="accent1">
-              <a:shade val="50000"/>
-            </a:schemeClr>
-          </a:lnRef>
-          <a:fillRef idx="1">
-            <a:schemeClr val="accent1"/>
-          </a:fillRef>
-          <a:effectRef idx="0">
-            <a:schemeClr val="accent1"/>
-          </a:effectRef>
-          <a:fontRef idx="minor">
-            <a:schemeClr val="lt1"/>
-          </a:fontRef>
-        </p:style>
-        <p:txBody>
-          <a:bodyPr rtlCol="0" anchor="ctr"/>
-          <a:lstStyle/>
-          <a:p>
-            <a:pPr algn="ctr"/>
-            <a:endParaRPr lang="es-ES"/>
-          </a:p>
-        </p:txBody>
-      </p:sp>
     </p:spTree>
     <p:extLst>
       <p:ext uri="{BB962C8B-B14F-4D97-AF65-F5344CB8AC3E}">
-        <p14:creationId xmlns:p14="http://schemas.microsoft.com/office/powerpoint/2010/main" val="846991752"/>
+        <p14:creationId xmlns:p14="http://schemas.microsoft.com/office/powerpoint/2010/main" val="3143307531"/>
       </p:ext>
     </p:extLst>
   </p:cSld>
@@ -7278,300 +7215,41 @@
         </p:blipFill>
         <p:spPr>
           <a:xfrm>
-            <a:off x="282102" y="709961"/>
-            <a:ext cx="1657350" cy="619125"/>
+            <a:off x="1741736" y="2678975"/>
+            <a:ext cx="3781425" cy="1628775"/>
           </a:xfrm>
           <a:prstGeom prst="rect">
             <a:avLst/>
           </a:prstGeom>
         </p:spPr>
       </p:pic>
-      <p:sp>
-        <p:nvSpPr>
-          <p:cNvPr id="7" name="CuadroTexto 6"/>
-          <p:cNvSpPr txBox="1"/>
-          <p:nvPr/>
-        </p:nvSpPr>
-        <p:spPr>
-          <a:xfrm>
-            <a:off x="175097" y="197958"/>
-            <a:ext cx="5604996" cy="369332"/>
-          </a:xfrm>
-          <a:prstGeom prst="rect">
-            <a:avLst/>
-          </a:prstGeom>
-          <a:noFill/>
-        </p:spPr>
-        <p:txBody>
-          <a:bodyPr wrap="none" rtlCol="0">
-            <a:spAutoFit/>
-          </a:bodyPr>
-          <a:lstStyle/>
-          <a:p>
-            <a:r>
-              <a:rPr lang="es-419" dirty="0"/>
-              <a:t>Seleccionar el archivo </a:t>
-            </a:r>
-            <a:r>
-              <a:rPr lang="es-419" dirty="0" err="1">
-                <a:solidFill>
-                  <a:srgbClr val="FF0000"/>
-                </a:solidFill>
-              </a:rPr>
-              <a:t>InformaListSERP.php</a:t>
-            </a:r>
-            <a:r>
-              <a:rPr lang="es-419" dirty="0"/>
-              <a:t> para actualizar</a:t>
-            </a:r>
-            <a:endParaRPr lang="es-ES" dirty="0"/>
-          </a:p>
-        </p:txBody>
-      </p:sp>
-      <p:sp>
-        <p:nvSpPr>
-          <p:cNvPr id="8" name="CuadroTexto 7"/>
-          <p:cNvSpPr txBox="1"/>
-          <p:nvPr/>
-        </p:nvSpPr>
-        <p:spPr>
-          <a:xfrm>
-            <a:off x="236164" y="1952937"/>
-            <a:ext cx="3686311" cy="1200329"/>
-          </a:xfrm>
-          <a:prstGeom prst="rect">
-            <a:avLst/>
-          </a:prstGeom>
-          <a:noFill/>
-        </p:spPr>
-        <p:txBody>
-          <a:bodyPr wrap="square" rtlCol="0">
-            <a:spAutoFit/>
-          </a:bodyPr>
-          <a:lstStyle/>
-          <a:p>
-            <a:r>
-              <a:rPr lang="es-419" dirty="0"/>
-              <a:t>Posicionarse en la línea 19, actualizar el </a:t>
-            </a:r>
-            <a:r>
-              <a:rPr lang="es-419" dirty="0" err="1"/>
-              <a:t>Select</a:t>
-            </a:r>
-            <a:r>
-              <a:rPr lang="es-419" dirty="0"/>
-              <a:t> de la tabla que se </a:t>
-            </a:r>
-            <a:r>
-              <a:rPr lang="es-419" dirty="0" err="1"/>
-              <a:t>definio</a:t>
-            </a:r>
-            <a:r>
-              <a:rPr lang="es-419" dirty="0"/>
-              <a:t> en </a:t>
-            </a:r>
-            <a:r>
-              <a:rPr lang="es-419" dirty="0" err="1"/>
-              <a:t>MySql</a:t>
-            </a:r>
-            <a:endParaRPr lang="es-ES" dirty="0"/>
-          </a:p>
-          <a:p>
-            <a:endParaRPr lang="es-ES" dirty="0"/>
-          </a:p>
-        </p:txBody>
-      </p:sp>
       <p:pic>
         <p:nvPicPr>
-          <p:cNvPr id="9" name="Imagen 8"/>
+          <p:cNvPr id="24" name="Imagen 23"/>
           <p:cNvPicPr>
             <a:picLocks noChangeAspect="1"/>
           </p:cNvPicPr>
           <p:nvPr/>
         </p:nvPicPr>
-        <p:blipFill rotWithShape="1">
+        <p:blipFill>
           <a:blip r:embed="rId3"/>
-          <a:srcRect b="11596"/>
-          <a:stretch/>
+          <a:stretch>
+            <a:fillRect/>
+          </a:stretch>
         </p:blipFill>
         <p:spPr>
           <a:xfrm>
-            <a:off x="175097" y="4110508"/>
-            <a:ext cx="8724900" cy="2711403"/>
+            <a:off x="4680041" y="3863596"/>
+            <a:ext cx="3145380" cy="2885329"/>
           </a:xfrm>
           <a:prstGeom prst="rect">
             <a:avLst/>
           </a:prstGeom>
         </p:spPr>
       </p:pic>
-      <p:sp>
-        <p:nvSpPr>
-          <p:cNvPr id="12" name="Elipse 11"/>
-          <p:cNvSpPr/>
-          <p:nvPr/>
-        </p:nvSpPr>
-        <p:spPr>
-          <a:xfrm>
-            <a:off x="8356555" y="197958"/>
-            <a:ext cx="543441" cy="369332"/>
-          </a:xfrm>
-          <a:prstGeom prst="ellipse">
-            <a:avLst/>
-          </a:prstGeom>
-          <a:solidFill>
-            <a:schemeClr val="accent6">
-              <a:lumMod val="75000"/>
-            </a:schemeClr>
-          </a:solidFill>
-        </p:spPr>
-        <p:style>
-          <a:lnRef idx="2">
-            <a:schemeClr val="accent1">
-              <a:shade val="50000"/>
-            </a:schemeClr>
-          </a:lnRef>
-          <a:fillRef idx="1">
-            <a:schemeClr val="accent1"/>
-          </a:fillRef>
-          <a:effectRef idx="0">
-            <a:schemeClr val="accent1"/>
-          </a:effectRef>
-          <a:fontRef idx="minor">
-            <a:schemeClr val="lt1"/>
-          </a:fontRef>
-        </p:style>
-        <p:txBody>
-          <a:bodyPr rtlCol="0" anchor="ctr"/>
-          <a:lstStyle/>
-          <a:p>
-            <a:pPr algn="ctr"/>
-            <a:r>
-              <a:rPr lang="es-419" dirty="0"/>
-              <a:t>1</a:t>
-            </a:r>
-            <a:endParaRPr lang="es-ES" dirty="0"/>
-          </a:p>
-        </p:txBody>
-      </p:sp>
-      <p:sp>
-        <p:nvSpPr>
-          <p:cNvPr id="13" name="Flecha izquierda 12"/>
-          <p:cNvSpPr/>
-          <p:nvPr/>
-        </p:nvSpPr>
-        <p:spPr>
-          <a:xfrm>
-            <a:off x="7763958" y="214588"/>
-            <a:ext cx="699448" cy="336072"/>
-          </a:xfrm>
-          <a:prstGeom prst="leftArrow">
-            <a:avLst/>
-          </a:prstGeom>
-          <a:solidFill>
-            <a:schemeClr val="accent6">
-              <a:lumMod val="75000"/>
-            </a:schemeClr>
-          </a:solidFill>
-        </p:spPr>
-        <p:style>
-          <a:lnRef idx="2">
-            <a:schemeClr val="accent1">
-              <a:shade val="50000"/>
-            </a:schemeClr>
-          </a:lnRef>
-          <a:fillRef idx="1">
-            <a:schemeClr val="accent1"/>
-          </a:fillRef>
-          <a:effectRef idx="0">
-            <a:schemeClr val="accent1"/>
-          </a:effectRef>
-          <a:fontRef idx="minor">
-            <a:schemeClr val="lt1"/>
-          </a:fontRef>
-        </p:style>
-        <p:txBody>
-          <a:bodyPr rtlCol="0" anchor="ctr"/>
-          <a:lstStyle/>
-          <a:p>
-            <a:pPr algn="ctr"/>
-            <a:endParaRPr lang="es-ES"/>
-          </a:p>
-        </p:txBody>
-      </p:sp>
-      <p:cxnSp>
-        <p:nvCxnSpPr>
-          <p:cNvPr id="22" name="Conector recto de flecha 21"/>
-          <p:cNvCxnSpPr/>
-          <p:nvPr/>
-        </p:nvCxnSpPr>
-        <p:spPr>
-          <a:xfrm flipV="1">
-            <a:off x="613610" y="5733633"/>
-            <a:ext cx="1058779" cy="29493"/>
-          </a:xfrm>
-          <a:prstGeom prst="straightConnector1">
-            <a:avLst/>
-          </a:prstGeom>
-          <a:ln w="28575">
-            <a:solidFill>
-              <a:srgbClr val="FF0000"/>
-            </a:solidFill>
-            <a:tailEnd type="triangle"/>
-          </a:ln>
-        </p:spPr>
-        <p:style>
-          <a:lnRef idx="1">
-            <a:schemeClr val="accent1"/>
-          </a:lnRef>
-          <a:fillRef idx="0">
-            <a:schemeClr val="accent1"/>
-          </a:fillRef>
-          <a:effectRef idx="0">
-            <a:schemeClr val="accent1"/>
-          </a:effectRef>
-          <a:fontRef idx="minor">
-            <a:schemeClr val="tx1"/>
-          </a:fontRef>
-        </p:style>
-      </p:cxnSp>
-      <p:cxnSp>
-        <p:nvCxnSpPr>
-          <p:cNvPr id="28" name="Conector recto 27"/>
-          <p:cNvCxnSpPr/>
-          <p:nvPr/>
-        </p:nvCxnSpPr>
-        <p:spPr>
-          <a:xfrm flipV="1">
-            <a:off x="613610" y="4944979"/>
-            <a:ext cx="0" cy="818148"/>
-          </a:xfrm>
-          <a:prstGeom prst="line">
-            <a:avLst/>
-          </a:prstGeom>
-          <a:ln w="28575">
-            <a:solidFill>
-              <a:srgbClr val="FF0000"/>
-            </a:solidFill>
-          </a:ln>
-        </p:spPr>
-        <p:style>
-          <a:lnRef idx="1">
-            <a:schemeClr val="accent1"/>
-          </a:lnRef>
-          <a:fillRef idx="0">
-            <a:schemeClr val="accent1"/>
-          </a:fillRef>
-          <a:effectRef idx="0">
-            <a:schemeClr val="accent1"/>
-          </a:effectRef>
-          <a:fontRef idx="minor">
-            <a:schemeClr val="tx1"/>
-          </a:fontRef>
-        </p:style>
-      </p:cxnSp>
       <p:pic>
         <p:nvPicPr>
-          <p:cNvPr id="40" name="Imagen 39"/>
+          <p:cNvPr id="5" name="Imagen 4"/>
           <p:cNvPicPr>
             <a:picLocks noChangeAspect="1"/>
           </p:cNvPicPr>
@@ -7585,8 +7263,8 @@
         </p:blipFill>
         <p:spPr>
           <a:xfrm>
-            <a:off x="4200500" y="567290"/>
-            <a:ext cx="4124325" cy="4461910"/>
+            <a:off x="127091" y="315414"/>
+            <a:ext cx="4552950" cy="2647950"/>
           </a:xfrm>
           <a:prstGeom prst="rect">
             <a:avLst/>
@@ -7595,38 +7273,245 @@
       </p:pic>
       <p:sp>
         <p:nvSpPr>
-          <p:cNvPr id="15" name="Abrir llave 14"/>
+          <p:cNvPr id="12" name="Elipse 11"/>
           <p:cNvSpPr/>
           <p:nvPr/>
         </p:nvSpPr>
         <p:spPr>
           <a:xfrm>
-            <a:off x="5982588" y="1782818"/>
-            <a:ext cx="221057" cy="2741056"/>
-          </a:xfrm>
-          <a:prstGeom prst="leftBrace">
-            <a:avLst/>
-          </a:prstGeom>
-          <a:ln w="28575">
-            <a:solidFill>
-              <a:schemeClr val="accent4">
-                <a:lumMod val="75000"/>
-              </a:schemeClr>
-            </a:solidFill>
-          </a:ln>
-        </p:spPr>
-        <p:style>
-          <a:lnRef idx="1">
-            <a:schemeClr val="accent1"/>
-          </a:lnRef>
-          <a:fillRef idx="0">
-            <a:schemeClr val="accent1"/>
-          </a:fillRef>
-          <a:effectRef idx="0">
-            <a:schemeClr val="accent1"/>
-          </a:effectRef>
-          <a:fontRef idx="minor">
-            <a:schemeClr val="tx1"/>
+            <a:off x="7033083" y="6100356"/>
+            <a:ext cx="247082" cy="200979"/>
+          </a:xfrm>
+          <a:prstGeom prst="ellipse">
+            <a:avLst/>
+          </a:prstGeom>
+          <a:solidFill>
+            <a:schemeClr val="accent6">
+              <a:lumMod val="75000"/>
+            </a:schemeClr>
+          </a:solidFill>
+        </p:spPr>
+        <p:style>
+          <a:lnRef idx="2">
+            <a:schemeClr val="accent1">
+              <a:shade val="50000"/>
+            </a:schemeClr>
+          </a:lnRef>
+          <a:fillRef idx="1">
+            <a:schemeClr val="accent1"/>
+          </a:fillRef>
+          <a:effectRef idx="0">
+            <a:schemeClr val="accent1"/>
+          </a:effectRef>
+          <a:fontRef idx="minor">
+            <a:schemeClr val="lt1"/>
+          </a:fontRef>
+        </p:style>
+        <p:txBody>
+          <a:bodyPr rtlCol="0" anchor="ctr"/>
+          <a:lstStyle/>
+          <a:p>
+            <a:pPr algn="ctr"/>
+            <a:r>
+              <a:rPr lang="es-419" dirty="0"/>
+              <a:t>1</a:t>
+            </a:r>
+            <a:endParaRPr lang="es-ES" dirty="0"/>
+          </a:p>
+        </p:txBody>
+      </p:sp>
+      <p:sp>
+        <p:nvSpPr>
+          <p:cNvPr id="14" name="CuadroTexto 13"/>
+          <p:cNvSpPr txBox="1"/>
+          <p:nvPr/>
+        </p:nvSpPr>
+        <p:spPr>
+          <a:xfrm>
+            <a:off x="5217288" y="993058"/>
+            <a:ext cx="3752502" cy="923330"/>
+          </a:xfrm>
+          <a:prstGeom prst="rect">
+            <a:avLst/>
+          </a:prstGeom>
+          <a:noFill/>
+        </p:spPr>
+        <p:txBody>
+          <a:bodyPr wrap="none" rtlCol="0">
+            <a:spAutoFit/>
+          </a:bodyPr>
+          <a:lstStyle/>
+          <a:p>
+            <a:r>
+              <a:rPr lang="es-419" dirty="0"/>
+              <a:t>7) Digitar F2 para renombra la carpeta</a:t>
+            </a:r>
+          </a:p>
+          <a:p>
+            <a:r>
+              <a:rPr lang="es-419" dirty="0"/>
+              <a:t>       </a:t>
+            </a:r>
+            <a:r>
+              <a:rPr lang="es-419" b="1" dirty="0">
+                <a:solidFill>
+                  <a:srgbClr val="FF0000"/>
+                </a:solidFill>
+              </a:rPr>
+              <a:t>A903 – copia</a:t>
+            </a:r>
+          </a:p>
+          <a:p>
+            <a:r>
+              <a:rPr lang="es-419" b="1" dirty="0">
+                <a:solidFill>
+                  <a:srgbClr val="FF0000"/>
+                </a:solidFill>
+              </a:rPr>
+              <a:t>   </a:t>
+            </a:r>
+            <a:endParaRPr lang="es-ES" b="1" dirty="0">
+              <a:solidFill>
+                <a:srgbClr val="FF0000"/>
+              </a:solidFill>
+            </a:endParaRPr>
+          </a:p>
+        </p:txBody>
+      </p:sp>
+      <p:sp>
+        <p:nvSpPr>
+          <p:cNvPr id="15" name="CuadroTexto 14"/>
+          <p:cNvSpPr txBox="1"/>
+          <p:nvPr/>
+        </p:nvSpPr>
+        <p:spPr>
+          <a:xfrm>
+            <a:off x="5664585" y="2607357"/>
+            <a:ext cx="2454198" cy="923330"/>
+          </a:xfrm>
+          <a:prstGeom prst="rect">
+            <a:avLst/>
+          </a:prstGeom>
+          <a:noFill/>
+        </p:spPr>
+        <p:txBody>
+          <a:bodyPr wrap="none" rtlCol="0">
+            <a:spAutoFit/>
+          </a:bodyPr>
+          <a:lstStyle/>
+          <a:p>
+            <a:r>
+              <a:rPr lang="es-419" dirty="0"/>
+              <a:t>8) Renombrar la carpeta</a:t>
+            </a:r>
+          </a:p>
+          <a:p>
+            <a:r>
+              <a:rPr lang="es-419" dirty="0"/>
+              <a:t>       </a:t>
+            </a:r>
+            <a:r>
+              <a:rPr lang="es-419" b="1" dirty="0">
+                <a:solidFill>
+                  <a:srgbClr val="FF0000"/>
+                </a:solidFill>
+              </a:rPr>
+              <a:t>A904</a:t>
+            </a:r>
+          </a:p>
+          <a:p>
+            <a:r>
+              <a:rPr lang="es-419" b="1" dirty="0">
+                <a:solidFill>
+                  <a:srgbClr val="FF0000"/>
+                </a:solidFill>
+              </a:rPr>
+              <a:t>   </a:t>
+            </a:r>
+            <a:endParaRPr lang="es-ES" b="1" dirty="0">
+              <a:solidFill>
+                <a:srgbClr val="FF0000"/>
+              </a:solidFill>
+            </a:endParaRPr>
+          </a:p>
+        </p:txBody>
+      </p:sp>
+      <p:sp>
+        <p:nvSpPr>
+          <p:cNvPr id="16" name="CuadroTexto 15"/>
+          <p:cNvSpPr txBox="1"/>
+          <p:nvPr/>
+        </p:nvSpPr>
+        <p:spPr>
+          <a:xfrm>
+            <a:off x="633022" y="5563703"/>
+            <a:ext cx="2999427" cy="646331"/>
+          </a:xfrm>
+          <a:prstGeom prst="rect">
+            <a:avLst/>
+          </a:prstGeom>
+          <a:noFill/>
+        </p:spPr>
+        <p:txBody>
+          <a:bodyPr wrap="square" rtlCol="0">
+            <a:spAutoFit/>
+          </a:bodyPr>
+          <a:lstStyle/>
+          <a:p>
+            <a:r>
+              <a:rPr lang="es-419" dirty="0"/>
+              <a:t>9) Archivos con los que se va a trabajar</a:t>
+            </a:r>
+            <a:r>
+              <a:rPr lang="es-419" b="1" dirty="0">
+                <a:solidFill>
+                  <a:srgbClr val="FF0000"/>
+                </a:solidFill>
+              </a:rPr>
+              <a:t>  </a:t>
+            </a:r>
+            <a:endParaRPr lang="es-ES" b="1" dirty="0">
+              <a:solidFill>
+                <a:srgbClr val="FF0000"/>
+              </a:solidFill>
+            </a:endParaRPr>
+          </a:p>
+        </p:txBody>
+      </p:sp>
+      <p:sp>
+        <p:nvSpPr>
+          <p:cNvPr id="17" name="Flecha izquierda 16"/>
+          <p:cNvSpPr/>
+          <p:nvPr/>
+        </p:nvSpPr>
+        <p:spPr>
+          <a:xfrm>
+            <a:off x="6562820" y="6109405"/>
+            <a:ext cx="470263" cy="182880"/>
+          </a:xfrm>
+          <a:prstGeom prst="leftArrow">
+            <a:avLst/>
+          </a:prstGeom>
+          <a:solidFill>
+            <a:schemeClr val="accent6">
+              <a:lumMod val="75000"/>
+            </a:schemeClr>
+          </a:solidFill>
+        </p:spPr>
+        <p:style>
+          <a:lnRef idx="2">
+            <a:schemeClr val="accent1">
+              <a:shade val="50000"/>
+            </a:schemeClr>
+          </a:lnRef>
+          <a:fillRef idx="1">
+            <a:schemeClr val="accent1"/>
+          </a:fillRef>
+          <a:effectRef idx="0">
+            <a:schemeClr val="accent1"/>
+          </a:effectRef>
+          <a:fontRef idx="minor">
+            <a:schemeClr val="lt1"/>
           </a:fontRef>
         </p:style>
         <p:txBody>
@@ -7638,85 +7523,386 @@
           </a:p>
         </p:txBody>
       </p:sp>
-      <p:cxnSp>
-        <p:nvCxnSpPr>
-          <p:cNvPr id="18" name="Conector recto de flecha 17"/>
-          <p:cNvCxnSpPr>
-            <a:stCxn id="15" idx="1"/>
-          </p:cNvCxnSpPr>
-          <p:nvPr/>
-        </p:nvCxnSpPr>
-        <p:spPr>
-          <a:xfrm flipH="1">
-            <a:off x="5469720" y="3153346"/>
-            <a:ext cx="512868" cy="2147147"/>
-          </a:xfrm>
-          <a:prstGeom prst="straightConnector1">
-            <a:avLst/>
-          </a:prstGeom>
-          <a:ln w="28575">
-            <a:solidFill>
-              <a:schemeClr val="accent4">
-                <a:lumMod val="75000"/>
-              </a:schemeClr>
-            </a:solidFill>
-            <a:tailEnd type="triangle"/>
-          </a:ln>
-        </p:spPr>
-        <p:style>
-          <a:lnRef idx="1">
-            <a:schemeClr val="accent1"/>
-          </a:lnRef>
-          <a:fillRef idx="0">
-            <a:schemeClr val="accent1"/>
-          </a:fillRef>
-          <a:effectRef idx="0">
-            <a:schemeClr val="accent1"/>
-          </a:effectRef>
-          <a:fontRef idx="minor">
-            <a:schemeClr val="tx1"/>
-          </a:fontRef>
-        </p:style>
-      </p:cxnSp>
-      <p:cxnSp>
-        <p:nvCxnSpPr>
-          <p:cNvPr id="26" name="Conector recto 25"/>
-          <p:cNvCxnSpPr/>
-          <p:nvPr/>
-        </p:nvCxnSpPr>
-        <p:spPr>
-          <a:xfrm flipH="1">
-            <a:off x="613610" y="4884821"/>
-            <a:ext cx="3994486" cy="60158"/>
-          </a:xfrm>
-          <a:prstGeom prst="line">
-            <a:avLst/>
-          </a:prstGeom>
-          <a:ln w="28575">
-            <a:solidFill>
-              <a:srgbClr val="FF0000"/>
-            </a:solidFill>
-          </a:ln>
-        </p:spPr>
-        <p:style>
-          <a:lnRef idx="1">
-            <a:schemeClr val="accent1"/>
-          </a:lnRef>
-          <a:fillRef idx="0">
-            <a:schemeClr val="accent1"/>
-          </a:fillRef>
-          <a:effectRef idx="0">
-            <a:schemeClr val="accent1"/>
-          </a:effectRef>
-          <a:fontRef idx="minor">
-            <a:schemeClr val="tx1"/>
-          </a:fontRef>
-        </p:style>
-      </p:cxnSp>
+      <p:sp>
+        <p:nvSpPr>
+          <p:cNvPr id="18" name="Elipse 17"/>
+          <p:cNvSpPr/>
+          <p:nvPr/>
+        </p:nvSpPr>
+        <p:spPr>
+          <a:xfrm>
+            <a:off x="7185483" y="5903834"/>
+            <a:ext cx="247082" cy="200979"/>
+          </a:xfrm>
+          <a:prstGeom prst="ellipse">
+            <a:avLst/>
+          </a:prstGeom>
+          <a:solidFill>
+            <a:schemeClr val="accent5">
+              <a:lumMod val="75000"/>
+            </a:schemeClr>
+          </a:solidFill>
+        </p:spPr>
+        <p:style>
+          <a:lnRef idx="2">
+            <a:schemeClr val="accent1">
+              <a:shade val="50000"/>
+            </a:schemeClr>
+          </a:lnRef>
+          <a:fillRef idx="1">
+            <a:schemeClr val="accent1"/>
+          </a:fillRef>
+          <a:effectRef idx="0">
+            <a:schemeClr val="accent1"/>
+          </a:effectRef>
+          <a:fontRef idx="minor">
+            <a:schemeClr val="lt1"/>
+          </a:fontRef>
+        </p:style>
+        <p:txBody>
+          <a:bodyPr rtlCol="0" anchor="ctr"/>
+          <a:lstStyle/>
+          <a:p>
+            <a:pPr algn="ctr"/>
+            <a:r>
+              <a:rPr lang="es-419" dirty="0"/>
+              <a:t>2</a:t>
+            </a:r>
+            <a:endParaRPr lang="es-ES" dirty="0"/>
+          </a:p>
+        </p:txBody>
+      </p:sp>
+      <p:sp>
+        <p:nvSpPr>
+          <p:cNvPr id="19" name="Flecha izquierda 18"/>
+          <p:cNvSpPr/>
+          <p:nvPr/>
+        </p:nvSpPr>
+        <p:spPr>
+          <a:xfrm>
+            <a:off x="6715220" y="5912883"/>
+            <a:ext cx="470263" cy="182880"/>
+          </a:xfrm>
+          <a:prstGeom prst="leftArrow">
+            <a:avLst/>
+          </a:prstGeom>
+          <a:solidFill>
+            <a:schemeClr val="accent5">
+              <a:lumMod val="75000"/>
+            </a:schemeClr>
+          </a:solidFill>
+        </p:spPr>
+        <p:style>
+          <a:lnRef idx="2">
+            <a:schemeClr val="accent1">
+              <a:shade val="50000"/>
+            </a:schemeClr>
+          </a:lnRef>
+          <a:fillRef idx="1">
+            <a:schemeClr val="accent1"/>
+          </a:fillRef>
+          <a:effectRef idx="0">
+            <a:schemeClr val="accent1"/>
+          </a:effectRef>
+          <a:fontRef idx="minor">
+            <a:schemeClr val="lt1"/>
+          </a:fontRef>
+        </p:style>
+        <p:txBody>
+          <a:bodyPr rtlCol="0" anchor="ctr"/>
+          <a:lstStyle/>
+          <a:p>
+            <a:pPr algn="ctr"/>
+            <a:endParaRPr lang="es-ES"/>
+          </a:p>
+        </p:txBody>
+      </p:sp>
+      <p:sp>
+        <p:nvSpPr>
+          <p:cNvPr id="20" name="Elipse 19"/>
+          <p:cNvSpPr/>
+          <p:nvPr/>
+        </p:nvSpPr>
+        <p:spPr>
+          <a:xfrm>
+            <a:off x="7361947" y="6296866"/>
+            <a:ext cx="247082" cy="200979"/>
+          </a:xfrm>
+          <a:prstGeom prst="ellipse">
+            <a:avLst/>
+          </a:prstGeom>
+          <a:solidFill>
+            <a:schemeClr val="accent4">
+              <a:lumMod val="75000"/>
+            </a:schemeClr>
+          </a:solidFill>
+        </p:spPr>
+        <p:style>
+          <a:lnRef idx="2">
+            <a:schemeClr val="accent1">
+              <a:shade val="50000"/>
+            </a:schemeClr>
+          </a:lnRef>
+          <a:fillRef idx="1">
+            <a:schemeClr val="accent1"/>
+          </a:fillRef>
+          <a:effectRef idx="0">
+            <a:schemeClr val="accent1"/>
+          </a:effectRef>
+          <a:fontRef idx="minor">
+            <a:schemeClr val="lt1"/>
+          </a:fontRef>
+        </p:style>
+        <p:txBody>
+          <a:bodyPr rtlCol="0" anchor="ctr"/>
+          <a:lstStyle/>
+          <a:p>
+            <a:pPr algn="ctr"/>
+            <a:r>
+              <a:rPr lang="es-419" dirty="0"/>
+              <a:t>3</a:t>
+            </a:r>
+            <a:endParaRPr lang="es-ES" dirty="0"/>
+          </a:p>
+        </p:txBody>
+      </p:sp>
+      <p:sp>
+        <p:nvSpPr>
+          <p:cNvPr id="21" name="Flecha izquierda 20"/>
+          <p:cNvSpPr/>
+          <p:nvPr/>
+        </p:nvSpPr>
+        <p:spPr>
+          <a:xfrm>
+            <a:off x="6891684" y="6305915"/>
+            <a:ext cx="470263" cy="182880"/>
+          </a:xfrm>
+          <a:prstGeom prst="leftArrow">
+            <a:avLst/>
+          </a:prstGeom>
+          <a:solidFill>
+            <a:schemeClr val="accent4">
+              <a:lumMod val="75000"/>
+            </a:schemeClr>
+          </a:solidFill>
+        </p:spPr>
+        <p:style>
+          <a:lnRef idx="2">
+            <a:schemeClr val="accent1">
+              <a:shade val="50000"/>
+            </a:schemeClr>
+          </a:lnRef>
+          <a:fillRef idx="1">
+            <a:schemeClr val="accent1"/>
+          </a:fillRef>
+          <a:effectRef idx="0">
+            <a:schemeClr val="accent1"/>
+          </a:effectRef>
+          <a:fontRef idx="minor">
+            <a:schemeClr val="lt1"/>
+          </a:fontRef>
+        </p:style>
+        <p:txBody>
+          <a:bodyPr rtlCol="0" anchor="ctr"/>
+          <a:lstStyle/>
+          <a:p>
+            <a:pPr algn="ctr"/>
+            <a:endParaRPr lang="es-ES"/>
+          </a:p>
+        </p:txBody>
+      </p:sp>
+      <p:sp>
+        <p:nvSpPr>
+          <p:cNvPr id="22" name="Elipse 21"/>
+          <p:cNvSpPr/>
+          <p:nvPr/>
+        </p:nvSpPr>
+        <p:spPr>
+          <a:xfrm>
+            <a:off x="7418093" y="5306261"/>
+            <a:ext cx="247082" cy="200979"/>
+          </a:xfrm>
+          <a:prstGeom prst="ellipse">
+            <a:avLst/>
+          </a:prstGeom>
+          <a:solidFill>
+            <a:schemeClr val="accent3">
+              <a:lumMod val="75000"/>
+            </a:schemeClr>
+          </a:solidFill>
+        </p:spPr>
+        <p:style>
+          <a:lnRef idx="2">
+            <a:schemeClr val="accent1">
+              <a:shade val="50000"/>
+            </a:schemeClr>
+          </a:lnRef>
+          <a:fillRef idx="1">
+            <a:schemeClr val="accent1"/>
+          </a:fillRef>
+          <a:effectRef idx="0">
+            <a:schemeClr val="accent1"/>
+          </a:effectRef>
+          <a:fontRef idx="minor">
+            <a:schemeClr val="lt1"/>
+          </a:fontRef>
+        </p:style>
+        <p:txBody>
+          <a:bodyPr rtlCol="0" anchor="ctr"/>
+          <a:lstStyle/>
+          <a:p>
+            <a:pPr algn="ctr"/>
+            <a:r>
+              <a:rPr lang="es-419" dirty="0"/>
+              <a:t>4</a:t>
+            </a:r>
+            <a:endParaRPr lang="es-ES" dirty="0"/>
+          </a:p>
+        </p:txBody>
+      </p:sp>
+      <p:sp>
+        <p:nvSpPr>
+          <p:cNvPr id="23" name="Flecha izquierda 22"/>
+          <p:cNvSpPr/>
+          <p:nvPr/>
+        </p:nvSpPr>
+        <p:spPr>
+          <a:xfrm>
+            <a:off x="6947830" y="5315310"/>
+            <a:ext cx="470263" cy="182880"/>
+          </a:xfrm>
+          <a:prstGeom prst="leftArrow">
+            <a:avLst/>
+          </a:prstGeom>
+          <a:solidFill>
+            <a:schemeClr val="accent3">
+              <a:lumMod val="75000"/>
+            </a:schemeClr>
+          </a:solidFill>
+        </p:spPr>
+        <p:style>
+          <a:lnRef idx="2">
+            <a:schemeClr val="accent1">
+              <a:shade val="50000"/>
+            </a:schemeClr>
+          </a:lnRef>
+          <a:fillRef idx="1">
+            <a:schemeClr val="accent1"/>
+          </a:fillRef>
+          <a:effectRef idx="0">
+            <a:schemeClr val="accent1"/>
+          </a:effectRef>
+          <a:fontRef idx="minor">
+            <a:schemeClr val="lt1"/>
+          </a:fontRef>
+        </p:style>
+        <p:txBody>
+          <a:bodyPr rtlCol="0" anchor="ctr"/>
+          <a:lstStyle/>
+          <a:p>
+            <a:pPr algn="ctr"/>
+            <a:endParaRPr lang="es-ES"/>
+          </a:p>
+        </p:txBody>
+      </p:sp>
+      <p:sp>
+        <p:nvSpPr>
+          <p:cNvPr id="25" name="Elipse 24"/>
+          <p:cNvSpPr/>
+          <p:nvPr/>
+        </p:nvSpPr>
+        <p:spPr>
+          <a:xfrm>
+            <a:off x="7199360" y="4759634"/>
+            <a:ext cx="247082" cy="200979"/>
+          </a:xfrm>
+          <a:prstGeom prst="ellipse">
+            <a:avLst/>
+          </a:prstGeom>
+          <a:solidFill>
+            <a:schemeClr val="accent2">
+              <a:lumMod val="75000"/>
+            </a:schemeClr>
+          </a:solidFill>
+        </p:spPr>
+        <p:style>
+          <a:lnRef idx="2">
+            <a:schemeClr val="accent1">
+              <a:shade val="50000"/>
+            </a:schemeClr>
+          </a:lnRef>
+          <a:fillRef idx="1">
+            <a:schemeClr val="accent1"/>
+          </a:fillRef>
+          <a:effectRef idx="0">
+            <a:schemeClr val="accent1"/>
+          </a:effectRef>
+          <a:fontRef idx="minor">
+            <a:schemeClr val="lt1"/>
+          </a:fontRef>
+        </p:style>
+        <p:txBody>
+          <a:bodyPr rtlCol="0" anchor="ctr"/>
+          <a:lstStyle/>
+          <a:p>
+            <a:pPr algn="ctr"/>
+            <a:r>
+              <a:rPr lang="es-419" dirty="0"/>
+              <a:t>5</a:t>
+            </a:r>
+            <a:endParaRPr lang="es-ES" dirty="0"/>
+          </a:p>
+        </p:txBody>
+      </p:sp>
+      <p:sp>
+        <p:nvSpPr>
+          <p:cNvPr id="26" name="Flecha izquierda 25"/>
+          <p:cNvSpPr/>
+          <p:nvPr/>
+        </p:nvSpPr>
+        <p:spPr>
+          <a:xfrm>
+            <a:off x="6729097" y="4768683"/>
+            <a:ext cx="470263" cy="182880"/>
+          </a:xfrm>
+          <a:prstGeom prst="leftArrow">
+            <a:avLst/>
+          </a:prstGeom>
+          <a:solidFill>
+            <a:schemeClr val="accent2">
+              <a:lumMod val="75000"/>
+            </a:schemeClr>
+          </a:solidFill>
+        </p:spPr>
+        <p:style>
+          <a:lnRef idx="2">
+            <a:schemeClr val="accent1">
+              <a:shade val="50000"/>
+            </a:schemeClr>
+          </a:lnRef>
+          <a:fillRef idx="1">
+            <a:schemeClr val="accent1"/>
+          </a:fillRef>
+          <a:effectRef idx="0">
+            <a:schemeClr val="accent1"/>
+          </a:effectRef>
+          <a:fontRef idx="minor">
+            <a:schemeClr val="lt1"/>
+          </a:fontRef>
+        </p:style>
+        <p:txBody>
+          <a:bodyPr rtlCol="0" anchor="ctr"/>
+          <a:lstStyle/>
+          <a:p>
+            <a:pPr algn="ctr"/>
+            <a:endParaRPr lang="es-ES"/>
+          </a:p>
+        </p:txBody>
+      </p:sp>
     </p:spTree>
     <p:extLst>
       <p:ext uri="{BB962C8B-B14F-4D97-AF65-F5344CB8AC3E}">
-        <p14:creationId xmlns:p14="http://schemas.microsoft.com/office/powerpoint/2010/main" val="1265344089"/>
+        <p14:creationId xmlns:p14="http://schemas.microsoft.com/office/powerpoint/2010/main" val="846991752"/>
       </p:ext>
     </p:extLst>
   </p:cSld>
@@ -7743,81 +7929,9 @@
           <a:chExt cx="0" cy="0"/>
         </a:xfrm>
       </p:grpSpPr>
-      <p:sp>
-        <p:nvSpPr>
-          <p:cNvPr id="5" name="CuadroTexto 4"/>
-          <p:cNvSpPr txBox="1"/>
-          <p:nvPr/>
-        </p:nvSpPr>
-        <p:spPr>
-          <a:xfrm>
-            <a:off x="188327" y="197958"/>
-            <a:ext cx="5278561" cy="369332"/>
-          </a:xfrm>
-          <a:prstGeom prst="rect">
-            <a:avLst/>
-          </a:prstGeom>
-          <a:noFill/>
-        </p:spPr>
-        <p:txBody>
-          <a:bodyPr wrap="none" rtlCol="0">
-            <a:spAutoFit/>
-          </a:bodyPr>
-          <a:lstStyle/>
-          <a:p>
-            <a:r>
-              <a:rPr lang="es-419" dirty="0"/>
-              <a:t>Seleccionar el archivo </a:t>
-            </a:r>
-            <a:r>
-              <a:rPr lang="es-419" dirty="0" err="1">
-                <a:solidFill>
-                  <a:srgbClr val="FF0000"/>
-                </a:solidFill>
-              </a:rPr>
-              <a:t>InformaList.php</a:t>
-            </a:r>
-            <a:r>
-              <a:rPr lang="es-419" dirty="0"/>
-              <a:t> para actualizar</a:t>
-            </a:r>
-            <a:endParaRPr lang="es-ES" dirty="0"/>
-          </a:p>
-        </p:txBody>
-      </p:sp>
-      <p:sp>
-        <p:nvSpPr>
-          <p:cNvPr id="6" name="CuadroTexto 5"/>
-          <p:cNvSpPr txBox="1"/>
-          <p:nvPr/>
-        </p:nvSpPr>
-        <p:spPr>
-          <a:xfrm>
-            <a:off x="234394" y="1471757"/>
-            <a:ext cx="6378734" cy="369332"/>
-          </a:xfrm>
-          <a:prstGeom prst="rect">
-            <a:avLst/>
-          </a:prstGeom>
-          <a:noFill/>
-        </p:spPr>
-        <p:txBody>
-          <a:bodyPr wrap="none" rtlCol="0">
-            <a:spAutoFit/>
-          </a:bodyPr>
-          <a:lstStyle/>
-          <a:p>
-            <a:r>
-              <a:rPr lang="es-419" dirty="0"/>
-              <a:t>Posicionarse en la línea 41  a la 43, colocar el titulo de los campos.</a:t>
-            </a:r>
-            <a:endParaRPr lang="es-ES" dirty="0"/>
-          </a:p>
-        </p:txBody>
-      </p:sp>
       <p:pic>
         <p:nvPicPr>
-          <p:cNvPr id="7" name="Imagen 6"/>
+          <p:cNvPr id="6" name="Imagen 5"/>
           <p:cNvPicPr>
             <a:picLocks noChangeAspect="1"/>
           </p:cNvPicPr>
@@ -7831,41 +7945,300 @@
         </p:blipFill>
         <p:spPr>
           <a:xfrm>
-            <a:off x="234394" y="605186"/>
-            <a:ext cx="2733675" cy="828675"/>
+            <a:off x="282102" y="709961"/>
+            <a:ext cx="1657350" cy="619125"/>
           </a:xfrm>
           <a:prstGeom prst="rect">
             <a:avLst/>
           </a:prstGeom>
         </p:spPr>
       </p:pic>
+      <p:sp>
+        <p:nvSpPr>
+          <p:cNvPr id="7" name="CuadroTexto 6"/>
+          <p:cNvSpPr txBox="1"/>
+          <p:nvPr/>
+        </p:nvSpPr>
+        <p:spPr>
+          <a:xfrm>
+            <a:off x="175097" y="197958"/>
+            <a:ext cx="5604996" cy="369332"/>
+          </a:xfrm>
+          <a:prstGeom prst="rect">
+            <a:avLst/>
+          </a:prstGeom>
+          <a:noFill/>
+        </p:spPr>
+        <p:txBody>
+          <a:bodyPr wrap="none" rtlCol="0">
+            <a:spAutoFit/>
+          </a:bodyPr>
+          <a:lstStyle/>
+          <a:p>
+            <a:r>
+              <a:rPr lang="es-419" dirty="0"/>
+              <a:t>Seleccionar el archivo </a:t>
+            </a:r>
+            <a:r>
+              <a:rPr lang="es-419" dirty="0" err="1">
+                <a:solidFill>
+                  <a:srgbClr val="FF0000"/>
+                </a:solidFill>
+              </a:rPr>
+              <a:t>InformaListSERP.php</a:t>
+            </a:r>
+            <a:r>
+              <a:rPr lang="es-419" dirty="0"/>
+              <a:t> para actualizar</a:t>
+            </a:r>
+            <a:endParaRPr lang="es-ES" dirty="0"/>
+          </a:p>
+        </p:txBody>
+      </p:sp>
+      <p:sp>
+        <p:nvSpPr>
+          <p:cNvPr id="8" name="CuadroTexto 7"/>
+          <p:cNvSpPr txBox="1"/>
+          <p:nvPr/>
+        </p:nvSpPr>
+        <p:spPr>
+          <a:xfrm>
+            <a:off x="236164" y="1952937"/>
+            <a:ext cx="3686311" cy="1200329"/>
+          </a:xfrm>
+          <a:prstGeom prst="rect">
+            <a:avLst/>
+          </a:prstGeom>
+          <a:noFill/>
+        </p:spPr>
+        <p:txBody>
+          <a:bodyPr wrap="square" rtlCol="0">
+            <a:spAutoFit/>
+          </a:bodyPr>
+          <a:lstStyle/>
+          <a:p>
+            <a:r>
+              <a:rPr lang="es-419" dirty="0"/>
+              <a:t>Posicionarse en la línea 19, actualizar el </a:t>
+            </a:r>
+            <a:r>
+              <a:rPr lang="es-419" dirty="0" err="1"/>
+              <a:t>Select</a:t>
+            </a:r>
+            <a:r>
+              <a:rPr lang="es-419" dirty="0"/>
+              <a:t> de la tabla que se </a:t>
+            </a:r>
+            <a:r>
+              <a:rPr lang="es-419" dirty="0" err="1"/>
+              <a:t>definio</a:t>
+            </a:r>
+            <a:r>
+              <a:rPr lang="es-419" dirty="0"/>
+              <a:t> en </a:t>
+            </a:r>
+            <a:r>
+              <a:rPr lang="es-419" dirty="0" err="1"/>
+              <a:t>MySql</a:t>
+            </a:r>
+            <a:endParaRPr lang="es-ES" dirty="0"/>
+          </a:p>
+          <a:p>
+            <a:endParaRPr lang="es-ES" dirty="0"/>
+          </a:p>
+        </p:txBody>
+      </p:sp>
       <p:pic>
         <p:nvPicPr>
-          <p:cNvPr id="8" name="Imagen 7"/>
+          <p:cNvPr id="9" name="Imagen 8"/>
           <p:cNvPicPr>
             <a:picLocks noChangeAspect="1"/>
           </p:cNvPicPr>
           <p:nvPr/>
         </p:nvPicPr>
-        <p:blipFill>
+        <p:blipFill rotWithShape="1">
           <a:blip r:embed="rId3"/>
-          <a:stretch>
-            <a:fillRect/>
-          </a:stretch>
+          <a:srcRect b="11596"/>
+          <a:stretch/>
         </p:blipFill>
         <p:spPr>
           <a:xfrm>
-            <a:off x="954004" y="1968416"/>
-            <a:ext cx="6610350" cy="2295525"/>
+            <a:off x="175097" y="4110508"/>
+            <a:ext cx="8724900" cy="2711403"/>
           </a:xfrm>
           <a:prstGeom prst="rect">
             <a:avLst/>
           </a:prstGeom>
         </p:spPr>
       </p:pic>
+      <p:sp>
+        <p:nvSpPr>
+          <p:cNvPr id="12" name="Elipse 11"/>
+          <p:cNvSpPr/>
+          <p:nvPr/>
+        </p:nvSpPr>
+        <p:spPr>
+          <a:xfrm>
+            <a:off x="8356555" y="197958"/>
+            <a:ext cx="543441" cy="369332"/>
+          </a:xfrm>
+          <a:prstGeom prst="ellipse">
+            <a:avLst/>
+          </a:prstGeom>
+          <a:solidFill>
+            <a:schemeClr val="accent6">
+              <a:lumMod val="75000"/>
+            </a:schemeClr>
+          </a:solidFill>
+        </p:spPr>
+        <p:style>
+          <a:lnRef idx="2">
+            <a:schemeClr val="accent1">
+              <a:shade val="50000"/>
+            </a:schemeClr>
+          </a:lnRef>
+          <a:fillRef idx="1">
+            <a:schemeClr val="accent1"/>
+          </a:fillRef>
+          <a:effectRef idx="0">
+            <a:schemeClr val="accent1"/>
+          </a:effectRef>
+          <a:fontRef idx="minor">
+            <a:schemeClr val="lt1"/>
+          </a:fontRef>
+        </p:style>
+        <p:txBody>
+          <a:bodyPr rtlCol="0" anchor="ctr"/>
+          <a:lstStyle/>
+          <a:p>
+            <a:pPr algn="ctr"/>
+            <a:r>
+              <a:rPr lang="es-419" dirty="0"/>
+              <a:t>1</a:t>
+            </a:r>
+            <a:endParaRPr lang="es-ES" dirty="0"/>
+          </a:p>
+        </p:txBody>
+      </p:sp>
+      <p:sp>
+        <p:nvSpPr>
+          <p:cNvPr id="13" name="Flecha izquierda 12"/>
+          <p:cNvSpPr/>
+          <p:nvPr/>
+        </p:nvSpPr>
+        <p:spPr>
+          <a:xfrm>
+            <a:off x="7763958" y="214588"/>
+            <a:ext cx="699448" cy="336072"/>
+          </a:xfrm>
+          <a:prstGeom prst="leftArrow">
+            <a:avLst/>
+          </a:prstGeom>
+          <a:solidFill>
+            <a:schemeClr val="accent6">
+              <a:lumMod val="75000"/>
+            </a:schemeClr>
+          </a:solidFill>
+        </p:spPr>
+        <p:style>
+          <a:lnRef idx="2">
+            <a:schemeClr val="accent1">
+              <a:shade val="50000"/>
+            </a:schemeClr>
+          </a:lnRef>
+          <a:fillRef idx="1">
+            <a:schemeClr val="accent1"/>
+          </a:fillRef>
+          <a:effectRef idx="0">
+            <a:schemeClr val="accent1"/>
+          </a:effectRef>
+          <a:fontRef idx="minor">
+            <a:schemeClr val="lt1"/>
+          </a:fontRef>
+        </p:style>
+        <p:txBody>
+          <a:bodyPr rtlCol="0" anchor="ctr"/>
+          <a:lstStyle/>
+          <a:p>
+            <a:pPr algn="ctr"/>
+            <a:endParaRPr lang="es-ES"/>
+          </a:p>
+        </p:txBody>
+      </p:sp>
+      <p:cxnSp>
+        <p:nvCxnSpPr>
+          <p:cNvPr id="22" name="Conector recto de flecha 21"/>
+          <p:cNvCxnSpPr/>
+          <p:nvPr/>
+        </p:nvCxnSpPr>
+        <p:spPr>
+          <a:xfrm flipV="1">
+            <a:off x="613610" y="5733633"/>
+            <a:ext cx="1058779" cy="29493"/>
+          </a:xfrm>
+          <a:prstGeom prst="straightConnector1">
+            <a:avLst/>
+          </a:prstGeom>
+          <a:ln w="28575">
+            <a:solidFill>
+              <a:srgbClr val="FF0000"/>
+            </a:solidFill>
+            <a:tailEnd type="triangle"/>
+          </a:ln>
+        </p:spPr>
+        <p:style>
+          <a:lnRef idx="1">
+            <a:schemeClr val="accent1"/>
+          </a:lnRef>
+          <a:fillRef idx="0">
+            <a:schemeClr val="accent1"/>
+          </a:fillRef>
+          <a:effectRef idx="0">
+            <a:schemeClr val="accent1"/>
+          </a:effectRef>
+          <a:fontRef idx="minor">
+            <a:schemeClr val="tx1"/>
+          </a:fontRef>
+        </p:style>
+      </p:cxnSp>
+      <p:cxnSp>
+        <p:nvCxnSpPr>
+          <p:cNvPr id="28" name="Conector recto 27"/>
+          <p:cNvCxnSpPr/>
+          <p:nvPr/>
+        </p:nvCxnSpPr>
+        <p:spPr>
+          <a:xfrm flipV="1">
+            <a:off x="613610" y="4944979"/>
+            <a:ext cx="0" cy="818148"/>
+          </a:xfrm>
+          <a:prstGeom prst="line">
+            <a:avLst/>
+          </a:prstGeom>
+          <a:ln w="28575">
+            <a:solidFill>
+              <a:srgbClr val="FF0000"/>
+            </a:solidFill>
+          </a:ln>
+        </p:spPr>
+        <p:style>
+          <a:lnRef idx="1">
+            <a:schemeClr val="accent1"/>
+          </a:lnRef>
+          <a:fillRef idx="0">
+            <a:schemeClr val="accent1"/>
+          </a:fillRef>
+          <a:effectRef idx="0">
+            <a:schemeClr val="accent1"/>
+          </a:effectRef>
+          <a:fontRef idx="minor">
+            <a:schemeClr val="tx1"/>
+          </a:fontRef>
+        </p:style>
+      </p:cxnSp>
       <p:pic>
         <p:nvPicPr>
-          <p:cNvPr id="10" name="Imagen 9"/>
+          <p:cNvPr id="40" name="Imagen 39"/>
           <p:cNvPicPr>
             <a:picLocks noChangeAspect="1"/>
           </p:cNvPicPr>
@@ -7879,8 +8252,8 @@
         </p:blipFill>
         <p:spPr>
           <a:xfrm>
-            <a:off x="2065421" y="4680035"/>
-            <a:ext cx="6477000" cy="1590675"/>
+            <a:off x="4200500" y="567290"/>
+            <a:ext cx="4124325" cy="4461910"/>
           </a:xfrm>
           <a:prstGeom prst="rect">
             <a:avLst/>
@@ -7889,19 +8262,104 @@
       </p:pic>
       <p:sp>
         <p:nvSpPr>
-          <p:cNvPr id="11" name="Abrir llave 10"/>
+          <p:cNvPr id="15" name="Abrir llave 14"/>
           <p:cNvSpPr/>
           <p:nvPr/>
         </p:nvSpPr>
         <p:spPr>
           <a:xfrm>
-            <a:off x="2261937" y="2189747"/>
-            <a:ext cx="144379" cy="926431"/>
+            <a:off x="5982588" y="1782818"/>
+            <a:ext cx="221057" cy="2741056"/>
           </a:xfrm>
           <a:prstGeom prst="leftBrace">
             <a:avLst/>
           </a:prstGeom>
-          <a:ln w="38100">
+          <a:ln w="28575">
+            <a:solidFill>
+              <a:schemeClr val="accent4">
+                <a:lumMod val="75000"/>
+              </a:schemeClr>
+            </a:solidFill>
+          </a:ln>
+        </p:spPr>
+        <p:style>
+          <a:lnRef idx="1">
+            <a:schemeClr val="accent1"/>
+          </a:lnRef>
+          <a:fillRef idx="0">
+            <a:schemeClr val="accent1"/>
+          </a:fillRef>
+          <a:effectRef idx="0">
+            <a:schemeClr val="accent1"/>
+          </a:effectRef>
+          <a:fontRef idx="minor">
+            <a:schemeClr val="tx1"/>
+          </a:fontRef>
+        </p:style>
+        <p:txBody>
+          <a:bodyPr rtlCol="0" anchor="ctr"/>
+          <a:lstStyle/>
+          <a:p>
+            <a:pPr algn="ctr"/>
+            <a:endParaRPr lang="es-ES"/>
+          </a:p>
+        </p:txBody>
+      </p:sp>
+      <p:cxnSp>
+        <p:nvCxnSpPr>
+          <p:cNvPr id="18" name="Conector recto de flecha 17"/>
+          <p:cNvCxnSpPr>
+            <a:stCxn id="15" idx="1"/>
+          </p:cNvCxnSpPr>
+          <p:nvPr/>
+        </p:nvCxnSpPr>
+        <p:spPr>
+          <a:xfrm flipH="1">
+            <a:off x="5469720" y="3153346"/>
+            <a:ext cx="512868" cy="2147147"/>
+          </a:xfrm>
+          <a:prstGeom prst="straightConnector1">
+            <a:avLst/>
+          </a:prstGeom>
+          <a:ln w="28575">
+            <a:solidFill>
+              <a:schemeClr val="accent4">
+                <a:lumMod val="75000"/>
+              </a:schemeClr>
+            </a:solidFill>
+            <a:tailEnd type="triangle"/>
+          </a:ln>
+        </p:spPr>
+        <p:style>
+          <a:lnRef idx="1">
+            <a:schemeClr val="accent1"/>
+          </a:lnRef>
+          <a:fillRef idx="0">
+            <a:schemeClr val="accent1"/>
+          </a:fillRef>
+          <a:effectRef idx="0">
+            <a:schemeClr val="accent1"/>
+          </a:effectRef>
+          <a:fontRef idx="minor">
+            <a:schemeClr val="tx1"/>
+          </a:fontRef>
+        </p:style>
+      </p:cxnSp>
+      <p:cxnSp>
+        <p:nvCxnSpPr>
+          <p:cNvPr id="26" name="Conector recto 25"/>
+          <p:cNvCxnSpPr/>
+          <p:nvPr/>
+        </p:nvCxnSpPr>
+        <p:spPr>
+          <a:xfrm flipH="1">
+            <a:off x="613610" y="4884821"/>
+            <a:ext cx="3994486" cy="60158"/>
+          </a:xfrm>
+          <a:prstGeom prst="line">
+            <a:avLst/>
+          </a:prstGeom>
+          <a:ln w="28575">
             <a:solidFill>
               <a:srgbClr val="FF0000"/>
             </a:solidFill>
@@ -7921,221 +8379,11 @@
             <a:schemeClr val="tx1"/>
           </a:fontRef>
         </p:style>
-        <p:txBody>
-          <a:bodyPr rtlCol="0" anchor="ctr"/>
-          <a:lstStyle/>
-          <a:p>
-            <a:pPr algn="ctr"/>
-            <a:endParaRPr lang="es-ES"/>
-          </a:p>
-        </p:txBody>
-      </p:sp>
-      <p:cxnSp>
-        <p:nvCxnSpPr>
-          <p:cNvPr id="13" name="Conector recto 12"/>
-          <p:cNvCxnSpPr/>
-          <p:nvPr/>
-        </p:nvCxnSpPr>
-        <p:spPr>
-          <a:xfrm>
-            <a:off x="1694322" y="2652962"/>
-            <a:ext cx="36098" cy="2822410"/>
-          </a:xfrm>
-          <a:prstGeom prst="line">
-            <a:avLst/>
-          </a:prstGeom>
-          <a:ln w="38100">
-            <a:solidFill>
-              <a:srgbClr val="FF0000"/>
-            </a:solidFill>
-          </a:ln>
-        </p:spPr>
-        <p:style>
-          <a:lnRef idx="1">
-            <a:schemeClr val="accent1"/>
-          </a:lnRef>
-          <a:fillRef idx="0">
-            <a:schemeClr val="accent1"/>
-          </a:fillRef>
-          <a:effectRef idx="0">
-            <a:schemeClr val="accent1"/>
-          </a:effectRef>
-          <a:fontRef idx="minor">
-            <a:schemeClr val="tx1"/>
-          </a:fontRef>
-        </p:style>
       </p:cxnSp>
-      <p:cxnSp>
-        <p:nvCxnSpPr>
-          <p:cNvPr id="15" name="Conector recto 14"/>
-          <p:cNvCxnSpPr>
-            <a:endCxn id="11" idx="1"/>
-          </p:cNvCxnSpPr>
-          <p:nvPr/>
-        </p:nvCxnSpPr>
-        <p:spPr>
-          <a:xfrm>
-            <a:off x="1694322" y="2652962"/>
-            <a:ext cx="567615" cy="1"/>
-          </a:xfrm>
-          <a:prstGeom prst="line">
-            <a:avLst/>
-          </a:prstGeom>
-          <a:ln w="38100">
-            <a:solidFill>
-              <a:srgbClr val="FF0000"/>
-            </a:solidFill>
-          </a:ln>
-        </p:spPr>
-        <p:style>
-          <a:lnRef idx="1">
-            <a:schemeClr val="accent1"/>
-          </a:lnRef>
-          <a:fillRef idx="0">
-            <a:schemeClr val="accent1"/>
-          </a:fillRef>
-          <a:effectRef idx="0">
-            <a:schemeClr val="accent1"/>
-          </a:effectRef>
-          <a:fontRef idx="minor">
-            <a:schemeClr val="tx1"/>
-          </a:fontRef>
-        </p:style>
-      </p:cxnSp>
-      <p:cxnSp>
-        <p:nvCxnSpPr>
-          <p:cNvPr id="22" name="Conector recto de flecha 21"/>
-          <p:cNvCxnSpPr/>
-          <p:nvPr/>
-        </p:nvCxnSpPr>
-        <p:spPr>
-          <a:xfrm>
-            <a:off x="1730420" y="5475372"/>
-            <a:ext cx="603706" cy="0"/>
-          </a:xfrm>
-          <a:prstGeom prst="straightConnector1">
-            <a:avLst/>
-          </a:prstGeom>
-          <a:ln w="38100">
-            <a:solidFill>
-              <a:srgbClr val="FF0000"/>
-            </a:solidFill>
-            <a:tailEnd type="triangle"/>
-          </a:ln>
-        </p:spPr>
-        <p:style>
-          <a:lnRef idx="1">
-            <a:schemeClr val="accent1"/>
-          </a:lnRef>
-          <a:fillRef idx="0">
-            <a:schemeClr val="accent1"/>
-          </a:fillRef>
-          <a:effectRef idx="0">
-            <a:schemeClr val="accent1"/>
-          </a:effectRef>
-          <a:fontRef idx="minor">
-            <a:schemeClr val="tx1"/>
-          </a:fontRef>
-        </p:style>
-      </p:cxnSp>
-      <p:sp>
-        <p:nvSpPr>
-          <p:cNvPr id="23" name="Elipse 22"/>
-          <p:cNvSpPr/>
-          <p:nvPr/>
-        </p:nvSpPr>
-        <p:spPr>
-          <a:xfrm>
-            <a:off x="8232230" y="176877"/>
-            <a:ext cx="538791" cy="416277"/>
-          </a:xfrm>
-          <a:prstGeom prst="ellipse">
-            <a:avLst/>
-          </a:prstGeom>
-          <a:solidFill>
-            <a:schemeClr val="accent5">
-              <a:lumMod val="75000"/>
-            </a:schemeClr>
-          </a:solidFill>
-        </p:spPr>
-        <p:style>
-          <a:lnRef idx="2">
-            <a:schemeClr val="accent1">
-              <a:shade val="50000"/>
-            </a:schemeClr>
-          </a:lnRef>
-          <a:fillRef idx="1">
-            <a:schemeClr val="accent1"/>
-          </a:fillRef>
-          <a:effectRef idx="0">
-            <a:schemeClr val="accent1"/>
-          </a:effectRef>
-          <a:fontRef idx="minor">
-            <a:schemeClr val="lt1"/>
-          </a:fontRef>
-        </p:style>
-        <p:txBody>
-          <a:bodyPr rtlCol="0" anchor="ctr"/>
-          <a:lstStyle/>
-          <a:p>
-            <a:pPr algn="ctr"/>
-            <a:r>
-              <a:rPr lang="es-419" dirty="0"/>
-              <a:t>2</a:t>
-            </a:r>
-            <a:endParaRPr lang="es-ES" dirty="0"/>
-          </a:p>
-        </p:txBody>
-      </p:sp>
-      <p:sp>
-        <p:nvSpPr>
-          <p:cNvPr id="24" name="Flecha izquierda 23"/>
-          <p:cNvSpPr/>
-          <p:nvPr/>
-        </p:nvSpPr>
-        <p:spPr>
-          <a:xfrm>
-            <a:off x="7256642" y="197958"/>
-            <a:ext cx="1025463" cy="378790"/>
-          </a:xfrm>
-          <a:prstGeom prst="leftArrow">
-            <a:avLst/>
-          </a:prstGeom>
-          <a:solidFill>
-            <a:schemeClr val="accent5">
-              <a:lumMod val="75000"/>
-            </a:schemeClr>
-          </a:solidFill>
-        </p:spPr>
-        <p:style>
-          <a:lnRef idx="2">
-            <a:schemeClr val="accent1">
-              <a:shade val="50000"/>
-            </a:schemeClr>
-          </a:lnRef>
-          <a:fillRef idx="1">
-            <a:schemeClr val="accent1"/>
-          </a:fillRef>
-          <a:effectRef idx="0">
-            <a:schemeClr val="accent1"/>
-          </a:effectRef>
-          <a:fontRef idx="minor">
-            <a:schemeClr val="lt1"/>
-          </a:fontRef>
-        </p:style>
-        <p:txBody>
-          <a:bodyPr rtlCol="0" anchor="ctr"/>
-          <a:lstStyle/>
-          <a:p>
-            <a:pPr algn="ctr"/>
-            <a:endParaRPr lang="es-ES"/>
-          </a:p>
-        </p:txBody>
-      </p:sp>
     </p:spTree>
     <p:extLst>
       <p:ext uri="{BB962C8B-B14F-4D97-AF65-F5344CB8AC3E}">
-        <p14:creationId xmlns:p14="http://schemas.microsoft.com/office/powerpoint/2010/main" val="2840050316"/>
+        <p14:creationId xmlns:p14="http://schemas.microsoft.com/office/powerpoint/2010/main" val="1265344089"/>
       </p:ext>
     </p:extLst>
   </p:cSld>
@@ -8566,8 +8814,8 @@
         </p:nvSpPr>
         <p:spPr>
           <a:xfrm>
-            <a:off x="222363" y="100147"/>
-            <a:ext cx="6912363" cy="646331"/>
+            <a:off x="188327" y="197958"/>
+            <a:ext cx="5278561" cy="369332"/>
           </a:xfrm>
           <a:prstGeom prst="rect">
             <a:avLst/>
@@ -8575,14 +8823,14 @@
           <a:noFill/>
         </p:spPr>
         <p:txBody>
-          <a:bodyPr wrap="square" rtlCol="0">
+          <a:bodyPr wrap="none" rtlCol="0">
             <a:spAutoFit/>
           </a:bodyPr>
           <a:lstStyle/>
           <a:p>
             <a:r>
               <a:rPr lang="es-419" dirty="0"/>
-              <a:t>Posicionarse en la línea 54 del archivo </a:t>
+              <a:t>Seleccionar el archivo </a:t>
             </a:r>
             <a:r>
               <a:rPr lang="es-419" dirty="0" err="1">
@@ -8594,35 +8842,37 @@
             </a:r>
             <a:r>
               <a:rPr lang="es-419" dirty="0"/>
-              <a:t> y actualizar los campos del </a:t>
-            </a:r>
-            <a:r>
-              <a:rPr lang="es-419" dirty="0" err="1"/>
-              <a:t>Select</a:t>
-            </a:r>
+              <a:t> para actualizar</a:t>
+            </a:r>
+            <a:endParaRPr lang="es-ES" dirty="0"/>
+          </a:p>
+        </p:txBody>
+      </p:sp>
+      <p:sp>
+        <p:nvSpPr>
+          <p:cNvPr id="6" name="CuadroTexto 5"/>
+          <p:cNvSpPr txBox="1"/>
+          <p:nvPr/>
+        </p:nvSpPr>
+        <p:spPr>
+          <a:xfrm>
+            <a:off x="234394" y="1471757"/>
+            <a:ext cx="6378734" cy="369332"/>
+          </a:xfrm>
+          <a:prstGeom prst="rect">
+            <a:avLst/>
+          </a:prstGeom>
+          <a:noFill/>
+        </p:spPr>
+        <p:txBody>
+          <a:bodyPr wrap="none" rtlCol="0">
+            <a:spAutoFit/>
+          </a:bodyPr>
+          <a:lstStyle/>
+          <a:p>
             <a:r>
               <a:rPr lang="es-419" dirty="0"/>
-              <a:t> que se </a:t>
-            </a:r>
-            <a:r>
-              <a:rPr lang="es-419" dirty="0" err="1"/>
-              <a:t>realizon</a:t>
-            </a:r>
-            <a:r>
-              <a:rPr lang="es-419" dirty="0"/>
-              <a:t> el </a:t>
-            </a:r>
-            <a:r>
-              <a:rPr lang="es-419" dirty="0" err="1">
-                <a:solidFill>
-                  <a:srgbClr val="FF0000"/>
-                </a:solidFill>
-              </a:rPr>
-              <a:t>InformaListSERP.php</a:t>
-            </a:r>
-            <a:r>
-              <a:rPr lang="es-419" dirty="0"/>
-              <a:t>.</a:t>
+              <a:t>Posicionarse en la línea 41  a la 43, colocar el titulo de los campos.</a:t>
             </a:r>
             <a:endParaRPr lang="es-ES" dirty="0"/>
           </a:p>
@@ -8644,8 +8894,32 @@
         </p:blipFill>
         <p:spPr>
           <a:xfrm>
-            <a:off x="370973" y="1097635"/>
-            <a:ext cx="7391400" cy="3267075"/>
+            <a:off x="234394" y="605186"/>
+            <a:ext cx="2733675" cy="828675"/>
+          </a:xfrm>
+          <a:prstGeom prst="rect">
+            <a:avLst/>
+          </a:prstGeom>
+        </p:spPr>
+      </p:pic>
+      <p:pic>
+        <p:nvPicPr>
+          <p:cNvPr id="8" name="Imagen 7"/>
+          <p:cNvPicPr>
+            <a:picLocks noChangeAspect="1"/>
+          </p:cNvPicPr>
+          <p:nvPr/>
+        </p:nvPicPr>
+        <p:blipFill>
+          <a:blip r:embed="rId3"/>
+          <a:stretch>
+            <a:fillRect/>
+          </a:stretch>
+        </p:blipFill>
+        <p:spPr>
+          <a:xfrm>
+            <a:off x="954004" y="1968416"/>
+            <a:ext cx="6610350" cy="2295525"/>
           </a:xfrm>
           <a:prstGeom prst="rect">
             <a:avLst/>
@@ -8661,74 +8935,30 @@
           <p:nvPr/>
         </p:nvPicPr>
         <p:blipFill>
-          <a:blip r:embed="rId3"/>
+          <a:blip r:embed="rId4"/>
           <a:stretch>
             <a:fillRect/>
           </a:stretch>
         </p:blipFill>
         <p:spPr>
           <a:xfrm>
-            <a:off x="2285655" y="4403036"/>
-            <a:ext cx="6448425" cy="2142143"/>
+            <a:off x="2065421" y="4680035"/>
+            <a:ext cx="6477000" cy="1590675"/>
           </a:xfrm>
           <a:prstGeom prst="rect">
             <a:avLst/>
           </a:prstGeom>
-          <a:ln>
-            <a:solidFill>
-              <a:schemeClr val="bg2">
-                <a:lumMod val="25000"/>
-              </a:schemeClr>
-            </a:solidFill>
-          </a:ln>
         </p:spPr>
       </p:pic>
       <p:sp>
         <p:nvSpPr>
-          <p:cNvPr id="11" name="Rectángulo 10"/>
+          <p:cNvPr id="11" name="Abrir llave 10"/>
           <p:cNvSpPr/>
           <p:nvPr/>
         </p:nvSpPr>
         <p:spPr>
           <a:xfrm>
-            <a:off x="6625508" y="4338690"/>
-            <a:ext cx="2153410" cy="369332"/>
-          </a:xfrm>
-          <a:prstGeom prst="rect">
-            <a:avLst/>
-          </a:prstGeom>
-        </p:spPr>
-        <p:txBody>
-          <a:bodyPr wrap="none">
-            <a:spAutoFit/>
-          </a:bodyPr>
-          <a:lstStyle/>
-          <a:p>
-            <a:r>
-              <a:rPr lang="es-419" dirty="0" err="1">
-                <a:solidFill>
-                  <a:srgbClr val="FF0000"/>
-                </a:solidFill>
-              </a:rPr>
-              <a:t>InformaListSERP.php</a:t>
-            </a:r>
-            <a:r>
-              <a:rPr lang="es-419" dirty="0"/>
-              <a:t>.</a:t>
-            </a:r>
-            <a:endParaRPr lang="es-ES" dirty="0"/>
-          </a:p>
-        </p:txBody>
-      </p:sp>
-      <p:sp>
-        <p:nvSpPr>
-          <p:cNvPr id="13" name="Abrir llave 12"/>
-          <p:cNvSpPr/>
-          <p:nvPr/>
-        </p:nvSpPr>
-        <p:spPr>
-          <a:xfrm>
-            <a:off x="1624263" y="1540042"/>
+            <a:off x="2261937" y="2189747"/>
             <a:ext cx="144379" cy="926431"/>
           </a:xfrm>
           <a:prstGeom prst="leftBrace">
@@ -8765,14 +8995,14 @@
       </p:sp>
       <p:cxnSp>
         <p:nvCxnSpPr>
-          <p:cNvPr id="14" name="Conector recto 13"/>
+          <p:cNvPr id="13" name="Conector recto 12"/>
           <p:cNvCxnSpPr/>
           <p:nvPr/>
         </p:nvCxnSpPr>
         <p:spPr>
           <a:xfrm>
-            <a:off x="1056648" y="2003257"/>
-            <a:ext cx="0" cy="2869274"/>
+            <a:off x="1694322" y="2652962"/>
+            <a:ext cx="36098" cy="2822410"/>
           </a:xfrm>
           <a:prstGeom prst="line">
             <a:avLst/>
@@ -8801,13 +9031,15 @@
       <p:cxnSp>
         <p:nvCxnSpPr>
           <p:cNvPr id="15" name="Conector recto 14"/>
-          <p:cNvCxnSpPr/>
+          <p:cNvCxnSpPr>
+            <a:endCxn id="11" idx="1"/>
+          </p:cNvCxnSpPr>
           <p:nvPr/>
         </p:nvCxnSpPr>
         <p:spPr>
           <a:xfrm>
-            <a:off x="1056648" y="4872531"/>
-            <a:ext cx="2442565" cy="1"/>
+            <a:off x="1694322" y="2652962"/>
+            <a:ext cx="567615" cy="1"/>
           </a:xfrm>
           <a:prstGeom prst="line">
             <a:avLst/>
@@ -8835,14 +9067,14 @@
       </p:cxnSp>
       <p:cxnSp>
         <p:nvCxnSpPr>
-          <p:cNvPr id="16" name="Conector recto de flecha 15"/>
+          <p:cNvPr id="22" name="Conector recto de flecha 21"/>
           <p:cNvCxnSpPr/>
           <p:nvPr/>
         </p:nvCxnSpPr>
         <p:spPr>
           <a:xfrm>
-            <a:off x="1001443" y="2003257"/>
-            <a:ext cx="483391" cy="0"/>
+            <a:off x="1730420" y="5475372"/>
+            <a:ext cx="603706" cy="0"/>
           </a:xfrm>
           <a:prstGeom prst="straightConnector1">
             <a:avLst/>
@@ -8871,49 +9103,6 @@
       </p:cxnSp>
       <p:sp>
         <p:nvSpPr>
-          <p:cNvPr id="17" name="Abrir llave 16"/>
-          <p:cNvSpPr/>
-          <p:nvPr/>
-        </p:nvSpPr>
-        <p:spPr>
-          <a:xfrm>
-            <a:off x="3556083" y="4583516"/>
-            <a:ext cx="233864" cy="578031"/>
-          </a:xfrm>
-          <a:prstGeom prst="leftBrace">
-            <a:avLst/>
-          </a:prstGeom>
-          <a:ln w="38100">
-            <a:solidFill>
-              <a:srgbClr val="FF0000"/>
-            </a:solidFill>
-          </a:ln>
-        </p:spPr>
-        <p:style>
-          <a:lnRef idx="1">
-            <a:schemeClr val="accent1"/>
-          </a:lnRef>
-          <a:fillRef idx="0">
-            <a:schemeClr val="accent1"/>
-          </a:fillRef>
-          <a:effectRef idx="0">
-            <a:schemeClr val="accent1"/>
-          </a:effectRef>
-          <a:fontRef idx="minor">
-            <a:schemeClr val="tx1"/>
-          </a:fontRef>
-        </p:style>
-        <p:txBody>
-          <a:bodyPr rtlCol="0" anchor="ctr"/>
-          <a:lstStyle/>
-          <a:p>
-            <a:pPr algn="ctr"/>
-            <a:endParaRPr lang="es-ES"/>
-          </a:p>
-        </p:txBody>
-      </p:sp>
-      <p:sp>
-        <p:nvSpPr>
           <p:cNvPr id="23" name="Elipse 22"/>
           <p:cNvSpPr/>
           <p:nvPr/>
@@ -9009,7 +9198,7 @@
     </p:spTree>
     <p:extLst>
       <p:ext uri="{BB962C8B-B14F-4D97-AF65-F5344CB8AC3E}">
-        <p14:creationId xmlns:p14="http://schemas.microsoft.com/office/powerpoint/2010/main" val="4137665108"/>
+        <p14:creationId xmlns:p14="http://schemas.microsoft.com/office/powerpoint/2010/main" val="2840050316"/>
       </p:ext>
     </p:extLst>
   </p:cSld>
@@ -9044,8 +9233,8 @@
         </p:nvSpPr>
         <p:spPr>
           <a:xfrm>
-            <a:off x="222363" y="135979"/>
-            <a:ext cx="6936426" cy="646331"/>
+            <a:off x="222363" y="100147"/>
+            <a:ext cx="6912363" cy="646331"/>
           </a:xfrm>
           <a:prstGeom prst="rect">
             <a:avLst/>
@@ -9060,15 +9249,7 @@
           <a:p>
             <a:r>
               <a:rPr lang="es-419" dirty="0"/>
-              <a:t>Posicionarse en la línea 65 del </a:t>
-            </a:r>
-            <a:r>
-              <a:rPr lang="es-419" dirty="0" err="1"/>
-              <a:t>archico</a:t>
-            </a:r>
-            <a:r>
-              <a:rPr lang="es-419" dirty="0"/>
-              <a:t> </a:t>
+              <a:t>Posicionarse en la línea 54 del archivo </a:t>
             </a:r>
             <a:r>
               <a:rPr lang="es-419" dirty="0" err="1">
@@ -9080,7 +9261,35 @@
             </a:r>
             <a:r>
               <a:rPr lang="es-419" dirty="0"/>
-              <a:t> y actualizar los campos que se van a visualizar.</a:t>
+              <a:t> y actualizar los campos del </a:t>
+            </a:r>
+            <a:r>
+              <a:rPr lang="es-419" dirty="0" err="1"/>
+              <a:t>Select</a:t>
+            </a:r>
+            <a:r>
+              <a:rPr lang="es-419" dirty="0"/>
+              <a:t> que se </a:t>
+            </a:r>
+            <a:r>
+              <a:rPr lang="es-419" dirty="0" err="1"/>
+              <a:t>realizon</a:t>
+            </a:r>
+            <a:r>
+              <a:rPr lang="es-419" dirty="0"/>
+              <a:t> el </a:t>
+            </a:r>
+            <a:r>
+              <a:rPr lang="es-419" dirty="0" err="1">
+                <a:solidFill>
+                  <a:srgbClr val="FF0000"/>
+                </a:solidFill>
+              </a:rPr>
+              <a:t>InformaListSERP.php</a:t>
+            </a:r>
+            <a:r>
+              <a:rPr lang="es-419" dirty="0"/>
+              <a:t>.</a:t>
             </a:r>
             <a:endParaRPr lang="es-ES" dirty="0"/>
           </a:p>
@@ -9112,7 +9321,7 @@
       </p:pic>
       <p:pic>
         <p:nvPicPr>
-          <p:cNvPr id="2" name="Imagen 1"/>
+          <p:cNvPr id="10" name="Imagen 9"/>
           <p:cNvPicPr>
             <a:picLocks noChangeAspect="1"/>
           </p:cNvPicPr>
@@ -9126,29 +9335,73 @@
         </p:blipFill>
         <p:spPr>
           <a:xfrm>
-            <a:off x="2065421" y="4680035"/>
-            <a:ext cx="6477000" cy="1590675"/>
+            <a:off x="2285655" y="4403036"/>
+            <a:ext cx="6448425" cy="2142143"/>
           </a:xfrm>
           <a:prstGeom prst="rect">
             <a:avLst/>
           </a:prstGeom>
+          <a:ln>
+            <a:solidFill>
+              <a:schemeClr val="bg2">
+                <a:lumMod val="25000"/>
+              </a:schemeClr>
+            </a:solidFill>
+          </a:ln>
         </p:spPr>
       </p:pic>
       <p:sp>
         <p:nvSpPr>
-          <p:cNvPr id="3" name="Abrir llave 2"/>
+          <p:cNvPr id="11" name="Rectángulo 10"/>
           <p:cNvSpPr/>
           <p:nvPr/>
         </p:nvSpPr>
         <p:spPr>
           <a:xfrm>
-            <a:off x="1528011" y="3633537"/>
-            <a:ext cx="252663" cy="731173"/>
+            <a:off x="6625508" y="4338690"/>
+            <a:ext cx="2153410" cy="369332"/>
+          </a:xfrm>
+          <a:prstGeom prst="rect">
+            <a:avLst/>
+          </a:prstGeom>
+        </p:spPr>
+        <p:txBody>
+          <a:bodyPr wrap="none">
+            <a:spAutoFit/>
+          </a:bodyPr>
+          <a:lstStyle/>
+          <a:p>
+            <a:r>
+              <a:rPr lang="es-419" dirty="0" err="1">
+                <a:solidFill>
+                  <a:srgbClr val="FF0000"/>
+                </a:solidFill>
+              </a:rPr>
+              <a:t>InformaListSERP.php</a:t>
+            </a:r>
+            <a:r>
+              <a:rPr lang="es-419" dirty="0"/>
+              <a:t>.</a:t>
+            </a:r>
+            <a:endParaRPr lang="es-ES" dirty="0"/>
+          </a:p>
+        </p:txBody>
+      </p:sp>
+      <p:sp>
+        <p:nvSpPr>
+          <p:cNvPr id="13" name="Abrir llave 12"/>
+          <p:cNvSpPr/>
+          <p:nvPr/>
+        </p:nvSpPr>
+        <p:spPr>
+          <a:xfrm>
+            <a:off x="1624263" y="1540042"/>
+            <a:ext cx="144379" cy="926431"/>
           </a:xfrm>
           <a:prstGeom prst="leftBrace">
             <a:avLst/>
           </a:prstGeom>
-          <a:ln w="28575">
+          <a:ln w="38100">
             <a:solidFill>
               <a:srgbClr val="FF0000"/>
             </a:solidFill>
@@ -9179,19 +9432,19 @@
       </p:sp>
       <p:cxnSp>
         <p:nvCxnSpPr>
-          <p:cNvPr id="12" name="Conector recto 11"/>
+          <p:cNvPr id="14" name="Conector recto 13"/>
           <p:cNvCxnSpPr/>
           <p:nvPr/>
         </p:nvCxnSpPr>
         <p:spPr>
           <a:xfrm>
-            <a:off x="1419726" y="3994484"/>
-            <a:ext cx="0" cy="1925053"/>
+            <a:off x="1056648" y="2003257"/>
+            <a:ext cx="0" cy="2869274"/>
           </a:xfrm>
           <a:prstGeom prst="line">
             <a:avLst/>
           </a:prstGeom>
-          <a:ln w="28575">
+          <a:ln w="38100">
             <a:solidFill>
               <a:srgbClr val="FF0000"/>
             </a:solidFill>
@@ -9214,19 +9467,54 @@
       </p:cxnSp>
       <p:cxnSp>
         <p:nvCxnSpPr>
-          <p:cNvPr id="15" name="Conector recto de flecha 14"/>
+          <p:cNvPr id="15" name="Conector recto 14"/>
           <p:cNvCxnSpPr/>
           <p:nvPr/>
         </p:nvCxnSpPr>
         <p:spPr>
-          <a:xfrm flipV="1">
-            <a:off x="1419726" y="5919537"/>
-            <a:ext cx="645695" cy="1"/>
+          <a:xfrm>
+            <a:off x="1056648" y="4872531"/>
+            <a:ext cx="2442565" cy="1"/>
+          </a:xfrm>
+          <a:prstGeom prst="line">
+            <a:avLst/>
+          </a:prstGeom>
+          <a:ln w="38100">
+            <a:solidFill>
+              <a:srgbClr val="FF0000"/>
+            </a:solidFill>
+          </a:ln>
+        </p:spPr>
+        <p:style>
+          <a:lnRef idx="1">
+            <a:schemeClr val="accent1"/>
+          </a:lnRef>
+          <a:fillRef idx="0">
+            <a:schemeClr val="accent1"/>
+          </a:fillRef>
+          <a:effectRef idx="0">
+            <a:schemeClr val="accent1"/>
+          </a:effectRef>
+          <a:fontRef idx="minor">
+            <a:schemeClr val="tx1"/>
+          </a:fontRef>
+        </p:style>
+      </p:cxnSp>
+      <p:cxnSp>
+        <p:nvCxnSpPr>
+          <p:cNvPr id="16" name="Conector recto de flecha 15"/>
+          <p:cNvCxnSpPr/>
+          <p:nvPr/>
+        </p:nvCxnSpPr>
+        <p:spPr>
+          <a:xfrm>
+            <a:off x="1001443" y="2003257"/>
+            <a:ext cx="483391" cy="0"/>
           </a:xfrm>
           <a:prstGeom prst="straightConnector1">
             <a:avLst/>
           </a:prstGeom>
-          <a:ln w="28575">
+          <a:ln w="38100">
             <a:solidFill>
               <a:srgbClr val="FF0000"/>
             </a:solidFill>
@@ -9250,7 +9538,50 @@
       </p:cxnSp>
       <p:sp>
         <p:nvSpPr>
-          <p:cNvPr id="21" name="Elipse 20"/>
+          <p:cNvPr id="17" name="Abrir llave 16"/>
+          <p:cNvSpPr/>
+          <p:nvPr/>
+        </p:nvSpPr>
+        <p:spPr>
+          <a:xfrm>
+            <a:off x="3556083" y="4583516"/>
+            <a:ext cx="233864" cy="578031"/>
+          </a:xfrm>
+          <a:prstGeom prst="leftBrace">
+            <a:avLst/>
+          </a:prstGeom>
+          <a:ln w="38100">
+            <a:solidFill>
+              <a:srgbClr val="FF0000"/>
+            </a:solidFill>
+          </a:ln>
+        </p:spPr>
+        <p:style>
+          <a:lnRef idx="1">
+            <a:schemeClr val="accent1"/>
+          </a:lnRef>
+          <a:fillRef idx="0">
+            <a:schemeClr val="accent1"/>
+          </a:fillRef>
+          <a:effectRef idx="0">
+            <a:schemeClr val="accent1"/>
+          </a:effectRef>
+          <a:fontRef idx="minor">
+            <a:schemeClr val="tx1"/>
+          </a:fontRef>
+        </p:style>
+        <p:txBody>
+          <a:bodyPr rtlCol="0" anchor="ctr"/>
+          <a:lstStyle/>
+          <a:p>
+            <a:pPr algn="ctr"/>
+            <a:endParaRPr lang="es-ES"/>
+          </a:p>
+        </p:txBody>
+      </p:sp>
+      <p:sp>
+        <p:nvSpPr>
+          <p:cNvPr id="23" name="Elipse 22"/>
           <p:cNvSpPr/>
           <p:nvPr/>
         </p:nvSpPr>
@@ -9299,7 +9630,7 @@
       </p:sp>
       <p:sp>
         <p:nvSpPr>
-          <p:cNvPr id="22" name="Flecha izquierda 21"/>
+          <p:cNvPr id="24" name="Flecha izquierda 23"/>
           <p:cNvSpPr/>
           <p:nvPr/>
         </p:nvSpPr>
@@ -9345,7 +9676,7 @@
     </p:spTree>
     <p:extLst>
       <p:ext uri="{BB962C8B-B14F-4D97-AF65-F5344CB8AC3E}">
-        <p14:creationId xmlns:p14="http://schemas.microsoft.com/office/powerpoint/2010/main" val="831136670"/>
+        <p14:creationId xmlns:p14="http://schemas.microsoft.com/office/powerpoint/2010/main" val="4137665108"/>
       </p:ext>
     </p:extLst>
   </p:cSld>
@@ -9374,59 +9705,14 @@
       </p:grpSpPr>
       <p:sp>
         <p:nvSpPr>
-          <p:cNvPr id="6" name="Flecha izquierda 5"/>
-          <p:cNvSpPr/>
-          <p:nvPr/>
-        </p:nvSpPr>
-        <p:spPr>
-          <a:xfrm>
-            <a:off x="7459576" y="220843"/>
-            <a:ext cx="791609" cy="323481"/>
-          </a:xfrm>
-          <a:prstGeom prst="leftArrow">
-            <a:avLst/>
-          </a:prstGeom>
-          <a:solidFill>
-            <a:schemeClr val="accent4">
-              <a:lumMod val="75000"/>
-            </a:schemeClr>
-          </a:solidFill>
-        </p:spPr>
-        <p:style>
-          <a:lnRef idx="2">
-            <a:schemeClr val="accent1">
-              <a:shade val="50000"/>
-            </a:schemeClr>
-          </a:lnRef>
-          <a:fillRef idx="1">
-            <a:schemeClr val="accent1"/>
-          </a:fillRef>
-          <a:effectRef idx="0">
-            <a:schemeClr val="accent1"/>
-          </a:effectRef>
-          <a:fontRef idx="minor">
-            <a:schemeClr val="lt1"/>
-          </a:fontRef>
-        </p:style>
-        <p:txBody>
-          <a:bodyPr rtlCol="0" anchor="ctr"/>
-          <a:lstStyle/>
-          <a:p>
-            <a:pPr algn="ctr"/>
-            <a:endParaRPr lang="es-ES"/>
-          </a:p>
-        </p:txBody>
-      </p:sp>
-      <p:sp>
-        <p:nvSpPr>
-          <p:cNvPr id="3" name="CuadroTexto 2"/>
+          <p:cNvPr id="5" name="CuadroTexto 4"/>
           <p:cNvSpPr txBox="1"/>
           <p:nvPr/>
         </p:nvSpPr>
         <p:spPr>
           <a:xfrm>
-            <a:off x="175097" y="197958"/>
-            <a:ext cx="5335050" cy="369332"/>
+            <a:off x="222363" y="135979"/>
+            <a:ext cx="6936426" cy="646331"/>
           </a:xfrm>
           <a:prstGeom prst="rect">
             <a:avLst/>
@@ -9434,14 +9720,22 @@
           <a:noFill/>
         </p:spPr>
         <p:txBody>
-          <a:bodyPr wrap="none" rtlCol="0">
+          <a:bodyPr wrap="square" rtlCol="0">
             <a:spAutoFit/>
           </a:bodyPr>
           <a:lstStyle/>
           <a:p>
             <a:r>
               <a:rPr lang="es-419" dirty="0"/>
-              <a:t>Seleccionar el archivo </a:t>
+              <a:t>Posicionarse en la línea 65 del </a:t>
+            </a:r>
+            <a:r>
+              <a:rPr lang="es-419" dirty="0" err="1"/>
+              <a:t>archico</a:t>
+            </a:r>
+            <a:r>
+              <a:rPr lang="es-419" dirty="0"/>
+              <a:t> </a:t>
             </a:r>
             <a:r>
               <a:rPr lang="es-419" dirty="0" err="1">
@@ -9449,11 +9743,11 @@
                   <a:srgbClr val="FF0000"/>
                 </a:solidFill>
               </a:rPr>
-              <a:t>InformaSERP.php</a:t>
+              <a:t>InformaList.php</a:t>
             </a:r>
             <a:r>
               <a:rPr lang="es-419" dirty="0"/>
-              <a:t> para actualizar</a:t>
+              <a:t> y actualizar los campos que se van a visualizar.</a:t>
             </a:r>
             <a:endParaRPr lang="es-ES" dirty="0"/>
           </a:p>
@@ -9461,7 +9755,7 @@
       </p:sp>
       <p:pic>
         <p:nvPicPr>
-          <p:cNvPr id="4" name="Imagen 3"/>
+          <p:cNvPr id="7" name="Imagen 6"/>
           <p:cNvPicPr>
             <a:picLocks noChangeAspect="1"/>
           </p:cNvPicPr>
@@ -9475,66 +9769,17 @@
         </p:blipFill>
         <p:spPr>
           <a:xfrm>
-            <a:off x="175097" y="702344"/>
-            <a:ext cx="2657475" cy="857250"/>
+            <a:off x="370973" y="1097635"/>
+            <a:ext cx="7391400" cy="3267075"/>
           </a:xfrm>
           <a:prstGeom prst="rect">
             <a:avLst/>
           </a:prstGeom>
         </p:spPr>
       </p:pic>
-      <p:sp>
-        <p:nvSpPr>
-          <p:cNvPr id="5" name="Elipse 4"/>
-          <p:cNvSpPr/>
-          <p:nvPr/>
-        </p:nvSpPr>
-        <p:spPr>
-          <a:xfrm>
-            <a:off x="8168061" y="188829"/>
-            <a:ext cx="651085" cy="355495"/>
-          </a:xfrm>
-          <a:prstGeom prst="ellipse">
-            <a:avLst/>
-          </a:prstGeom>
-          <a:solidFill>
-            <a:schemeClr val="accent4">
-              <a:lumMod val="75000"/>
-            </a:schemeClr>
-          </a:solidFill>
-        </p:spPr>
-        <p:style>
-          <a:lnRef idx="2">
-            <a:schemeClr val="accent1">
-              <a:shade val="50000"/>
-            </a:schemeClr>
-          </a:lnRef>
-          <a:fillRef idx="1">
-            <a:schemeClr val="accent1"/>
-          </a:fillRef>
-          <a:effectRef idx="0">
-            <a:schemeClr val="accent1"/>
-          </a:effectRef>
-          <a:fontRef idx="minor">
-            <a:schemeClr val="lt1"/>
-          </a:fontRef>
-        </p:style>
-        <p:txBody>
-          <a:bodyPr rtlCol="0" anchor="ctr"/>
-          <a:lstStyle/>
-          <a:p>
-            <a:pPr algn="ctr"/>
-            <a:r>
-              <a:rPr lang="es-419" dirty="0"/>
-              <a:t>3</a:t>
-            </a:r>
-            <a:endParaRPr lang="es-ES" dirty="0"/>
-          </a:p>
-        </p:txBody>
-      </p:sp>
       <p:pic>
         <p:nvPicPr>
-          <p:cNvPr id="7" name="Imagen 6"/>
+          <p:cNvPr id="2" name="Imagen 1"/>
           <p:cNvPicPr>
             <a:picLocks noChangeAspect="1"/>
           </p:cNvPicPr>
@@ -9548,8 +9793,8 @@
         </p:blipFill>
         <p:spPr>
           <a:xfrm>
-            <a:off x="0" y="1949342"/>
-            <a:ext cx="9286875" cy="2133600"/>
+            <a:off x="2065421" y="4680035"/>
+            <a:ext cx="6477000" cy="1590675"/>
           </a:xfrm>
           <a:prstGeom prst="rect">
             <a:avLst/>
@@ -9558,276 +9803,14 @@
       </p:pic>
       <p:sp>
         <p:nvSpPr>
-          <p:cNvPr id="8" name="CuadroTexto 7"/>
-          <p:cNvSpPr txBox="1"/>
-          <p:nvPr/>
-        </p:nvSpPr>
-        <p:spPr>
-          <a:xfrm>
-            <a:off x="175096" y="1569802"/>
-            <a:ext cx="8968903" cy="369332"/>
-          </a:xfrm>
-          <a:prstGeom prst="rect">
-            <a:avLst/>
-          </a:prstGeom>
-          <a:noFill/>
-        </p:spPr>
-        <p:txBody>
-          <a:bodyPr wrap="square" rtlCol="0">
-            <a:spAutoFit/>
-          </a:bodyPr>
-          <a:lstStyle/>
-          <a:p>
-            <a:r>
-              <a:rPr lang="es-419" dirty="0"/>
-              <a:t>a) Posicionarse en la línea 26 del </a:t>
-            </a:r>
-            <a:r>
-              <a:rPr lang="es-419" dirty="0" err="1"/>
-              <a:t>archico</a:t>
-            </a:r>
-            <a:r>
-              <a:rPr lang="es-419" dirty="0"/>
-              <a:t> </a:t>
-            </a:r>
-            <a:r>
-              <a:rPr lang="es-419" dirty="0" err="1">
-                <a:solidFill>
-                  <a:srgbClr val="FF0000"/>
-                </a:solidFill>
-              </a:rPr>
-              <a:t>InformaSERP.php</a:t>
-            </a:r>
-            <a:r>
-              <a:rPr lang="es-419" dirty="0"/>
-              <a:t> y actualizar el </a:t>
-            </a:r>
-            <a:r>
-              <a:rPr lang="es-419" dirty="0" err="1"/>
-              <a:t>Select</a:t>
-            </a:r>
-            <a:endParaRPr lang="es-ES" dirty="0"/>
-          </a:p>
-        </p:txBody>
-      </p:sp>
-      <p:pic>
-        <p:nvPicPr>
-          <p:cNvPr id="9" name="Imagen 8"/>
-          <p:cNvPicPr>
-            <a:picLocks noChangeAspect="1"/>
-          </p:cNvPicPr>
-          <p:nvPr/>
-        </p:nvPicPr>
-        <p:blipFill>
-          <a:blip r:embed="rId4"/>
-          <a:stretch>
-            <a:fillRect/>
-          </a:stretch>
-        </p:blipFill>
-        <p:spPr>
-          <a:xfrm>
-            <a:off x="4142371" y="4152900"/>
-            <a:ext cx="4676775" cy="2705100"/>
-          </a:xfrm>
-          <a:prstGeom prst="rect">
-            <a:avLst/>
-          </a:prstGeom>
-        </p:spPr>
-      </p:pic>
-      <p:sp>
-        <p:nvSpPr>
-          <p:cNvPr id="10" name="Abrir llave 9"/>
+          <p:cNvPr id="3" name="Abrir llave 2"/>
           <p:cNvSpPr/>
           <p:nvPr/>
         </p:nvSpPr>
         <p:spPr>
           <a:xfrm>
-            <a:off x="1383632" y="2512880"/>
-            <a:ext cx="252663" cy="600543"/>
-          </a:xfrm>
-          <a:prstGeom prst="leftBrace">
-            <a:avLst/>
-          </a:prstGeom>
-          <a:ln w="28575">
-            <a:solidFill>
-              <a:schemeClr val="accent2">
-                <a:lumMod val="75000"/>
-              </a:schemeClr>
-            </a:solidFill>
-          </a:ln>
-        </p:spPr>
-        <p:style>
-          <a:lnRef idx="1">
-            <a:schemeClr val="accent1"/>
-          </a:lnRef>
-          <a:fillRef idx="0">
-            <a:schemeClr val="accent1"/>
-          </a:fillRef>
-          <a:effectRef idx="0">
-            <a:schemeClr val="accent1"/>
-          </a:effectRef>
-          <a:fontRef idx="minor">
-            <a:schemeClr val="tx1"/>
-          </a:fontRef>
-        </p:style>
-        <p:txBody>
-          <a:bodyPr rtlCol="0" anchor="ctr"/>
-          <a:lstStyle/>
-          <a:p>
-            <a:pPr algn="ctr"/>
-            <a:endParaRPr lang="es-ES"/>
-          </a:p>
-        </p:txBody>
-      </p:sp>
-      <p:cxnSp>
-        <p:nvCxnSpPr>
-          <p:cNvPr id="11" name="Conector recto 10"/>
-          <p:cNvCxnSpPr/>
-          <p:nvPr/>
-        </p:nvCxnSpPr>
-        <p:spPr>
-          <a:xfrm>
-            <a:off x="1275347" y="2815389"/>
-            <a:ext cx="0" cy="1768639"/>
-          </a:xfrm>
-          <a:prstGeom prst="line">
-            <a:avLst/>
-          </a:prstGeom>
-          <a:ln w="28575">
-            <a:solidFill>
-              <a:schemeClr val="accent2">
-                <a:lumMod val="75000"/>
-              </a:schemeClr>
-            </a:solidFill>
-          </a:ln>
-        </p:spPr>
-        <p:style>
-          <a:lnRef idx="1">
-            <a:schemeClr val="accent1"/>
-          </a:lnRef>
-          <a:fillRef idx="0">
-            <a:schemeClr val="accent1"/>
-          </a:fillRef>
-          <a:effectRef idx="0">
-            <a:schemeClr val="accent1"/>
-          </a:effectRef>
-          <a:fontRef idx="minor">
-            <a:schemeClr val="tx1"/>
-          </a:fontRef>
-        </p:style>
-      </p:cxnSp>
-      <p:cxnSp>
-        <p:nvCxnSpPr>
-          <p:cNvPr id="12" name="Conector recto de flecha 11"/>
-          <p:cNvCxnSpPr/>
-          <p:nvPr/>
-        </p:nvCxnSpPr>
-        <p:spPr>
-          <a:xfrm flipV="1">
-            <a:off x="1275347" y="4584028"/>
-            <a:ext cx="2683042" cy="2"/>
-          </a:xfrm>
-          <a:prstGeom prst="straightConnector1">
-            <a:avLst/>
-          </a:prstGeom>
-          <a:ln w="28575">
-            <a:solidFill>
-              <a:schemeClr val="accent2">
-                <a:lumMod val="75000"/>
-              </a:schemeClr>
-            </a:solidFill>
-            <a:tailEnd type="triangle"/>
-          </a:ln>
-        </p:spPr>
-        <p:style>
-          <a:lnRef idx="1">
-            <a:schemeClr val="accent1"/>
-          </a:lnRef>
-          <a:fillRef idx="0">
-            <a:schemeClr val="accent1"/>
-          </a:fillRef>
-          <a:effectRef idx="0">
-            <a:schemeClr val="accent1"/>
-          </a:effectRef>
-          <a:fontRef idx="minor">
-            <a:schemeClr val="tx1"/>
-          </a:fontRef>
-        </p:style>
-      </p:cxnSp>
-      <p:sp>
-        <p:nvSpPr>
-          <p:cNvPr id="15" name="CuadroTexto 14"/>
-          <p:cNvSpPr txBox="1"/>
-          <p:nvPr/>
-        </p:nvSpPr>
-        <p:spPr>
-          <a:xfrm>
-            <a:off x="317972" y="4646480"/>
-            <a:ext cx="3824399" cy="923330"/>
-          </a:xfrm>
-          <a:prstGeom prst="rect">
-            <a:avLst/>
-          </a:prstGeom>
-          <a:noFill/>
-        </p:spPr>
-        <p:txBody>
-          <a:bodyPr wrap="square" rtlCol="0">
-            <a:spAutoFit/>
-          </a:bodyPr>
-          <a:lstStyle/>
-          <a:p>
-            <a:r>
-              <a:rPr lang="es-419" dirty="0"/>
-              <a:t>b) Posicionarse en la línea 40 al 43  definir los campos que se utilizan en el </a:t>
-            </a:r>
-            <a:r>
-              <a:rPr lang="es-419" dirty="0" err="1"/>
-              <a:t>query</a:t>
-            </a:r>
-            <a:endParaRPr lang="es-ES" dirty="0"/>
-          </a:p>
-        </p:txBody>
-      </p:sp>
-      <p:sp>
-        <p:nvSpPr>
-          <p:cNvPr id="16" name="CuadroTexto 15"/>
-          <p:cNvSpPr txBox="1"/>
-          <p:nvPr/>
-        </p:nvSpPr>
-        <p:spPr>
-          <a:xfrm>
-            <a:off x="317972" y="5813518"/>
-            <a:ext cx="3824399" cy="923330"/>
-          </a:xfrm>
-          <a:prstGeom prst="rect">
-            <a:avLst/>
-          </a:prstGeom>
-          <a:noFill/>
-        </p:spPr>
-        <p:txBody>
-          <a:bodyPr wrap="square" rtlCol="0">
-            <a:spAutoFit/>
-          </a:bodyPr>
-          <a:lstStyle/>
-          <a:p>
-            <a:r>
-              <a:rPr lang="es-419" dirty="0"/>
-              <a:t>c) Posicionarse en la línea 45 en base a las variables definidas colocar el campo</a:t>
-            </a:r>
-            <a:endParaRPr lang="es-ES" dirty="0"/>
-          </a:p>
-        </p:txBody>
-      </p:sp>
-      <p:sp>
-        <p:nvSpPr>
-          <p:cNvPr id="17" name="Abrir llave 16"/>
-          <p:cNvSpPr/>
-          <p:nvPr/>
-        </p:nvSpPr>
-        <p:spPr>
-          <a:xfrm flipH="1">
-            <a:off x="8503848" y="2415599"/>
-            <a:ext cx="315298" cy="600543"/>
+            <a:off x="1528011" y="3633537"/>
+            <a:ext cx="252663" cy="731173"/>
           </a:xfrm>
           <a:prstGeom prst="leftBrace">
             <a:avLst/>
@@ -9863,14 +9846,14 @@
       </p:sp>
       <p:cxnSp>
         <p:nvCxnSpPr>
-          <p:cNvPr id="18" name="Conector recto 17"/>
+          <p:cNvPr id="12" name="Conector recto 11"/>
           <p:cNvCxnSpPr/>
           <p:nvPr/>
         </p:nvCxnSpPr>
         <p:spPr>
           <a:xfrm>
-            <a:off x="8923421" y="2703094"/>
-            <a:ext cx="0" cy="3312695"/>
+            <a:off x="1419726" y="3994484"/>
+            <a:ext cx="0" cy="1925053"/>
           </a:xfrm>
           <a:prstGeom prst="line">
             <a:avLst/>
@@ -9898,60 +9881,23 @@
       </p:cxnSp>
       <p:cxnSp>
         <p:nvCxnSpPr>
-          <p:cNvPr id="20" name="Conector recto de flecha 19"/>
+          <p:cNvPr id="15" name="Conector recto de flecha 14"/>
           <p:cNvCxnSpPr/>
           <p:nvPr/>
         </p:nvCxnSpPr>
         <p:spPr>
-          <a:xfrm flipH="1">
-            <a:off x="8398042" y="6015789"/>
-            <a:ext cx="525380" cy="0"/>
+          <a:xfrm flipV="1">
+            <a:off x="1419726" y="5919537"/>
+            <a:ext cx="645695" cy="1"/>
           </a:xfrm>
           <a:prstGeom prst="straightConnector1">
-            <a:avLst/>
-          </a:prstGeom>
-          <a:ln w="28575">
-            <a:solidFill>
-              <a:schemeClr val="accent6">
-                <a:lumMod val="50000"/>
-              </a:schemeClr>
-            </a:solidFill>
-            <a:tailEnd type="triangle"/>
-          </a:ln>
-        </p:spPr>
-        <p:style>
-          <a:lnRef idx="1">
-            <a:schemeClr val="accent1"/>
-          </a:lnRef>
-          <a:fillRef idx="0">
-            <a:schemeClr val="accent1"/>
-          </a:fillRef>
-          <a:effectRef idx="0">
-            <a:schemeClr val="accent1"/>
-          </a:effectRef>
-          <a:fontRef idx="minor">
-            <a:schemeClr val="tx1"/>
-          </a:fontRef>
-        </p:style>
-      </p:cxnSp>
-      <p:sp>
-        <p:nvSpPr>
-          <p:cNvPr id="23" name="Abrir llave 22"/>
-          <p:cNvSpPr/>
-          <p:nvPr/>
-        </p:nvSpPr>
-        <p:spPr>
-          <a:xfrm flipH="1">
-            <a:off x="7966770" y="5164722"/>
-            <a:ext cx="315298" cy="1693278"/>
-          </a:xfrm>
-          <a:prstGeom prst="leftBrace">
             <a:avLst/>
           </a:prstGeom>
           <a:ln w="28575">
             <a:solidFill>
               <a:srgbClr val="FF0000"/>
             </a:solidFill>
+            <a:tailEnd type="triangle"/>
           </a:ln>
         </p:spPr>
         <p:style>
@@ -9966,6 +9912,92 @@
           </a:effectRef>
           <a:fontRef idx="minor">
             <a:schemeClr val="tx1"/>
+          </a:fontRef>
+        </p:style>
+      </p:cxnSp>
+      <p:sp>
+        <p:nvSpPr>
+          <p:cNvPr id="21" name="Elipse 20"/>
+          <p:cNvSpPr/>
+          <p:nvPr/>
+        </p:nvSpPr>
+        <p:spPr>
+          <a:xfrm>
+            <a:off x="8232230" y="176877"/>
+            <a:ext cx="538791" cy="416277"/>
+          </a:xfrm>
+          <a:prstGeom prst="ellipse">
+            <a:avLst/>
+          </a:prstGeom>
+          <a:solidFill>
+            <a:schemeClr val="accent5">
+              <a:lumMod val="75000"/>
+            </a:schemeClr>
+          </a:solidFill>
+        </p:spPr>
+        <p:style>
+          <a:lnRef idx="2">
+            <a:schemeClr val="accent1">
+              <a:shade val="50000"/>
+            </a:schemeClr>
+          </a:lnRef>
+          <a:fillRef idx="1">
+            <a:schemeClr val="accent1"/>
+          </a:fillRef>
+          <a:effectRef idx="0">
+            <a:schemeClr val="accent1"/>
+          </a:effectRef>
+          <a:fontRef idx="minor">
+            <a:schemeClr val="lt1"/>
+          </a:fontRef>
+        </p:style>
+        <p:txBody>
+          <a:bodyPr rtlCol="0" anchor="ctr"/>
+          <a:lstStyle/>
+          <a:p>
+            <a:pPr algn="ctr"/>
+            <a:r>
+              <a:rPr lang="es-419" dirty="0"/>
+              <a:t>2</a:t>
+            </a:r>
+            <a:endParaRPr lang="es-ES" dirty="0"/>
+          </a:p>
+        </p:txBody>
+      </p:sp>
+      <p:sp>
+        <p:nvSpPr>
+          <p:cNvPr id="22" name="Flecha izquierda 21"/>
+          <p:cNvSpPr/>
+          <p:nvPr/>
+        </p:nvSpPr>
+        <p:spPr>
+          <a:xfrm>
+            <a:off x="7256642" y="197958"/>
+            <a:ext cx="1025463" cy="378790"/>
+          </a:xfrm>
+          <a:prstGeom prst="leftArrow">
+            <a:avLst/>
+          </a:prstGeom>
+          <a:solidFill>
+            <a:schemeClr val="accent5">
+              <a:lumMod val="75000"/>
+            </a:schemeClr>
+          </a:solidFill>
+        </p:spPr>
+        <p:style>
+          <a:lnRef idx="2">
+            <a:schemeClr val="accent1">
+              <a:shade val="50000"/>
+            </a:schemeClr>
+          </a:lnRef>
+          <a:fillRef idx="1">
+            <a:schemeClr val="accent1"/>
+          </a:fillRef>
+          <a:effectRef idx="0">
+            <a:schemeClr val="accent1"/>
+          </a:effectRef>
+          <a:fontRef idx="minor">
+            <a:schemeClr val="lt1"/>
           </a:fontRef>
         </p:style>
         <p:txBody>
@@ -9980,7 +10012,7 @@
     </p:spTree>
     <p:extLst>
       <p:ext uri="{BB962C8B-B14F-4D97-AF65-F5344CB8AC3E}">
-        <p14:creationId xmlns:p14="http://schemas.microsoft.com/office/powerpoint/2010/main" val="2801669803"/>
+        <p14:creationId xmlns:p14="http://schemas.microsoft.com/office/powerpoint/2010/main" val="831136670"/>
       </p:ext>
     </p:extLst>
   </p:cSld>
@@ -10009,7 +10041,7 @@
       </p:grpSpPr>
       <p:sp>
         <p:nvSpPr>
-          <p:cNvPr id="4" name="Flecha izquierda 3"/>
+          <p:cNvPr id="6" name="Flecha izquierda 5"/>
           <p:cNvSpPr/>
           <p:nvPr/>
         </p:nvSpPr>
@@ -10054,14 +10086,14 @@
       </p:sp>
       <p:sp>
         <p:nvSpPr>
-          <p:cNvPr id="5" name="CuadroTexto 4"/>
+          <p:cNvPr id="3" name="CuadroTexto 2"/>
           <p:cNvSpPr txBox="1"/>
           <p:nvPr/>
         </p:nvSpPr>
         <p:spPr>
           <a:xfrm>
-            <a:off x="175098" y="197958"/>
-            <a:ext cx="6935566" cy="646331"/>
+            <a:off x="175097" y="197958"/>
+            <a:ext cx="5335050" cy="369332"/>
           </a:xfrm>
           <a:prstGeom prst="rect">
             <a:avLst/>
@@ -10069,22 +10101,14 @@
           <a:noFill/>
         </p:spPr>
         <p:txBody>
-          <a:bodyPr wrap="square" rtlCol="0">
+          <a:bodyPr wrap="none" rtlCol="0">
             <a:spAutoFit/>
           </a:bodyPr>
           <a:lstStyle/>
           <a:p>
             <a:r>
               <a:rPr lang="es-419" dirty="0"/>
-              <a:t>Posicionarse en la </a:t>
-            </a:r>
-            <a:r>
-              <a:rPr lang="es-419" dirty="0" err="1"/>
-              <a:t>Linea</a:t>
-            </a:r>
-            <a:r>
-              <a:rPr lang="es-419" dirty="0"/>
-              <a:t> 57 del archivo </a:t>
+              <a:t>Seleccionar el archivo </a:t>
             </a:r>
             <a:r>
               <a:rPr lang="es-419" dirty="0" err="1">
@@ -10096,56 +10120,7 @@
             </a:r>
             <a:r>
               <a:rPr lang="es-419" dirty="0"/>
-              <a:t> para actualizar el SELECT </a:t>
-            </a:r>
-            <a:endParaRPr lang="es-ES" dirty="0"/>
-          </a:p>
-        </p:txBody>
-      </p:sp>
-      <p:sp>
-        <p:nvSpPr>
-          <p:cNvPr id="6" name="Elipse 5"/>
-          <p:cNvSpPr/>
-          <p:nvPr/>
-        </p:nvSpPr>
-        <p:spPr>
-          <a:xfrm>
-            <a:off x="8168061" y="188829"/>
-            <a:ext cx="651085" cy="355495"/>
-          </a:xfrm>
-          <a:prstGeom prst="ellipse">
-            <a:avLst/>
-          </a:prstGeom>
-          <a:solidFill>
-            <a:schemeClr val="accent4">
-              <a:lumMod val="75000"/>
-            </a:schemeClr>
-          </a:solidFill>
-        </p:spPr>
-        <p:style>
-          <a:lnRef idx="2">
-            <a:schemeClr val="accent1">
-              <a:shade val="50000"/>
-            </a:schemeClr>
-          </a:lnRef>
-          <a:fillRef idx="1">
-            <a:schemeClr val="accent1"/>
-          </a:fillRef>
-          <a:effectRef idx="0">
-            <a:schemeClr val="accent1"/>
-          </a:effectRef>
-          <a:fontRef idx="minor">
-            <a:schemeClr val="lt1"/>
-          </a:fontRef>
-        </p:style>
-        <p:txBody>
-          <a:bodyPr rtlCol="0" anchor="ctr"/>
-          <a:lstStyle/>
-          <a:p>
-            <a:pPr algn="ctr"/>
-            <a:r>
-              <a:rPr lang="es-419" dirty="0"/>
-              <a:t>3</a:t>
+              <a:t> para actualizar</a:t>
             </a:r>
             <a:endParaRPr lang="es-ES" dirty="0"/>
           </a:p>
@@ -10153,7 +10128,7 @@
       </p:sp>
       <p:pic>
         <p:nvPicPr>
-          <p:cNvPr id="7" name="Imagen 6"/>
+          <p:cNvPr id="4" name="Imagen 3"/>
           <p:cNvPicPr>
             <a:picLocks noChangeAspect="1"/>
           </p:cNvPicPr>
@@ -10167,18 +10142,512 @@
         </p:blipFill>
         <p:spPr>
           <a:xfrm>
-            <a:off x="0" y="860007"/>
-            <a:ext cx="9201150" cy="2009775"/>
+            <a:off x="175097" y="702344"/>
+            <a:ext cx="2657475" cy="857250"/>
           </a:xfrm>
           <a:prstGeom prst="rect">
             <a:avLst/>
           </a:prstGeom>
         </p:spPr>
       </p:pic>
+      <p:sp>
+        <p:nvSpPr>
+          <p:cNvPr id="5" name="Elipse 4"/>
+          <p:cNvSpPr/>
+          <p:nvPr/>
+        </p:nvSpPr>
+        <p:spPr>
+          <a:xfrm>
+            <a:off x="8168061" y="188829"/>
+            <a:ext cx="651085" cy="355495"/>
+          </a:xfrm>
+          <a:prstGeom prst="ellipse">
+            <a:avLst/>
+          </a:prstGeom>
+          <a:solidFill>
+            <a:schemeClr val="accent4">
+              <a:lumMod val="75000"/>
+            </a:schemeClr>
+          </a:solidFill>
+        </p:spPr>
+        <p:style>
+          <a:lnRef idx="2">
+            <a:schemeClr val="accent1">
+              <a:shade val="50000"/>
+            </a:schemeClr>
+          </a:lnRef>
+          <a:fillRef idx="1">
+            <a:schemeClr val="accent1"/>
+          </a:fillRef>
+          <a:effectRef idx="0">
+            <a:schemeClr val="accent1"/>
+          </a:effectRef>
+          <a:fontRef idx="minor">
+            <a:schemeClr val="lt1"/>
+          </a:fontRef>
+        </p:style>
+        <p:txBody>
+          <a:bodyPr rtlCol="0" anchor="ctr"/>
+          <a:lstStyle/>
+          <a:p>
+            <a:pPr algn="ctr"/>
+            <a:r>
+              <a:rPr lang="es-419" dirty="0"/>
+              <a:t>3</a:t>
+            </a:r>
+            <a:endParaRPr lang="es-ES" dirty="0"/>
+          </a:p>
+        </p:txBody>
+      </p:sp>
+      <p:pic>
+        <p:nvPicPr>
+          <p:cNvPr id="7" name="Imagen 6"/>
+          <p:cNvPicPr>
+            <a:picLocks noChangeAspect="1"/>
+          </p:cNvPicPr>
+          <p:nvPr/>
+        </p:nvPicPr>
+        <p:blipFill>
+          <a:blip r:embed="rId3"/>
+          <a:stretch>
+            <a:fillRect/>
+          </a:stretch>
+        </p:blipFill>
+        <p:spPr>
+          <a:xfrm>
+            <a:off x="0" y="1949342"/>
+            <a:ext cx="9286875" cy="2133600"/>
+          </a:xfrm>
+          <a:prstGeom prst="rect">
+            <a:avLst/>
+          </a:prstGeom>
+        </p:spPr>
+      </p:pic>
+      <p:sp>
+        <p:nvSpPr>
+          <p:cNvPr id="8" name="CuadroTexto 7"/>
+          <p:cNvSpPr txBox="1"/>
+          <p:nvPr/>
+        </p:nvSpPr>
+        <p:spPr>
+          <a:xfrm>
+            <a:off x="175096" y="1569802"/>
+            <a:ext cx="8968903" cy="369332"/>
+          </a:xfrm>
+          <a:prstGeom prst="rect">
+            <a:avLst/>
+          </a:prstGeom>
+          <a:noFill/>
+        </p:spPr>
+        <p:txBody>
+          <a:bodyPr wrap="square" rtlCol="0">
+            <a:spAutoFit/>
+          </a:bodyPr>
+          <a:lstStyle/>
+          <a:p>
+            <a:r>
+              <a:rPr lang="es-419" dirty="0"/>
+              <a:t>a) Posicionarse en la línea 26 del </a:t>
+            </a:r>
+            <a:r>
+              <a:rPr lang="es-419" dirty="0" err="1"/>
+              <a:t>archico</a:t>
+            </a:r>
+            <a:r>
+              <a:rPr lang="es-419" dirty="0"/>
+              <a:t> </a:t>
+            </a:r>
+            <a:r>
+              <a:rPr lang="es-419" dirty="0" err="1">
+                <a:solidFill>
+                  <a:srgbClr val="FF0000"/>
+                </a:solidFill>
+              </a:rPr>
+              <a:t>InformaSERP.php</a:t>
+            </a:r>
+            <a:r>
+              <a:rPr lang="es-419" dirty="0"/>
+              <a:t> y actualizar el </a:t>
+            </a:r>
+            <a:r>
+              <a:rPr lang="es-419" dirty="0" err="1"/>
+              <a:t>Select</a:t>
+            </a:r>
+            <a:endParaRPr lang="es-ES" dirty="0"/>
+          </a:p>
+        </p:txBody>
+      </p:sp>
+      <p:pic>
+        <p:nvPicPr>
+          <p:cNvPr id="9" name="Imagen 8"/>
+          <p:cNvPicPr>
+            <a:picLocks noChangeAspect="1"/>
+          </p:cNvPicPr>
+          <p:nvPr/>
+        </p:nvPicPr>
+        <p:blipFill>
+          <a:blip r:embed="rId4"/>
+          <a:stretch>
+            <a:fillRect/>
+          </a:stretch>
+        </p:blipFill>
+        <p:spPr>
+          <a:xfrm>
+            <a:off x="4142371" y="4152900"/>
+            <a:ext cx="4676775" cy="2705100"/>
+          </a:xfrm>
+          <a:prstGeom prst="rect">
+            <a:avLst/>
+          </a:prstGeom>
+        </p:spPr>
+      </p:pic>
+      <p:sp>
+        <p:nvSpPr>
+          <p:cNvPr id="10" name="Abrir llave 9"/>
+          <p:cNvSpPr/>
+          <p:nvPr/>
+        </p:nvSpPr>
+        <p:spPr>
+          <a:xfrm>
+            <a:off x="1383632" y="2512880"/>
+            <a:ext cx="252663" cy="600543"/>
+          </a:xfrm>
+          <a:prstGeom prst="leftBrace">
+            <a:avLst/>
+          </a:prstGeom>
+          <a:ln w="28575">
+            <a:solidFill>
+              <a:schemeClr val="accent2">
+                <a:lumMod val="75000"/>
+              </a:schemeClr>
+            </a:solidFill>
+          </a:ln>
+        </p:spPr>
+        <p:style>
+          <a:lnRef idx="1">
+            <a:schemeClr val="accent1"/>
+          </a:lnRef>
+          <a:fillRef idx="0">
+            <a:schemeClr val="accent1"/>
+          </a:fillRef>
+          <a:effectRef idx="0">
+            <a:schemeClr val="accent1"/>
+          </a:effectRef>
+          <a:fontRef idx="minor">
+            <a:schemeClr val="tx1"/>
+          </a:fontRef>
+        </p:style>
+        <p:txBody>
+          <a:bodyPr rtlCol="0" anchor="ctr"/>
+          <a:lstStyle/>
+          <a:p>
+            <a:pPr algn="ctr"/>
+            <a:endParaRPr lang="es-ES"/>
+          </a:p>
+        </p:txBody>
+      </p:sp>
+      <p:cxnSp>
+        <p:nvCxnSpPr>
+          <p:cNvPr id="11" name="Conector recto 10"/>
+          <p:cNvCxnSpPr/>
+          <p:nvPr/>
+        </p:nvCxnSpPr>
+        <p:spPr>
+          <a:xfrm>
+            <a:off x="1275347" y="2815389"/>
+            <a:ext cx="0" cy="1768639"/>
+          </a:xfrm>
+          <a:prstGeom prst="line">
+            <a:avLst/>
+          </a:prstGeom>
+          <a:ln w="28575">
+            <a:solidFill>
+              <a:schemeClr val="accent2">
+                <a:lumMod val="75000"/>
+              </a:schemeClr>
+            </a:solidFill>
+          </a:ln>
+        </p:spPr>
+        <p:style>
+          <a:lnRef idx="1">
+            <a:schemeClr val="accent1"/>
+          </a:lnRef>
+          <a:fillRef idx="0">
+            <a:schemeClr val="accent1"/>
+          </a:fillRef>
+          <a:effectRef idx="0">
+            <a:schemeClr val="accent1"/>
+          </a:effectRef>
+          <a:fontRef idx="minor">
+            <a:schemeClr val="tx1"/>
+          </a:fontRef>
+        </p:style>
+      </p:cxnSp>
+      <p:cxnSp>
+        <p:nvCxnSpPr>
+          <p:cNvPr id="12" name="Conector recto de flecha 11"/>
+          <p:cNvCxnSpPr/>
+          <p:nvPr/>
+        </p:nvCxnSpPr>
+        <p:spPr>
+          <a:xfrm flipV="1">
+            <a:off x="1275347" y="4584028"/>
+            <a:ext cx="2683042" cy="2"/>
+          </a:xfrm>
+          <a:prstGeom prst="straightConnector1">
+            <a:avLst/>
+          </a:prstGeom>
+          <a:ln w="28575">
+            <a:solidFill>
+              <a:schemeClr val="accent2">
+                <a:lumMod val="75000"/>
+              </a:schemeClr>
+            </a:solidFill>
+            <a:tailEnd type="triangle"/>
+          </a:ln>
+        </p:spPr>
+        <p:style>
+          <a:lnRef idx="1">
+            <a:schemeClr val="accent1"/>
+          </a:lnRef>
+          <a:fillRef idx="0">
+            <a:schemeClr val="accent1"/>
+          </a:fillRef>
+          <a:effectRef idx="0">
+            <a:schemeClr val="accent1"/>
+          </a:effectRef>
+          <a:fontRef idx="minor">
+            <a:schemeClr val="tx1"/>
+          </a:fontRef>
+        </p:style>
+      </p:cxnSp>
+      <p:sp>
+        <p:nvSpPr>
+          <p:cNvPr id="15" name="CuadroTexto 14"/>
+          <p:cNvSpPr txBox="1"/>
+          <p:nvPr/>
+        </p:nvSpPr>
+        <p:spPr>
+          <a:xfrm>
+            <a:off x="317972" y="4646480"/>
+            <a:ext cx="3824399" cy="923330"/>
+          </a:xfrm>
+          <a:prstGeom prst="rect">
+            <a:avLst/>
+          </a:prstGeom>
+          <a:noFill/>
+        </p:spPr>
+        <p:txBody>
+          <a:bodyPr wrap="square" rtlCol="0">
+            <a:spAutoFit/>
+          </a:bodyPr>
+          <a:lstStyle/>
+          <a:p>
+            <a:r>
+              <a:rPr lang="es-419" dirty="0"/>
+              <a:t>b) Posicionarse en la línea 40 al 43  definir los campos que se utilizan en el </a:t>
+            </a:r>
+            <a:r>
+              <a:rPr lang="es-419" dirty="0" err="1"/>
+              <a:t>query</a:t>
+            </a:r>
+            <a:endParaRPr lang="es-ES" dirty="0"/>
+          </a:p>
+        </p:txBody>
+      </p:sp>
+      <p:sp>
+        <p:nvSpPr>
+          <p:cNvPr id="16" name="CuadroTexto 15"/>
+          <p:cNvSpPr txBox="1"/>
+          <p:nvPr/>
+        </p:nvSpPr>
+        <p:spPr>
+          <a:xfrm>
+            <a:off x="317972" y="5813518"/>
+            <a:ext cx="3824399" cy="923330"/>
+          </a:xfrm>
+          <a:prstGeom prst="rect">
+            <a:avLst/>
+          </a:prstGeom>
+          <a:noFill/>
+        </p:spPr>
+        <p:txBody>
+          <a:bodyPr wrap="square" rtlCol="0">
+            <a:spAutoFit/>
+          </a:bodyPr>
+          <a:lstStyle/>
+          <a:p>
+            <a:r>
+              <a:rPr lang="es-419" dirty="0"/>
+              <a:t>c) Posicionarse en la línea 45 en base a las variables definidas colocar el campo</a:t>
+            </a:r>
+            <a:endParaRPr lang="es-ES" dirty="0"/>
+          </a:p>
+        </p:txBody>
+      </p:sp>
+      <p:sp>
+        <p:nvSpPr>
+          <p:cNvPr id="17" name="Abrir llave 16"/>
+          <p:cNvSpPr/>
+          <p:nvPr/>
+        </p:nvSpPr>
+        <p:spPr>
+          <a:xfrm flipH="1">
+            <a:off x="8503848" y="2415599"/>
+            <a:ext cx="315298" cy="600543"/>
+          </a:xfrm>
+          <a:prstGeom prst="leftBrace">
+            <a:avLst/>
+          </a:prstGeom>
+          <a:ln w="28575">
+            <a:solidFill>
+              <a:srgbClr val="FF0000"/>
+            </a:solidFill>
+          </a:ln>
+        </p:spPr>
+        <p:style>
+          <a:lnRef idx="1">
+            <a:schemeClr val="accent1"/>
+          </a:lnRef>
+          <a:fillRef idx="0">
+            <a:schemeClr val="accent1"/>
+          </a:fillRef>
+          <a:effectRef idx="0">
+            <a:schemeClr val="accent1"/>
+          </a:effectRef>
+          <a:fontRef idx="minor">
+            <a:schemeClr val="tx1"/>
+          </a:fontRef>
+        </p:style>
+        <p:txBody>
+          <a:bodyPr rtlCol="0" anchor="ctr"/>
+          <a:lstStyle/>
+          <a:p>
+            <a:pPr algn="ctr"/>
+            <a:endParaRPr lang="es-ES"/>
+          </a:p>
+        </p:txBody>
+      </p:sp>
+      <p:cxnSp>
+        <p:nvCxnSpPr>
+          <p:cNvPr id="18" name="Conector recto 17"/>
+          <p:cNvCxnSpPr/>
+          <p:nvPr/>
+        </p:nvCxnSpPr>
+        <p:spPr>
+          <a:xfrm>
+            <a:off x="8923421" y="2703094"/>
+            <a:ext cx="0" cy="3312695"/>
+          </a:xfrm>
+          <a:prstGeom prst="line">
+            <a:avLst/>
+          </a:prstGeom>
+          <a:ln w="28575">
+            <a:solidFill>
+              <a:srgbClr val="FF0000"/>
+            </a:solidFill>
+          </a:ln>
+        </p:spPr>
+        <p:style>
+          <a:lnRef idx="1">
+            <a:schemeClr val="accent1"/>
+          </a:lnRef>
+          <a:fillRef idx="0">
+            <a:schemeClr val="accent1"/>
+          </a:fillRef>
+          <a:effectRef idx="0">
+            <a:schemeClr val="accent1"/>
+          </a:effectRef>
+          <a:fontRef idx="minor">
+            <a:schemeClr val="tx1"/>
+          </a:fontRef>
+        </p:style>
+      </p:cxnSp>
+      <p:cxnSp>
+        <p:nvCxnSpPr>
+          <p:cNvPr id="20" name="Conector recto de flecha 19"/>
+          <p:cNvCxnSpPr/>
+          <p:nvPr/>
+        </p:nvCxnSpPr>
+        <p:spPr>
+          <a:xfrm flipH="1">
+            <a:off x="8398042" y="6015789"/>
+            <a:ext cx="525380" cy="0"/>
+          </a:xfrm>
+          <a:prstGeom prst="straightConnector1">
+            <a:avLst/>
+          </a:prstGeom>
+          <a:ln w="28575">
+            <a:solidFill>
+              <a:schemeClr val="accent6">
+                <a:lumMod val="50000"/>
+              </a:schemeClr>
+            </a:solidFill>
+            <a:tailEnd type="triangle"/>
+          </a:ln>
+        </p:spPr>
+        <p:style>
+          <a:lnRef idx="1">
+            <a:schemeClr val="accent1"/>
+          </a:lnRef>
+          <a:fillRef idx="0">
+            <a:schemeClr val="accent1"/>
+          </a:fillRef>
+          <a:effectRef idx="0">
+            <a:schemeClr val="accent1"/>
+          </a:effectRef>
+          <a:fontRef idx="minor">
+            <a:schemeClr val="tx1"/>
+          </a:fontRef>
+        </p:style>
+      </p:cxnSp>
+      <p:sp>
+        <p:nvSpPr>
+          <p:cNvPr id="23" name="Abrir llave 22"/>
+          <p:cNvSpPr/>
+          <p:nvPr/>
+        </p:nvSpPr>
+        <p:spPr>
+          <a:xfrm flipH="1">
+            <a:off x="7966770" y="5164722"/>
+            <a:ext cx="315298" cy="1693278"/>
+          </a:xfrm>
+          <a:prstGeom prst="leftBrace">
+            <a:avLst/>
+          </a:prstGeom>
+          <a:ln w="28575">
+            <a:solidFill>
+              <a:srgbClr val="FF0000"/>
+            </a:solidFill>
+          </a:ln>
+        </p:spPr>
+        <p:style>
+          <a:lnRef idx="1">
+            <a:schemeClr val="accent1"/>
+          </a:lnRef>
+          <a:fillRef idx="0">
+            <a:schemeClr val="accent1"/>
+          </a:fillRef>
+          <a:effectRef idx="0">
+            <a:schemeClr val="accent1"/>
+          </a:effectRef>
+          <a:fontRef idx="minor">
+            <a:schemeClr val="tx1"/>
+          </a:fontRef>
+        </p:style>
+        <p:txBody>
+          <a:bodyPr rtlCol="0" anchor="ctr"/>
+          <a:lstStyle/>
+          <a:p>
+            <a:pPr algn="ctr"/>
+            <a:endParaRPr lang="es-ES"/>
+          </a:p>
+        </p:txBody>
+      </p:sp>
     </p:spTree>
     <p:extLst>
       <p:ext uri="{BB962C8B-B14F-4D97-AF65-F5344CB8AC3E}">
-        <p14:creationId xmlns:p14="http://schemas.microsoft.com/office/powerpoint/2010/main" val="616577411"/>
+        <p14:creationId xmlns:p14="http://schemas.microsoft.com/office/powerpoint/2010/main" val="2801669803"/>
       </p:ext>
     </p:extLst>
   </p:cSld>
@@ -10207,20 +10676,20 @@
       </p:grpSpPr>
       <p:sp>
         <p:nvSpPr>
-          <p:cNvPr id="4" name="Elipse 3"/>
+          <p:cNvPr id="4" name="Flecha izquierda 3"/>
           <p:cNvSpPr/>
           <p:nvPr/>
         </p:nvSpPr>
         <p:spPr>
           <a:xfrm>
-            <a:off x="8152556" y="250015"/>
-            <a:ext cx="378369" cy="432802"/>
-          </a:xfrm>
-          <a:prstGeom prst="ellipse">
+            <a:off x="7459576" y="220843"/>
+            <a:ext cx="791609" cy="323481"/>
+          </a:xfrm>
+          <a:prstGeom prst="leftArrow">
             <a:avLst/>
           </a:prstGeom>
           <a:solidFill>
-            <a:schemeClr val="accent3">
+            <a:schemeClr val="accent4">
               <a:lumMod val="75000"/>
             </a:schemeClr>
           </a:solidFill>
@@ -10246,69 +10715,20 @@
           <a:lstStyle/>
           <a:p>
             <a:pPr algn="ctr"/>
-            <a:r>
-              <a:rPr lang="es-419" dirty="0"/>
-              <a:t>4</a:t>
-            </a:r>
-            <a:endParaRPr lang="es-ES" dirty="0"/>
-          </a:p>
-        </p:txBody>
-      </p:sp>
-      <p:sp>
-        <p:nvSpPr>
-          <p:cNvPr id="5" name="Flecha izquierda 4"/>
-          <p:cNvSpPr/>
-          <p:nvPr/>
-        </p:nvSpPr>
-        <p:spPr>
-          <a:xfrm>
-            <a:off x="7489252" y="250015"/>
-            <a:ext cx="720137" cy="393826"/>
-          </a:xfrm>
-          <a:prstGeom prst="leftArrow">
-            <a:avLst/>
-          </a:prstGeom>
-          <a:solidFill>
-            <a:schemeClr val="accent3">
-              <a:lumMod val="75000"/>
-            </a:schemeClr>
-          </a:solidFill>
-        </p:spPr>
-        <p:style>
-          <a:lnRef idx="2">
-            <a:schemeClr val="accent1">
-              <a:shade val="50000"/>
-            </a:schemeClr>
-          </a:lnRef>
-          <a:fillRef idx="1">
-            <a:schemeClr val="accent1"/>
-          </a:fillRef>
-          <a:effectRef idx="0">
-            <a:schemeClr val="accent1"/>
-          </a:effectRef>
-          <a:fontRef idx="minor">
-            <a:schemeClr val="lt1"/>
-          </a:fontRef>
-        </p:style>
-        <p:txBody>
-          <a:bodyPr rtlCol="0" anchor="ctr"/>
-          <a:lstStyle/>
-          <a:p>
-            <a:pPr algn="ctr"/>
             <a:endParaRPr lang="es-ES"/>
           </a:p>
         </p:txBody>
       </p:sp>
       <p:sp>
         <p:nvSpPr>
-          <p:cNvPr id="6" name="CuadroTexto 5"/>
+          <p:cNvPr id="5" name="CuadroTexto 4"/>
           <p:cNvSpPr txBox="1"/>
           <p:nvPr/>
         </p:nvSpPr>
         <p:spPr>
           <a:xfrm>
-            <a:off x="188327" y="197958"/>
-            <a:ext cx="5008615" cy="369332"/>
+            <a:off x="175098" y="197958"/>
+            <a:ext cx="6935566" cy="646331"/>
           </a:xfrm>
           <a:prstGeom prst="rect">
             <a:avLst/>
@@ -10316,14 +10736,22 @@
           <a:noFill/>
         </p:spPr>
         <p:txBody>
-          <a:bodyPr wrap="none" rtlCol="0">
+          <a:bodyPr wrap="square" rtlCol="0">
             <a:spAutoFit/>
           </a:bodyPr>
           <a:lstStyle/>
           <a:p>
             <a:r>
               <a:rPr lang="es-419" dirty="0"/>
-              <a:t>Seleccionar el archivo </a:t>
+              <a:t>Posicionarse en la </a:t>
+            </a:r>
+            <a:r>
+              <a:rPr lang="es-419" dirty="0" err="1"/>
+              <a:t>Linea</a:t>
+            </a:r>
+            <a:r>
+              <a:rPr lang="es-419" dirty="0"/>
+              <a:t> 57 del archivo </a:t>
             </a:r>
             <a:r>
               <a:rPr lang="es-419" dirty="0" err="1">
@@ -10331,11 +10759,11 @@
                   <a:srgbClr val="FF0000"/>
                 </a:solidFill>
               </a:rPr>
-              <a:t>Informa.php</a:t>
+              <a:t>InformaSERP.php</a:t>
             </a:r>
             <a:r>
               <a:rPr lang="es-419" dirty="0"/>
-              <a:t> para actualizar</a:t>
+              <a:t> para actualizar el SELECT </a:t>
             </a:r>
             <a:endParaRPr lang="es-ES" dirty="0"/>
           </a:p>
@@ -10343,37 +10771,48 @@
       </p:sp>
       <p:sp>
         <p:nvSpPr>
-          <p:cNvPr id="7" name="CuadroTexto 6"/>
-          <p:cNvSpPr txBox="1"/>
-          <p:nvPr/>
-        </p:nvSpPr>
-        <p:spPr>
-          <a:xfrm>
-            <a:off x="84221" y="1742556"/>
-            <a:ext cx="7698198" cy="369332"/>
-          </a:xfrm>
-          <a:prstGeom prst="rect">
-            <a:avLst/>
-          </a:prstGeom>
-          <a:noFill/>
-        </p:spPr>
-        <p:txBody>
-          <a:bodyPr wrap="none" rtlCol="0">
-            <a:spAutoFit/>
-          </a:bodyPr>
-          <a:lstStyle/>
-          <a:p>
+          <p:cNvPr id="6" name="Elipse 5"/>
+          <p:cNvSpPr/>
+          <p:nvPr/>
+        </p:nvSpPr>
+        <p:spPr>
+          <a:xfrm>
+            <a:off x="8168061" y="188829"/>
+            <a:ext cx="651085" cy="355495"/>
+          </a:xfrm>
+          <a:prstGeom prst="ellipse">
+            <a:avLst/>
+          </a:prstGeom>
+          <a:solidFill>
+            <a:schemeClr val="accent4">
+              <a:lumMod val="75000"/>
+            </a:schemeClr>
+          </a:solidFill>
+        </p:spPr>
+        <p:style>
+          <a:lnRef idx="2">
+            <a:schemeClr val="accent1">
+              <a:shade val="50000"/>
+            </a:schemeClr>
+          </a:lnRef>
+          <a:fillRef idx="1">
+            <a:schemeClr val="accent1"/>
+          </a:fillRef>
+          <a:effectRef idx="0">
+            <a:schemeClr val="accent1"/>
+          </a:effectRef>
+          <a:fontRef idx="minor">
+            <a:schemeClr val="lt1"/>
+          </a:fontRef>
+        </p:style>
+        <p:txBody>
+          <a:bodyPr rtlCol="0" anchor="ctr"/>
+          <a:lstStyle/>
+          <a:p>
+            <a:pPr algn="ctr"/>
             <a:r>
               <a:rPr lang="es-419" dirty="0"/>
-              <a:t>Posicionarse en la línea 48  a la 114, colocar el titulo del campo y la </a:t>
-            </a:r>
-            <a:r>
-              <a:rPr lang="es-419" dirty="0" err="1"/>
-              <a:t>informacion</a:t>
-            </a:r>
-            <a:r>
-              <a:rPr lang="es-419" dirty="0"/>
-              <a:t>.</a:t>
+              <a:t>3</a:t>
             </a:r>
             <a:endParaRPr lang="es-ES" dirty="0"/>
           </a:p>
@@ -10381,7 +10820,7 @@
       </p:sp>
       <p:pic>
         <p:nvPicPr>
-          <p:cNvPr id="9" name="Imagen 8"/>
+          <p:cNvPr id="7" name="Imagen 6"/>
           <p:cNvPicPr>
             <a:picLocks noChangeAspect="1"/>
           </p:cNvPicPr>
@@ -10395,445 +10834,18 @@
         </p:blipFill>
         <p:spPr>
           <a:xfrm>
-            <a:off x="0" y="567290"/>
-            <a:ext cx="2857500" cy="990600"/>
+            <a:off x="0" y="860007"/>
+            <a:ext cx="9201150" cy="2009775"/>
           </a:xfrm>
           <a:prstGeom prst="rect">
             <a:avLst/>
           </a:prstGeom>
         </p:spPr>
       </p:pic>
-      <p:pic>
-        <p:nvPicPr>
-          <p:cNvPr id="13" name="Imagen 12"/>
-          <p:cNvPicPr>
-            <a:picLocks noChangeAspect="1"/>
-          </p:cNvPicPr>
-          <p:nvPr/>
-        </p:nvPicPr>
-        <p:blipFill>
-          <a:blip r:embed="rId3"/>
-          <a:stretch>
-            <a:fillRect/>
-          </a:stretch>
-        </p:blipFill>
-        <p:spPr>
-          <a:xfrm>
-            <a:off x="3922295" y="3652485"/>
-            <a:ext cx="5028264" cy="3348389"/>
-          </a:xfrm>
-          <a:prstGeom prst="rect">
-            <a:avLst/>
-          </a:prstGeom>
-        </p:spPr>
-      </p:pic>
-      <p:pic>
-        <p:nvPicPr>
-          <p:cNvPr id="14" name="Imagen 13"/>
-          <p:cNvPicPr>
-            <a:picLocks noChangeAspect="1"/>
-          </p:cNvPicPr>
-          <p:nvPr/>
-        </p:nvPicPr>
-        <p:blipFill>
-          <a:blip r:embed="rId4"/>
-          <a:stretch>
-            <a:fillRect/>
-          </a:stretch>
-        </p:blipFill>
-        <p:spPr>
-          <a:xfrm>
-            <a:off x="84221" y="3781745"/>
-            <a:ext cx="7029450" cy="1238250"/>
-          </a:xfrm>
-          <a:prstGeom prst="rect">
-            <a:avLst/>
-          </a:prstGeom>
-        </p:spPr>
-      </p:pic>
-      <p:pic>
-        <p:nvPicPr>
-          <p:cNvPr id="15" name="Imagen 14"/>
-          <p:cNvPicPr>
-            <a:picLocks noChangeAspect="1"/>
-          </p:cNvPicPr>
-          <p:nvPr/>
-        </p:nvPicPr>
-        <p:blipFill>
-          <a:blip r:embed="rId5"/>
-          <a:stretch>
-            <a:fillRect/>
-          </a:stretch>
-        </p:blipFill>
-        <p:spPr>
-          <a:xfrm>
-            <a:off x="188327" y="2138010"/>
-            <a:ext cx="6629400" cy="1514475"/>
-          </a:xfrm>
-          <a:prstGeom prst="rect">
-            <a:avLst/>
-          </a:prstGeom>
-        </p:spPr>
-      </p:pic>
-      <p:cxnSp>
-        <p:nvCxnSpPr>
-          <p:cNvPr id="17" name="Conector recto 16"/>
-          <p:cNvCxnSpPr/>
-          <p:nvPr/>
-        </p:nvCxnSpPr>
-        <p:spPr>
-          <a:xfrm flipH="1">
-            <a:off x="637674" y="4102768"/>
-            <a:ext cx="529389" cy="0"/>
-          </a:xfrm>
-          <a:prstGeom prst="line">
-            <a:avLst/>
-          </a:prstGeom>
-          <a:ln w="28575">
-            <a:solidFill>
-              <a:schemeClr val="accent4">
-                <a:lumMod val="50000"/>
-              </a:schemeClr>
-            </a:solidFill>
-          </a:ln>
-        </p:spPr>
-        <p:style>
-          <a:lnRef idx="1">
-            <a:schemeClr val="accent1"/>
-          </a:lnRef>
-          <a:fillRef idx="0">
-            <a:schemeClr val="accent1"/>
-          </a:fillRef>
-          <a:effectRef idx="0">
-            <a:schemeClr val="accent1"/>
-          </a:effectRef>
-          <a:fontRef idx="minor">
-            <a:schemeClr val="tx1"/>
-          </a:fontRef>
-        </p:style>
-      </p:cxnSp>
-      <p:cxnSp>
-        <p:nvCxnSpPr>
-          <p:cNvPr id="18" name="Conector recto 17"/>
-          <p:cNvCxnSpPr/>
-          <p:nvPr/>
-        </p:nvCxnSpPr>
-        <p:spPr>
-          <a:xfrm flipV="1">
-            <a:off x="637674" y="4102770"/>
-            <a:ext cx="0" cy="2370225"/>
-          </a:xfrm>
-          <a:prstGeom prst="line">
-            <a:avLst/>
-          </a:prstGeom>
-          <a:ln w="28575">
-            <a:solidFill>
-              <a:schemeClr val="accent4">
-                <a:lumMod val="50000"/>
-              </a:schemeClr>
-            </a:solidFill>
-          </a:ln>
-        </p:spPr>
-        <p:style>
-          <a:lnRef idx="1">
-            <a:schemeClr val="accent1"/>
-          </a:lnRef>
-          <a:fillRef idx="0">
-            <a:schemeClr val="accent1"/>
-          </a:fillRef>
-          <a:effectRef idx="0">
-            <a:schemeClr val="accent1"/>
-          </a:effectRef>
-          <a:fontRef idx="minor">
-            <a:schemeClr val="tx1"/>
-          </a:fontRef>
-        </p:style>
-      </p:cxnSp>
-      <p:cxnSp>
-        <p:nvCxnSpPr>
-          <p:cNvPr id="22" name="Conector recto de flecha 21"/>
-          <p:cNvCxnSpPr/>
-          <p:nvPr/>
-        </p:nvCxnSpPr>
-        <p:spPr>
-          <a:xfrm>
-            <a:off x="637674" y="6472995"/>
-            <a:ext cx="3188368" cy="0"/>
-          </a:xfrm>
-          <a:prstGeom prst="straightConnector1">
-            <a:avLst/>
-          </a:prstGeom>
-          <a:ln w="28575">
-            <a:solidFill>
-              <a:schemeClr val="accent4">
-                <a:lumMod val="50000"/>
-              </a:schemeClr>
-            </a:solidFill>
-            <a:tailEnd type="triangle"/>
-          </a:ln>
-        </p:spPr>
-        <p:style>
-          <a:lnRef idx="1">
-            <a:schemeClr val="accent1"/>
-          </a:lnRef>
-          <a:fillRef idx="0">
-            <a:schemeClr val="accent1"/>
-          </a:fillRef>
-          <a:effectRef idx="0">
-            <a:schemeClr val="accent1"/>
-          </a:effectRef>
-          <a:fontRef idx="minor">
-            <a:schemeClr val="tx1"/>
-          </a:fontRef>
-        </p:style>
-      </p:cxnSp>
-      <p:sp>
-        <p:nvSpPr>
-          <p:cNvPr id="25" name="Rectángulo redondeado 24"/>
-          <p:cNvSpPr/>
-          <p:nvPr/>
-        </p:nvSpPr>
-        <p:spPr>
-          <a:xfrm>
-            <a:off x="3874170" y="6328614"/>
-            <a:ext cx="545601" cy="257443"/>
-          </a:xfrm>
-          <a:prstGeom prst="roundRect">
-            <a:avLst/>
-          </a:prstGeom>
-          <a:noFill/>
-          <a:ln w="28575">
-            <a:solidFill>
-              <a:schemeClr val="accent4">
-                <a:lumMod val="50000"/>
-              </a:schemeClr>
-            </a:solidFill>
-          </a:ln>
-        </p:spPr>
-        <p:style>
-          <a:lnRef idx="2">
-            <a:schemeClr val="accent1">
-              <a:shade val="50000"/>
-            </a:schemeClr>
-          </a:lnRef>
-          <a:fillRef idx="1">
-            <a:schemeClr val="accent1"/>
-          </a:fillRef>
-          <a:effectRef idx="0">
-            <a:schemeClr val="accent1"/>
-          </a:effectRef>
-          <a:fontRef idx="minor">
-            <a:schemeClr val="lt1"/>
-          </a:fontRef>
-        </p:style>
-        <p:txBody>
-          <a:bodyPr rtlCol="0" anchor="ctr"/>
-          <a:lstStyle/>
-          <a:p>
-            <a:pPr algn="ctr"/>
-            <a:endParaRPr lang="es-ES"/>
-          </a:p>
-        </p:txBody>
-      </p:sp>
-      <p:sp>
-        <p:nvSpPr>
-          <p:cNvPr id="28" name="Cerrar llave 27"/>
-          <p:cNvSpPr/>
-          <p:nvPr/>
-        </p:nvSpPr>
-        <p:spPr>
-          <a:xfrm>
-            <a:off x="7002379" y="4102768"/>
-            <a:ext cx="111292" cy="613611"/>
-          </a:xfrm>
-          <a:prstGeom prst="rightBrace">
-            <a:avLst/>
-          </a:prstGeom>
-          <a:ln w="28575">
-            <a:solidFill>
-              <a:srgbClr val="FF0000"/>
-            </a:solidFill>
-          </a:ln>
-        </p:spPr>
-        <p:style>
-          <a:lnRef idx="1">
-            <a:schemeClr val="accent1"/>
-          </a:lnRef>
-          <a:fillRef idx="0">
-            <a:schemeClr val="accent1"/>
-          </a:fillRef>
-          <a:effectRef idx="0">
-            <a:schemeClr val="accent1"/>
-          </a:effectRef>
-          <a:fontRef idx="minor">
-            <a:schemeClr val="tx1"/>
-          </a:fontRef>
-        </p:style>
-        <p:txBody>
-          <a:bodyPr rtlCol="0" anchor="ctr"/>
-          <a:lstStyle/>
-          <a:p>
-            <a:pPr algn="ctr"/>
-            <a:endParaRPr lang="es-ES"/>
-          </a:p>
-        </p:txBody>
-      </p:sp>
-      <p:cxnSp>
-        <p:nvCxnSpPr>
-          <p:cNvPr id="31" name="Conector recto 30"/>
-          <p:cNvCxnSpPr/>
-          <p:nvPr/>
-        </p:nvCxnSpPr>
-        <p:spPr>
-          <a:xfrm flipH="1">
-            <a:off x="7166811" y="4415589"/>
-            <a:ext cx="529389" cy="0"/>
-          </a:xfrm>
-          <a:prstGeom prst="line">
-            <a:avLst/>
-          </a:prstGeom>
-          <a:ln w="28575">
-            <a:solidFill>
-              <a:srgbClr val="FF0000"/>
-            </a:solidFill>
-          </a:ln>
-        </p:spPr>
-        <p:style>
-          <a:lnRef idx="1">
-            <a:schemeClr val="accent1"/>
-          </a:lnRef>
-          <a:fillRef idx="0">
-            <a:schemeClr val="accent1"/>
-          </a:fillRef>
-          <a:effectRef idx="0">
-            <a:schemeClr val="accent1"/>
-          </a:effectRef>
-          <a:fontRef idx="minor">
-            <a:schemeClr val="tx1"/>
-          </a:fontRef>
-        </p:style>
-      </p:cxnSp>
-      <p:cxnSp>
-        <p:nvCxnSpPr>
-          <p:cNvPr id="32" name="Conector recto 31"/>
-          <p:cNvCxnSpPr/>
-          <p:nvPr/>
-        </p:nvCxnSpPr>
-        <p:spPr>
-          <a:xfrm flipV="1">
-            <a:off x="7688179" y="4391529"/>
-            <a:ext cx="8020" cy="2117555"/>
-          </a:xfrm>
-          <a:prstGeom prst="line">
-            <a:avLst/>
-          </a:prstGeom>
-          <a:ln w="28575">
-            <a:solidFill>
-              <a:srgbClr val="FF0000"/>
-            </a:solidFill>
-          </a:ln>
-        </p:spPr>
-        <p:style>
-          <a:lnRef idx="1">
-            <a:schemeClr val="accent1"/>
-          </a:lnRef>
-          <a:fillRef idx="0">
-            <a:schemeClr val="accent1"/>
-          </a:fillRef>
-          <a:effectRef idx="0">
-            <a:schemeClr val="accent1"/>
-          </a:effectRef>
-          <a:fontRef idx="minor">
-            <a:schemeClr val="tx1"/>
-          </a:fontRef>
-        </p:style>
-      </p:cxnSp>
-      <p:cxnSp>
-        <p:nvCxnSpPr>
-          <p:cNvPr id="33" name="Conector recto de flecha 32"/>
-          <p:cNvCxnSpPr/>
-          <p:nvPr/>
-        </p:nvCxnSpPr>
-        <p:spPr>
-          <a:xfrm flipH="1" flipV="1">
-            <a:off x="6581274" y="6472995"/>
-            <a:ext cx="1094873" cy="1"/>
-          </a:xfrm>
-          <a:prstGeom prst="straightConnector1">
-            <a:avLst/>
-          </a:prstGeom>
-          <a:ln w="28575">
-            <a:solidFill>
-              <a:srgbClr val="FF0000"/>
-            </a:solidFill>
-            <a:tailEnd type="triangle"/>
-          </a:ln>
-        </p:spPr>
-        <p:style>
-          <a:lnRef idx="1">
-            <a:schemeClr val="accent1"/>
-          </a:lnRef>
-          <a:fillRef idx="0">
-            <a:schemeClr val="accent1"/>
-          </a:fillRef>
-          <a:effectRef idx="0">
-            <a:schemeClr val="accent1"/>
-          </a:effectRef>
-          <a:fontRef idx="minor">
-            <a:schemeClr val="tx1"/>
-          </a:fontRef>
-        </p:style>
-      </p:cxnSp>
-      <p:sp>
-        <p:nvSpPr>
-          <p:cNvPr id="38" name="Rectángulo redondeado 37"/>
-          <p:cNvSpPr/>
-          <p:nvPr/>
-        </p:nvSpPr>
-        <p:spPr>
-          <a:xfrm>
-            <a:off x="5508373" y="6338254"/>
-            <a:ext cx="1072901" cy="283899"/>
-          </a:xfrm>
-          <a:prstGeom prst="roundRect">
-            <a:avLst/>
-          </a:prstGeom>
-          <a:noFill/>
-          <a:ln w="28575">
-            <a:solidFill>
-              <a:srgbClr val="FF0000"/>
-            </a:solidFill>
-          </a:ln>
-        </p:spPr>
-        <p:style>
-          <a:lnRef idx="2">
-            <a:schemeClr val="accent1">
-              <a:shade val="50000"/>
-            </a:schemeClr>
-          </a:lnRef>
-          <a:fillRef idx="1">
-            <a:schemeClr val="accent1"/>
-          </a:fillRef>
-          <a:effectRef idx="0">
-            <a:schemeClr val="accent1"/>
-          </a:effectRef>
-          <a:fontRef idx="minor">
-            <a:schemeClr val="lt1"/>
-          </a:fontRef>
-        </p:style>
-        <p:txBody>
-          <a:bodyPr rtlCol="0" anchor="ctr"/>
-          <a:lstStyle/>
-          <a:p>
-            <a:pPr algn="ctr"/>
-            <a:endParaRPr lang="es-ES"/>
-          </a:p>
-        </p:txBody>
-      </p:sp>
     </p:spTree>
     <p:extLst>
       <p:ext uri="{BB962C8B-B14F-4D97-AF65-F5344CB8AC3E}">
-        <p14:creationId xmlns:p14="http://schemas.microsoft.com/office/powerpoint/2010/main" val="424640537"/>
+        <p14:creationId xmlns:p14="http://schemas.microsoft.com/office/powerpoint/2010/main" val="616577411"/>
       </p:ext>
     </p:extLst>
   </p:cSld>
@@ -10862,14 +10874,108 @@
       </p:grpSpPr>
       <p:sp>
         <p:nvSpPr>
-          <p:cNvPr id="4" name="CuadroTexto 3"/>
+          <p:cNvPr id="4" name="Elipse 3"/>
+          <p:cNvSpPr/>
+          <p:nvPr/>
+        </p:nvSpPr>
+        <p:spPr>
+          <a:xfrm>
+            <a:off x="8152556" y="250015"/>
+            <a:ext cx="378369" cy="432802"/>
+          </a:xfrm>
+          <a:prstGeom prst="ellipse">
+            <a:avLst/>
+          </a:prstGeom>
+          <a:solidFill>
+            <a:schemeClr val="accent3">
+              <a:lumMod val="75000"/>
+            </a:schemeClr>
+          </a:solidFill>
+        </p:spPr>
+        <p:style>
+          <a:lnRef idx="2">
+            <a:schemeClr val="accent1">
+              <a:shade val="50000"/>
+            </a:schemeClr>
+          </a:lnRef>
+          <a:fillRef idx="1">
+            <a:schemeClr val="accent1"/>
+          </a:fillRef>
+          <a:effectRef idx="0">
+            <a:schemeClr val="accent1"/>
+          </a:effectRef>
+          <a:fontRef idx="minor">
+            <a:schemeClr val="lt1"/>
+          </a:fontRef>
+        </p:style>
+        <p:txBody>
+          <a:bodyPr rtlCol="0" anchor="ctr"/>
+          <a:lstStyle/>
+          <a:p>
+            <a:pPr algn="ctr"/>
+            <a:r>
+              <a:rPr lang="es-419" dirty="0"/>
+              <a:t>4</a:t>
+            </a:r>
+            <a:endParaRPr lang="es-ES" dirty="0"/>
+          </a:p>
+        </p:txBody>
+      </p:sp>
+      <p:sp>
+        <p:nvSpPr>
+          <p:cNvPr id="5" name="Flecha izquierda 4"/>
+          <p:cNvSpPr/>
+          <p:nvPr/>
+        </p:nvSpPr>
+        <p:spPr>
+          <a:xfrm>
+            <a:off x="7489252" y="250015"/>
+            <a:ext cx="720137" cy="393826"/>
+          </a:xfrm>
+          <a:prstGeom prst="leftArrow">
+            <a:avLst/>
+          </a:prstGeom>
+          <a:solidFill>
+            <a:schemeClr val="accent3">
+              <a:lumMod val="75000"/>
+            </a:schemeClr>
+          </a:solidFill>
+        </p:spPr>
+        <p:style>
+          <a:lnRef idx="2">
+            <a:schemeClr val="accent1">
+              <a:shade val="50000"/>
+            </a:schemeClr>
+          </a:lnRef>
+          <a:fillRef idx="1">
+            <a:schemeClr val="accent1"/>
+          </a:fillRef>
+          <a:effectRef idx="0">
+            <a:schemeClr val="accent1"/>
+          </a:effectRef>
+          <a:fontRef idx="minor">
+            <a:schemeClr val="lt1"/>
+          </a:fontRef>
+        </p:style>
+        <p:txBody>
+          <a:bodyPr rtlCol="0" anchor="ctr"/>
+          <a:lstStyle/>
+          <a:p>
+            <a:pPr algn="ctr"/>
+            <a:endParaRPr lang="es-ES"/>
+          </a:p>
+        </p:txBody>
+      </p:sp>
+      <p:sp>
+        <p:nvSpPr>
+          <p:cNvPr id="6" name="CuadroTexto 5"/>
           <p:cNvSpPr txBox="1"/>
           <p:nvPr/>
         </p:nvSpPr>
         <p:spPr>
           <a:xfrm>
             <a:off x="188327" y="197958"/>
-            <a:ext cx="5391156" cy="369332"/>
+            <a:ext cx="5008615" cy="369332"/>
           </a:xfrm>
           <a:prstGeom prst="rect">
             <a:avLst/>
@@ -10892,7 +10998,7 @@
                   <a:srgbClr val="FF0000"/>
                 </a:solidFill>
               </a:rPr>
-              <a:t>InformaCRUD.php</a:t>
+              <a:t>Informa.php</a:t>
             </a:r>
             <a:r>
               <a:rPr lang="es-419" dirty="0"/>
@@ -10904,101 +11010,45 @@
       </p:sp>
       <p:sp>
         <p:nvSpPr>
-          <p:cNvPr id="6" name="Elipse 5"/>
-          <p:cNvSpPr/>
-          <p:nvPr/>
-        </p:nvSpPr>
-        <p:spPr>
-          <a:xfrm>
-            <a:off x="8017512" y="197869"/>
-            <a:ext cx="476787" cy="427773"/>
-          </a:xfrm>
-          <a:prstGeom prst="ellipse">
-            <a:avLst/>
-          </a:prstGeom>
-          <a:solidFill>
-            <a:schemeClr val="accent2">
-              <a:lumMod val="75000"/>
-            </a:schemeClr>
-          </a:solidFill>
-        </p:spPr>
-        <p:style>
-          <a:lnRef idx="2">
-            <a:schemeClr val="accent1">
-              <a:shade val="50000"/>
-            </a:schemeClr>
-          </a:lnRef>
-          <a:fillRef idx="1">
-            <a:schemeClr val="accent1"/>
-          </a:fillRef>
-          <a:effectRef idx="0">
-            <a:schemeClr val="accent1"/>
-          </a:effectRef>
-          <a:fontRef idx="minor">
-            <a:schemeClr val="lt1"/>
-          </a:fontRef>
-        </p:style>
-        <p:txBody>
-          <a:bodyPr rtlCol="0" anchor="ctr"/>
-          <a:lstStyle/>
-          <a:p>
-            <a:pPr algn="ctr"/>
+          <p:cNvPr id="7" name="CuadroTexto 6"/>
+          <p:cNvSpPr txBox="1"/>
+          <p:nvPr/>
+        </p:nvSpPr>
+        <p:spPr>
+          <a:xfrm>
+            <a:off x="84221" y="1742556"/>
+            <a:ext cx="7698198" cy="369332"/>
+          </a:xfrm>
+          <a:prstGeom prst="rect">
+            <a:avLst/>
+          </a:prstGeom>
+          <a:noFill/>
+        </p:spPr>
+        <p:txBody>
+          <a:bodyPr wrap="none" rtlCol="0">
+            <a:spAutoFit/>
+          </a:bodyPr>
+          <a:lstStyle/>
+          <a:p>
             <a:r>
               <a:rPr lang="es-419" dirty="0"/>
-              <a:t>5</a:t>
+              <a:t>Posicionarse en la línea 48  a la 114, colocar el titulo del campo y la </a:t>
+            </a:r>
+            <a:r>
+              <a:rPr lang="es-419" dirty="0" err="1"/>
+              <a:t>informacion</a:t>
+            </a:r>
+            <a:r>
+              <a:rPr lang="es-419" dirty="0"/>
+              <a:t>.</a:t>
             </a:r>
             <a:endParaRPr lang="es-ES" dirty="0"/>
-          </a:p>
-        </p:txBody>
-      </p:sp>
-      <p:sp>
-        <p:nvSpPr>
-          <p:cNvPr id="7" name="Flecha izquierda 6"/>
-          <p:cNvSpPr/>
-          <p:nvPr/>
-        </p:nvSpPr>
-        <p:spPr>
-          <a:xfrm>
-            <a:off x="7162238" y="206918"/>
-            <a:ext cx="907453" cy="389250"/>
-          </a:xfrm>
-          <a:prstGeom prst="leftArrow">
-            <a:avLst/>
-          </a:prstGeom>
-          <a:solidFill>
-            <a:schemeClr val="accent2">
-              <a:lumMod val="75000"/>
-            </a:schemeClr>
-          </a:solidFill>
-        </p:spPr>
-        <p:style>
-          <a:lnRef idx="2">
-            <a:schemeClr val="accent1">
-              <a:shade val="50000"/>
-            </a:schemeClr>
-          </a:lnRef>
-          <a:fillRef idx="1">
-            <a:schemeClr val="accent1"/>
-          </a:fillRef>
-          <a:effectRef idx="0">
-            <a:schemeClr val="accent1"/>
-          </a:effectRef>
-          <a:fontRef idx="minor">
-            <a:schemeClr val="lt1"/>
-          </a:fontRef>
-        </p:style>
-        <p:txBody>
-          <a:bodyPr rtlCol="0" anchor="ctr"/>
-          <a:lstStyle/>
-          <a:p>
-            <a:pPr algn="ctr"/>
-            <a:endParaRPr lang="es-ES"/>
           </a:p>
         </p:txBody>
       </p:sp>
       <p:pic>
         <p:nvPicPr>
-          <p:cNvPr id="8" name="Imagen 7"/>
+          <p:cNvPr id="9" name="Imagen 8"/>
           <p:cNvPicPr>
             <a:picLocks noChangeAspect="1"/>
           </p:cNvPicPr>
@@ -11012,8 +11062,8 @@
         </p:blipFill>
         <p:spPr>
           <a:xfrm>
-            <a:off x="0" y="625642"/>
-            <a:ext cx="2466975" cy="790575"/>
+            <a:off x="0" y="567290"/>
+            <a:ext cx="2857500" cy="990600"/>
           </a:xfrm>
           <a:prstGeom prst="rect">
             <a:avLst/>
@@ -11022,7 +11072,7 @@
       </p:pic>
       <p:pic>
         <p:nvPicPr>
-          <p:cNvPr id="9" name="Imagen 8"/>
+          <p:cNvPr id="13" name="Imagen 12"/>
           <p:cNvPicPr>
             <a:picLocks noChangeAspect="1"/>
           </p:cNvPicPr>
@@ -11036,59 +11086,17 @@
         </p:blipFill>
         <p:spPr>
           <a:xfrm>
-            <a:off x="0" y="2026068"/>
-            <a:ext cx="5457825" cy="1819275"/>
+            <a:off x="3922295" y="3652485"/>
+            <a:ext cx="5028264" cy="3348389"/>
           </a:xfrm>
           <a:prstGeom prst="rect">
             <a:avLst/>
           </a:prstGeom>
         </p:spPr>
       </p:pic>
-      <p:sp>
-        <p:nvSpPr>
-          <p:cNvPr id="10" name="CuadroTexto 9"/>
-          <p:cNvSpPr txBox="1"/>
-          <p:nvPr/>
-        </p:nvSpPr>
-        <p:spPr>
-          <a:xfrm>
-            <a:off x="0" y="1536476"/>
-            <a:ext cx="8801705" cy="369332"/>
-          </a:xfrm>
-          <a:prstGeom prst="rect">
-            <a:avLst/>
-          </a:prstGeom>
-          <a:noFill/>
-        </p:spPr>
-        <p:txBody>
-          <a:bodyPr wrap="none" rtlCol="0">
-            <a:spAutoFit/>
-          </a:bodyPr>
-          <a:lstStyle/>
-          <a:p>
-            <a:r>
-              <a:rPr lang="es-419" dirty="0"/>
-              <a:t>Posicionarse en la línea 29  a la 37, asignar  las variables definidas del archivo </a:t>
-            </a:r>
-            <a:r>
-              <a:rPr lang="es-419" dirty="0" err="1">
-                <a:solidFill>
-                  <a:srgbClr val="FF0000"/>
-                </a:solidFill>
-              </a:rPr>
-              <a:t>Informa.php</a:t>
-            </a:r>
-            <a:r>
-              <a:rPr lang="es-419" dirty="0"/>
-              <a:t>.</a:t>
-            </a:r>
-            <a:endParaRPr lang="es-ES" dirty="0"/>
-          </a:p>
-        </p:txBody>
-      </p:sp>
       <p:pic>
         <p:nvPicPr>
-          <p:cNvPr id="11" name="Imagen 10"/>
+          <p:cNvPr id="14" name="Imagen 13"/>
           <p:cNvPicPr>
             <a:picLocks noChangeAspect="1"/>
           </p:cNvPicPr>
@@ -11102,18 +11110,397 @@
         </p:blipFill>
         <p:spPr>
           <a:xfrm>
-            <a:off x="3946358" y="2473390"/>
-            <a:ext cx="5028264" cy="3348389"/>
+            <a:off x="84221" y="3781745"/>
+            <a:ext cx="7029450" cy="1238250"/>
           </a:xfrm>
           <a:prstGeom prst="rect">
             <a:avLst/>
           </a:prstGeom>
         </p:spPr>
       </p:pic>
+      <p:pic>
+        <p:nvPicPr>
+          <p:cNvPr id="15" name="Imagen 14"/>
+          <p:cNvPicPr>
+            <a:picLocks noChangeAspect="1"/>
+          </p:cNvPicPr>
+          <p:nvPr/>
+        </p:nvPicPr>
+        <p:blipFill>
+          <a:blip r:embed="rId5"/>
+          <a:stretch>
+            <a:fillRect/>
+          </a:stretch>
+        </p:blipFill>
+        <p:spPr>
+          <a:xfrm>
+            <a:off x="188327" y="2138010"/>
+            <a:ext cx="6629400" cy="1514475"/>
+          </a:xfrm>
+          <a:prstGeom prst="rect">
+            <a:avLst/>
+          </a:prstGeom>
+        </p:spPr>
+      </p:pic>
+      <p:cxnSp>
+        <p:nvCxnSpPr>
+          <p:cNvPr id="17" name="Conector recto 16"/>
+          <p:cNvCxnSpPr/>
+          <p:nvPr/>
+        </p:nvCxnSpPr>
+        <p:spPr>
+          <a:xfrm flipH="1">
+            <a:off x="637674" y="4102768"/>
+            <a:ext cx="529389" cy="0"/>
+          </a:xfrm>
+          <a:prstGeom prst="line">
+            <a:avLst/>
+          </a:prstGeom>
+          <a:ln w="28575">
+            <a:solidFill>
+              <a:schemeClr val="accent4">
+                <a:lumMod val="50000"/>
+              </a:schemeClr>
+            </a:solidFill>
+          </a:ln>
+        </p:spPr>
+        <p:style>
+          <a:lnRef idx="1">
+            <a:schemeClr val="accent1"/>
+          </a:lnRef>
+          <a:fillRef idx="0">
+            <a:schemeClr val="accent1"/>
+          </a:fillRef>
+          <a:effectRef idx="0">
+            <a:schemeClr val="accent1"/>
+          </a:effectRef>
+          <a:fontRef idx="minor">
+            <a:schemeClr val="tx1"/>
+          </a:fontRef>
+        </p:style>
+      </p:cxnSp>
+      <p:cxnSp>
+        <p:nvCxnSpPr>
+          <p:cNvPr id="18" name="Conector recto 17"/>
+          <p:cNvCxnSpPr/>
+          <p:nvPr/>
+        </p:nvCxnSpPr>
+        <p:spPr>
+          <a:xfrm flipV="1">
+            <a:off x="637674" y="4102770"/>
+            <a:ext cx="0" cy="2370225"/>
+          </a:xfrm>
+          <a:prstGeom prst="line">
+            <a:avLst/>
+          </a:prstGeom>
+          <a:ln w="28575">
+            <a:solidFill>
+              <a:schemeClr val="accent4">
+                <a:lumMod val="50000"/>
+              </a:schemeClr>
+            </a:solidFill>
+          </a:ln>
+        </p:spPr>
+        <p:style>
+          <a:lnRef idx="1">
+            <a:schemeClr val="accent1"/>
+          </a:lnRef>
+          <a:fillRef idx="0">
+            <a:schemeClr val="accent1"/>
+          </a:fillRef>
+          <a:effectRef idx="0">
+            <a:schemeClr val="accent1"/>
+          </a:effectRef>
+          <a:fontRef idx="minor">
+            <a:schemeClr val="tx1"/>
+          </a:fontRef>
+        </p:style>
+      </p:cxnSp>
+      <p:cxnSp>
+        <p:nvCxnSpPr>
+          <p:cNvPr id="22" name="Conector recto de flecha 21"/>
+          <p:cNvCxnSpPr/>
+          <p:nvPr/>
+        </p:nvCxnSpPr>
+        <p:spPr>
+          <a:xfrm>
+            <a:off x="637674" y="6472995"/>
+            <a:ext cx="3188368" cy="0"/>
+          </a:xfrm>
+          <a:prstGeom prst="straightConnector1">
+            <a:avLst/>
+          </a:prstGeom>
+          <a:ln w="28575">
+            <a:solidFill>
+              <a:schemeClr val="accent4">
+                <a:lumMod val="50000"/>
+              </a:schemeClr>
+            </a:solidFill>
+            <a:tailEnd type="triangle"/>
+          </a:ln>
+        </p:spPr>
+        <p:style>
+          <a:lnRef idx="1">
+            <a:schemeClr val="accent1"/>
+          </a:lnRef>
+          <a:fillRef idx="0">
+            <a:schemeClr val="accent1"/>
+          </a:fillRef>
+          <a:effectRef idx="0">
+            <a:schemeClr val="accent1"/>
+          </a:effectRef>
+          <a:fontRef idx="minor">
+            <a:schemeClr val="tx1"/>
+          </a:fontRef>
+        </p:style>
+      </p:cxnSp>
+      <p:sp>
+        <p:nvSpPr>
+          <p:cNvPr id="25" name="Rectángulo redondeado 24"/>
+          <p:cNvSpPr/>
+          <p:nvPr/>
+        </p:nvSpPr>
+        <p:spPr>
+          <a:xfrm>
+            <a:off x="3874170" y="6328614"/>
+            <a:ext cx="545601" cy="257443"/>
+          </a:xfrm>
+          <a:prstGeom prst="roundRect">
+            <a:avLst/>
+          </a:prstGeom>
+          <a:noFill/>
+          <a:ln w="28575">
+            <a:solidFill>
+              <a:schemeClr val="accent4">
+                <a:lumMod val="50000"/>
+              </a:schemeClr>
+            </a:solidFill>
+          </a:ln>
+        </p:spPr>
+        <p:style>
+          <a:lnRef idx="2">
+            <a:schemeClr val="accent1">
+              <a:shade val="50000"/>
+            </a:schemeClr>
+          </a:lnRef>
+          <a:fillRef idx="1">
+            <a:schemeClr val="accent1"/>
+          </a:fillRef>
+          <a:effectRef idx="0">
+            <a:schemeClr val="accent1"/>
+          </a:effectRef>
+          <a:fontRef idx="minor">
+            <a:schemeClr val="lt1"/>
+          </a:fontRef>
+        </p:style>
+        <p:txBody>
+          <a:bodyPr rtlCol="0" anchor="ctr"/>
+          <a:lstStyle/>
+          <a:p>
+            <a:pPr algn="ctr"/>
+            <a:endParaRPr lang="es-ES"/>
+          </a:p>
+        </p:txBody>
+      </p:sp>
+      <p:sp>
+        <p:nvSpPr>
+          <p:cNvPr id="28" name="Cerrar llave 27"/>
+          <p:cNvSpPr/>
+          <p:nvPr/>
+        </p:nvSpPr>
+        <p:spPr>
+          <a:xfrm>
+            <a:off x="7002379" y="4102768"/>
+            <a:ext cx="111292" cy="613611"/>
+          </a:xfrm>
+          <a:prstGeom prst="rightBrace">
+            <a:avLst/>
+          </a:prstGeom>
+          <a:ln w="28575">
+            <a:solidFill>
+              <a:srgbClr val="FF0000"/>
+            </a:solidFill>
+          </a:ln>
+        </p:spPr>
+        <p:style>
+          <a:lnRef idx="1">
+            <a:schemeClr val="accent1"/>
+          </a:lnRef>
+          <a:fillRef idx="0">
+            <a:schemeClr val="accent1"/>
+          </a:fillRef>
+          <a:effectRef idx="0">
+            <a:schemeClr val="accent1"/>
+          </a:effectRef>
+          <a:fontRef idx="minor">
+            <a:schemeClr val="tx1"/>
+          </a:fontRef>
+        </p:style>
+        <p:txBody>
+          <a:bodyPr rtlCol="0" anchor="ctr"/>
+          <a:lstStyle/>
+          <a:p>
+            <a:pPr algn="ctr"/>
+            <a:endParaRPr lang="es-ES"/>
+          </a:p>
+        </p:txBody>
+      </p:sp>
+      <p:cxnSp>
+        <p:nvCxnSpPr>
+          <p:cNvPr id="31" name="Conector recto 30"/>
+          <p:cNvCxnSpPr/>
+          <p:nvPr/>
+        </p:nvCxnSpPr>
+        <p:spPr>
+          <a:xfrm flipH="1">
+            <a:off x="7166811" y="4415589"/>
+            <a:ext cx="529389" cy="0"/>
+          </a:xfrm>
+          <a:prstGeom prst="line">
+            <a:avLst/>
+          </a:prstGeom>
+          <a:ln w="28575">
+            <a:solidFill>
+              <a:srgbClr val="FF0000"/>
+            </a:solidFill>
+          </a:ln>
+        </p:spPr>
+        <p:style>
+          <a:lnRef idx="1">
+            <a:schemeClr val="accent1"/>
+          </a:lnRef>
+          <a:fillRef idx="0">
+            <a:schemeClr val="accent1"/>
+          </a:fillRef>
+          <a:effectRef idx="0">
+            <a:schemeClr val="accent1"/>
+          </a:effectRef>
+          <a:fontRef idx="minor">
+            <a:schemeClr val="tx1"/>
+          </a:fontRef>
+        </p:style>
+      </p:cxnSp>
+      <p:cxnSp>
+        <p:nvCxnSpPr>
+          <p:cNvPr id="32" name="Conector recto 31"/>
+          <p:cNvCxnSpPr/>
+          <p:nvPr/>
+        </p:nvCxnSpPr>
+        <p:spPr>
+          <a:xfrm flipV="1">
+            <a:off x="7688179" y="4391529"/>
+            <a:ext cx="8020" cy="2117555"/>
+          </a:xfrm>
+          <a:prstGeom prst="line">
+            <a:avLst/>
+          </a:prstGeom>
+          <a:ln w="28575">
+            <a:solidFill>
+              <a:srgbClr val="FF0000"/>
+            </a:solidFill>
+          </a:ln>
+        </p:spPr>
+        <p:style>
+          <a:lnRef idx="1">
+            <a:schemeClr val="accent1"/>
+          </a:lnRef>
+          <a:fillRef idx="0">
+            <a:schemeClr val="accent1"/>
+          </a:fillRef>
+          <a:effectRef idx="0">
+            <a:schemeClr val="accent1"/>
+          </a:effectRef>
+          <a:fontRef idx="minor">
+            <a:schemeClr val="tx1"/>
+          </a:fontRef>
+        </p:style>
+      </p:cxnSp>
+      <p:cxnSp>
+        <p:nvCxnSpPr>
+          <p:cNvPr id="33" name="Conector recto de flecha 32"/>
+          <p:cNvCxnSpPr/>
+          <p:nvPr/>
+        </p:nvCxnSpPr>
+        <p:spPr>
+          <a:xfrm flipH="1" flipV="1">
+            <a:off x="6581274" y="6472995"/>
+            <a:ext cx="1094873" cy="1"/>
+          </a:xfrm>
+          <a:prstGeom prst="straightConnector1">
+            <a:avLst/>
+          </a:prstGeom>
+          <a:ln w="28575">
+            <a:solidFill>
+              <a:srgbClr val="FF0000"/>
+            </a:solidFill>
+            <a:tailEnd type="triangle"/>
+          </a:ln>
+        </p:spPr>
+        <p:style>
+          <a:lnRef idx="1">
+            <a:schemeClr val="accent1"/>
+          </a:lnRef>
+          <a:fillRef idx="0">
+            <a:schemeClr val="accent1"/>
+          </a:fillRef>
+          <a:effectRef idx="0">
+            <a:schemeClr val="accent1"/>
+          </a:effectRef>
+          <a:fontRef idx="minor">
+            <a:schemeClr val="tx1"/>
+          </a:fontRef>
+        </p:style>
+      </p:cxnSp>
+      <p:sp>
+        <p:nvSpPr>
+          <p:cNvPr id="38" name="Rectángulo redondeado 37"/>
+          <p:cNvSpPr/>
+          <p:nvPr/>
+        </p:nvSpPr>
+        <p:spPr>
+          <a:xfrm>
+            <a:off x="5508373" y="6338254"/>
+            <a:ext cx="1072901" cy="283899"/>
+          </a:xfrm>
+          <a:prstGeom prst="roundRect">
+            <a:avLst/>
+          </a:prstGeom>
+          <a:noFill/>
+          <a:ln w="28575">
+            <a:solidFill>
+              <a:srgbClr val="FF0000"/>
+            </a:solidFill>
+          </a:ln>
+        </p:spPr>
+        <p:style>
+          <a:lnRef idx="2">
+            <a:schemeClr val="accent1">
+              <a:shade val="50000"/>
+            </a:schemeClr>
+          </a:lnRef>
+          <a:fillRef idx="1">
+            <a:schemeClr val="accent1"/>
+          </a:fillRef>
+          <a:effectRef idx="0">
+            <a:schemeClr val="accent1"/>
+          </a:effectRef>
+          <a:fontRef idx="minor">
+            <a:schemeClr val="lt1"/>
+          </a:fontRef>
+        </p:style>
+        <p:txBody>
+          <a:bodyPr rtlCol="0" anchor="ctr"/>
+          <a:lstStyle/>
+          <a:p>
+            <a:pPr algn="ctr"/>
+            <a:endParaRPr lang="es-ES"/>
+          </a:p>
+        </p:txBody>
+      </p:sp>
     </p:spTree>
     <p:extLst>
       <p:ext uri="{BB962C8B-B14F-4D97-AF65-F5344CB8AC3E}">
-        <p14:creationId xmlns:p14="http://schemas.microsoft.com/office/powerpoint/2010/main" val="109202513"/>
+        <p14:creationId xmlns:p14="http://schemas.microsoft.com/office/powerpoint/2010/main" val="424640537"/>
       </p:ext>
     </p:extLst>
   </p:cSld>
@@ -11142,7 +11529,49 @@
       </p:grpSpPr>
       <p:sp>
         <p:nvSpPr>
-          <p:cNvPr id="5" name="Elipse 4"/>
+          <p:cNvPr id="4" name="CuadroTexto 3"/>
+          <p:cNvSpPr txBox="1"/>
+          <p:nvPr/>
+        </p:nvSpPr>
+        <p:spPr>
+          <a:xfrm>
+            <a:off x="188327" y="197958"/>
+            <a:ext cx="5391156" cy="369332"/>
+          </a:xfrm>
+          <a:prstGeom prst="rect">
+            <a:avLst/>
+          </a:prstGeom>
+          <a:noFill/>
+        </p:spPr>
+        <p:txBody>
+          <a:bodyPr wrap="none" rtlCol="0">
+            <a:spAutoFit/>
+          </a:bodyPr>
+          <a:lstStyle/>
+          <a:p>
+            <a:r>
+              <a:rPr lang="es-419" dirty="0"/>
+              <a:t>Seleccionar el archivo </a:t>
+            </a:r>
+            <a:r>
+              <a:rPr lang="es-419" dirty="0" err="1">
+                <a:solidFill>
+                  <a:srgbClr val="FF0000"/>
+                </a:solidFill>
+              </a:rPr>
+              <a:t>InformaCRUD.php</a:t>
+            </a:r>
+            <a:r>
+              <a:rPr lang="es-419" dirty="0"/>
+              <a:t> para actualizar</a:t>
+            </a:r>
+            <a:endParaRPr lang="es-ES" dirty="0"/>
+          </a:p>
+        </p:txBody>
+      </p:sp>
+      <p:sp>
+        <p:nvSpPr>
+          <p:cNvPr id="6" name="Elipse 5"/>
           <p:cNvSpPr/>
           <p:nvPr/>
         </p:nvSpPr>
@@ -11191,7 +11620,7 @@
       </p:sp>
       <p:sp>
         <p:nvSpPr>
-          <p:cNvPr id="6" name="Flecha izquierda 5"/>
+          <p:cNvPr id="7" name="Flecha izquierda 6"/>
           <p:cNvSpPr/>
           <p:nvPr/>
         </p:nvSpPr>
@@ -11236,7 +11665,7 @@
       </p:sp>
       <p:pic>
         <p:nvPicPr>
-          <p:cNvPr id="9" name="Imagen 8"/>
+          <p:cNvPr id="8" name="Imagen 7"/>
           <p:cNvPicPr>
             <a:picLocks noChangeAspect="1"/>
           </p:cNvPicPr>
@@ -11250,8 +11679,8 @@
         </p:blipFill>
         <p:spPr>
           <a:xfrm>
-            <a:off x="380832" y="4978065"/>
-            <a:ext cx="8334375" cy="1714500"/>
+            <a:off x="0" y="625642"/>
+            <a:ext cx="2466975" cy="790575"/>
           </a:xfrm>
           <a:prstGeom prst="rect">
             <a:avLst/>
@@ -11260,7 +11689,7 @@
       </p:pic>
       <p:pic>
         <p:nvPicPr>
-          <p:cNvPr id="10" name="Imagen 9"/>
+          <p:cNvPr id="9" name="Imagen 8"/>
           <p:cNvPicPr>
             <a:picLocks noChangeAspect="1"/>
           </p:cNvPicPr>
@@ -11274,7 +11703,7 @@
         </p:blipFill>
         <p:spPr>
           <a:xfrm>
-            <a:off x="121658" y="1424489"/>
+            <a:off x="0" y="2026068"/>
             <a:ext cx="5457825" cy="1819275"/>
           </a:xfrm>
           <a:prstGeom prst="rect">
@@ -11282,9 +11711,51 @@
           </a:prstGeom>
         </p:spPr>
       </p:pic>
+      <p:sp>
+        <p:nvSpPr>
+          <p:cNvPr id="10" name="CuadroTexto 9"/>
+          <p:cNvSpPr txBox="1"/>
+          <p:nvPr/>
+        </p:nvSpPr>
+        <p:spPr>
+          <a:xfrm>
+            <a:off x="0" y="1536476"/>
+            <a:ext cx="8801705" cy="369332"/>
+          </a:xfrm>
+          <a:prstGeom prst="rect">
+            <a:avLst/>
+          </a:prstGeom>
+          <a:noFill/>
+        </p:spPr>
+        <p:txBody>
+          <a:bodyPr wrap="none" rtlCol="0">
+            <a:spAutoFit/>
+          </a:bodyPr>
+          <a:lstStyle/>
+          <a:p>
+            <a:r>
+              <a:rPr lang="es-419" dirty="0"/>
+              <a:t>Posicionarse en la línea 29  a la 37, asignar  las variables definidas del archivo </a:t>
+            </a:r>
+            <a:r>
+              <a:rPr lang="es-419" dirty="0" err="1">
+                <a:solidFill>
+                  <a:srgbClr val="FF0000"/>
+                </a:solidFill>
+              </a:rPr>
+              <a:t>Informa.php</a:t>
+            </a:r>
+            <a:r>
+              <a:rPr lang="es-419" dirty="0"/>
+              <a:t>.</a:t>
+            </a:r>
+            <a:endParaRPr lang="es-ES" dirty="0"/>
+          </a:p>
+        </p:txBody>
+      </p:sp>
       <p:pic>
         <p:nvPicPr>
-          <p:cNvPr id="12" name="Imagen 11"/>
+          <p:cNvPr id="11" name="Imagen 10"/>
           <p:cNvPicPr>
             <a:picLocks noChangeAspect="1"/>
           </p:cNvPicPr>
@@ -11298,257 +11769,18 @@
         </p:blipFill>
         <p:spPr>
           <a:xfrm>
-            <a:off x="4398377" y="818096"/>
-            <a:ext cx="4124325" cy="4461910"/>
+            <a:off x="3946358" y="2473390"/>
+            <a:ext cx="5028264" cy="3348389"/>
           </a:xfrm>
           <a:prstGeom prst="rect">
             <a:avLst/>
           </a:prstGeom>
         </p:spPr>
       </p:pic>
-      <p:cxnSp>
-        <p:nvCxnSpPr>
-          <p:cNvPr id="14" name="Conector recto de flecha 13"/>
-          <p:cNvCxnSpPr/>
-          <p:nvPr/>
-        </p:nvCxnSpPr>
-        <p:spPr>
-          <a:xfrm flipH="1">
-            <a:off x="4366464" y="5161547"/>
-            <a:ext cx="181555" cy="324853"/>
-          </a:xfrm>
-          <a:prstGeom prst="straightConnector1">
-            <a:avLst/>
-          </a:prstGeom>
-          <a:ln w="28575">
-            <a:solidFill>
-              <a:schemeClr val="accent4">
-                <a:lumMod val="50000"/>
-              </a:schemeClr>
-            </a:solidFill>
-            <a:tailEnd type="triangle"/>
-          </a:ln>
-        </p:spPr>
-        <p:style>
-          <a:lnRef idx="1">
-            <a:schemeClr val="accent1"/>
-          </a:lnRef>
-          <a:fillRef idx="0">
-            <a:schemeClr val="accent1"/>
-          </a:fillRef>
-          <a:effectRef idx="0">
-            <a:schemeClr val="accent1"/>
-          </a:effectRef>
-          <a:fontRef idx="minor">
-            <a:schemeClr val="tx1"/>
-          </a:fontRef>
-        </p:style>
-      </p:cxnSp>
-      <p:sp>
-        <p:nvSpPr>
-          <p:cNvPr id="15" name="Abrir llave 14"/>
-          <p:cNvSpPr/>
-          <p:nvPr/>
-        </p:nvSpPr>
-        <p:spPr>
-          <a:xfrm>
-            <a:off x="348918" y="1448553"/>
-            <a:ext cx="421106" cy="1819275"/>
-          </a:xfrm>
-          <a:prstGeom prst="leftBrace">
-            <a:avLst/>
-          </a:prstGeom>
-          <a:ln w="28575">
-            <a:solidFill>
-              <a:srgbClr val="FF0000"/>
-            </a:solidFill>
-          </a:ln>
-        </p:spPr>
-        <p:style>
-          <a:lnRef idx="1">
-            <a:schemeClr val="accent1"/>
-          </a:lnRef>
-          <a:fillRef idx="0">
-            <a:schemeClr val="accent1"/>
-          </a:fillRef>
-          <a:effectRef idx="0">
-            <a:schemeClr val="accent1"/>
-          </a:effectRef>
-          <a:fontRef idx="minor">
-            <a:schemeClr val="tx1"/>
-          </a:fontRef>
-        </p:style>
-        <p:txBody>
-          <a:bodyPr rtlCol="0" anchor="ctr"/>
-          <a:lstStyle/>
-          <a:p>
-            <a:pPr algn="ctr"/>
-            <a:endParaRPr lang="es-ES"/>
-          </a:p>
-        </p:txBody>
-      </p:sp>
-      <p:cxnSp>
-        <p:nvCxnSpPr>
-          <p:cNvPr id="16" name="Conector recto de flecha 15"/>
-          <p:cNvCxnSpPr/>
-          <p:nvPr/>
-        </p:nvCxnSpPr>
-        <p:spPr>
-          <a:xfrm flipV="1">
-            <a:off x="348918" y="6233861"/>
-            <a:ext cx="3208249" cy="10528"/>
-          </a:xfrm>
-          <a:prstGeom prst="straightConnector1">
-            <a:avLst/>
-          </a:prstGeom>
-          <a:ln w="28575">
-            <a:solidFill>
-              <a:srgbClr val="FF0000"/>
-            </a:solidFill>
-            <a:tailEnd type="triangle"/>
-          </a:ln>
-        </p:spPr>
-        <p:style>
-          <a:lnRef idx="1">
-            <a:schemeClr val="accent1"/>
-          </a:lnRef>
-          <a:fillRef idx="0">
-            <a:schemeClr val="accent1"/>
-          </a:fillRef>
-          <a:effectRef idx="0">
-            <a:schemeClr val="accent1"/>
-          </a:effectRef>
-          <a:fontRef idx="minor">
-            <a:schemeClr val="tx1"/>
-          </a:fontRef>
-        </p:style>
-      </p:cxnSp>
-      <p:cxnSp>
-        <p:nvCxnSpPr>
-          <p:cNvPr id="20" name="Conector recto 19"/>
-          <p:cNvCxnSpPr>
-            <a:stCxn id="15" idx="1"/>
-          </p:cNvCxnSpPr>
-          <p:nvPr/>
-        </p:nvCxnSpPr>
-        <p:spPr>
-          <a:xfrm>
-            <a:off x="348918" y="2358191"/>
-            <a:ext cx="0" cy="3875670"/>
-          </a:xfrm>
-          <a:prstGeom prst="line">
-            <a:avLst/>
-          </a:prstGeom>
-          <a:ln w="28575">
-            <a:solidFill>
-              <a:srgbClr val="FF0000"/>
-            </a:solidFill>
-          </a:ln>
-        </p:spPr>
-        <p:style>
-          <a:lnRef idx="1">
-            <a:schemeClr val="accent1"/>
-          </a:lnRef>
-          <a:fillRef idx="0">
-            <a:schemeClr val="accent1"/>
-          </a:fillRef>
-          <a:effectRef idx="0">
-            <a:schemeClr val="accent1"/>
-          </a:effectRef>
-          <a:fontRef idx="minor">
-            <a:schemeClr val="tx1"/>
-          </a:fontRef>
-        </p:style>
-      </p:cxnSp>
-      <p:sp>
-        <p:nvSpPr>
-          <p:cNvPr id="23" name="Abrir llave 22"/>
-          <p:cNvSpPr/>
-          <p:nvPr/>
-        </p:nvSpPr>
-        <p:spPr>
-          <a:xfrm>
-            <a:off x="3646300" y="5787189"/>
-            <a:ext cx="227868" cy="905376"/>
-          </a:xfrm>
-          <a:prstGeom prst="leftBrace">
-            <a:avLst/>
-          </a:prstGeom>
-          <a:ln w="28575">
-            <a:solidFill>
-              <a:srgbClr val="FF0000"/>
-            </a:solidFill>
-          </a:ln>
-        </p:spPr>
-        <p:style>
-          <a:lnRef idx="1">
-            <a:schemeClr val="accent1"/>
-          </a:lnRef>
-          <a:fillRef idx="0">
-            <a:schemeClr val="accent1"/>
-          </a:fillRef>
-          <a:effectRef idx="0">
-            <a:schemeClr val="accent1"/>
-          </a:effectRef>
-          <a:fontRef idx="minor">
-            <a:schemeClr val="tx1"/>
-          </a:fontRef>
-        </p:style>
-        <p:txBody>
-          <a:bodyPr rtlCol="0" anchor="ctr"/>
-          <a:lstStyle/>
-          <a:p>
-            <a:pPr algn="ctr"/>
-            <a:endParaRPr lang="es-ES"/>
-          </a:p>
-        </p:txBody>
-      </p:sp>
-      <p:sp>
-        <p:nvSpPr>
-          <p:cNvPr id="29" name="CuadroTexto 28"/>
-          <p:cNvSpPr txBox="1"/>
-          <p:nvPr/>
-        </p:nvSpPr>
-        <p:spPr>
-          <a:xfrm>
-            <a:off x="215808" y="294211"/>
-            <a:ext cx="6786572" cy="646331"/>
-          </a:xfrm>
-          <a:prstGeom prst="rect">
-            <a:avLst/>
-          </a:prstGeom>
-          <a:noFill/>
-        </p:spPr>
-        <p:txBody>
-          <a:bodyPr wrap="square" rtlCol="0">
-            <a:spAutoFit/>
-          </a:bodyPr>
-          <a:lstStyle/>
-          <a:p>
-            <a:r>
-              <a:rPr lang="es-419" dirty="0"/>
-              <a:t>Posicionarse en la línea 42  a la 46, asignar  las variables definidas del archivo </a:t>
-            </a:r>
-            <a:r>
-              <a:rPr lang="es-419" dirty="0" err="1">
-                <a:solidFill>
-                  <a:srgbClr val="FF0000"/>
-                </a:solidFill>
-              </a:rPr>
-              <a:t>Informa.php</a:t>
-            </a:r>
-            <a:r>
-              <a:rPr lang="es-419" dirty="0"/>
-              <a:t>.</a:t>
-            </a:r>
-            <a:endParaRPr lang="es-ES" dirty="0"/>
-          </a:p>
-        </p:txBody>
-      </p:sp>
     </p:spTree>
     <p:extLst>
       <p:ext uri="{BB962C8B-B14F-4D97-AF65-F5344CB8AC3E}">
-        <p14:creationId xmlns:p14="http://schemas.microsoft.com/office/powerpoint/2010/main" val="1143620800"/>
+        <p14:creationId xmlns:p14="http://schemas.microsoft.com/office/powerpoint/2010/main" val="109202513"/>
       </p:ext>
     </p:extLst>
   </p:cSld>
@@ -11575,6 +11807,441 @@
           <a:chExt cx="0" cy="0"/>
         </a:xfrm>
       </p:grpSpPr>
+      <p:sp>
+        <p:nvSpPr>
+          <p:cNvPr id="5" name="Elipse 4"/>
+          <p:cNvSpPr/>
+          <p:nvPr/>
+        </p:nvSpPr>
+        <p:spPr>
+          <a:xfrm>
+            <a:off x="8017512" y="197869"/>
+            <a:ext cx="476787" cy="427773"/>
+          </a:xfrm>
+          <a:prstGeom prst="ellipse">
+            <a:avLst/>
+          </a:prstGeom>
+          <a:solidFill>
+            <a:schemeClr val="accent2">
+              <a:lumMod val="75000"/>
+            </a:schemeClr>
+          </a:solidFill>
+        </p:spPr>
+        <p:style>
+          <a:lnRef idx="2">
+            <a:schemeClr val="accent1">
+              <a:shade val="50000"/>
+            </a:schemeClr>
+          </a:lnRef>
+          <a:fillRef idx="1">
+            <a:schemeClr val="accent1"/>
+          </a:fillRef>
+          <a:effectRef idx="0">
+            <a:schemeClr val="accent1"/>
+          </a:effectRef>
+          <a:fontRef idx="minor">
+            <a:schemeClr val="lt1"/>
+          </a:fontRef>
+        </p:style>
+        <p:txBody>
+          <a:bodyPr rtlCol="0" anchor="ctr"/>
+          <a:lstStyle/>
+          <a:p>
+            <a:pPr algn="ctr"/>
+            <a:r>
+              <a:rPr lang="es-419" dirty="0"/>
+              <a:t>5</a:t>
+            </a:r>
+            <a:endParaRPr lang="es-ES" dirty="0"/>
+          </a:p>
+        </p:txBody>
+      </p:sp>
+      <p:sp>
+        <p:nvSpPr>
+          <p:cNvPr id="6" name="Flecha izquierda 5"/>
+          <p:cNvSpPr/>
+          <p:nvPr/>
+        </p:nvSpPr>
+        <p:spPr>
+          <a:xfrm>
+            <a:off x="7162238" y="206918"/>
+            <a:ext cx="907453" cy="389250"/>
+          </a:xfrm>
+          <a:prstGeom prst="leftArrow">
+            <a:avLst/>
+          </a:prstGeom>
+          <a:solidFill>
+            <a:schemeClr val="accent2">
+              <a:lumMod val="75000"/>
+            </a:schemeClr>
+          </a:solidFill>
+        </p:spPr>
+        <p:style>
+          <a:lnRef idx="2">
+            <a:schemeClr val="accent1">
+              <a:shade val="50000"/>
+            </a:schemeClr>
+          </a:lnRef>
+          <a:fillRef idx="1">
+            <a:schemeClr val="accent1"/>
+          </a:fillRef>
+          <a:effectRef idx="0">
+            <a:schemeClr val="accent1"/>
+          </a:effectRef>
+          <a:fontRef idx="minor">
+            <a:schemeClr val="lt1"/>
+          </a:fontRef>
+        </p:style>
+        <p:txBody>
+          <a:bodyPr rtlCol="0" anchor="ctr"/>
+          <a:lstStyle/>
+          <a:p>
+            <a:pPr algn="ctr"/>
+            <a:endParaRPr lang="es-ES"/>
+          </a:p>
+        </p:txBody>
+      </p:sp>
+      <p:pic>
+        <p:nvPicPr>
+          <p:cNvPr id="9" name="Imagen 8"/>
+          <p:cNvPicPr>
+            <a:picLocks noChangeAspect="1"/>
+          </p:cNvPicPr>
+          <p:nvPr/>
+        </p:nvPicPr>
+        <p:blipFill>
+          <a:blip r:embed="rId2"/>
+          <a:stretch>
+            <a:fillRect/>
+          </a:stretch>
+        </p:blipFill>
+        <p:spPr>
+          <a:xfrm>
+            <a:off x="380832" y="4978065"/>
+            <a:ext cx="8334375" cy="1714500"/>
+          </a:xfrm>
+          <a:prstGeom prst="rect">
+            <a:avLst/>
+          </a:prstGeom>
+        </p:spPr>
+      </p:pic>
+      <p:pic>
+        <p:nvPicPr>
+          <p:cNvPr id="10" name="Imagen 9"/>
+          <p:cNvPicPr>
+            <a:picLocks noChangeAspect="1"/>
+          </p:cNvPicPr>
+          <p:nvPr/>
+        </p:nvPicPr>
+        <p:blipFill>
+          <a:blip r:embed="rId3"/>
+          <a:stretch>
+            <a:fillRect/>
+          </a:stretch>
+        </p:blipFill>
+        <p:spPr>
+          <a:xfrm>
+            <a:off x="121658" y="1424489"/>
+            <a:ext cx="5457825" cy="1819275"/>
+          </a:xfrm>
+          <a:prstGeom prst="rect">
+            <a:avLst/>
+          </a:prstGeom>
+        </p:spPr>
+      </p:pic>
+      <p:pic>
+        <p:nvPicPr>
+          <p:cNvPr id="12" name="Imagen 11"/>
+          <p:cNvPicPr>
+            <a:picLocks noChangeAspect="1"/>
+          </p:cNvPicPr>
+          <p:nvPr/>
+        </p:nvPicPr>
+        <p:blipFill>
+          <a:blip r:embed="rId4"/>
+          <a:stretch>
+            <a:fillRect/>
+          </a:stretch>
+        </p:blipFill>
+        <p:spPr>
+          <a:xfrm>
+            <a:off x="4398377" y="818096"/>
+            <a:ext cx="4124325" cy="4461910"/>
+          </a:xfrm>
+          <a:prstGeom prst="rect">
+            <a:avLst/>
+          </a:prstGeom>
+        </p:spPr>
+      </p:pic>
+      <p:cxnSp>
+        <p:nvCxnSpPr>
+          <p:cNvPr id="14" name="Conector recto de flecha 13"/>
+          <p:cNvCxnSpPr/>
+          <p:nvPr/>
+        </p:nvCxnSpPr>
+        <p:spPr>
+          <a:xfrm flipH="1">
+            <a:off x="4366464" y="5161547"/>
+            <a:ext cx="181555" cy="324853"/>
+          </a:xfrm>
+          <a:prstGeom prst="straightConnector1">
+            <a:avLst/>
+          </a:prstGeom>
+          <a:ln w="28575">
+            <a:solidFill>
+              <a:schemeClr val="accent4">
+                <a:lumMod val="50000"/>
+              </a:schemeClr>
+            </a:solidFill>
+            <a:tailEnd type="triangle"/>
+          </a:ln>
+        </p:spPr>
+        <p:style>
+          <a:lnRef idx="1">
+            <a:schemeClr val="accent1"/>
+          </a:lnRef>
+          <a:fillRef idx="0">
+            <a:schemeClr val="accent1"/>
+          </a:fillRef>
+          <a:effectRef idx="0">
+            <a:schemeClr val="accent1"/>
+          </a:effectRef>
+          <a:fontRef idx="minor">
+            <a:schemeClr val="tx1"/>
+          </a:fontRef>
+        </p:style>
+      </p:cxnSp>
+      <p:sp>
+        <p:nvSpPr>
+          <p:cNvPr id="15" name="Abrir llave 14"/>
+          <p:cNvSpPr/>
+          <p:nvPr/>
+        </p:nvSpPr>
+        <p:spPr>
+          <a:xfrm>
+            <a:off x="348918" y="1448553"/>
+            <a:ext cx="421106" cy="1819275"/>
+          </a:xfrm>
+          <a:prstGeom prst="leftBrace">
+            <a:avLst/>
+          </a:prstGeom>
+          <a:ln w="28575">
+            <a:solidFill>
+              <a:srgbClr val="FF0000"/>
+            </a:solidFill>
+          </a:ln>
+        </p:spPr>
+        <p:style>
+          <a:lnRef idx="1">
+            <a:schemeClr val="accent1"/>
+          </a:lnRef>
+          <a:fillRef idx="0">
+            <a:schemeClr val="accent1"/>
+          </a:fillRef>
+          <a:effectRef idx="0">
+            <a:schemeClr val="accent1"/>
+          </a:effectRef>
+          <a:fontRef idx="minor">
+            <a:schemeClr val="tx1"/>
+          </a:fontRef>
+        </p:style>
+        <p:txBody>
+          <a:bodyPr rtlCol="0" anchor="ctr"/>
+          <a:lstStyle/>
+          <a:p>
+            <a:pPr algn="ctr"/>
+            <a:endParaRPr lang="es-ES"/>
+          </a:p>
+        </p:txBody>
+      </p:sp>
+      <p:cxnSp>
+        <p:nvCxnSpPr>
+          <p:cNvPr id="16" name="Conector recto de flecha 15"/>
+          <p:cNvCxnSpPr/>
+          <p:nvPr/>
+        </p:nvCxnSpPr>
+        <p:spPr>
+          <a:xfrm flipV="1">
+            <a:off x="348918" y="6233861"/>
+            <a:ext cx="3208249" cy="10528"/>
+          </a:xfrm>
+          <a:prstGeom prst="straightConnector1">
+            <a:avLst/>
+          </a:prstGeom>
+          <a:ln w="28575">
+            <a:solidFill>
+              <a:srgbClr val="FF0000"/>
+            </a:solidFill>
+            <a:tailEnd type="triangle"/>
+          </a:ln>
+        </p:spPr>
+        <p:style>
+          <a:lnRef idx="1">
+            <a:schemeClr val="accent1"/>
+          </a:lnRef>
+          <a:fillRef idx="0">
+            <a:schemeClr val="accent1"/>
+          </a:fillRef>
+          <a:effectRef idx="0">
+            <a:schemeClr val="accent1"/>
+          </a:effectRef>
+          <a:fontRef idx="minor">
+            <a:schemeClr val="tx1"/>
+          </a:fontRef>
+        </p:style>
+      </p:cxnSp>
+      <p:cxnSp>
+        <p:nvCxnSpPr>
+          <p:cNvPr id="20" name="Conector recto 19"/>
+          <p:cNvCxnSpPr>
+            <a:stCxn id="15" idx="1"/>
+          </p:cNvCxnSpPr>
+          <p:nvPr/>
+        </p:nvCxnSpPr>
+        <p:spPr>
+          <a:xfrm>
+            <a:off x="348918" y="2358191"/>
+            <a:ext cx="0" cy="3875670"/>
+          </a:xfrm>
+          <a:prstGeom prst="line">
+            <a:avLst/>
+          </a:prstGeom>
+          <a:ln w="28575">
+            <a:solidFill>
+              <a:srgbClr val="FF0000"/>
+            </a:solidFill>
+          </a:ln>
+        </p:spPr>
+        <p:style>
+          <a:lnRef idx="1">
+            <a:schemeClr val="accent1"/>
+          </a:lnRef>
+          <a:fillRef idx="0">
+            <a:schemeClr val="accent1"/>
+          </a:fillRef>
+          <a:effectRef idx="0">
+            <a:schemeClr val="accent1"/>
+          </a:effectRef>
+          <a:fontRef idx="minor">
+            <a:schemeClr val="tx1"/>
+          </a:fontRef>
+        </p:style>
+      </p:cxnSp>
+      <p:sp>
+        <p:nvSpPr>
+          <p:cNvPr id="23" name="Abrir llave 22"/>
+          <p:cNvSpPr/>
+          <p:nvPr/>
+        </p:nvSpPr>
+        <p:spPr>
+          <a:xfrm>
+            <a:off x="3646300" y="5787189"/>
+            <a:ext cx="227868" cy="905376"/>
+          </a:xfrm>
+          <a:prstGeom prst="leftBrace">
+            <a:avLst/>
+          </a:prstGeom>
+          <a:ln w="28575">
+            <a:solidFill>
+              <a:srgbClr val="FF0000"/>
+            </a:solidFill>
+          </a:ln>
+        </p:spPr>
+        <p:style>
+          <a:lnRef idx="1">
+            <a:schemeClr val="accent1"/>
+          </a:lnRef>
+          <a:fillRef idx="0">
+            <a:schemeClr val="accent1"/>
+          </a:fillRef>
+          <a:effectRef idx="0">
+            <a:schemeClr val="accent1"/>
+          </a:effectRef>
+          <a:fontRef idx="minor">
+            <a:schemeClr val="tx1"/>
+          </a:fontRef>
+        </p:style>
+        <p:txBody>
+          <a:bodyPr rtlCol="0" anchor="ctr"/>
+          <a:lstStyle/>
+          <a:p>
+            <a:pPr algn="ctr"/>
+            <a:endParaRPr lang="es-ES"/>
+          </a:p>
+        </p:txBody>
+      </p:sp>
+      <p:sp>
+        <p:nvSpPr>
+          <p:cNvPr id="29" name="CuadroTexto 28"/>
+          <p:cNvSpPr txBox="1"/>
+          <p:nvPr/>
+        </p:nvSpPr>
+        <p:spPr>
+          <a:xfrm>
+            <a:off x="215808" y="294211"/>
+            <a:ext cx="6786572" cy="646331"/>
+          </a:xfrm>
+          <a:prstGeom prst="rect">
+            <a:avLst/>
+          </a:prstGeom>
+          <a:noFill/>
+        </p:spPr>
+        <p:txBody>
+          <a:bodyPr wrap="square" rtlCol="0">
+            <a:spAutoFit/>
+          </a:bodyPr>
+          <a:lstStyle/>
+          <a:p>
+            <a:r>
+              <a:rPr lang="es-419" dirty="0"/>
+              <a:t>Posicionarse en la línea 42  a la 46, asignar  las variables definidas del archivo </a:t>
+            </a:r>
+            <a:r>
+              <a:rPr lang="es-419" dirty="0" err="1">
+                <a:solidFill>
+                  <a:srgbClr val="FF0000"/>
+                </a:solidFill>
+              </a:rPr>
+              <a:t>Informa.php</a:t>
+            </a:r>
+            <a:r>
+              <a:rPr lang="es-419" dirty="0"/>
+              <a:t>.</a:t>
+            </a:r>
+            <a:endParaRPr lang="es-ES" dirty="0"/>
+          </a:p>
+        </p:txBody>
+      </p:sp>
+    </p:spTree>
+    <p:extLst>
+      <p:ext uri="{BB962C8B-B14F-4D97-AF65-F5344CB8AC3E}">
+        <p14:creationId xmlns:p14="http://schemas.microsoft.com/office/powerpoint/2010/main" val="1143620800"/>
+      </p:ext>
+    </p:extLst>
+  </p:cSld>
+  <p:clrMapOvr>
+    <a:masterClrMapping/>
+  </p:clrMapOvr>
+</p:sld>
+</file>
+
+<file path=ppt/slides/slide28.xml><?xml version="1.0" encoding="utf-8"?>
+<p:sld xmlns:a="http://schemas.openxmlformats.org/drawingml/2006/main" xmlns:r="http://schemas.openxmlformats.org/officeDocument/2006/relationships" xmlns:p="http://schemas.openxmlformats.org/presentationml/2006/main">
+  <p:cSld>
+    <p:spTree>
+      <p:nvGrpSpPr>
+        <p:cNvPr id="1" name=""/>
+        <p:cNvGrpSpPr/>
+        <p:nvPr/>
+      </p:nvGrpSpPr>
+      <p:grpSpPr>
+        <a:xfrm>
+          <a:off x="0" y="0"/>
+          <a:ext cx="0" cy="0"/>
+          <a:chOff x="0" y="0"/>
+          <a:chExt cx="0" cy="0"/>
+        </a:xfrm>
+      </p:grpSpPr>
       <p:pic>
         <p:nvPicPr>
           <p:cNvPr id="22" name="Imagen 21"/>
@@ -12032,7 +12699,7 @@
 </p:sld>
 </file>
 
-<file path=ppt/slides/slide28.xml><?xml version="1.0" encoding="utf-8"?>
+<file path=ppt/slides/slide29.xml><?xml version="1.0" encoding="utf-8"?>
 <p:sld xmlns:a="http://schemas.openxmlformats.org/drawingml/2006/main" xmlns:r="http://schemas.openxmlformats.org/officeDocument/2006/relationships" xmlns:p="http://schemas.openxmlformats.org/presentationml/2006/main">
   <p:cSld>
     <p:spTree>
